--- a/Improving Deep Neural Network - Report - Course 2.pptx
+++ b/Improving Deep Neural Network - Report - Course 2.pptx
@@ -5,10 +5,10 @@
     <p:sldMasterId id="2147483829" r:id="rId1"/>
   </p:sldMasterIdLst>
   <p:notesMasterIdLst>
-    <p:notesMasterId r:id="rId21"/>
+    <p:notesMasterId r:id="rId22"/>
   </p:notesMasterIdLst>
   <p:handoutMasterIdLst>
-    <p:handoutMasterId r:id="rId22"/>
+    <p:handoutMasterId r:id="rId23"/>
   </p:handoutMasterIdLst>
   <p:sldIdLst>
     <p:sldId id="965" r:id="rId2"/>
@@ -23,13 +23,14 @@
     <p:sldId id="1594" r:id="rId11"/>
     <p:sldId id="1597" r:id="rId12"/>
     <p:sldId id="1598" r:id="rId13"/>
-    <p:sldId id="1599" r:id="rId14"/>
-    <p:sldId id="1600" r:id="rId15"/>
-    <p:sldId id="1601" r:id="rId16"/>
-    <p:sldId id="1602" r:id="rId17"/>
-    <p:sldId id="1603" r:id="rId18"/>
-    <p:sldId id="1604" r:id="rId19"/>
-    <p:sldId id="982" r:id="rId20"/>
+    <p:sldId id="1605" r:id="rId14"/>
+    <p:sldId id="1599" r:id="rId15"/>
+    <p:sldId id="1600" r:id="rId16"/>
+    <p:sldId id="1601" r:id="rId17"/>
+    <p:sldId id="1602" r:id="rId18"/>
+    <p:sldId id="1603" r:id="rId19"/>
+    <p:sldId id="1604" r:id="rId20"/>
+    <p:sldId id="982" r:id="rId21"/>
   </p:sldIdLst>
   <p:sldSz cx="12192000" cy="6858000"/>
   <p:notesSz cx="6799263" cy="9929813"/>
@@ -235,7 +236,7 @@
           <a:p>
             <a:fld id="{7CFB3149-E8DE-4273-B7FB-EDFEB61AC35F}" type="datetimeFigureOut">
               <a:rPr kumimoji="1" lang="ja-JP" altLang="en-US" smtClean="0"/>
-              <a:t>2021/10/12</a:t>
+              <a:t>2021/10/13</a:t>
             </a:fld>
             <a:endParaRPr kumimoji="1" lang="ja-JP" altLang="en-US"/>
           </a:p>
@@ -400,7 +401,7 @@
           <a:p>
             <a:fld id="{D9F6548A-C6CF-4C6A-8E66-898AA5274F21}" type="datetimeFigureOut">
               <a:rPr kumimoji="1" lang="ja-JP" altLang="en-US" smtClean="0"/>
-              <a:t>2021/10/12</a:t>
+              <a:t>2021/10/13</a:t>
             </a:fld>
             <a:endParaRPr kumimoji="1" lang="ja-JP" altLang="en-US"/>
           </a:p>
@@ -1047,31 +1048,12 @@
           </a:p>
           <a:p>
             <a:pPr marL="0" indent="0">
+              <a:buFontTx/>
               <a:buNone/>
             </a:pPr>
             <a:r>
               <a:rPr lang="en-US" dirty="0"/>
-              <a:t>+ Compare batch gradient descent &amp; mini-batch gradient descent</a:t>
-            </a:r>
-          </a:p>
-          <a:p>
-            <a:pPr marL="171450" indent="-171450">
-              <a:buFontTx/>
-              <a:buChar char="-"/>
-            </a:pPr>
-            <a:r>
-              <a:rPr lang="en-US" dirty="0"/>
-              <a:t>Batch (lo, hop): all training datasets</a:t>
-            </a:r>
-          </a:p>
-          <a:p>
-            <a:pPr marL="171450" indent="-171450">
-              <a:buFontTx/>
-              <a:buChar char="-"/>
-            </a:pPr>
-            <a:r>
-              <a:rPr lang="en-US" dirty="0"/>
-              <a:t>Mini-batch: split training data -&gt; m-</a:t>
+              <a:t>2) Why ?</a:t>
             </a:r>
           </a:p>
         </p:txBody>
@@ -1170,7 +1152,15 @@
             </a:pPr>
             <a:r>
               <a:rPr lang="en-US" dirty="0"/>
-              <a:t>+ Overfitting:</a:t>
+              <a:t>+ vectorization: refers to Single Instruction &amp; Multiple Data (?). Nhung </a:t>
+            </a:r>
+            <a:r>
+              <a:rPr lang="en-US" dirty="0" err="1"/>
+              <a:t>khi</a:t>
+            </a:r>
+            <a:r>
+              <a:rPr lang="en-US" dirty="0"/>
+              <a:t> large data -&gt; take a huge processing time.</a:t>
             </a:r>
           </a:p>
           <a:p>
@@ -1179,41 +1169,37 @@
             </a:pPr>
             <a:r>
               <a:rPr lang="en-US" dirty="0"/>
-              <a:t>+ Solves: regularization or more training data.</a:t>
+              <a:t>+ gradient descent process:</a:t>
+            </a:r>
+          </a:p>
+          <a:p>
+            <a:pPr marL="171450" indent="-171450">
+              <a:buFontTx/>
+              <a:buChar char="-"/>
+            </a:pPr>
+            <a:r>
+              <a:rPr lang="en-US" dirty="0"/>
+              <a:t>Initialize start points theta_0.</a:t>
+            </a:r>
+          </a:p>
+          <a:p>
+            <a:pPr marL="171450" indent="-171450">
+              <a:buFontTx/>
+              <a:buChar char="-"/>
+            </a:pPr>
+            <a:r>
+              <a:rPr lang="en-US" dirty="0"/>
+              <a:t>Update theta (loop) – using all data points</a:t>
             </a:r>
           </a:p>
           <a:p>
             <a:pPr marL="0" indent="0">
+              <a:buFontTx/>
               <a:buNone/>
             </a:pPr>
             <a:r>
               <a:rPr lang="en-US" dirty="0"/>
-              <a:t>2) Why using ?</a:t>
-            </a:r>
-          </a:p>
-          <a:p>
-            <a:pPr marL="0" indent="0">
-              <a:buNone/>
-            </a:pPr>
-            <a:r>
-              <a:rPr lang="en-US" dirty="0"/>
-              <a:t>+ regularization: </a:t>
-            </a:r>
-            <a:r>
-              <a:rPr lang="en-US" dirty="0" err="1"/>
-              <a:t>giam</a:t>
-            </a:r>
-            <a:r>
-              <a:rPr lang="en-US" dirty="0"/>
-              <a:t> so </a:t>
-            </a:r>
-            <a:r>
-              <a:rPr lang="en-US" dirty="0" err="1"/>
-              <a:t>luong</a:t>
-            </a:r>
-            <a:r>
-              <a:rPr lang="en-US" dirty="0"/>
-              <a:t> models</a:t>
+              <a:t>2) Why ?</a:t>
             </a:r>
           </a:p>
         </p:txBody>
@@ -1244,7 +1230,7 @@
     </p:spTree>
     <p:extLst>
       <p:ext uri="{BB962C8B-B14F-4D97-AF65-F5344CB8AC3E}">
-        <p14:creationId xmlns:p14="http://schemas.microsoft.com/office/powerpoint/2010/main" val="346359283"/>
+        <p14:creationId xmlns:p14="http://schemas.microsoft.com/office/powerpoint/2010/main" val="4153433659"/>
       </p:ext>
     </p:extLst>
   </p:cSld>
@@ -1386,7 +1372,7 @@
     </p:spTree>
     <p:extLst>
       <p:ext uri="{BB962C8B-B14F-4D97-AF65-F5344CB8AC3E}">
-        <p14:creationId xmlns:p14="http://schemas.microsoft.com/office/powerpoint/2010/main" val="1670691235"/>
+        <p14:creationId xmlns:p14="http://schemas.microsoft.com/office/powerpoint/2010/main" val="346359283"/>
       </p:ext>
     </p:extLst>
   </p:cSld>
@@ -1528,7 +1514,7 @@
     </p:spTree>
     <p:extLst>
       <p:ext uri="{BB962C8B-B14F-4D97-AF65-F5344CB8AC3E}">
-        <p14:creationId xmlns:p14="http://schemas.microsoft.com/office/powerpoint/2010/main" val="2725300741"/>
+        <p14:creationId xmlns:p14="http://schemas.microsoft.com/office/powerpoint/2010/main" val="1670691235"/>
       </p:ext>
     </p:extLst>
   </p:cSld>
@@ -1670,7 +1656,7 @@
     </p:spTree>
     <p:extLst>
       <p:ext uri="{BB962C8B-B14F-4D97-AF65-F5344CB8AC3E}">
-        <p14:creationId xmlns:p14="http://schemas.microsoft.com/office/powerpoint/2010/main" val="2317995284"/>
+        <p14:creationId xmlns:p14="http://schemas.microsoft.com/office/powerpoint/2010/main" val="2725300741"/>
       </p:ext>
     </p:extLst>
   </p:cSld>
@@ -1812,7 +1798,7 @@
     </p:spTree>
     <p:extLst>
       <p:ext uri="{BB962C8B-B14F-4D97-AF65-F5344CB8AC3E}">
-        <p14:creationId xmlns:p14="http://schemas.microsoft.com/office/powerpoint/2010/main" val="814293209"/>
+        <p14:creationId xmlns:p14="http://schemas.microsoft.com/office/powerpoint/2010/main" val="2317995284"/>
       </p:ext>
     </p:extLst>
   </p:cSld>
@@ -1946,6 +1932,148 @@
             <a:fld id="{5457576B-81D0-4568-B3CF-C3F7AD81B6EA}" type="slidenum">
               <a:rPr kumimoji="1" lang="ja-JP" altLang="en-US" smtClean="0"/>
               <a:t>17</a:t>
+            </a:fld>
+            <a:endParaRPr kumimoji="1" lang="ja-JP" altLang="en-US"/>
+          </a:p>
+        </p:txBody>
+      </p:sp>
+    </p:spTree>
+    <p:extLst>
+      <p:ext uri="{BB962C8B-B14F-4D97-AF65-F5344CB8AC3E}">
+        <p14:creationId xmlns:p14="http://schemas.microsoft.com/office/powerpoint/2010/main" val="814293209"/>
+      </p:ext>
+    </p:extLst>
+  </p:cSld>
+  <p:clrMapOvr>
+    <a:masterClrMapping/>
+  </p:clrMapOvr>
+</p:notes>
+</file>
+
+<file path=ppt/notesSlides/notesSlide18.xml><?xml version="1.0" encoding="utf-8"?>
+<p:notes xmlns:a="http://schemas.openxmlformats.org/drawingml/2006/main" xmlns:r="http://schemas.openxmlformats.org/officeDocument/2006/relationships" xmlns:p="http://schemas.openxmlformats.org/presentationml/2006/main">
+  <p:cSld>
+    <p:spTree>
+      <p:nvGrpSpPr>
+        <p:cNvPr id="1" name=""/>
+        <p:cNvGrpSpPr/>
+        <p:nvPr/>
+      </p:nvGrpSpPr>
+      <p:grpSpPr>
+        <a:xfrm>
+          <a:off x="0" y="0"/>
+          <a:ext cx="0" cy="0"/>
+          <a:chOff x="0" y="0"/>
+          <a:chExt cx="0" cy="0"/>
+        </a:xfrm>
+      </p:grpSpPr>
+      <p:sp>
+        <p:nvSpPr>
+          <p:cNvPr id="2" name="Slide Image Placeholder 1"/>
+          <p:cNvSpPr>
+            <a:spLocks noGrp="1" noRot="1" noChangeAspect="1"/>
+          </p:cNvSpPr>
+          <p:nvPr>
+            <p:ph type="sldImg"/>
+          </p:nvPr>
+        </p:nvSpPr>
+        <p:spPr/>
+      </p:sp>
+      <p:sp>
+        <p:nvSpPr>
+          <p:cNvPr id="3" name="Notes Placeholder 2"/>
+          <p:cNvSpPr>
+            <a:spLocks noGrp="1"/>
+          </p:cNvSpPr>
+          <p:nvPr>
+            <p:ph type="body" idx="1"/>
+          </p:nvPr>
+        </p:nvSpPr>
+        <p:spPr/>
+        <p:txBody>
+          <a:bodyPr/>
+          <a:lstStyle/>
+          <a:p>
+            <a:pPr marL="228600" indent="-228600">
+              <a:buAutoNum type="arabicParenR"/>
+            </a:pPr>
+            <a:r>
+              <a:rPr lang="en-US" dirty="0"/>
+              <a:t>What:</a:t>
+            </a:r>
+          </a:p>
+          <a:p>
+            <a:pPr marL="0" indent="0">
+              <a:buNone/>
+            </a:pPr>
+            <a:r>
+              <a:rPr lang="en-US" dirty="0"/>
+              <a:t>+ Overfitting:</a:t>
+            </a:r>
+          </a:p>
+          <a:p>
+            <a:pPr marL="0" indent="0">
+              <a:buNone/>
+            </a:pPr>
+            <a:r>
+              <a:rPr lang="en-US" dirty="0"/>
+              <a:t>+ Solves: regularization or more training data.</a:t>
+            </a:r>
+          </a:p>
+          <a:p>
+            <a:pPr marL="0" indent="0">
+              <a:buNone/>
+            </a:pPr>
+            <a:r>
+              <a:rPr lang="en-US" dirty="0"/>
+              <a:t>2) Why using ?</a:t>
+            </a:r>
+          </a:p>
+          <a:p>
+            <a:pPr marL="0" indent="0">
+              <a:buNone/>
+            </a:pPr>
+            <a:r>
+              <a:rPr lang="en-US" dirty="0"/>
+              <a:t>+ regularization: </a:t>
+            </a:r>
+            <a:r>
+              <a:rPr lang="en-US" dirty="0" err="1"/>
+              <a:t>giam</a:t>
+            </a:r>
+            <a:r>
+              <a:rPr lang="en-US" dirty="0"/>
+              <a:t> so </a:t>
+            </a:r>
+            <a:r>
+              <a:rPr lang="en-US" dirty="0" err="1"/>
+              <a:t>luong</a:t>
+            </a:r>
+            <a:r>
+              <a:rPr lang="en-US" dirty="0"/>
+              <a:t> models</a:t>
+            </a:r>
+          </a:p>
+        </p:txBody>
+      </p:sp>
+      <p:sp>
+        <p:nvSpPr>
+          <p:cNvPr id="4" name="Slide Number Placeholder 3"/>
+          <p:cNvSpPr>
+            <a:spLocks noGrp="1"/>
+          </p:cNvSpPr>
+          <p:nvPr>
+            <p:ph type="sldNum" sz="quarter" idx="5"/>
+          </p:nvPr>
+        </p:nvSpPr>
+        <p:spPr/>
+        <p:txBody>
+          <a:bodyPr/>
+          <a:lstStyle/>
+          <a:p>
+            <a:fld id="{5457576B-81D0-4568-B3CF-C3F7AD81B6EA}" type="slidenum">
+              <a:rPr kumimoji="1" lang="ja-JP" altLang="en-US" smtClean="0"/>
+              <a:t>18</a:t>
             </a:fld>
             <a:endParaRPr kumimoji="1" lang="ja-JP" altLang="en-US"/>
           </a:p>
@@ -9916,7 +10044,7 @@
         <p:spPr>
           <a:xfrm>
             <a:off x="320041" y="1005840"/>
-            <a:ext cx="11173459" cy="2800767"/>
+            <a:ext cx="11173459" cy="3539430"/>
           </a:xfrm>
           <a:prstGeom prst="rect">
             <a:avLst/>
@@ -9972,8 +10100,19 @@
             </a:pPr>
             <a:r>
               <a:rPr lang="en-US" sz="1600" dirty="0"/>
-              <a:t>Example: Batch=10^6 ; mini-batch=1000</a:t>
-            </a:r>
+              <a:t>Example: Batch=5*10^6 ; mini-batch=1000; number of  </a:t>
+            </a:r>
+            <a:br>
+              <a:rPr lang="en-US" sz="1600" dirty="0"/>
+            </a:br>
+            <a:r>
+              <a:rPr lang="en-US" sz="1600" dirty="0"/>
+              <a:t>batches = 5000</a:t>
+            </a:r>
+          </a:p>
+          <a:p>
+            <a:pPr lvl="1"/>
+            <a:endParaRPr lang="en-US" sz="1600" dirty="0"/>
           </a:p>
           <a:p>
             <a:pPr marL="285750" indent="-285750">
@@ -9996,11 +10135,28 @@
             </a:pPr>
             <a:r>
               <a:rPr lang="en-US" sz="1600" dirty="0"/>
-              <a:t>Batch &amp; Mini-batch Gradient Descent:</a:t>
-            </a:r>
-          </a:p>
-          <a:p>
-            <a:endParaRPr lang="en-US" sz="1600" dirty="0"/>
+              <a:t>Mini-batch Gradient Descent:</a:t>
+            </a:r>
+          </a:p>
+          <a:p>
+            <a:pPr marL="742864" lvl="1" indent="-285750">
+              <a:buFont typeface="Wingdings" panose="05000000000000000000" pitchFamily="2" charset="2"/>
+              <a:buChar char="§"/>
+            </a:pPr>
+            <a:r>
+              <a:rPr lang="en-US" sz="1600" dirty="0"/>
+              <a:t>Run the gradient descent on the mini datasets.</a:t>
+            </a:r>
+          </a:p>
+          <a:p>
+            <a:pPr marL="742864" lvl="1" indent="-285750">
+              <a:buFont typeface="Wingdings" panose="05000000000000000000" pitchFamily="2" charset="2"/>
+              <a:buChar char="§"/>
+            </a:pPr>
+            <a:r>
+              <a:rPr lang="en-US" sz="1600" dirty="0"/>
+              <a:t>Mini-batch algorithms pseudo code:</a:t>
+            </a:r>
           </a:p>
           <a:p>
             <a:pPr marL="285750" indent="-285750">
@@ -10039,188 +10195,14 @@
         </p:blipFill>
         <p:spPr>
           <a:xfrm>
-            <a:off x="6868843" y="1419049"/>
-            <a:ext cx="4210638" cy="752580"/>
+            <a:off x="6360808" y="1379914"/>
+            <a:ext cx="5296156" cy="946598"/>
           </a:xfrm>
           <a:prstGeom prst="rect">
             <a:avLst/>
           </a:prstGeom>
         </p:spPr>
       </p:pic>
-      <p:graphicFrame>
-        <p:nvGraphicFramePr>
-          <p:cNvPr id="9" name="Table 9">
-            <a:extLst>
-              <a:ext uri="{FF2B5EF4-FFF2-40B4-BE49-F238E27FC236}">
-                <a16:creationId xmlns:a16="http://schemas.microsoft.com/office/drawing/2014/main" id="{C08BC97E-B760-424C-9BAF-FFB2CD49EDD3}"/>
-              </a:ext>
-            </a:extLst>
-          </p:cNvPr>
-          <p:cNvGraphicFramePr>
-            <a:graphicFrameLocks noGrp="1"/>
-          </p:cNvGraphicFramePr>
-          <p:nvPr>
-            <p:extLst>
-              <p:ext uri="{D42A27DB-BD31-4B8C-83A1-F6EECF244321}">
-                <p14:modId xmlns:p14="http://schemas.microsoft.com/office/powerpoint/2010/main" val="259304857"/>
-              </p:ext>
-            </p:extLst>
-          </p:nvPr>
-        </p:nvGraphicFramePr>
-        <p:xfrm>
-          <a:off x="698500" y="2737238"/>
-          <a:ext cx="10380981" cy="3267323"/>
-        </p:xfrm>
-        <a:graphic>
-          <a:graphicData uri="http://schemas.openxmlformats.org/drawingml/2006/table">
-            <a:tbl>
-              <a:tblPr firstRow="1" bandRow="1">
-                <a:tableStyleId>{5C22544A-7EE6-4342-B048-85BDC9FD1C3A}</a:tableStyleId>
-              </a:tblPr>
-              <a:tblGrid>
-                <a:gridCol w="1511300">
-                  <a:extLst>
-                    <a:ext uri="{9D8B030D-6E8A-4147-A177-3AD203B41FA5}">
-                      <a16:colId xmlns:a16="http://schemas.microsoft.com/office/drawing/2014/main" val="3812656186"/>
-                    </a:ext>
-                  </a:extLst>
-                </a:gridCol>
-                <a:gridCol w="3886200">
-                  <a:extLst>
-                    <a:ext uri="{9D8B030D-6E8A-4147-A177-3AD203B41FA5}">
-                      <a16:colId xmlns:a16="http://schemas.microsoft.com/office/drawing/2014/main" val="2691288150"/>
-                    </a:ext>
-                  </a:extLst>
-                </a:gridCol>
-                <a:gridCol w="4983481">
-                  <a:extLst>
-                    <a:ext uri="{9D8B030D-6E8A-4147-A177-3AD203B41FA5}">
-                      <a16:colId xmlns:a16="http://schemas.microsoft.com/office/drawing/2014/main" val="606451632"/>
-                    </a:ext>
-                  </a:extLst>
-                </a:gridCol>
-              </a:tblGrid>
-              <a:tr h="644295">
-                <a:tc>
-                  <a:txBody>
-                    <a:bodyPr/>
-                    <a:lstStyle/>
-                    <a:p>
-                      <a:endParaRPr lang="en-US" dirty="0"/>
-                    </a:p>
-                  </a:txBody>
-                  <a:tcPr/>
-                </a:tc>
-                <a:tc>
-                  <a:txBody>
-                    <a:bodyPr/>
-                    <a:lstStyle/>
-                    <a:p>
-                      <a:r>
-                        <a:rPr lang="en-US" sz="1600" dirty="0"/>
-                        <a:t>Batch Gradient Descent</a:t>
-                      </a:r>
-                    </a:p>
-                  </a:txBody>
-                  <a:tcPr/>
-                </a:tc>
-                <a:tc>
-                  <a:txBody>
-                    <a:bodyPr/>
-                    <a:lstStyle/>
-                    <a:p>
-                      <a:r>
-                        <a:rPr lang="en-US" sz="1600" dirty="0"/>
-                        <a:t>Mini-batch Gradient Descent</a:t>
-                      </a:r>
-                    </a:p>
-                  </a:txBody>
-                  <a:tcPr/>
-                </a:tc>
-                <a:extLst>
-                  <a:ext uri="{0D108BD9-81ED-4DB2-BD59-A6C34878D82A}">
-                    <a16:rowId xmlns:a16="http://schemas.microsoft.com/office/drawing/2014/main" val="2428105974"/>
-                  </a:ext>
-                </a:extLst>
-              </a:tr>
-              <a:tr h="1311514">
-                <a:tc>
-                  <a:txBody>
-                    <a:bodyPr/>
-                    <a:lstStyle/>
-                    <a:p>
-                      <a:endParaRPr lang="en-US"/>
-                    </a:p>
-                  </a:txBody>
-                  <a:tcPr/>
-                </a:tc>
-                <a:tc>
-                  <a:txBody>
-                    <a:bodyPr/>
-                    <a:lstStyle/>
-                    <a:p>
-                      <a:endParaRPr lang="en-US" dirty="0"/>
-                    </a:p>
-                  </a:txBody>
-                  <a:tcPr/>
-                </a:tc>
-                <a:tc>
-                  <a:txBody>
-                    <a:bodyPr/>
-                    <a:lstStyle/>
-                    <a:p>
-                      <a:endParaRPr lang="en-US"/>
-                    </a:p>
-                  </a:txBody>
-                  <a:tcPr/>
-                </a:tc>
-                <a:extLst>
-                  <a:ext uri="{0D108BD9-81ED-4DB2-BD59-A6C34878D82A}">
-                    <a16:rowId xmlns:a16="http://schemas.microsoft.com/office/drawing/2014/main" val="496115380"/>
-                  </a:ext>
-                </a:extLst>
-              </a:tr>
-              <a:tr h="1311514">
-                <a:tc>
-                  <a:txBody>
-                    <a:bodyPr/>
-                    <a:lstStyle/>
-                    <a:p>
-                      <a:endParaRPr lang="en-US"/>
-                    </a:p>
-                  </a:txBody>
-                  <a:tcPr/>
-                </a:tc>
-                <a:tc>
-                  <a:txBody>
-                    <a:bodyPr/>
-                    <a:lstStyle/>
-                    <a:p>
-                      <a:endParaRPr lang="en-US"/>
-                    </a:p>
-                  </a:txBody>
-                  <a:tcPr/>
-                </a:tc>
-                <a:tc>
-                  <a:txBody>
-                    <a:bodyPr/>
-                    <a:lstStyle/>
-                    <a:p>
-                      <a:endParaRPr lang="en-US" dirty="0"/>
-                    </a:p>
-                  </a:txBody>
-                  <a:tcPr/>
-                </a:tc>
-                <a:extLst>
-                  <a:ext uri="{0D108BD9-81ED-4DB2-BD59-A6C34878D82A}">
-                    <a16:rowId xmlns:a16="http://schemas.microsoft.com/office/drawing/2014/main" val="3578630397"/>
-                  </a:ext>
-                </a:extLst>
-              </a:tr>
-            </a:tbl>
-          </a:graphicData>
-        </a:graphic>
-      </p:graphicFrame>
     </p:spTree>
     <p:extLst>
       <p:ext uri="{BB962C8B-B14F-4D97-AF65-F5344CB8AC3E}">
@@ -10279,15 +10261,59 @@
           <a:p>
             <a:r>
               <a:rPr lang="en-US" dirty="0"/>
-              <a:t>2.2 Exponentially Weighted Averages</a:t>
-            </a:r>
+              <a:t>2.1 Mini-batch Gradient Descent (2)</a:t>
+            </a:r>
+          </a:p>
+        </p:txBody>
+      </p:sp>
+      <p:sp>
+        <p:nvSpPr>
+          <p:cNvPr id="7" name="Rectangle 6">
+            <a:extLst>
+              <a:ext uri="{FF2B5EF4-FFF2-40B4-BE49-F238E27FC236}">
+                <a16:creationId xmlns:a16="http://schemas.microsoft.com/office/drawing/2014/main" id="{E30DBC99-C7D3-4EBE-8E35-A81FA03E65E4}"/>
+              </a:ext>
+            </a:extLst>
+          </p:cNvPr>
+          <p:cNvSpPr/>
+          <p:nvPr/>
+        </p:nvSpPr>
+        <p:spPr>
+          <a:xfrm>
+            <a:off x="320041" y="1005840"/>
+            <a:ext cx="11173459" cy="830997"/>
+          </a:xfrm>
+          <a:prstGeom prst="rect">
+            <a:avLst/>
+          </a:prstGeom>
+        </p:spPr>
+        <p:txBody>
+          <a:bodyPr wrap="square">
+            <a:spAutoFit/>
+          </a:bodyPr>
+          <a:lstStyle/>
+          <a:p>
+            <a:pPr marL="285750" indent="-285750">
+              <a:buFont typeface="Wingdings" panose="05000000000000000000" pitchFamily="2" charset="2"/>
+              <a:buChar char="v"/>
+            </a:pPr>
+            <a:r>
+              <a:rPr lang="en-US" sz="1600" dirty="0"/>
+              <a:t>Vectorization</a:t>
+            </a:r>
+          </a:p>
+          <a:p>
+            <a:endParaRPr lang="en-US" sz="1600" dirty="0"/>
+          </a:p>
+          <a:p>
+            <a:endParaRPr lang="en-US" sz="1600" dirty="0"/>
           </a:p>
         </p:txBody>
       </p:sp>
     </p:spTree>
     <p:extLst>
       <p:ext uri="{BB962C8B-B14F-4D97-AF65-F5344CB8AC3E}">
-        <p14:creationId xmlns:p14="http://schemas.microsoft.com/office/powerpoint/2010/main" val="1095000911"/>
+        <p14:creationId xmlns:p14="http://schemas.microsoft.com/office/powerpoint/2010/main" val="567276503"/>
       </p:ext>
     </p:extLst>
   </p:cSld>
@@ -10342,7 +10368,7 @@
           <a:p>
             <a:r>
               <a:rPr lang="en-US" dirty="0"/>
-              <a:t>2.3 Bias Correction in Exponentially Weighted Averages</a:t>
+              <a:t>2.2 Exponentially Weighted Averages</a:t>
             </a:r>
           </a:p>
         </p:txBody>
@@ -10350,7 +10376,7 @@
     </p:spTree>
     <p:extLst>
       <p:ext uri="{BB962C8B-B14F-4D97-AF65-F5344CB8AC3E}">
-        <p14:creationId xmlns:p14="http://schemas.microsoft.com/office/powerpoint/2010/main" val="2577405432"/>
+        <p14:creationId xmlns:p14="http://schemas.microsoft.com/office/powerpoint/2010/main" val="1095000911"/>
       </p:ext>
     </p:extLst>
   </p:cSld>
@@ -10405,7 +10431,7 @@
           <a:p>
             <a:r>
               <a:rPr lang="en-US" dirty="0"/>
-              <a:t>2.4 Gradient Descent with Momentum </a:t>
+              <a:t>2.3 Bias Correction in Exponentially Weighted Averages</a:t>
             </a:r>
           </a:p>
         </p:txBody>
@@ -10413,7 +10439,7 @@
     </p:spTree>
     <p:extLst>
       <p:ext uri="{BB962C8B-B14F-4D97-AF65-F5344CB8AC3E}">
-        <p14:creationId xmlns:p14="http://schemas.microsoft.com/office/powerpoint/2010/main" val="3558116522"/>
+        <p14:creationId xmlns:p14="http://schemas.microsoft.com/office/powerpoint/2010/main" val="2577405432"/>
       </p:ext>
     </p:extLst>
   </p:cSld>
@@ -10468,20 +10494,15 @@
           <a:p>
             <a:r>
               <a:rPr lang="en-US" dirty="0"/>
-              <a:t>2.5 </a:t>
-            </a:r>
-            <a:r>
-              <a:rPr lang="en-US" dirty="0" err="1"/>
-              <a:t>RMSProp</a:t>
-            </a:r>
-            <a:endParaRPr lang="en-US" dirty="0"/>
+              <a:t>2.4 Gradient Descent with Momentum </a:t>
+            </a:r>
           </a:p>
         </p:txBody>
       </p:sp>
     </p:spTree>
     <p:extLst>
       <p:ext uri="{BB962C8B-B14F-4D97-AF65-F5344CB8AC3E}">
-        <p14:creationId xmlns:p14="http://schemas.microsoft.com/office/powerpoint/2010/main" val="316373092"/>
+        <p14:creationId xmlns:p14="http://schemas.microsoft.com/office/powerpoint/2010/main" val="3558116522"/>
       </p:ext>
     </p:extLst>
   </p:cSld>
@@ -10536,15 +10557,20 @@
           <a:p>
             <a:r>
               <a:rPr lang="en-US" dirty="0"/>
-              <a:t>2.6 Adam Optimization Algorithms</a:t>
-            </a:r>
+              <a:t>2.5 </a:t>
+            </a:r>
+            <a:r>
+              <a:rPr lang="en-US" dirty="0" err="1"/>
+              <a:t>RMSProp</a:t>
+            </a:r>
+            <a:endParaRPr lang="en-US" dirty="0"/>
           </a:p>
         </p:txBody>
       </p:sp>
     </p:spTree>
     <p:extLst>
       <p:ext uri="{BB962C8B-B14F-4D97-AF65-F5344CB8AC3E}">
-        <p14:creationId xmlns:p14="http://schemas.microsoft.com/office/powerpoint/2010/main" val="1517981172"/>
+        <p14:creationId xmlns:p14="http://schemas.microsoft.com/office/powerpoint/2010/main" val="316373092"/>
       </p:ext>
     </p:extLst>
   </p:cSld>
@@ -10599,7 +10625,7 @@
           <a:p>
             <a:r>
               <a:rPr lang="en-US" dirty="0"/>
-              <a:t>2.7 Learning Rate Decay &amp; The Problem of Local Optimal</a:t>
+              <a:t>2.6 Adam Optimization Algorithms</a:t>
             </a:r>
           </a:p>
         </p:txBody>
@@ -10607,7 +10633,7 @@
     </p:spTree>
     <p:extLst>
       <p:ext uri="{BB962C8B-B14F-4D97-AF65-F5344CB8AC3E}">
-        <p14:creationId xmlns:p14="http://schemas.microsoft.com/office/powerpoint/2010/main" val="2965339304"/>
+        <p14:creationId xmlns:p14="http://schemas.microsoft.com/office/powerpoint/2010/main" val="1517981172"/>
       </p:ext>
     </p:extLst>
   </p:cSld>
@@ -10636,7 +10662,13 @@
       </p:grpSpPr>
       <p:sp>
         <p:nvSpPr>
-          <p:cNvPr id="5" name="タイトル 4"/>
+          <p:cNvPr id="5" name="Title 4">
+            <a:extLst>
+              <a:ext uri="{FF2B5EF4-FFF2-40B4-BE49-F238E27FC236}">
+                <a16:creationId xmlns:a16="http://schemas.microsoft.com/office/drawing/2014/main" id="{44E0868E-BCFF-4470-AA32-2E6DA01A7745}"/>
+              </a:ext>
+            </a:extLst>
+          </p:cNvPr>
           <p:cNvSpPr>
             <a:spLocks noGrp="1"/>
           </p:cNvSpPr>
@@ -10644,25 +10676,27 @@
             <p:ph type="title"/>
           </p:nvPr>
         </p:nvSpPr>
-        <p:spPr/>
+        <p:spPr>
+          <a:xfrm>
+            <a:off x="-15240" y="13063"/>
+            <a:ext cx="11429999" cy="749165"/>
+          </a:xfrm>
+        </p:spPr>
         <p:txBody>
           <a:bodyPr/>
           <a:lstStyle/>
           <a:p>
             <a:r>
-              <a:rPr lang="en-US" altLang="ja-JP" dirty="0">
-                <a:ea typeface="Toshiba Sans" panose="020B0503030403020204" pitchFamily="34" charset="0"/>
-              </a:rPr>
-              <a:t>Thank you</a:t>
-            </a:r>
-            <a:endParaRPr lang="ja-JP" altLang="en-US"/>
+              <a:rPr lang="en-US" dirty="0"/>
+              <a:t>2.7 Learning Rate Decay &amp; The Problem of Local Optimal</a:t>
+            </a:r>
           </a:p>
         </p:txBody>
       </p:sp>
     </p:spTree>
     <p:extLst>
       <p:ext uri="{BB962C8B-B14F-4D97-AF65-F5344CB8AC3E}">
-        <p14:creationId xmlns:p14="http://schemas.microsoft.com/office/powerpoint/2010/main" val="2324302721"/>
+        <p14:creationId xmlns:p14="http://schemas.microsoft.com/office/powerpoint/2010/main" val="2965339304"/>
       </p:ext>
     </p:extLst>
   </p:cSld>
@@ -10922,6 +10956,61 @@
     <p:extLst>
       <p:ext uri="{BB962C8B-B14F-4D97-AF65-F5344CB8AC3E}">
         <p14:creationId xmlns:p14="http://schemas.microsoft.com/office/powerpoint/2010/main" val="1690902299"/>
+      </p:ext>
+    </p:extLst>
+  </p:cSld>
+  <p:clrMapOvr>
+    <a:masterClrMapping/>
+  </p:clrMapOvr>
+</p:sld>
+</file>
+
+<file path=ppt/slides/slide20.xml><?xml version="1.0" encoding="utf-8"?>
+<p:sld xmlns:a="http://schemas.openxmlformats.org/drawingml/2006/main" xmlns:r="http://schemas.openxmlformats.org/officeDocument/2006/relationships" xmlns:p="http://schemas.openxmlformats.org/presentationml/2006/main">
+  <p:cSld>
+    <p:spTree>
+      <p:nvGrpSpPr>
+        <p:cNvPr id="1" name=""/>
+        <p:cNvGrpSpPr/>
+        <p:nvPr/>
+      </p:nvGrpSpPr>
+      <p:grpSpPr>
+        <a:xfrm>
+          <a:off x="0" y="0"/>
+          <a:ext cx="0" cy="0"/>
+          <a:chOff x="0" y="0"/>
+          <a:chExt cx="0" cy="0"/>
+        </a:xfrm>
+      </p:grpSpPr>
+      <p:sp>
+        <p:nvSpPr>
+          <p:cNvPr id="5" name="タイトル 4"/>
+          <p:cNvSpPr>
+            <a:spLocks noGrp="1"/>
+          </p:cNvSpPr>
+          <p:nvPr>
+            <p:ph type="title"/>
+          </p:nvPr>
+        </p:nvSpPr>
+        <p:spPr/>
+        <p:txBody>
+          <a:bodyPr/>
+          <a:lstStyle/>
+          <a:p>
+            <a:r>
+              <a:rPr lang="en-US" altLang="ja-JP" dirty="0">
+                <a:ea typeface="Toshiba Sans" panose="020B0503030403020204" pitchFamily="34" charset="0"/>
+              </a:rPr>
+              <a:t>Thank you</a:t>
+            </a:r>
+            <a:endParaRPr lang="ja-JP" altLang="en-US"/>
+          </a:p>
+        </p:txBody>
+      </p:sp>
+    </p:spTree>
+    <p:extLst>
+      <p:ext uri="{BB962C8B-B14F-4D97-AF65-F5344CB8AC3E}">
+        <p14:creationId xmlns:p14="http://schemas.microsoft.com/office/powerpoint/2010/main" val="2324302721"/>
       </p:ext>
     </p:extLst>
   </p:cSld>

--- a/Improving Deep Neural Network - Report - Course 2.pptx
+++ b/Improving Deep Neural Network - Report - Course 2.pptx
@@ -16,9 +16,9 @@
     <p:sldId id="1048" r:id="rId4"/>
     <p:sldId id="1590" r:id="rId5"/>
     <p:sldId id="1259" r:id="rId6"/>
-    <p:sldId id="1592" r:id="rId7"/>
-    <p:sldId id="1591" r:id="rId8"/>
-    <p:sldId id="1593" r:id="rId9"/>
+    <p:sldId id="1591" r:id="rId7"/>
+    <p:sldId id="1593" r:id="rId8"/>
+    <p:sldId id="1606" r:id="rId9"/>
     <p:sldId id="1595" r:id="rId10"/>
     <p:sldId id="1594" r:id="rId11"/>
     <p:sldId id="1597" r:id="rId12"/>
@@ -2481,9 +2481,18 @@
               <a:buNone/>
             </a:pPr>
             <a:r>
-              <a:rPr lang="en-US" dirty="0"/>
-              <a:t>+ high bias -&gt; models not focus training data &amp; oversimplifies the model.</a:t>
-            </a:r>
+              <a:rPr lang="en-US" sz="1200" dirty="0"/>
+              <a:t>+ spread /</a:t>
+            </a:r>
+            <a:r>
+              <a:rPr lang="en-US" sz="1200" dirty="0" err="1"/>
+              <a:t>spét</a:t>
+            </a:r>
+            <a:r>
+              <a:rPr lang="en-US" sz="1200" dirty="0"/>
+              <a:t>/</a:t>
+            </a:r>
+            <a:endParaRPr lang="en-US" dirty="0"/>
           </a:p>
           <a:p>
             <a:pPr marL="0" indent="0">
@@ -2491,15 +2500,63 @@
             </a:pPr>
             <a:r>
               <a:rPr lang="en-US" dirty="0"/>
-              <a:t>+ high variance -&gt; du lieu </a:t>
+              <a:t>+ Bias: </a:t>
             </a:r>
             <a:r>
               <a:rPr lang="en-US" dirty="0" err="1"/>
-              <a:t>thua</a:t>
-            </a:r>
-            <a:r>
-              <a:rPr lang="en-US" dirty="0"/>
-              <a:t> thot </a:t>
+              <a:t>sai</a:t>
+            </a:r>
+            <a:r>
+              <a:rPr lang="en-US" dirty="0"/>
+              <a:t> </a:t>
+            </a:r>
+            <a:r>
+              <a:rPr lang="en-US" dirty="0" err="1"/>
+              <a:t>khac</a:t>
+            </a:r>
+            <a:r>
+              <a:rPr lang="en-US" dirty="0"/>
+              <a:t> </a:t>
+            </a:r>
+            <a:r>
+              <a:rPr lang="en-US" dirty="0" err="1"/>
+              <a:t>giua</a:t>
+            </a:r>
+            <a:r>
+              <a:rPr lang="en-US" dirty="0"/>
+              <a:t> </a:t>
+            </a:r>
+            <a:r>
+              <a:rPr lang="en-US" dirty="0" err="1"/>
+              <a:t>t.binh</a:t>
+            </a:r>
+            <a:r>
+              <a:rPr lang="en-US" dirty="0"/>
+              <a:t> du doan of model &amp; </a:t>
+            </a:r>
+            <a:r>
+              <a:rPr lang="en-US" dirty="0" err="1"/>
+              <a:t>gia</a:t>
+            </a:r>
+            <a:r>
+              <a:rPr lang="en-US" dirty="0"/>
+              <a:t> tri </a:t>
+            </a:r>
+            <a:r>
+              <a:rPr lang="en-US" dirty="0" err="1"/>
+              <a:t>chinh</a:t>
+            </a:r>
+            <a:r>
+              <a:rPr lang="en-US" dirty="0"/>
+              <a:t> </a:t>
+            </a:r>
+            <a:r>
+              <a:rPr lang="en-US" dirty="0" err="1"/>
+              <a:t>xac</a:t>
+            </a:r>
+            <a:r>
+              <a:rPr lang="en-US" dirty="0"/>
+              <a:t> dang co du doan</a:t>
             </a:r>
           </a:p>
           <a:p>
@@ -2508,7 +2565,31 @@
             </a:pPr>
             <a:r>
               <a:rPr lang="en-US" dirty="0"/>
-              <a:t>2) Why occur ?</a:t>
+              <a:t>+ Variance: </a:t>
+            </a:r>
+            <a:r>
+              <a:rPr lang="en-US" dirty="0" err="1"/>
+              <a:t>sự</a:t>
+            </a:r>
+            <a:r>
+              <a:rPr lang="en-US" dirty="0"/>
+              <a:t> </a:t>
+            </a:r>
+            <a:r>
+              <a:rPr lang="en-US" dirty="0" err="1"/>
+              <a:t>tản</a:t>
+            </a:r>
+            <a:r>
+              <a:rPr lang="en-US" dirty="0"/>
+              <a:t> </a:t>
+            </a:r>
+            <a:r>
+              <a:rPr lang="en-US" dirty="0" err="1"/>
+              <a:t>mát</a:t>
+            </a:r>
+            <a:r>
+              <a:rPr lang="en-US" dirty="0"/>
+              <a:t> (co cum/phan tan)</a:t>
             </a:r>
           </a:p>
           <a:p>
@@ -2517,6 +2598,49 @@
             </a:pPr>
             <a:r>
               <a:rPr lang="en-US" dirty="0"/>
+              <a:t>+ high bias -&gt; models not focus training data &amp; oversimplifies the model.</a:t>
+            </a:r>
+          </a:p>
+          <a:p>
+            <a:pPr marL="0" indent="0">
+              <a:buNone/>
+            </a:pPr>
+            <a:r>
+              <a:rPr lang="en-US" dirty="0"/>
+              <a:t>+ high variance -&gt; too focus training data &amp; k </a:t>
+            </a:r>
+            <a:r>
+              <a:rPr lang="en-US" dirty="0" err="1"/>
+              <a:t>mang</a:t>
+            </a:r>
+            <a:r>
+              <a:rPr lang="en-US" dirty="0"/>
+              <a:t> </a:t>
+            </a:r>
+            <a:r>
+              <a:rPr lang="en-US" dirty="0" err="1"/>
+              <a:t>tinh</a:t>
+            </a:r>
+            <a:r>
+              <a:rPr lang="en-US" dirty="0"/>
+              <a:t> tong quat</a:t>
+            </a:r>
+          </a:p>
+          <a:p>
+            <a:pPr marL="0" indent="0">
+              <a:buNone/>
+            </a:pPr>
+            <a:r>
+              <a:rPr lang="en-US" dirty="0"/>
+              <a:t>2) Why occur ?</a:t>
+            </a:r>
+          </a:p>
+          <a:p>
+            <a:pPr marL="0" indent="0">
+              <a:buNone/>
+            </a:pPr>
+            <a:r>
+              <a:rPr lang="en-US" dirty="0"/>
               <a:t>+ </a:t>
             </a:r>
             <a:r>
@@ -2549,7 +2673,7 @@
             </a:pPr>
             <a:r>
               <a:rPr lang="en-US" dirty="0"/>
-              <a:t>3)  Model’s capacity la kha </a:t>
+              <a:t>+ Model’s capacity la kha </a:t>
             </a:r>
             <a:r>
               <a:rPr lang="en-US" dirty="0" err="1"/>
@@ -2666,6 +2790,113 @@
             <a:r>
               <a:rPr lang="en-US" dirty="0"/>
               <a:t> test set.</a:t>
+            </a:r>
+          </a:p>
+          <a:p>
+            <a:pPr marL="0" indent="0">
+              <a:buFontTx/>
+              <a:buNone/>
+            </a:pPr>
+            <a:r>
+              <a:rPr lang="en-US" dirty="0"/>
+              <a:t>3) How ?</a:t>
+            </a:r>
+          </a:p>
+          <a:p>
+            <a:pPr marL="0" indent="0">
+              <a:buFontTx/>
+              <a:buNone/>
+            </a:pPr>
+            <a:r>
+              <a:rPr lang="en-US" dirty="0"/>
+              <a:t>+ How to fix ? </a:t>
+            </a:r>
+          </a:p>
+          <a:p>
+            <a:pPr marL="171450" indent="-171450">
+              <a:buFontTx/>
+              <a:buChar char="-"/>
+            </a:pPr>
+            <a:r>
+              <a:rPr lang="en-US" dirty="0" err="1"/>
+              <a:t>Giam</a:t>
+            </a:r>
+            <a:r>
+              <a:rPr lang="en-US" dirty="0"/>
+              <a:t> features </a:t>
+            </a:r>
+          </a:p>
+          <a:p>
+            <a:pPr marL="171450" indent="-171450">
+              <a:buFontTx/>
+              <a:buChar char="-"/>
+            </a:pPr>
+            <a:r>
+              <a:rPr lang="en-US" dirty="0" err="1"/>
+              <a:t>Giam</a:t>
+            </a:r>
+            <a:r>
+              <a:rPr lang="en-US" dirty="0"/>
+              <a:t> bac </a:t>
+            </a:r>
+            <a:r>
+              <a:rPr lang="en-US" dirty="0" err="1"/>
+              <a:t>cua</a:t>
+            </a:r>
+            <a:r>
+              <a:rPr lang="en-US" dirty="0"/>
+              <a:t> </a:t>
+            </a:r>
+            <a:r>
+              <a:rPr lang="en-US" dirty="0" err="1"/>
+              <a:t>d.thuc</a:t>
+            </a:r>
+            <a:endParaRPr lang="en-US" dirty="0"/>
+          </a:p>
+          <a:p>
+            <a:pPr marL="171450" indent="-171450">
+              <a:buFontTx/>
+              <a:buChar char="-"/>
+            </a:pPr>
+            <a:r>
+              <a:rPr lang="en-US" dirty="0" err="1"/>
+              <a:t>Giam</a:t>
+            </a:r>
+            <a:r>
+              <a:rPr lang="en-US" dirty="0"/>
+              <a:t> </a:t>
+            </a:r>
+            <a:r>
+              <a:rPr lang="en-US" dirty="0" err="1"/>
+              <a:t>thieu</a:t>
+            </a:r>
+            <a:r>
+              <a:rPr lang="en-US" dirty="0"/>
+              <a:t> </a:t>
+            </a:r>
+            <a:r>
+              <a:rPr lang="en-US" dirty="0" err="1"/>
+              <a:t>gia</a:t>
+            </a:r>
+            <a:r>
+              <a:rPr lang="en-US" dirty="0"/>
+              <a:t> tri theta &amp; </a:t>
+            </a:r>
+            <a:r>
+              <a:rPr lang="en-US" dirty="0" err="1"/>
+              <a:t>giu</a:t>
+            </a:r>
+            <a:r>
+              <a:rPr lang="en-US" dirty="0"/>
+              <a:t> </a:t>
+            </a:r>
+            <a:r>
+              <a:rPr lang="en-US" dirty="0" err="1"/>
+              <a:t>lai</a:t>
+            </a:r>
+            <a:r>
+              <a:rPr lang="en-US" dirty="0"/>
+              <a:t> all features</a:t>
             </a:r>
           </a:p>
         </p:txBody>
@@ -2750,47 +2981,20 @@
           <a:bodyPr/>
           <a:lstStyle/>
           <a:p>
-            <a:pPr marL="228600" indent="-228600">
-              <a:buAutoNum type="arabicParenR"/>
-            </a:pPr>
-            <a:r>
-              <a:rPr lang="en-US" dirty="0"/>
-              <a:t>What ? </a:t>
-            </a:r>
-          </a:p>
-          <a:p>
-            <a:pPr marL="0" indent="0">
-              <a:buNone/>
-            </a:pPr>
-            <a:r>
-              <a:rPr lang="en-US" dirty="0"/>
-              <a:t>+ control the capacity of learning algorithm = choosing “hypothesis space”.</a:t>
-            </a:r>
-          </a:p>
-          <a:p>
-            <a:pPr marL="171450" indent="-171450">
-              <a:buFontTx/>
-              <a:buChar char="-"/>
-            </a:pPr>
-            <a:r>
-              <a:rPr lang="en-US" dirty="0"/>
-              <a:t>Hypothesis space: the set all functions that can be returned by model.</a:t>
-            </a:r>
-          </a:p>
-          <a:p>
-            <a:pPr marL="0" indent="0">
-              <a:buFontTx/>
-              <a:buNone/>
-            </a:pPr>
-            <a:r>
-              <a:rPr lang="en-US" dirty="0"/>
-              <a:t>- Example: </a:t>
-            </a:r>
-          </a:p>
-          <a:p>
-            <a:pPr marL="0" indent="0">
-              <a:buNone/>
-            </a:pPr>
+            <a:r>
+              <a:rPr lang="en-US" dirty="0"/>
+              <a:t>Recipe: formula</a:t>
+            </a:r>
+          </a:p>
+          <a:p>
+            <a:r>
+              <a:rPr lang="en-US" dirty="0"/>
+              <a:t>Goal: both low bias &amp; low </a:t>
+            </a:r>
+            <a:r>
+              <a:rPr lang="en-US" dirty="0" err="1"/>
+              <a:t>variane</a:t>
+            </a:r>
             <a:endParaRPr lang="en-US" dirty="0"/>
           </a:p>
         </p:txBody>
@@ -2821,7 +3025,7 @@
     </p:spTree>
     <p:extLst>
       <p:ext uri="{BB962C8B-B14F-4D97-AF65-F5344CB8AC3E}">
-        <p14:creationId xmlns:p14="http://schemas.microsoft.com/office/powerpoint/2010/main" val="4246711769"/>
+        <p14:creationId xmlns:p14="http://schemas.microsoft.com/office/powerpoint/2010/main" val="2435686772"/>
       </p:ext>
     </p:extLst>
   </p:cSld>
@@ -2875,21 +3079,158 @@
           <a:bodyPr/>
           <a:lstStyle/>
           <a:p>
-            <a:r>
-              <a:rPr lang="en-US" dirty="0"/>
-              <a:t>Recipe: formula</a:t>
-            </a:r>
-          </a:p>
-          <a:p>
-            <a:r>
-              <a:rPr lang="en-US" dirty="0"/>
-              <a:t>Goal: both low bias &amp; low </a:t>
+            <a:pPr marL="228600" indent="-228600">
+              <a:buAutoNum type="arabicParenR"/>
+            </a:pPr>
+            <a:r>
+              <a:rPr lang="en-US" dirty="0"/>
+              <a:t>What:</a:t>
+            </a:r>
+          </a:p>
+          <a:p>
+            <a:pPr marL="0" indent="0">
+              <a:buNone/>
+            </a:pPr>
+            <a:r>
+              <a:rPr lang="en-US" dirty="0"/>
+              <a:t>+ neu </a:t>
             </a:r>
             <a:r>
               <a:rPr lang="en-US" dirty="0" err="1"/>
-              <a:t>variane</a:t>
-            </a:r>
-            <a:endParaRPr lang="en-US" dirty="0"/>
+              <a:t>k.niem</a:t>
+            </a:r>
+            <a:r>
+              <a:rPr lang="en-US" dirty="0"/>
+              <a:t> regularizations -&gt; results: simpler models</a:t>
+            </a:r>
+          </a:p>
+          <a:p>
+            <a:pPr marL="171450" indent="-171450">
+              <a:buFontTx/>
+              <a:buChar char="-"/>
+            </a:pPr>
+            <a:r>
+              <a:rPr lang="en-US" dirty="0"/>
+              <a:t>Reduce the error ? </a:t>
+            </a:r>
+          </a:p>
+          <a:p>
+            <a:pPr marL="171450" indent="-171450">
+              <a:buFontTx/>
+              <a:buChar char="-"/>
+            </a:pPr>
+            <a:r>
+              <a:rPr lang="en-US" dirty="0"/>
+              <a:t>Avoid overfitting ? </a:t>
+            </a:r>
+          </a:p>
+          <a:p>
+            <a:pPr marL="0" indent="0">
+              <a:buFontTx/>
+              <a:buNone/>
+            </a:pPr>
+            <a:r>
+              <a:rPr lang="en-US" dirty="0"/>
+              <a:t>+ mot </a:t>
+            </a:r>
+            <a:r>
+              <a:rPr lang="en-US" dirty="0" err="1"/>
+              <a:t>trong</a:t>
+            </a:r>
+            <a:r>
+              <a:rPr lang="en-US" dirty="0"/>
+              <a:t> </a:t>
+            </a:r>
+            <a:r>
+              <a:rPr lang="en-US" dirty="0" err="1"/>
+              <a:t>nhung</a:t>
+            </a:r>
+            <a:r>
+              <a:rPr lang="en-US" dirty="0"/>
+              <a:t> </a:t>
+            </a:r>
+            <a:r>
+              <a:rPr lang="en-US" dirty="0" err="1"/>
+              <a:t>ki</a:t>
+            </a:r>
+            <a:r>
+              <a:rPr lang="en-US" dirty="0"/>
+              <a:t> </a:t>
+            </a:r>
+            <a:r>
+              <a:rPr lang="en-US" dirty="0" err="1"/>
+              <a:t>thuat</a:t>
+            </a:r>
+            <a:r>
+              <a:rPr lang="en-US" dirty="0"/>
+              <a:t> regularization pho bien </a:t>
+            </a:r>
+            <a:r>
+              <a:rPr lang="en-US" dirty="0" err="1"/>
+              <a:t>nhat</a:t>
+            </a:r>
+            <a:r>
+              <a:rPr lang="en-US" dirty="0"/>
+              <a:t>.</a:t>
+            </a:r>
+          </a:p>
+          <a:p>
+            <a:pPr marL="0" indent="0">
+              <a:buFontTx/>
+              <a:buNone/>
+            </a:pPr>
+            <a:r>
+              <a:rPr lang="en-US" dirty="0"/>
+              <a:t>- R(): </a:t>
+            </a:r>
+            <a:r>
+              <a:rPr lang="en-US" dirty="0" err="1"/>
+              <a:t>danh</a:t>
+            </a:r>
+            <a:r>
+              <a:rPr lang="en-US" dirty="0"/>
+              <a:t> </a:t>
+            </a:r>
+            <a:r>
+              <a:rPr lang="en-US" dirty="0" err="1"/>
+              <a:t>gia</a:t>
+            </a:r>
+            <a:r>
+              <a:rPr lang="en-US" dirty="0"/>
+              <a:t>/</a:t>
+            </a:r>
+            <a:r>
+              <a:rPr lang="en-US" dirty="0" err="1"/>
+              <a:t>anh</a:t>
+            </a:r>
+            <a:r>
+              <a:rPr lang="en-US" dirty="0"/>
+              <a:t> </a:t>
+            </a:r>
+            <a:r>
+              <a:rPr lang="en-US" dirty="0" err="1"/>
+              <a:t>huong</a:t>
+            </a:r>
+            <a:r>
+              <a:rPr lang="en-US" dirty="0"/>
+              <a:t> den do </a:t>
+            </a:r>
+            <a:r>
+              <a:rPr lang="en-US" dirty="0" err="1"/>
+              <a:t>phuc</a:t>
+            </a:r>
+            <a:r>
+              <a:rPr lang="en-US" dirty="0"/>
+              <a:t> tap </a:t>
+            </a:r>
+            <a:r>
+              <a:rPr lang="en-US" dirty="0" err="1"/>
+              <a:t>cua</a:t>
+            </a:r>
+            <a:r>
+              <a:rPr lang="en-US" dirty="0"/>
+              <a:t> model</a:t>
+            </a:r>
           </a:p>
         </p:txBody>
       </p:sp>
@@ -2919,7 +3260,7 @@
     </p:spTree>
     <p:extLst>
       <p:ext uri="{BB962C8B-B14F-4D97-AF65-F5344CB8AC3E}">
-        <p14:creationId xmlns:p14="http://schemas.microsoft.com/office/powerpoint/2010/main" val="2435686772"/>
+        <p14:creationId xmlns:p14="http://schemas.microsoft.com/office/powerpoint/2010/main" val="1477364057"/>
       </p:ext>
     </p:extLst>
   </p:cSld>
@@ -2987,7 +3328,47 @@
             </a:pPr>
             <a:r>
               <a:rPr lang="en-US" dirty="0"/>
-              <a:t>+ Overfitting:</a:t>
+              <a:t>+ </a:t>
+            </a:r>
+            <a:r>
+              <a:rPr lang="en-US" dirty="0" err="1"/>
+              <a:t>Su</a:t>
+            </a:r>
+            <a:r>
+              <a:rPr lang="en-US" dirty="0"/>
+              <a:t> </a:t>
+            </a:r>
+            <a:r>
+              <a:rPr lang="en-US" dirty="0" err="1"/>
+              <a:t>khac</a:t>
+            </a:r>
+            <a:r>
+              <a:rPr lang="en-US" dirty="0"/>
+              <a:t> </a:t>
+            </a:r>
+            <a:r>
+              <a:rPr lang="en-US" dirty="0" err="1"/>
+              <a:t>biet</a:t>
+            </a:r>
+            <a:r>
+              <a:rPr lang="en-US" dirty="0"/>
+              <a:t> </a:t>
+            </a:r>
+            <a:r>
+              <a:rPr lang="en-US" dirty="0" err="1"/>
+              <a:t>chinh</a:t>
+            </a:r>
+            <a:r>
+              <a:rPr lang="en-US" dirty="0"/>
+              <a:t> </a:t>
+            </a:r>
+            <a:r>
+              <a:rPr lang="en-US" dirty="0" err="1"/>
+              <a:t>giua</a:t>
+            </a:r>
+            <a:r>
+              <a:rPr lang="en-US" dirty="0"/>
+              <a:t> L1 &amp; L2: the penalty terms</a:t>
             </a:r>
           </a:p>
           <a:p>
@@ -2996,25 +3377,117 @@
             </a:pPr>
             <a:r>
               <a:rPr lang="en-US" dirty="0"/>
-              <a:t>+ Solves: regularization or more training data.</a:t>
+              <a:t>- l1: tong </a:t>
+            </a:r>
+            <a:r>
+              <a:rPr lang="en-US" dirty="0" err="1"/>
+              <a:t>cua</a:t>
+            </a:r>
+            <a:r>
+              <a:rPr lang="en-US" dirty="0"/>
+              <a:t> </a:t>
+            </a:r>
+            <a:r>
+              <a:rPr lang="en-US" dirty="0" err="1"/>
+              <a:t>toan</a:t>
+            </a:r>
+            <a:r>
+              <a:rPr lang="en-US" dirty="0"/>
+              <a:t> </a:t>
+            </a:r>
+            <a:r>
+              <a:rPr lang="en-US" dirty="0" err="1"/>
+              <a:t>bo</a:t>
+            </a:r>
+            <a:r>
+              <a:rPr lang="en-US" dirty="0"/>
+              <a:t> </a:t>
+            </a:r>
+            <a:r>
+              <a:rPr lang="en-US" dirty="0" err="1"/>
+              <a:t>gia</a:t>
+            </a:r>
+            <a:r>
+              <a:rPr lang="en-US" dirty="0"/>
+              <a:t> tri Tuyet </a:t>
+            </a:r>
+            <a:r>
+              <a:rPr lang="en-US" dirty="0" err="1"/>
+              <a:t>doi</a:t>
+            </a:r>
+            <a:r>
+              <a:rPr lang="en-US" dirty="0"/>
+              <a:t> </a:t>
+            </a:r>
+            <a:r>
+              <a:rPr lang="en-US" dirty="0" err="1"/>
+              <a:t>cua</a:t>
+            </a:r>
+            <a:r>
+              <a:rPr lang="en-US" dirty="0"/>
+              <a:t> w</a:t>
+            </a:r>
+          </a:p>
+          <a:p>
+            <a:pPr marL="171450" indent="-171450">
+              <a:buFontTx/>
+              <a:buChar char="-"/>
+            </a:pPr>
+            <a:r>
+              <a:rPr lang="en-US" dirty="0"/>
+              <a:t>l2: tong </a:t>
+            </a:r>
+            <a:r>
+              <a:rPr lang="en-US" dirty="0" err="1"/>
+              <a:t>cua</a:t>
+            </a:r>
+            <a:r>
+              <a:rPr lang="en-US" dirty="0"/>
+              <a:t> </a:t>
+            </a:r>
+            <a:r>
+              <a:rPr lang="en-US" dirty="0" err="1"/>
+              <a:t>toan</a:t>
+            </a:r>
+            <a:r>
+              <a:rPr lang="en-US" dirty="0"/>
+              <a:t> </a:t>
+            </a:r>
+            <a:r>
+              <a:rPr lang="en-US" dirty="0" err="1"/>
+              <a:t>bo</a:t>
+            </a:r>
+            <a:r>
+              <a:rPr lang="en-US" dirty="0"/>
+              <a:t> can bac 2 </a:t>
+            </a:r>
+            <a:r>
+              <a:rPr lang="en-US" dirty="0" err="1"/>
+              <a:t>cua</a:t>
+            </a:r>
+            <a:r>
+              <a:rPr lang="en-US" dirty="0"/>
+              <a:t> w</a:t>
             </a:r>
           </a:p>
           <a:p>
             <a:pPr marL="0" indent="0">
+              <a:buFontTx/>
               <a:buNone/>
             </a:pPr>
             <a:r>
               <a:rPr lang="en-US" dirty="0"/>
-              <a:t>2) Why using ?</a:t>
+              <a:t>? Why cost function</a:t>
             </a:r>
           </a:p>
           <a:p>
             <a:pPr marL="0" indent="0">
+              <a:buFontTx/>
               <a:buNone/>
             </a:pPr>
             <a:r>
               <a:rPr lang="en-US" dirty="0"/>
-              <a:t>+ </a:t>
+              <a:t>? Why “the penalty term”</a:t>
             </a:r>
           </a:p>
         </p:txBody>
@@ -3045,7 +3518,7 @@
     </p:spTree>
     <p:extLst>
       <p:ext uri="{BB962C8B-B14F-4D97-AF65-F5344CB8AC3E}">
-        <p14:creationId xmlns:p14="http://schemas.microsoft.com/office/powerpoint/2010/main" val="1477364057"/>
+        <p14:creationId xmlns:p14="http://schemas.microsoft.com/office/powerpoint/2010/main" val="1606002398"/>
       </p:ext>
     </p:extLst>
   </p:cSld>
@@ -3104,7 +3577,7 @@
             </a:pPr>
             <a:r>
               <a:rPr lang="en-US" dirty="0"/>
-              <a:t>What:</a:t>
+              <a:t>What</a:t>
             </a:r>
           </a:p>
           <a:p>
@@ -3113,27 +3586,7 @@
             </a:pPr>
             <a:r>
               <a:rPr lang="en-US" dirty="0"/>
-              <a:t>+ Model capacity:</a:t>
-            </a:r>
-          </a:p>
-          <a:p>
-            <a:pPr marL="171450" indent="-171450">
-              <a:buFontTx/>
-              <a:buChar char="-"/>
-            </a:pPr>
-            <a:r>
-              <a:rPr lang="en-US" dirty="0"/>
-              <a:t>Low capacity -&gt; struggle to fit the training set.</a:t>
-            </a:r>
-          </a:p>
-          <a:p>
-            <a:pPr marL="171450" indent="-171450">
-              <a:buFontTx/>
-              <a:buChar char="-"/>
-            </a:pPr>
-            <a:r>
-              <a:rPr lang="en-US" dirty="0"/>
-              <a:t>High capacity -&gt; memorizing properties of training set do not serve them well on the test set.</a:t>
+              <a:t>+ Why regularization help reduce overfitting ? </a:t>
             </a:r>
           </a:p>
         </p:txBody>
@@ -11193,7 +11646,7 @@
             </a:r>
           </a:p>
           <a:p>
-            <a:pPr marL="342900" indent="-342900">
+            <a:pPr marL="800014" lvl="1" indent="-342900">
               <a:buFont typeface="Wingdings" panose="05000000000000000000" pitchFamily="2" charset="2"/>
               <a:buChar char="Ø"/>
             </a:pPr>
@@ -11501,17 +11954,106 @@
             </a:r>
             <a:r>
               <a:rPr lang="en-US" sz="1600" dirty="0"/>
-              <a:t>: the variability of model prediction for a given data point which tells spread of our data.</a:t>
-            </a:r>
+              <a:t>: the </a:t>
+            </a:r>
+            <a:r>
+              <a:rPr lang="en-US" sz="1600" i="1" dirty="0"/>
+              <a:t>variability</a:t>
+            </a:r>
+            <a:r>
+              <a:rPr lang="en-US" sz="1600" dirty="0"/>
+              <a:t> of model prediction for a given data point which tells spread of our data.</a:t>
+            </a:r>
+          </a:p>
+        </p:txBody>
+      </p:sp>
+      <p:sp>
+        <p:nvSpPr>
+          <p:cNvPr id="18" name="Rectangle 17">
+            <a:extLst>
+              <a:ext uri="{FF2B5EF4-FFF2-40B4-BE49-F238E27FC236}">
+                <a16:creationId xmlns:a16="http://schemas.microsoft.com/office/drawing/2014/main" id="{D2B3A026-02F6-45FC-ADC1-27EB9E77A652}"/>
+              </a:ext>
+            </a:extLst>
+          </p:cNvPr>
+          <p:cNvSpPr/>
+          <p:nvPr/>
+        </p:nvSpPr>
+        <p:spPr>
+          <a:xfrm>
+            <a:off x="381000" y="2760869"/>
+            <a:ext cx="7428109" cy="1815882"/>
+          </a:xfrm>
+          <a:prstGeom prst="rect">
+            <a:avLst/>
+          </a:prstGeom>
+        </p:spPr>
+        <p:txBody>
+          <a:bodyPr wrap="square">
+            <a:spAutoFit/>
+          </a:bodyPr>
+          <a:lstStyle/>
+          <a:p>
+            <a:pPr marL="285750" indent="-285750">
+              <a:buFont typeface="Wingdings" panose="05000000000000000000" pitchFamily="2" charset="2"/>
+              <a:buChar char="v"/>
+            </a:pPr>
+            <a:r>
+              <a:rPr lang="en-US" sz="1600" dirty="0"/>
+              <a:t>Problems: </a:t>
+            </a:r>
+          </a:p>
+          <a:p>
+            <a:pPr marL="742864" lvl="1" indent="-285750">
+              <a:buFont typeface="Wingdings" panose="05000000000000000000" pitchFamily="2" charset="2"/>
+              <a:buChar char="§"/>
+            </a:pPr>
+            <a:r>
+              <a:rPr lang="en-US" sz="1600" b="1" dirty="0"/>
+              <a:t>Overfitting: </a:t>
+            </a:r>
+            <a:r>
+              <a:rPr lang="en-US" sz="1600" dirty="0"/>
+              <a:t>occurs when the gap between the training error &amp; test error is too large.</a:t>
+            </a:r>
+          </a:p>
+          <a:p>
+            <a:pPr marL="742864" lvl="1" indent="-285750">
+              <a:buFont typeface="Wingdings" panose="05000000000000000000" pitchFamily="2" charset="2"/>
+              <a:buChar char="§"/>
+            </a:pPr>
+            <a:r>
+              <a:rPr lang="en-US" sz="1600" b="1" dirty="0"/>
+              <a:t>Underfitting</a:t>
+            </a:r>
+            <a:r>
+              <a:rPr lang="en-US" sz="1600" dirty="0"/>
+              <a:t>: occurs when the model is not able to obtain a sufficiently low error value on the training set.</a:t>
+            </a:r>
+          </a:p>
+          <a:p>
+            <a:pPr marL="742864" lvl="1" indent="-285750">
+              <a:buFont typeface="Wingdings" panose="05000000000000000000" pitchFamily="2" charset="2"/>
+              <a:buChar char="§"/>
+            </a:pPr>
+            <a:r>
+              <a:rPr lang="en-US" sz="1600" b="1" dirty="0"/>
+              <a:t>The bias variance trade-off</a:t>
+            </a:r>
+            <a:r>
+              <a:rPr lang="en-US" sz="1600" dirty="0"/>
+              <a:t>:  try to find a good balance between bias &amp; variance such that it minimizes the total error:</a:t>
+            </a:r>
+            <a:endParaRPr lang="en-US" sz="1600" b="1" dirty="0"/>
           </a:p>
         </p:txBody>
       </p:sp>
       <p:pic>
         <p:nvPicPr>
-          <p:cNvPr id="9" name="Picture 8" descr="Diagram&#10;&#10;Description automatically generated">
+          <p:cNvPr id="3" name="Picture 2" descr="Chart&#10;&#10;Description automatically generated with medium confidence">
             <a:extLst>
               <a:ext uri="{FF2B5EF4-FFF2-40B4-BE49-F238E27FC236}">
-                <a16:creationId xmlns:a16="http://schemas.microsoft.com/office/drawing/2014/main" id="{302416C7-BC25-4847-9183-945B9253F07F}"/>
+                <a16:creationId xmlns:a16="http://schemas.microsoft.com/office/drawing/2014/main" id="{6DE9E24B-5411-426E-8976-DD2593E1584E}"/>
               </a:ext>
             </a:extLst>
           </p:cNvPr>
@@ -11528,216 +12070,14 @@
         </p:blipFill>
         <p:spPr>
           <a:xfrm>
-            <a:off x="8245098" y="786598"/>
-            <a:ext cx="3808370" cy="3597694"/>
+            <a:off x="7533677" y="1790471"/>
+            <a:ext cx="4277322" cy="1638529"/>
           </a:xfrm>
           <a:prstGeom prst="rect">
             <a:avLst/>
           </a:prstGeom>
         </p:spPr>
       </p:pic>
-      <p:sp>
-        <p:nvSpPr>
-          <p:cNvPr id="18" name="Rectangle 17">
-            <a:extLst>
-              <a:ext uri="{FF2B5EF4-FFF2-40B4-BE49-F238E27FC236}">
-                <a16:creationId xmlns:a16="http://schemas.microsoft.com/office/drawing/2014/main" id="{D2B3A026-02F6-45FC-ADC1-27EB9E77A652}"/>
-              </a:ext>
-            </a:extLst>
-          </p:cNvPr>
-          <p:cNvSpPr/>
-          <p:nvPr/>
-        </p:nvSpPr>
-        <p:spPr>
-          <a:xfrm>
-            <a:off x="381000" y="2760869"/>
-            <a:ext cx="7428109" cy="1815882"/>
-          </a:xfrm>
-          <a:prstGeom prst="rect">
-            <a:avLst/>
-          </a:prstGeom>
-        </p:spPr>
-        <p:txBody>
-          <a:bodyPr wrap="square">
-            <a:spAutoFit/>
-          </a:bodyPr>
-          <a:lstStyle/>
-          <a:p>
-            <a:pPr marL="285750" indent="-285750">
-              <a:buFont typeface="Wingdings" panose="05000000000000000000" pitchFamily="2" charset="2"/>
-              <a:buChar char="v"/>
-            </a:pPr>
-            <a:r>
-              <a:rPr lang="en-US" sz="1600" dirty="0"/>
-              <a:t>Problems: </a:t>
-            </a:r>
-          </a:p>
-          <a:p>
-            <a:pPr marL="742864" lvl="1" indent="-285750">
-              <a:buFont typeface="Wingdings" panose="05000000000000000000" pitchFamily="2" charset="2"/>
-              <a:buChar char="§"/>
-            </a:pPr>
-            <a:r>
-              <a:rPr lang="en-US" sz="1600" b="1" dirty="0"/>
-              <a:t>Overfitting: </a:t>
-            </a:r>
-            <a:r>
-              <a:rPr lang="en-US" sz="1600" dirty="0"/>
-              <a:t>occurs when the gap between the training error &amp; test error is too large.</a:t>
-            </a:r>
-          </a:p>
-          <a:p>
-            <a:pPr marL="742864" lvl="1" indent="-285750">
-              <a:buFont typeface="Wingdings" panose="05000000000000000000" pitchFamily="2" charset="2"/>
-              <a:buChar char="§"/>
-            </a:pPr>
-            <a:r>
-              <a:rPr lang="en-US" sz="1600" b="1" dirty="0"/>
-              <a:t>Underfitting</a:t>
-            </a:r>
-            <a:r>
-              <a:rPr lang="en-US" sz="1600" dirty="0"/>
-              <a:t>: occurs when the model is not able to obtain a sufficiently low error value on the training set.</a:t>
-            </a:r>
-          </a:p>
-          <a:p>
-            <a:pPr marL="742864" lvl="1" indent="-285750">
-              <a:buFont typeface="Wingdings" panose="05000000000000000000" pitchFamily="2" charset="2"/>
-              <a:buChar char="§"/>
-            </a:pPr>
-            <a:r>
-              <a:rPr lang="en-US" sz="1600" b="1" dirty="0"/>
-              <a:t>The bias variance trade-off</a:t>
-            </a:r>
-            <a:r>
-              <a:rPr lang="en-US" sz="1600" dirty="0"/>
-              <a:t>:  try to find a good balance between bias &amp; variance such that it minimizes the total error:</a:t>
-            </a:r>
-            <a:endParaRPr lang="en-US" sz="1600" b="1" dirty="0"/>
-          </a:p>
-        </p:txBody>
-      </p:sp>
-      <mc:AlternateContent xmlns:mc="http://schemas.openxmlformats.org/markup-compatibility/2006" xmlns:a14="http://schemas.microsoft.com/office/drawing/2010/main">
-        <mc:Choice Requires="a14">
-          <p:sp>
-            <p:nvSpPr>
-              <p:cNvPr id="21" name="Rectangle 20">
-                <a:extLst>
-                  <a:ext uri="{FF2B5EF4-FFF2-40B4-BE49-F238E27FC236}">
-                    <a16:creationId xmlns:a16="http://schemas.microsoft.com/office/drawing/2014/main" id="{82E3E0C7-E8D2-42F7-88B8-6DB4BFDCD361}"/>
-                  </a:ext>
-                </a:extLst>
-              </p:cNvPr>
-              <p:cNvSpPr/>
-              <p:nvPr/>
-            </p:nvSpPr>
-            <p:spPr>
-              <a:xfrm>
-                <a:off x="1895989" y="4822972"/>
-                <a:ext cx="5913120" cy="344133"/>
-              </a:xfrm>
-              <a:prstGeom prst="rect">
-                <a:avLst/>
-              </a:prstGeom>
-            </p:spPr>
-            <p:txBody>
-              <a:bodyPr wrap="square">
-                <a:spAutoFit/>
-              </a:bodyPr>
-              <a:lstStyle/>
-              <a:p>
-                <a:r>
-                  <a:rPr lang="en-US" sz="1600" b="1" dirty="0">
-                    <a:latin typeface="Arial" panose="020B0604020202020204" pitchFamily="34" charset="0"/>
-                    <a:cs typeface="Arial" panose="020B0604020202020204" pitchFamily="34" charset="0"/>
-                  </a:rPr>
-                  <a:t>Total Error = </a:t>
-                </a:r>
-                <a14:m>
-                  <m:oMath xmlns:m="http://schemas.openxmlformats.org/officeDocument/2006/math">
-                    <m:sSup>
-                      <m:sSupPr>
-                        <m:ctrlPr>
-                          <a:rPr lang="en-US" sz="1600" b="1" i="1" smtClean="0">
-                            <a:latin typeface="Cambria Math" panose="02040503050406030204" pitchFamily="18" charset="0"/>
-                          </a:rPr>
-                        </m:ctrlPr>
-                      </m:sSupPr>
-                      <m:e>
-                        <m:r>
-                          <a:rPr lang="en-US" sz="1600" b="1" i="0" smtClean="0">
-                            <a:latin typeface="Cambria Math" panose="02040503050406030204" pitchFamily="18" charset="0"/>
-                          </a:rPr>
-                          <m:t>𝐁𝐢𝐚𝐬</m:t>
-                        </m:r>
-                      </m:e>
-                      <m:sup>
-                        <m:r>
-                          <a:rPr lang="en-US" sz="1600" b="1" i="0" smtClean="0">
-                            <a:latin typeface="Cambria Math" panose="02040503050406030204" pitchFamily="18" charset="0"/>
-                          </a:rPr>
-                          <m:t>𝟐</m:t>
-                        </m:r>
-                      </m:sup>
-                    </m:sSup>
-                  </m:oMath>
-                </a14:m>
-                <a:r>
-                  <a:rPr lang="en-US" sz="1600" b="1" dirty="0">
-                    <a:latin typeface="Arial" panose="020B0604020202020204" pitchFamily="34" charset="0"/>
-                    <a:cs typeface="Arial" panose="020B0604020202020204" pitchFamily="34" charset="0"/>
-                  </a:rPr>
-                  <a:t> + Variance + Irreducible Error (*)</a:t>
-                </a:r>
-              </a:p>
-            </p:txBody>
-          </p:sp>
-        </mc:Choice>
-        <mc:Fallback xmlns="">
-          <p:sp>
-            <p:nvSpPr>
-              <p:cNvPr id="21" name="Rectangle 20">
-                <a:extLst>
-                  <a:ext uri="{FF2B5EF4-FFF2-40B4-BE49-F238E27FC236}">
-                    <a16:creationId xmlns:a16="http://schemas.microsoft.com/office/drawing/2014/main" id="{82E3E0C7-E8D2-42F7-88B8-6DB4BFDCD361}"/>
-                  </a:ext>
-                </a:extLst>
-              </p:cNvPr>
-              <p:cNvSpPr>
-                <a:spLocks noRot="1" noChangeAspect="1" noMove="1" noResize="1" noEditPoints="1" noAdjustHandles="1" noChangeArrowheads="1" noChangeShapeType="1" noTextEdit="1"/>
-              </p:cNvSpPr>
-              <p:nvPr/>
-            </p:nvSpPr>
-            <p:spPr>
-              <a:xfrm>
-                <a:off x="1895989" y="4822972"/>
-                <a:ext cx="5913120" cy="344133"/>
-              </a:xfrm>
-              <a:prstGeom prst="rect">
-                <a:avLst/>
-              </a:prstGeom>
-              <a:blipFill>
-                <a:blip r:embed="rId4"/>
-                <a:stretch>
-                  <a:fillRect l="-515" t="-3509" b="-21053"/>
-                </a:stretch>
-              </a:blipFill>
-            </p:spPr>
-            <p:txBody>
-              <a:bodyPr/>
-              <a:lstStyle/>
-              <a:p>
-                <a:r>
-                  <a:rPr lang="en-US">
-                    <a:noFill/>
-                  </a:rPr>
-                  <a:t> </a:t>
-                </a:r>
-              </a:p>
-            </p:txBody>
-          </p:sp>
-        </mc:Fallback>
-      </mc:AlternateContent>
     </p:spTree>
     <p:extLst>
       <p:ext uri="{BB962C8B-B14F-4D97-AF65-F5344CB8AC3E}">
@@ -11752,326 +12092,6 @@
 </file>
 
 <file path=ppt/slides/slide6.xml><?xml version="1.0" encoding="utf-8"?>
-<p:sld xmlns:a="http://schemas.openxmlformats.org/drawingml/2006/main" xmlns:r="http://schemas.openxmlformats.org/officeDocument/2006/relationships" xmlns:p="http://schemas.openxmlformats.org/presentationml/2006/main">
-  <p:cSld>
-    <p:spTree>
-      <p:nvGrpSpPr>
-        <p:cNvPr id="1" name=""/>
-        <p:cNvGrpSpPr/>
-        <p:nvPr/>
-      </p:nvGrpSpPr>
-      <p:grpSpPr>
-        <a:xfrm>
-          <a:off x="0" y="0"/>
-          <a:ext cx="0" cy="0"/>
-          <a:chOff x="0" y="0"/>
-          <a:chExt cx="0" cy="0"/>
-        </a:xfrm>
-      </p:grpSpPr>
-      <p:sp>
-        <p:nvSpPr>
-          <p:cNvPr id="5" name="Title 4">
-            <a:extLst>
-              <a:ext uri="{FF2B5EF4-FFF2-40B4-BE49-F238E27FC236}">
-                <a16:creationId xmlns:a16="http://schemas.microsoft.com/office/drawing/2014/main" id="{44E0868E-BCFF-4470-AA32-2E6DA01A7745}"/>
-              </a:ext>
-            </a:extLst>
-          </p:cNvPr>
-          <p:cNvSpPr>
-            <a:spLocks noGrp="1"/>
-          </p:cNvSpPr>
-          <p:nvPr>
-            <p:ph type="title"/>
-          </p:nvPr>
-        </p:nvSpPr>
-        <p:spPr/>
-        <p:txBody>
-          <a:bodyPr/>
-          <a:lstStyle/>
-          <a:p>
-            <a:r>
-              <a:rPr lang="en-US" dirty="0"/>
-              <a:t>1.2 Bias/Variance (2)</a:t>
-            </a:r>
-          </a:p>
-        </p:txBody>
-      </p:sp>
-      <p:sp>
-        <p:nvSpPr>
-          <p:cNvPr id="6" name="Rectangle 5">
-            <a:extLst>
-              <a:ext uri="{FF2B5EF4-FFF2-40B4-BE49-F238E27FC236}">
-                <a16:creationId xmlns:a16="http://schemas.microsoft.com/office/drawing/2014/main" id="{66BEECEE-1972-4D29-B65D-7F935884CDE1}"/>
-              </a:ext>
-            </a:extLst>
-          </p:cNvPr>
-          <p:cNvSpPr/>
-          <p:nvPr/>
-        </p:nvSpPr>
-        <p:spPr>
-          <a:xfrm>
-            <a:off x="381001" y="957811"/>
-            <a:ext cx="10454639" cy="2062103"/>
-          </a:xfrm>
-          <a:prstGeom prst="rect">
-            <a:avLst/>
-          </a:prstGeom>
-        </p:spPr>
-        <p:txBody>
-          <a:bodyPr wrap="square">
-            <a:spAutoFit/>
-          </a:bodyPr>
-          <a:lstStyle/>
-          <a:p>
-            <a:pPr marL="285750" indent="-285750">
-              <a:buFont typeface="Wingdings" panose="05000000000000000000" pitchFamily="2" charset="2"/>
-              <a:buChar char="v"/>
-            </a:pPr>
-            <a:r>
-              <a:rPr lang="en-US" sz="1600" dirty="0"/>
-              <a:t>How to detect:</a:t>
-            </a:r>
-          </a:p>
-          <a:p>
-            <a:pPr marL="742864" lvl="1" indent="-285750">
-              <a:buFont typeface="Wingdings" panose="05000000000000000000" pitchFamily="2" charset="2"/>
-              <a:buChar char="§"/>
-            </a:pPr>
-            <a:r>
-              <a:rPr lang="en-US" sz="1600" b="1" dirty="0"/>
-              <a:t>Overfitting</a:t>
-            </a:r>
-            <a:r>
-              <a:rPr lang="en-US" sz="1600" dirty="0"/>
-              <a:t>: using </a:t>
-            </a:r>
-            <a:r>
-              <a:rPr lang="en-US" sz="1600" i="1" dirty="0"/>
-              <a:t>k-folds</a:t>
-            </a:r>
-            <a:r>
-              <a:rPr lang="en-US" sz="1600" dirty="0"/>
-              <a:t> cross validation:</a:t>
-            </a:r>
-          </a:p>
-          <a:p>
-            <a:pPr marL="1199978" lvl="2" indent="-285750">
-              <a:buFont typeface="Courier New" panose="02070309020205020404" pitchFamily="49" charset="0"/>
-              <a:buChar char="o"/>
-            </a:pPr>
-            <a:r>
-              <a:rPr lang="en-US" sz="1600" dirty="0"/>
-              <a:t>One of the k-folds as the test set &amp; the remaining folds as training set.</a:t>
-            </a:r>
-          </a:p>
-          <a:p>
-            <a:pPr marL="1199978" lvl="2" indent="-285750">
-              <a:buFont typeface="Courier New" panose="02070309020205020404" pitchFamily="49" charset="0"/>
-              <a:buChar char="o"/>
-            </a:pPr>
-            <a:r>
-              <a:rPr lang="en-US" sz="1600" dirty="0"/>
-              <a:t>The process repeats util each of the fold has acted as a test set.</a:t>
-            </a:r>
-          </a:p>
-          <a:p>
-            <a:pPr marL="1199978" lvl="2" indent="-285750">
-              <a:buFont typeface="Courier New" panose="02070309020205020404" pitchFamily="49" charset="0"/>
-              <a:buChar char="o"/>
-            </a:pPr>
-            <a:r>
-              <a:rPr lang="en-US" sz="1600" dirty="0"/>
-              <a:t>The scores are averaged to assess the performance of the overall model.</a:t>
-            </a:r>
-          </a:p>
-          <a:p>
-            <a:pPr marL="1199978" lvl="2" indent="-285750">
-              <a:buFont typeface="Courier New" panose="02070309020205020404" pitchFamily="49" charset="0"/>
-              <a:buChar char="o"/>
-            </a:pPr>
-            <a:r>
-              <a:rPr lang="en-US" sz="1600" dirty="0"/>
-              <a:t>If the model performs better on the training set than on the test set =&gt; model is likely overfitting.</a:t>
-            </a:r>
-          </a:p>
-          <a:p>
-            <a:pPr marL="742864" lvl="1" indent="-285750">
-              <a:buFont typeface="Wingdings" panose="05000000000000000000" pitchFamily="2" charset="2"/>
-              <a:buChar char="§"/>
-            </a:pPr>
-            <a:r>
-              <a:rPr lang="en-US" sz="1600" b="1" dirty="0"/>
-              <a:t>Underfitting: </a:t>
-            </a:r>
-          </a:p>
-          <a:p>
-            <a:pPr marL="1199978" lvl="2" indent="-285750">
-              <a:buFont typeface="Courier New" panose="02070309020205020404" pitchFamily="49" charset="0"/>
-              <a:buChar char="o"/>
-            </a:pPr>
-            <a:r>
-              <a:rPr lang="en-US" sz="1600" dirty="0"/>
-              <a:t>Based off the training set.</a:t>
-            </a:r>
-          </a:p>
-        </p:txBody>
-      </p:sp>
-      <p:sp>
-        <p:nvSpPr>
-          <p:cNvPr id="18" name="Rectangle 17">
-            <a:extLst>
-              <a:ext uri="{FF2B5EF4-FFF2-40B4-BE49-F238E27FC236}">
-                <a16:creationId xmlns:a16="http://schemas.microsoft.com/office/drawing/2014/main" id="{D2B3A026-02F6-45FC-ADC1-27EB9E77A652}"/>
-              </a:ext>
-            </a:extLst>
-          </p:cNvPr>
-          <p:cNvSpPr/>
-          <p:nvPr/>
-        </p:nvSpPr>
-        <p:spPr>
-          <a:xfrm>
-            <a:off x="381001" y="3429000"/>
-            <a:ext cx="7428109" cy="2800767"/>
-          </a:xfrm>
-          <a:prstGeom prst="rect">
-            <a:avLst/>
-          </a:prstGeom>
-        </p:spPr>
-        <p:txBody>
-          <a:bodyPr wrap="square">
-            <a:spAutoFit/>
-          </a:bodyPr>
-          <a:lstStyle/>
-          <a:p>
-            <a:pPr marL="285750" indent="-285750">
-              <a:buFont typeface="Wingdings" panose="05000000000000000000" pitchFamily="2" charset="2"/>
-              <a:buChar char="v"/>
-            </a:pPr>
-            <a:r>
-              <a:rPr lang="en-US" sz="1600" dirty="0"/>
-              <a:t>How to avoid: </a:t>
-            </a:r>
-          </a:p>
-          <a:p>
-            <a:pPr marL="742864" lvl="1" indent="-285750">
-              <a:buFont typeface="Wingdings" panose="05000000000000000000" pitchFamily="2" charset="2"/>
-              <a:buChar char="§"/>
-            </a:pPr>
-            <a:r>
-              <a:rPr lang="en-US" sz="1600" b="1" dirty="0"/>
-              <a:t>Overfitting</a:t>
-            </a:r>
-            <a:r>
-              <a:rPr lang="en-US" sz="1600" dirty="0"/>
-              <a:t>: </a:t>
-            </a:r>
-          </a:p>
-          <a:p>
-            <a:pPr marL="1199978" lvl="2" indent="-285750">
-              <a:buFont typeface="Courier New" panose="02070309020205020404" pitchFamily="49" charset="0"/>
-              <a:buChar char="o"/>
-            </a:pPr>
-            <a:r>
-              <a:rPr lang="en-US" sz="1600" dirty="0"/>
-              <a:t>Cross-validation</a:t>
-            </a:r>
-          </a:p>
-          <a:p>
-            <a:pPr marL="1199978" lvl="2" indent="-285750">
-              <a:buFont typeface="Courier New" panose="02070309020205020404" pitchFamily="49" charset="0"/>
-              <a:buChar char="o"/>
-            </a:pPr>
-            <a:r>
-              <a:rPr lang="en-US" sz="1600" dirty="0"/>
-              <a:t>Early stopping</a:t>
-            </a:r>
-          </a:p>
-          <a:p>
-            <a:pPr marL="1199978" lvl="2" indent="-285750">
-              <a:buFont typeface="Courier New" panose="02070309020205020404" pitchFamily="49" charset="0"/>
-              <a:buChar char="o"/>
-            </a:pPr>
-            <a:r>
-              <a:rPr lang="en-US" sz="1600" dirty="0"/>
-              <a:t>Train with more data</a:t>
-            </a:r>
-          </a:p>
-          <a:p>
-            <a:pPr marL="1199978" lvl="2" indent="-285750">
-              <a:buFont typeface="Courier New" panose="02070309020205020404" pitchFamily="49" charset="0"/>
-              <a:buChar char="o"/>
-            </a:pPr>
-            <a:r>
-              <a:rPr lang="en-US" sz="1600" dirty="0"/>
-              <a:t>Data augmentation</a:t>
-            </a:r>
-          </a:p>
-          <a:p>
-            <a:pPr marL="1199978" lvl="2" indent="-285750">
-              <a:buFont typeface="Courier New" panose="02070309020205020404" pitchFamily="49" charset="0"/>
-              <a:buChar char="o"/>
-            </a:pPr>
-            <a:r>
-              <a:rPr lang="en-US" sz="1600" dirty="0"/>
-              <a:t>Regularization </a:t>
-            </a:r>
-          </a:p>
-          <a:p>
-            <a:pPr marL="742864" lvl="1" indent="-285750">
-              <a:buFont typeface="Wingdings" panose="05000000000000000000" pitchFamily="2" charset="2"/>
-              <a:buChar char="§"/>
-            </a:pPr>
-            <a:r>
-              <a:rPr lang="en-US" sz="1600" b="1" dirty="0"/>
-              <a:t>Underfitting:</a:t>
-            </a:r>
-          </a:p>
-          <a:p>
-            <a:pPr marL="1199978" lvl="2" indent="-285750">
-              <a:buFont typeface="Courier New" panose="02070309020205020404" pitchFamily="49" charset="0"/>
-              <a:buChar char="o"/>
-            </a:pPr>
-            <a:r>
-              <a:rPr lang="en-US" sz="1600" dirty="0"/>
-              <a:t>Decrease regularization</a:t>
-            </a:r>
-          </a:p>
-          <a:p>
-            <a:pPr marL="1199978" lvl="2" indent="-285750">
-              <a:buFont typeface="Courier New" panose="02070309020205020404" pitchFamily="49" charset="0"/>
-              <a:buChar char="o"/>
-            </a:pPr>
-            <a:r>
-              <a:rPr lang="en-US" sz="1600" dirty="0"/>
-              <a:t>Increase the duration of training</a:t>
-            </a:r>
-          </a:p>
-          <a:p>
-            <a:pPr marL="1199978" lvl="2" indent="-285750">
-              <a:buFont typeface="Courier New" panose="02070309020205020404" pitchFamily="49" charset="0"/>
-              <a:buChar char="o"/>
-            </a:pPr>
-            <a:r>
-              <a:rPr lang="en-US" sz="1600" dirty="0"/>
-              <a:t>Feature selection</a:t>
-            </a:r>
-          </a:p>
-        </p:txBody>
-      </p:sp>
-    </p:spTree>
-    <p:extLst>
-      <p:ext uri="{BB962C8B-B14F-4D97-AF65-F5344CB8AC3E}">
-        <p14:creationId xmlns:p14="http://schemas.microsoft.com/office/powerpoint/2010/main" val="1228996171"/>
-      </p:ext>
-    </p:extLst>
-  </p:cSld>
-  <p:clrMapOvr>
-    <a:masterClrMapping/>
-  </p:clrMapOvr>
-</p:sld>
-</file>
-
-<file path=ppt/slides/slide7.xml><?xml version="1.0" encoding="utf-8"?>
 <p:sld xmlns:a="http://schemas.openxmlformats.org/drawingml/2006/main" xmlns:r="http://schemas.openxmlformats.org/officeDocument/2006/relationships" xmlns:p="http://schemas.openxmlformats.org/presentationml/2006/main">
   <p:cSld>
     <p:spTree>
@@ -13003,6 +13023,179 @@
 </p:sld>
 </file>
 
+<file path=ppt/slides/slide7.xml><?xml version="1.0" encoding="utf-8"?>
+<p:sld xmlns:a="http://schemas.openxmlformats.org/drawingml/2006/main" xmlns:r="http://schemas.openxmlformats.org/officeDocument/2006/relationships" xmlns:p="http://schemas.openxmlformats.org/presentationml/2006/main">
+  <p:cSld>
+    <p:spTree>
+      <p:nvGrpSpPr>
+        <p:cNvPr id="1" name=""/>
+        <p:cNvGrpSpPr/>
+        <p:nvPr/>
+      </p:nvGrpSpPr>
+      <p:grpSpPr>
+        <a:xfrm>
+          <a:off x="0" y="0"/>
+          <a:ext cx="0" cy="0"/>
+          <a:chOff x="0" y="0"/>
+          <a:chExt cx="0" cy="0"/>
+        </a:xfrm>
+      </p:grpSpPr>
+      <p:sp>
+        <p:nvSpPr>
+          <p:cNvPr id="5" name="Title 4">
+            <a:extLst>
+              <a:ext uri="{FF2B5EF4-FFF2-40B4-BE49-F238E27FC236}">
+                <a16:creationId xmlns:a16="http://schemas.microsoft.com/office/drawing/2014/main" id="{44E0868E-BCFF-4470-AA32-2E6DA01A7745}"/>
+              </a:ext>
+            </a:extLst>
+          </p:cNvPr>
+          <p:cNvSpPr>
+            <a:spLocks noGrp="1"/>
+          </p:cNvSpPr>
+          <p:nvPr>
+            <p:ph type="title"/>
+          </p:nvPr>
+        </p:nvSpPr>
+        <p:spPr>
+          <a:xfrm>
+            <a:off x="-15240" y="13063"/>
+            <a:ext cx="11429999" cy="749165"/>
+          </a:xfrm>
+        </p:spPr>
+        <p:txBody>
+          <a:bodyPr/>
+          <a:lstStyle/>
+          <a:p>
+            <a:r>
+              <a:rPr lang="en-US" dirty="0"/>
+              <a:t>1.4 Regularizing (1)</a:t>
+            </a:r>
+          </a:p>
+        </p:txBody>
+      </p:sp>
+      <p:sp>
+        <p:nvSpPr>
+          <p:cNvPr id="18" name="Rectangle 17">
+            <a:extLst>
+              <a:ext uri="{FF2B5EF4-FFF2-40B4-BE49-F238E27FC236}">
+                <a16:creationId xmlns:a16="http://schemas.microsoft.com/office/drawing/2014/main" id="{D2B3A026-02F6-45FC-ADC1-27EB9E77A652}"/>
+              </a:ext>
+            </a:extLst>
+          </p:cNvPr>
+          <p:cNvSpPr/>
+          <p:nvPr/>
+        </p:nvSpPr>
+        <p:spPr>
+          <a:xfrm>
+            <a:off x="320041" y="1005840"/>
+            <a:ext cx="10759439" cy="3046988"/>
+          </a:xfrm>
+          <a:prstGeom prst="rect">
+            <a:avLst/>
+          </a:prstGeom>
+        </p:spPr>
+        <p:txBody>
+          <a:bodyPr wrap="square">
+            <a:spAutoFit/>
+          </a:bodyPr>
+          <a:lstStyle/>
+          <a:p>
+            <a:pPr marL="285750" indent="-285750">
+              <a:buFont typeface="Wingdings" panose="05000000000000000000" pitchFamily="2" charset="2"/>
+              <a:buChar char="v"/>
+            </a:pPr>
+            <a:r>
+              <a:rPr lang="en-US" sz="1600" b="1" dirty="0"/>
+              <a:t>Regularizations</a:t>
+            </a:r>
+            <a:r>
+              <a:rPr lang="en-US" sz="1600" dirty="0"/>
+              <a:t> are techniques used to reduce the error by fitting a function appropriately on the given training set &amp; avoid overfitting. </a:t>
+            </a:r>
+          </a:p>
+          <a:p>
+            <a:pPr marL="285750" indent="-285750">
+              <a:buFont typeface="Wingdings" panose="05000000000000000000" pitchFamily="2" charset="2"/>
+              <a:buChar char="v"/>
+            </a:pPr>
+            <a:r>
+              <a:rPr lang="en-US" sz="1600" dirty="0"/>
+              <a:t>Techniques:</a:t>
+            </a:r>
+          </a:p>
+          <a:p>
+            <a:pPr marL="742864" lvl="1" indent="-285750">
+              <a:buFont typeface="Wingdings" panose="05000000000000000000" pitchFamily="2" charset="2"/>
+              <a:buChar char="§"/>
+            </a:pPr>
+            <a:r>
+              <a:rPr lang="en-US" sz="1600" dirty="0"/>
+              <a:t>Modify the loss function</a:t>
+            </a:r>
+          </a:p>
+          <a:p>
+            <a:pPr marL="742864" lvl="1" indent="-285750">
+              <a:buFont typeface="Wingdings" panose="05000000000000000000" pitchFamily="2" charset="2"/>
+              <a:buChar char="§"/>
+            </a:pPr>
+            <a:r>
+              <a:rPr lang="en-US" sz="1600" dirty="0"/>
+              <a:t>Dropout</a:t>
+            </a:r>
+          </a:p>
+          <a:p>
+            <a:pPr marL="742864" lvl="1" indent="-285750">
+              <a:buFont typeface="Wingdings" panose="05000000000000000000" pitchFamily="2" charset="2"/>
+              <a:buChar char="§"/>
+            </a:pPr>
+            <a:r>
+              <a:rPr lang="en-US" sz="1600" dirty="0"/>
+              <a:t>Early stopping</a:t>
+            </a:r>
+          </a:p>
+          <a:p>
+            <a:endParaRPr lang="en-US" sz="1600" dirty="0"/>
+          </a:p>
+          <a:p>
+            <a:pPr marL="742864" lvl="1" indent="-285750">
+              <a:buFont typeface="Wingdings" panose="05000000000000000000" pitchFamily="2" charset="2"/>
+              <a:buChar char="§"/>
+            </a:pPr>
+            <a:endParaRPr lang="en-US" sz="1600" dirty="0"/>
+          </a:p>
+          <a:p>
+            <a:pPr marL="742864" lvl="1" indent="-285750">
+              <a:buFont typeface="Wingdings" panose="05000000000000000000" pitchFamily="2" charset="2"/>
+              <a:buChar char="§"/>
+            </a:pPr>
+            <a:endParaRPr lang="en-US" sz="1600" dirty="0"/>
+          </a:p>
+          <a:p>
+            <a:pPr lvl="1"/>
+            <a:endParaRPr lang="en-US" sz="1600" dirty="0"/>
+          </a:p>
+          <a:p>
+            <a:pPr lvl="1"/>
+            <a:endParaRPr lang="en-US" sz="1600" dirty="0"/>
+          </a:p>
+          <a:p>
+            <a:endParaRPr lang="en-US" sz="1600" dirty="0"/>
+          </a:p>
+        </p:txBody>
+      </p:sp>
+    </p:spTree>
+    <p:extLst>
+      <p:ext uri="{BB962C8B-B14F-4D97-AF65-F5344CB8AC3E}">
+        <p14:creationId xmlns:p14="http://schemas.microsoft.com/office/powerpoint/2010/main" val="4094288284"/>
+      </p:ext>
+    </p:extLst>
+  </p:cSld>
+  <p:clrMapOvr>
+    <a:masterClrMapping/>
+  </p:clrMapOvr>
+</p:sld>
+</file>
+
 <file path=ppt/slides/slide8.xml><?xml version="1.0" encoding="utf-8"?>
 <p:sld xmlns:a="http://schemas.openxmlformats.org/drawingml/2006/main" xmlns:r="http://schemas.openxmlformats.org/officeDocument/2006/relationships" xmlns:p="http://schemas.openxmlformats.org/presentationml/2006/main">
   <p:cSld>
@@ -13048,7 +13241,7 @@
           <a:p>
             <a:r>
               <a:rPr lang="en-US" dirty="0"/>
-              <a:t>1.4 Regularizing (1)</a:t>
+              <a:t>1.4 Regularizing: modify the loss function</a:t>
             </a:r>
           </a:p>
         </p:txBody>
@@ -13068,7 +13261,7 @@
         <p:spPr>
           <a:xfrm>
             <a:off x="320041" y="1005840"/>
-            <a:ext cx="10759439" cy="3785652"/>
+            <a:ext cx="10759439" cy="1323439"/>
           </a:xfrm>
           <a:prstGeom prst="rect">
             <a:avLst/>
@@ -13085,13 +13278,16 @@
               <a:buChar char="v"/>
             </a:pPr>
             <a:r>
-              <a:rPr lang="en-US" sz="1600" b="1" dirty="0"/>
-              <a:t>Regularizations</a:t>
-            </a:r>
-            <a:r>
               <a:rPr lang="en-US" sz="1600" dirty="0"/>
-              <a:t> are techniques used to reduce the error by fitting a function appropriately on the given training set &amp; avoid overfitting.</a:t>
-            </a:r>
+              <a:t>Add regularization terms:</a:t>
+            </a:r>
+          </a:p>
+          <a:p>
+            <a:endParaRPr lang="en-US" sz="1600" dirty="0"/>
+          </a:p>
+          <a:p>
+            <a:pPr lvl="1"/>
+            <a:endParaRPr lang="en-US" sz="1600" dirty="0"/>
           </a:p>
           <a:p>
             <a:pPr marL="285750" indent="-285750">
@@ -13099,93 +13295,9 @@
               <a:buChar char="v"/>
             </a:pPr>
             <a:r>
-              <a:rPr lang="en-US" sz="1600" b="1" dirty="0"/>
-              <a:t>Regularization for logistic regression</a:t>
-            </a:r>
-            <a:r>
               <a:rPr lang="en-US" sz="1600" dirty="0"/>
-              <a:t>:</a:t>
-            </a:r>
-          </a:p>
-          <a:p>
-            <a:pPr marL="742864" lvl="1" indent="-285750">
-              <a:buFont typeface="Wingdings" panose="05000000000000000000" pitchFamily="2" charset="2"/>
-              <a:buChar char="§"/>
-            </a:pPr>
-            <a:r>
-              <a:rPr lang="en-US" sz="1600" dirty="0"/>
-              <a:t>Cost function: </a:t>
-            </a:r>
-          </a:p>
-          <a:p>
-            <a:pPr marL="742864" lvl="1" indent="-285750">
-              <a:buFont typeface="Wingdings" panose="05000000000000000000" pitchFamily="2" charset="2"/>
-              <a:buChar char="§"/>
-            </a:pPr>
-            <a:endParaRPr lang="en-US" sz="1600" dirty="0"/>
-          </a:p>
-          <a:p>
-            <a:pPr marL="742864" lvl="1" indent="-285750">
-              <a:buFont typeface="Wingdings" panose="05000000000000000000" pitchFamily="2" charset="2"/>
-              <a:buChar char="§"/>
-            </a:pPr>
-            <a:endParaRPr lang="en-US" sz="1600" dirty="0"/>
-          </a:p>
-          <a:p>
-            <a:pPr marL="742864" lvl="1" indent="-285750">
-              <a:buFont typeface="Wingdings" panose="05000000000000000000" pitchFamily="2" charset="2"/>
-              <a:buChar char="§"/>
-            </a:pPr>
-            <a:endParaRPr lang="en-US" sz="1600" dirty="0"/>
-          </a:p>
-          <a:p>
-            <a:pPr marL="742864" lvl="1" indent="-285750">
-              <a:buFont typeface="Wingdings" panose="05000000000000000000" pitchFamily="2" charset="2"/>
-              <a:buChar char="§"/>
-            </a:pPr>
-            <a:r>
-              <a:rPr lang="en-US" sz="1600" dirty="0"/>
-              <a:t>The L2 regularization:</a:t>
-            </a:r>
-          </a:p>
-          <a:p>
-            <a:pPr marL="742864" lvl="1" indent="-285750">
-              <a:buFont typeface="Wingdings" panose="05000000000000000000" pitchFamily="2" charset="2"/>
-              <a:buChar char="§"/>
-            </a:pPr>
-            <a:endParaRPr lang="en-US" sz="1600" dirty="0"/>
-          </a:p>
-          <a:p>
-            <a:pPr marL="742864" lvl="1" indent="-285750">
-              <a:buFont typeface="Wingdings" panose="05000000000000000000" pitchFamily="2" charset="2"/>
-              <a:buChar char="§"/>
-            </a:pPr>
-            <a:endParaRPr lang="en-US" sz="1600" dirty="0"/>
-          </a:p>
-          <a:p>
-            <a:pPr marL="742864" lvl="1" indent="-285750">
-              <a:buFont typeface="Wingdings" panose="05000000000000000000" pitchFamily="2" charset="2"/>
-              <a:buChar char="§"/>
-            </a:pPr>
-            <a:endParaRPr lang="en-US" sz="1600" dirty="0"/>
-          </a:p>
-          <a:p>
-            <a:pPr marL="742864" lvl="1" indent="-285750">
-              <a:buFont typeface="Wingdings" panose="05000000000000000000" pitchFamily="2" charset="2"/>
-              <a:buChar char="§"/>
-            </a:pPr>
-            <a:r>
-              <a:rPr lang="en-US" sz="1600" dirty="0"/>
-              <a:t>The L1 regularization:</a:t>
-            </a:r>
-          </a:p>
-          <a:p>
-            <a:pPr lvl="1"/>
-            <a:endParaRPr lang="en-US" sz="1600" dirty="0"/>
-          </a:p>
-          <a:p>
-            <a:pPr lvl="1"/>
-            <a:endParaRPr lang="en-US" sz="1600" dirty="0"/>
+              <a:t>L1 &amp; L2 regularization:</a:t>
+            </a:r>
           </a:p>
           <a:p>
             <a:endParaRPr lang="en-US" sz="1600" dirty="0"/>
@@ -13194,10 +13306,10 @@
       </p:sp>
       <p:pic>
         <p:nvPicPr>
-          <p:cNvPr id="3" name="Picture 2">
+          <p:cNvPr id="7" name="Picture 6" descr="A picture containing text&#10;&#10;Description automatically generated">
             <a:extLst>
               <a:ext uri="{FF2B5EF4-FFF2-40B4-BE49-F238E27FC236}">
-                <a16:creationId xmlns:a16="http://schemas.microsoft.com/office/drawing/2014/main" id="{DCBF7DFA-1696-4381-979B-B312945268B6}"/>
+                <a16:creationId xmlns:a16="http://schemas.microsoft.com/office/drawing/2014/main" id="{9395D23C-3664-482E-9903-FC41BBC6BC11}"/>
               </a:ext>
             </a:extLst>
           </p:cNvPr>
@@ -13214,78 +13326,204 @@
         </p:blipFill>
         <p:spPr>
           <a:xfrm>
-            <a:off x="4279900" y="2156447"/>
-            <a:ext cx="3370942" cy="739544"/>
+            <a:off x="3948683" y="1313414"/>
+            <a:ext cx="2359154" cy="685800"/>
           </a:xfrm>
           <a:prstGeom prst="rect">
             <a:avLst/>
           </a:prstGeom>
         </p:spPr>
       </p:pic>
-      <p:pic>
-        <p:nvPicPr>
-          <p:cNvPr id="6" name="Picture 5">
+      <p:graphicFrame>
+        <p:nvGraphicFramePr>
+          <p:cNvPr id="2" name="Table 3">
             <a:extLst>
               <a:ext uri="{FF2B5EF4-FFF2-40B4-BE49-F238E27FC236}">
-                <a16:creationId xmlns:a16="http://schemas.microsoft.com/office/drawing/2014/main" id="{5455120A-CAEC-4A6C-862C-332D14EAF813}"/>
+                <a16:creationId xmlns:a16="http://schemas.microsoft.com/office/drawing/2014/main" id="{5DC1F0C6-523E-438D-857A-D340B8D140EB}"/>
               </a:ext>
             </a:extLst>
           </p:cNvPr>
-          <p:cNvPicPr>
-            <a:picLocks noChangeAspect="1"/>
-          </p:cNvPicPr>
-          <p:nvPr/>
-        </p:nvPicPr>
-        <p:blipFill>
-          <a:blip r:embed="rId4"/>
-          <a:stretch>
-            <a:fillRect/>
-          </a:stretch>
-        </p:blipFill>
-        <p:spPr>
-          <a:xfrm>
-            <a:off x="3521415" y="3001140"/>
-            <a:ext cx="4887912" cy="698276"/>
-          </a:xfrm>
-          <a:prstGeom prst="rect">
-            <a:avLst/>
-          </a:prstGeom>
-        </p:spPr>
-      </p:pic>
-      <p:pic>
-        <p:nvPicPr>
-          <p:cNvPr id="8" name="Picture 7">
-            <a:extLst>
-              <a:ext uri="{FF2B5EF4-FFF2-40B4-BE49-F238E27FC236}">
-                <a16:creationId xmlns:a16="http://schemas.microsoft.com/office/drawing/2014/main" id="{4EB0A998-288D-42B8-A991-65BB7F49903A}"/>
-              </a:ext>
-            </a:extLst>
-          </p:cNvPr>
-          <p:cNvPicPr>
-            <a:picLocks noChangeAspect="1"/>
-          </p:cNvPicPr>
-          <p:nvPr/>
-        </p:nvPicPr>
-        <p:blipFill>
-          <a:blip r:embed="rId5"/>
-          <a:stretch>
-            <a:fillRect/>
-          </a:stretch>
-        </p:blipFill>
-        <p:spPr>
-          <a:xfrm>
-            <a:off x="3450232" y="4013882"/>
-            <a:ext cx="5291536" cy="777610"/>
-          </a:xfrm>
-          <a:prstGeom prst="rect">
-            <a:avLst/>
-          </a:prstGeom>
-        </p:spPr>
-      </p:pic>
+          <p:cNvGraphicFramePr>
+            <a:graphicFrameLocks noGrp="1"/>
+          </p:cNvGraphicFramePr>
+          <p:nvPr>
+            <p:extLst>
+              <p:ext uri="{D42A27DB-BD31-4B8C-83A1-F6EECF244321}">
+                <p14:modId xmlns:p14="http://schemas.microsoft.com/office/powerpoint/2010/main" val="4171042473"/>
+              </p:ext>
+            </p:extLst>
+          </p:nvPr>
+        </p:nvGraphicFramePr>
+        <p:xfrm>
+          <a:off x="751839" y="2080592"/>
+          <a:ext cx="10662921" cy="1554037"/>
+        </p:xfrm>
+        <a:graphic>
+          <a:graphicData uri="http://schemas.openxmlformats.org/drawingml/2006/table">
+            <a:tbl>
+              <a:tblPr firstRow="1" bandRow="1">
+                <a:tableStyleId>{5C22544A-7EE6-4342-B048-85BDC9FD1C3A}</a:tableStyleId>
+              </a:tblPr>
+              <a:tblGrid>
+                <a:gridCol w="1534161">
+                  <a:extLst>
+                    <a:ext uri="{9D8B030D-6E8A-4147-A177-3AD203B41FA5}">
+                      <a16:colId xmlns:a16="http://schemas.microsoft.com/office/drawing/2014/main" val="2664129911"/>
+                    </a:ext>
+                  </a:extLst>
+                </a:gridCol>
+                <a:gridCol w="4145280">
+                  <a:extLst>
+                    <a:ext uri="{9D8B030D-6E8A-4147-A177-3AD203B41FA5}">
+                      <a16:colId xmlns:a16="http://schemas.microsoft.com/office/drawing/2014/main" val="1971440215"/>
+                    </a:ext>
+                  </a:extLst>
+                </a:gridCol>
+                <a:gridCol w="4983480">
+                  <a:extLst>
+                    <a:ext uri="{9D8B030D-6E8A-4147-A177-3AD203B41FA5}">
+                      <a16:colId xmlns:a16="http://schemas.microsoft.com/office/drawing/2014/main" val="3492371171"/>
+                    </a:ext>
+                  </a:extLst>
+                </a:gridCol>
+              </a:tblGrid>
+              <a:tr h="357808">
+                <a:tc>
+                  <a:txBody>
+                    <a:bodyPr/>
+                    <a:lstStyle/>
+                    <a:p>
+                      <a:pPr algn="ctr"/>
+                      <a:endParaRPr lang="en-US" dirty="0"/>
+                    </a:p>
+                  </a:txBody>
+                  <a:tcPr/>
+                </a:tc>
+                <a:tc>
+                  <a:txBody>
+                    <a:bodyPr/>
+                    <a:lstStyle/>
+                    <a:p>
+                      <a:pPr algn="ctr"/>
+                      <a:r>
+                        <a:rPr lang="en-US" dirty="0"/>
+                        <a:t>L1 Regularization</a:t>
+                      </a:r>
+                    </a:p>
+                  </a:txBody>
+                  <a:tcPr/>
+                </a:tc>
+                <a:tc>
+                  <a:txBody>
+                    <a:bodyPr/>
+                    <a:lstStyle/>
+                    <a:p>
+                      <a:pPr algn="ctr"/>
+                      <a:r>
+                        <a:rPr lang="en-US" dirty="0"/>
+                        <a:t>L2 Regularization</a:t>
+                      </a:r>
+                    </a:p>
+                  </a:txBody>
+                  <a:tcPr/>
+                </a:tc>
+                <a:extLst>
+                  <a:ext uri="{0D108BD9-81ED-4DB2-BD59-A6C34878D82A}">
+                    <a16:rowId xmlns:a16="http://schemas.microsoft.com/office/drawing/2014/main" val="2811645971"/>
+                  </a:ext>
+                </a:extLst>
+              </a:tr>
+              <a:tr h="449580">
+                <a:tc>
+                  <a:txBody>
+                    <a:bodyPr/>
+                    <a:lstStyle/>
+                    <a:p>
+                      <a:r>
+                        <a:rPr lang="en-US" dirty="0"/>
+                        <a:t>The penalty term</a:t>
+                      </a:r>
+                    </a:p>
+                  </a:txBody>
+                  <a:tcPr/>
+                </a:tc>
+                <a:tc>
+                  <a:txBody>
+                    <a:bodyPr/>
+                    <a:lstStyle/>
+                    <a:p>
+                      <a:r>
+                        <a:rPr lang="en-US" dirty="0"/>
+                        <a:t>Square magnitude</a:t>
+                      </a:r>
+                    </a:p>
+                  </a:txBody>
+                  <a:tcPr/>
+                </a:tc>
+                <a:tc>
+                  <a:txBody>
+                    <a:bodyPr/>
+                    <a:lstStyle/>
+                    <a:p>
+                      <a:r>
+                        <a:rPr lang="en-US" dirty="0"/>
+                        <a:t>Absolute value of magnitude</a:t>
+                      </a:r>
+                    </a:p>
+                  </a:txBody>
+                  <a:tcPr/>
+                </a:tc>
+                <a:extLst>
+                  <a:ext uri="{0D108BD9-81ED-4DB2-BD59-A6C34878D82A}">
+                    <a16:rowId xmlns:a16="http://schemas.microsoft.com/office/drawing/2014/main" val="4121867213"/>
+                  </a:ext>
+                </a:extLst>
+              </a:tr>
+              <a:tr h="746649">
+                <a:tc>
+                  <a:txBody>
+                    <a:bodyPr/>
+                    <a:lstStyle/>
+                    <a:p>
+                      <a:endParaRPr lang="en-US" dirty="0"/>
+                    </a:p>
+                  </a:txBody>
+                  <a:tcPr/>
+                </a:tc>
+                <a:tc>
+                  <a:txBody>
+                    <a:bodyPr/>
+                    <a:lstStyle/>
+                    <a:p>
+                      <a:endParaRPr lang="en-US" dirty="0"/>
+                    </a:p>
+                  </a:txBody>
+                  <a:tcPr/>
+                </a:tc>
+                <a:tc>
+                  <a:txBody>
+                    <a:bodyPr/>
+                    <a:lstStyle/>
+                    <a:p>
+                      <a:endParaRPr lang="en-US" dirty="0"/>
+                    </a:p>
+                  </a:txBody>
+                  <a:tcPr/>
+                </a:tc>
+                <a:extLst>
+                  <a:ext uri="{0D108BD9-81ED-4DB2-BD59-A6C34878D82A}">
+                    <a16:rowId xmlns:a16="http://schemas.microsoft.com/office/drawing/2014/main" val="666656828"/>
+                  </a:ext>
+                </a:extLst>
+              </a:tr>
+            </a:tbl>
+          </a:graphicData>
+        </a:graphic>
+      </p:graphicFrame>
     </p:spTree>
     <p:extLst>
       <p:ext uri="{BB962C8B-B14F-4D97-AF65-F5344CB8AC3E}">
-        <p14:creationId xmlns:p14="http://schemas.microsoft.com/office/powerpoint/2010/main" val="4094288284"/>
+        <p14:creationId xmlns:p14="http://schemas.microsoft.com/office/powerpoint/2010/main" val="3212439053"/>
       </p:ext>
     </p:extLst>
   </p:cSld>
@@ -13340,7 +13578,7 @@
           <a:p>
             <a:r>
               <a:rPr lang="en-US" dirty="0"/>
-              <a:t>1.4 Regularizing (2)</a:t>
+              <a:t>1.4 Regularizing (3)</a:t>
             </a:r>
           </a:p>
         </p:txBody>
@@ -13360,7 +13598,7 @@
         <p:spPr>
           <a:xfrm>
             <a:off x="320041" y="1005840"/>
-            <a:ext cx="10759439" cy="1569660"/>
+            <a:ext cx="10759439" cy="1077218"/>
           </a:xfrm>
           <a:prstGeom prst="rect">
             <a:avLst/>
@@ -13372,48 +13610,138 @@
           </a:bodyPr>
           <a:lstStyle/>
           <a:p>
-            <a:pPr marL="285750" indent="-285750">
+            <a:pPr marL="742864" lvl="1" indent="-285750">
               <a:buFont typeface="Wingdings" panose="05000000000000000000" pitchFamily="2" charset="2"/>
               <a:buChar char="v"/>
             </a:pPr>
             <a:r>
-              <a:rPr lang="en-US" sz="1600" b="1" dirty="0"/>
-              <a:t>Model’s capacity: </a:t>
-            </a:r>
-          </a:p>
-          <a:p>
-            <a:pPr marL="742864" lvl="1" indent="-285750">
-              <a:buFont typeface="Wingdings" panose="05000000000000000000" pitchFamily="2" charset="2"/>
-              <a:buChar char="§"/>
-            </a:pPr>
-            <a:r>
               <a:rPr lang="en-US" sz="1600" dirty="0"/>
-              <a:t>The ability to fit a wide variety of functions.</a:t>
-            </a:r>
-          </a:p>
-          <a:p>
-            <a:pPr marL="742864" lvl="1" indent="-285750">
-              <a:buFont typeface="Wingdings" panose="05000000000000000000" pitchFamily="2" charset="2"/>
-              <a:buChar char="§"/>
-            </a:pPr>
-            <a:endParaRPr lang="en-US" sz="1600" dirty="0"/>
-          </a:p>
-          <a:p>
-            <a:pPr marL="742864" lvl="1" indent="-285750">
-              <a:buFont typeface="Wingdings" panose="05000000000000000000" pitchFamily="2" charset="2"/>
-              <a:buChar char="§"/>
-            </a:pPr>
-            <a:endParaRPr lang="en-US" sz="1600" dirty="0"/>
+              <a:t>Implementation:</a:t>
+            </a:r>
           </a:p>
           <a:p>
             <a:pPr lvl="1"/>
             <a:endParaRPr lang="en-US" sz="1600" dirty="0"/>
           </a:p>
           <a:p>
+            <a:pPr lvl="1"/>
             <a:endParaRPr lang="en-US" sz="1600" dirty="0"/>
           </a:p>
-        </p:txBody>
-      </p:sp>
+          <a:p>
+            <a:endParaRPr lang="en-US" sz="1600" dirty="0"/>
+          </a:p>
+        </p:txBody>
+      </p:sp>
+      <p:graphicFrame>
+        <p:nvGraphicFramePr>
+          <p:cNvPr id="2" name="Table 2">
+            <a:extLst>
+              <a:ext uri="{FF2B5EF4-FFF2-40B4-BE49-F238E27FC236}">
+                <a16:creationId xmlns:a16="http://schemas.microsoft.com/office/drawing/2014/main" id="{45A52B1D-127E-4A09-9B92-51355455D0D1}"/>
+              </a:ext>
+            </a:extLst>
+          </p:cNvPr>
+          <p:cNvGraphicFramePr>
+            <a:graphicFrameLocks noGrp="1"/>
+          </p:cNvGraphicFramePr>
+          <p:nvPr>
+            <p:extLst>
+              <p:ext uri="{D42A27DB-BD31-4B8C-83A1-F6EECF244321}">
+                <p14:modId xmlns:p14="http://schemas.microsoft.com/office/powerpoint/2010/main" val="1656784504"/>
+              </p:ext>
+            </p:extLst>
+          </p:nvPr>
+        </p:nvGraphicFramePr>
+        <p:xfrm>
+          <a:off x="1323340" y="1437898"/>
+          <a:ext cx="10022840" cy="1381502"/>
+        </p:xfrm>
+        <a:graphic>
+          <a:graphicData uri="http://schemas.openxmlformats.org/drawingml/2006/table">
+            <a:tbl>
+              <a:tblPr firstRow="1" bandRow="1">
+                <a:tableStyleId>{5C22544A-7EE6-4342-B048-85BDC9FD1C3A}</a:tableStyleId>
+              </a:tblPr>
+              <a:tblGrid>
+                <a:gridCol w="5011420">
+                  <a:extLst>
+                    <a:ext uri="{9D8B030D-6E8A-4147-A177-3AD203B41FA5}">
+                      <a16:colId xmlns:a16="http://schemas.microsoft.com/office/drawing/2014/main" val="1446121590"/>
+                    </a:ext>
+                  </a:extLst>
+                </a:gridCol>
+                <a:gridCol w="5011420">
+                  <a:extLst>
+                    <a:ext uri="{9D8B030D-6E8A-4147-A177-3AD203B41FA5}">
+                      <a16:colId xmlns:a16="http://schemas.microsoft.com/office/drawing/2014/main" val="2252565834"/>
+                    </a:ext>
+                  </a:extLst>
+                </a:gridCol>
+              </a:tblGrid>
+              <a:tr h="614585">
+                <a:tc>
+                  <a:txBody>
+                    <a:bodyPr/>
+                    <a:lstStyle/>
+                    <a:p>
+                      <a:r>
+                        <a:rPr lang="en-US" dirty="0"/>
+                        <a:t>Logistic Regression</a:t>
+                      </a:r>
+                    </a:p>
+                  </a:txBody>
+                  <a:tcPr/>
+                </a:tc>
+                <a:tc>
+                  <a:txBody>
+                    <a:bodyPr/>
+                    <a:lstStyle/>
+                    <a:p>
+                      <a:r>
+                        <a:rPr lang="en-US" dirty="0"/>
+                        <a:t>Neural Networks</a:t>
+                      </a:r>
+                    </a:p>
+                  </a:txBody>
+                  <a:tcPr/>
+                </a:tc>
+                <a:extLst>
+                  <a:ext uri="{0D108BD9-81ED-4DB2-BD59-A6C34878D82A}">
+                    <a16:rowId xmlns:a16="http://schemas.microsoft.com/office/drawing/2014/main" val="804497802"/>
+                  </a:ext>
+                </a:extLst>
+              </a:tr>
+              <a:tr h="766917">
+                <a:tc>
+                  <a:txBody>
+                    <a:bodyPr/>
+                    <a:lstStyle/>
+                    <a:p>
+                      <a:endParaRPr lang="en-US"/>
+                    </a:p>
+                  </a:txBody>
+                  <a:tcPr/>
+                </a:tc>
+                <a:tc>
+                  <a:txBody>
+                    <a:bodyPr/>
+                    <a:lstStyle/>
+                    <a:p>
+                      <a:endParaRPr lang="en-US" dirty="0"/>
+                    </a:p>
+                  </a:txBody>
+                  <a:tcPr/>
+                </a:tc>
+                <a:extLst>
+                  <a:ext uri="{0D108BD9-81ED-4DB2-BD59-A6C34878D82A}">
+                    <a16:rowId xmlns:a16="http://schemas.microsoft.com/office/drawing/2014/main" val="3637223986"/>
+                  </a:ext>
+                </a:extLst>
+              </a:tr>
+            </a:tbl>
+          </a:graphicData>
+        </a:graphic>
+      </p:graphicFrame>
     </p:spTree>
     <p:extLst>
       <p:ext uri="{BB962C8B-B14F-4D97-AF65-F5344CB8AC3E}">

--- a/Improving Deep Neural Network - Report - Course 2.pptx
+++ b/Improving Deep Neural Network - Report - Course 2.pptx
@@ -5,10 +5,10 @@
     <p:sldMasterId id="2147483829" r:id="rId1"/>
   </p:sldMasterIdLst>
   <p:notesMasterIdLst>
-    <p:notesMasterId r:id="rId22"/>
+    <p:notesMasterId r:id="rId25"/>
   </p:notesMasterIdLst>
   <p:handoutMasterIdLst>
-    <p:handoutMasterId r:id="rId23"/>
+    <p:handoutMasterId r:id="rId26"/>
   </p:handoutMasterIdLst>
   <p:sldIdLst>
     <p:sldId id="965" r:id="rId2"/>
@@ -16,21 +16,24 @@
     <p:sldId id="1048" r:id="rId4"/>
     <p:sldId id="1590" r:id="rId5"/>
     <p:sldId id="1259" r:id="rId6"/>
-    <p:sldId id="1591" r:id="rId7"/>
-    <p:sldId id="1593" r:id="rId8"/>
-    <p:sldId id="1606" r:id="rId9"/>
-    <p:sldId id="1595" r:id="rId10"/>
-    <p:sldId id="1594" r:id="rId11"/>
-    <p:sldId id="1597" r:id="rId12"/>
-    <p:sldId id="1598" r:id="rId13"/>
-    <p:sldId id="1605" r:id="rId14"/>
-    <p:sldId id="1599" r:id="rId15"/>
-    <p:sldId id="1600" r:id="rId16"/>
-    <p:sldId id="1601" r:id="rId17"/>
-    <p:sldId id="1602" r:id="rId18"/>
-    <p:sldId id="1603" r:id="rId19"/>
-    <p:sldId id="1604" r:id="rId20"/>
-    <p:sldId id="982" r:id="rId21"/>
+    <p:sldId id="1608" r:id="rId7"/>
+    <p:sldId id="1591" r:id="rId8"/>
+    <p:sldId id="1593" r:id="rId9"/>
+    <p:sldId id="1606" r:id="rId10"/>
+    <p:sldId id="1595" r:id="rId11"/>
+    <p:sldId id="1594" r:id="rId12"/>
+    <p:sldId id="1607" r:id="rId13"/>
+    <p:sldId id="1609" r:id="rId14"/>
+    <p:sldId id="1597" r:id="rId15"/>
+    <p:sldId id="1598" r:id="rId16"/>
+    <p:sldId id="1605" r:id="rId17"/>
+    <p:sldId id="1599" r:id="rId18"/>
+    <p:sldId id="1600" r:id="rId19"/>
+    <p:sldId id="1601" r:id="rId20"/>
+    <p:sldId id="1602" r:id="rId21"/>
+    <p:sldId id="1603" r:id="rId22"/>
+    <p:sldId id="1604" r:id="rId23"/>
+    <p:sldId id="982" r:id="rId24"/>
   </p:sldIdLst>
   <p:sldSz cx="12192000" cy="6858000"/>
   <p:notesSz cx="6799263" cy="9929813"/>
@@ -833,81 +836,64 @@
           <a:bodyPr/>
           <a:lstStyle/>
           <a:p>
-            <a:r>
-              <a:rPr lang="en-US" dirty="0"/>
-              <a:t>+ </a:t>
-            </a:r>
-            <a:r>
-              <a:rPr lang="en-US" dirty="0" err="1"/>
-              <a:t>thao</a:t>
-            </a:r>
-            <a:r>
-              <a:rPr lang="en-US" dirty="0"/>
-              <a:t> </a:t>
-            </a:r>
-            <a:r>
-              <a:rPr lang="en-US" dirty="0" err="1"/>
-              <a:t>luan</a:t>
-            </a:r>
-            <a:r>
-              <a:rPr lang="en-US" dirty="0"/>
-              <a:t> </a:t>
-            </a:r>
-            <a:r>
-              <a:rPr lang="en-US" dirty="0" err="1"/>
-              <a:t>cac</a:t>
-            </a:r>
-            <a:r>
-              <a:rPr lang="en-US" dirty="0"/>
-              <a:t> </a:t>
-            </a:r>
-            <a:r>
-              <a:rPr lang="en-US" dirty="0" err="1"/>
-              <a:t>thuat</a:t>
-            </a:r>
-            <a:r>
-              <a:rPr lang="en-US" dirty="0"/>
-              <a:t> </a:t>
-            </a:r>
-            <a:r>
-              <a:rPr lang="en-US" dirty="0" err="1"/>
-              <a:t>toan</a:t>
-            </a:r>
-            <a:r>
-              <a:rPr lang="en-US" dirty="0"/>
-              <a:t> </a:t>
-            </a:r>
-            <a:r>
-              <a:rPr lang="en-US" dirty="0" err="1"/>
-              <a:t>toi</a:t>
-            </a:r>
-            <a:r>
-              <a:rPr lang="en-US" dirty="0"/>
-              <a:t> </a:t>
-            </a:r>
-            <a:r>
-              <a:rPr lang="en-US" dirty="0" err="1"/>
-              <a:t>uu</a:t>
-            </a:r>
-            <a:r>
-              <a:rPr lang="en-US" dirty="0"/>
-              <a:t> </a:t>
-            </a:r>
-            <a:r>
-              <a:rPr lang="en-US" dirty="0" err="1"/>
-              <a:t>giup</a:t>
-            </a:r>
-            <a:r>
-              <a:rPr lang="en-US" dirty="0"/>
-              <a:t> tang toc do train model -&gt; tang toc qua </a:t>
-            </a:r>
-            <a:r>
-              <a:rPr lang="en-US" dirty="0" err="1"/>
-              <a:t>trinh</a:t>
-            </a:r>
-            <a:r>
-              <a:rPr lang="en-US" dirty="0"/>
-              <a:t> </a:t>
+            <a:pPr marL="228600" indent="-228600">
+              <a:buAutoNum type="arabicParenR"/>
+            </a:pPr>
+            <a:r>
+              <a:rPr lang="en-US" dirty="0"/>
+              <a:t>What:</a:t>
+            </a:r>
+          </a:p>
+          <a:p>
+            <a:pPr marL="0" indent="0">
+              <a:buNone/>
+            </a:pPr>
+            <a:r>
+              <a:rPr lang="en-US" dirty="0"/>
+              <a:t>+ Overfitting:</a:t>
+            </a:r>
+          </a:p>
+          <a:p>
+            <a:pPr marL="0" indent="0">
+              <a:buNone/>
+            </a:pPr>
+            <a:r>
+              <a:rPr lang="en-US" dirty="0"/>
+              <a:t>+ Solves: regularization or more training data.</a:t>
+            </a:r>
+          </a:p>
+          <a:p>
+            <a:pPr marL="0" indent="0">
+              <a:buNone/>
+            </a:pPr>
+            <a:r>
+              <a:rPr lang="en-US" dirty="0"/>
+              <a:t>2) Why using ?</a:t>
+            </a:r>
+          </a:p>
+          <a:p>
+            <a:pPr marL="0" indent="0">
+              <a:buNone/>
+            </a:pPr>
+            <a:r>
+              <a:rPr lang="en-US" dirty="0"/>
+              <a:t>+ regularization: </a:t>
+            </a:r>
+            <a:r>
+              <a:rPr lang="en-US" dirty="0" err="1"/>
+              <a:t>giam</a:t>
+            </a:r>
+            <a:r>
+              <a:rPr lang="en-US" dirty="0"/>
+              <a:t> so </a:t>
+            </a:r>
+            <a:r>
+              <a:rPr lang="en-US" dirty="0" err="1"/>
+              <a:t>luong</a:t>
+            </a:r>
+            <a:r>
+              <a:rPr lang="en-US" dirty="0"/>
+              <a:t> models</a:t>
             </a:r>
           </a:p>
         </p:txBody>
@@ -938,7 +924,7 @@
     </p:spTree>
     <p:extLst>
       <p:ext uri="{BB962C8B-B14F-4D97-AF65-F5344CB8AC3E}">
-        <p14:creationId xmlns:p14="http://schemas.microsoft.com/office/powerpoint/2010/main" val="1314650328"/>
+        <p14:creationId xmlns:p14="http://schemas.microsoft.com/office/powerpoint/2010/main" val="1943849936"/>
       </p:ext>
     </p:extLst>
   </p:cSld>
@@ -997,7 +983,7 @@
             </a:pPr>
             <a:r>
               <a:rPr lang="en-US" dirty="0"/>
-              <a:t>What:</a:t>
+              <a:t>What</a:t>
             </a:r>
           </a:p>
           <a:p>
@@ -1006,15 +992,111 @@
             </a:pPr>
             <a:r>
               <a:rPr lang="en-US" dirty="0"/>
-              <a:t>+ vectorization: refers to Single Instruction &amp; Multiple Data (?). Nhung </a:t>
-            </a:r>
-            <a:r>
-              <a:rPr lang="en-US" dirty="0" err="1"/>
-              <a:t>khi</a:t>
-            </a:r>
-            <a:r>
-              <a:rPr lang="en-US" dirty="0"/>
-              <a:t> large data -&gt; take a huge processing time.</a:t>
+              <a:t>+ </a:t>
+            </a:r>
+            <a:r>
+              <a:rPr lang="en-US" dirty="0" err="1"/>
+              <a:t>trong</a:t>
+            </a:r>
+            <a:r>
+              <a:rPr lang="en-US" dirty="0"/>
+              <a:t> </a:t>
+            </a:r>
+            <a:r>
+              <a:rPr lang="en-US" dirty="0" err="1"/>
+              <a:t>q.trinh</a:t>
+            </a:r>
+            <a:r>
+              <a:rPr lang="en-US" dirty="0"/>
+              <a:t> train, </a:t>
+            </a:r>
+            <a:r>
+              <a:rPr lang="en-US" dirty="0" err="1"/>
+              <a:t>moi</a:t>
+            </a:r>
+            <a:r>
+              <a:rPr lang="en-US" dirty="0"/>
+              <a:t> </a:t>
+            </a:r>
+            <a:r>
+              <a:rPr lang="en-US" dirty="0" err="1"/>
+              <a:t>lan</a:t>
+            </a:r>
+            <a:r>
+              <a:rPr lang="en-US" dirty="0"/>
+              <a:t> cap </a:t>
+            </a:r>
+            <a:r>
+              <a:rPr lang="en-US" dirty="0" err="1"/>
+              <a:t>nhat</a:t>
+            </a:r>
+            <a:r>
+              <a:rPr lang="en-US" dirty="0"/>
+              <a:t> he so </a:t>
+            </a:r>
+            <a:r>
+              <a:rPr lang="en-US" dirty="0" err="1"/>
+              <a:t>gradient.d</a:t>
+            </a:r>
+            <a:r>
+              <a:rPr lang="en-US" dirty="0"/>
+              <a:t> t </a:t>
+            </a:r>
+            <a:r>
+              <a:rPr lang="en-US" dirty="0" err="1"/>
+              <a:t>ngau</a:t>
+            </a:r>
+            <a:r>
+              <a:rPr lang="en-US" dirty="0"/>
+              <a:t> </a:t>
+            </a:r>
+            <a:r>
+              <a:rPr lang="en-US" dirty="0" err="1"/>
+              <a:t>nhien</a:t>
+            </a:r>
+            <a:r>
+              <a:rPr lang="en-US" dirty="0"/>
+              <a:t> </a:t>
+            </a:r>
+            <a:r>
+              <a:rPr lang="en-US" dirty="0" err="1"/>
+              <a:t>loai</a:t>
+            </a:r>
+            <a:r>
+              <a:rPr lang="en-US" dirty="0"/>
+              <a:t> </a:t>
+            </a:r>
+            <a:r>
+              <a:rPr lang="en-US" dirty="0" err="1"/>
+              <a:t>bo</a:t>
+            </a:r>
+            <a:r>
+              <a:rPr lang="en-US" dirty="0"/>
+              <a:t> p% </a:t>
+            </a:r>
+            <a:r>
+              <a:rPr lang="en-US" dirty="0" err="1"/>
+              <a:t>luong</a:t>
+            </a:r>
+            <a:r>
+              <a:rPr lang="en-US" dirty="0"/>
+              <a:t> neurons </a:t>
+            </a:r>
+            <a:r>
+              <a:rPr lang="en-US" dirty="0" err="1"/>
+              <a:t>trong</a:t>
+            </a:r>
+            <a:r>
+              <a:rPr lang="en-US" dirty="0"/>
+              <a:t> layer dang </a:t>
+            </a:r>
+            <a:r>
+              <a:rPr lang="en-US" dirty="0" err="1"/>
+              <a:t>xet</a:t>
+            </a:r>
+            <a:r>
+              <a:rPr lang="en-US" dirty="0"/>
+              <a:t>.</a:t>
             </a:r>
           </a:p>
           <a:p>
@@ -1023,37 +1105,32 @@
             </a:pPr>
             <a:r>
               <a:rPr lang="en-US" dirty="0"/>
-              <a:t>+ gradient descent process:</a:t>
-            </a:r>
-          </a:p>
-          <a:p>
-            <a:pPr marL="171450" indent="-171450">
-              <a:buFontTx/>
-              <a:buChar char="-"/>
-            </a:pPr>
-            <a:r>
-              <a:rPr lang="en-US" dirty="0"/>
-              <a:t>Initialize start points theta_0.</a:t>
-            </a:r>
-          </a:p>
-          <a:p>
-            <a:pPr marL="171450" indent="-171450">
-              <a:buFontTx/>
-              <a:buChar char="-"/>
-            </a:pPr>
-            <a:r>
-              <a:rPr lang="en-US" dirty="0"/>
-              <a:t>Update theta (loop) – using all data points</a:t>
+              <a:t>2) Why ? </a:t>
             </a:r>
           </a:p>
           <a:p>
             <a:pPr marL="0" indent="0">
-              <a:buFontTx/>
               <a:buNone/>
             </a:pPr>
             <a:r>
               <a:rPr lang="en-US" dirty="0"/>
-              <a:t>2) Why ?</a:t>
+              <a:t>+ </a:t>
+            </a:r>
+            <a:r>
+              <a:rPr lang="en-US" dirty="0" err="1"/>
+              <a:t>ly</a:t>
+            </a:r>
+            <a:r>
+              <a:rPr lang="en-US" dirty="0"/>
+              <a:t> do dropout </a:t>
+            </a:r>
+            <a:r>
+              <a:rPr lang="en-US" dirty="0" err="1"/>
+              <a:t>giup</a:t>
+            </a:r>
+            <a:r>
+              <a:rPr lang="en-US" dirty="0"/>
+              <a:t> ha</a:t>
             </a:r>
           </a:p>
         </p:txBody>
@@ -1084,7 +1161,7 @@
     </p:spTree>
     <p:extLst>
       <p:ext uri="{BB962C8B-B14F-4D97-AF65-F5344CB8AC3E}">
-        <p14:creationId xmlns:p14="http://schemas.microsoft.com/office/powerpoint/2010/main" val="3717684964"/>
+        <p14:creationId xmlns:p14="http://schemas.microsoft.com/office/powerpoint/2010/main" val="1615838432"/>
       </p:ext>
     </p:extLst>
   </p:cSld>
@@ -1143,7 +1220,7 @@
             </a:pPr>
             <a:r>
               <a:rPr lang="en-US" dirty="0"/>
-              <a:t>What:</a:t>
+              <a:t>What</a:t>
             </a:r>
           </a:p>
           <a:p>
@@ -1152,15 +1229,111 @@
             </a:pPr>
             <a:r>
               <a:rPr lang="en-US" dirty="0"/>
-              <a:t>+ vectorization: refers to Single Instruction &amp; Multiple Data (?). Nhung </a:t>
-            </a:r>
-            <a:r>
-              <a:rPr lang="en-US" dirty="0" err="1"/>
-              <a:t>khi</a:t>
-            </a:r>
-            <a:r>
-              <a:rPr lang="en-US" dirty="0"/>
-              <a:t> large data -&gt; take a huge processing time.</a:t>
+              <a:t>+ </a:t>
+            </a:r>
+            <a:r>
+              <a:rPr lang="en-US" dirty="0" err="1"/>
+              <a:t>trong</a:t>
+            </a:r>
+            <a:r>
+              <a:rPr lang="en-US" dirty="0"/>
+              <a:t> </a:t>
+            </a:r>
+            <a:r>
+              <a:rPr lang="en-US" dirty="0" err="1"/>
+              <a:t>q.trinh</a:t>
+            </a:r>
+            <a:r>
+              <a:rPr lang="en-US" dirty="0"/>
+              <a:t> train, </a:t>
+            </a:r>
+            <a:r>
+              <a:rPr lang="en-US" dirty="0" err="1"/>
+              <a:t>moi</a:t>
+            </a:r>
+            <a:r>
+              <a:rPr lang="en-US" dirty="0"/>
+              <a:t> </a:t>
+            </a:r>
+            <a:r>
+              <a:rPr lang="en-US" dirty="0" err="1"/>
+              <a:t>lan</a:t>
+            </a:r>
+            <a:r>
+              <a:rPr lang="en-US" dirty="0"/>
+              <a:t> cap </a:t>
+            </a:r>
+            <a:r>
+              <a:rPr lang="en-US" dirty="0" err="1"/>
+              <a:t>nhat</a:t>
+            </a:r>
+            <a:r>
+              <a:rPr lang="en-US" dirty="0"/>
+              <a:t> he so </a:t>
+            </a:r>
+            <a:r>
+              <a:rPr lang="en-US" dirty="0" err="1"/>
+              <a:t>gradient.d</a:t>
+            </a:r>
+            <a:r>
+              <a:rPr lang="en-US" dirty="0"/>
+              <a:t> t </a:t>
+            </a:r>
+            <a:r>
+              <a:rPr lang="en-US" dirty="0" err="1"/>
+              <a:t>ngau</a:t>
+            </a:r>
+            <a:r>
+              <a:rPr lang="en-US" dirty="0"/>
+              <a:t> </a:t>
+            </a:r>
+            <a:r>
+              <a:rPr lang="en-US" dirty="0" err="1"/>
+              <a:t>nhien</a:t>
+            </a:r>
+            <a:r>
+              <a:rPr lang="en-US" dirty="0"/>
+              <a:t> </a:t>
+            </a:r>
+            <a:r>
+              <a:rPr lang="en-US" dirty="0" err="1"/>
+              <a:t>loai</a:t>
+            </a:r>
+            <a:r>
+              <a:rPr lang="en-US" dirty="0"/>
+              <a:t> </a:t>
+            </a:r>
+            <a:r>
+              <a:rPr lang="en-US" dirty="0" err="1"/>
+              <a:t>bo</a:t>
+            </a:r>
+            <a:r>
+              <a:rPr lang="en-US" dirty="0"/>
+              <a:t> p% </a:t>
+            </a:r>
+            <a:r>
+              <a:rPr lang="en-US" dirty="0" err="1"/>
+              <a:t>luong</a:t>
+            </a:r>
+            <a:r>
+              <a:rPr lang="en-US" dirty="0"/>
+              <a:t> neurons </a:t>
+            </a:r>
+            <a:r>
+              <a:rPr lang="en-US" dirty="0" err="1"/>
+              <a:t>trong</a:t>
+            </a:r>
+            <a:r>
+              <a:rPr lang="en-US" dirty="0"/>
+              <a:t> layer dang </a:t>
+            </a:r>
+            <a:r>
+              <a:rPr lang="en-US" dirty="0" err="1"/>
+              <a:t>xet</a:t>
+            </a:r>
+            <a:r>
+              <a:rPr lang="en-US" dirty="0"/>
+              <a:t>.</a:t>
             </a:r>
           </a:p>
           <a:p>
@@ -1169,37 +1342,32 @@
             </a:pPr>
             <a:r>
               <a:rPr lang="en-US" dirty="0"/>
-              <a:t>+ gradient descent process:</a:t>
-            </a:r>
-          </a:p>
-          <a:p>
-            <a:pPr marL="171450" indent="-171450">
-              <a:buFontTx/>
-              <a:buChar char="-"/>
-            </a:pPr>
-            <a:r>
-              <a:rPr lang="en-US" dirty="0"/>
-              <a:t>Initialize start points theta_0.</a:t>
-            </a:r>
-          </a:p>
-          <a:p>
-            <a:pPr marL="171450" indent="-171450">
-              <a:buFontTx/>
-              <a:buChar char="-"/>
-            </a:pPr>
-            <a:r>
-              <a:rPr lang="en-US" dirty="0"/>
-              <a:t>Update theta (loop) – using all data points</a:t>
+              <a:t>2) Why ? </a:t>
             </a:r>
           </a:p>
           <a:p>
             <a:pPr marL="0" indent="0">
-              <a:buFontTx/>
               <a:buNone/>
             </a:pPr>
             <a:r>
               <a:rPr lang="en-US" dirty="0"/>
-              <a:t>2) Why ?</a:t>
+              <a:t>+ </a:t>
+            </a:r>
+            <a:r>
+              <a:rPr lang="en-US" dirty="0" err="1"/>
+              <a:t>ly</a:t>
+            </a:r>
+            <a:r>
+              <a:rPr lang="en-US" dirty="0"/>
+              <a:t> do dropout </a:t>
+            </a:r>
+            <a:r>
+              <a:rPr lang="en-US" dirty="0" err="1"/>
+              <a:t>giup</a:t>
+            </a:r>
+            <a:r>
+              <a:rPr lang="en-US" dirty="0"/>
+              <a:t> ha</a:t>
             </a:r>
           </a:p>
         </p:txBody>
@@ -1230,7 +1398,7 @@
     </p:spTree>
     <p:extLst>
       <p:ext uri="{BB962C8B-B14F-4D97-AF65-F5344CB8AC3E}">
-        <p14:creationId xmlns:p14="http://schemas.microsoft.com/office/powerpoint/2010/main" val="4153433659"/>
+        <p14:creationId xmlns:p14="http://schemas.microsoft.com/office/powerpoint/2010/main" val="1841324876"/>
       </p:ext>
     </p:extLst>
   </p:cSld>
@@ -1284,64 +1452,81 @@
           <a:bodyPr/>
           <a:lstStyle/>
           <a:p>
-            <a:pPr marL="228600" indent="-228600">
-              <a:buAutoNum type="arabicParenR"/>
-            </a:pPr>
-            <a:r>
-              <a:rPr lang="en-US" dirty="0"/>
-              <a:t>What:</a:t>
-            </a:r>
-          </a:p>
-          <a:p>
-            <a:pPr marL="0" indent="0">
-              <a:buNone/>
-            </a:pPr>
-            <a:r>
-              <a:rPr lang="en-US" dirty="0"/>
-              <a:t>+ Overfitting:</a:t>
-            </a:r>
-          </a:p>
-          <a:p>
-            <a:pPr marL="0" indent="0">
-              <a:buNone/>
-            </a:pPr>
-            <a:r>
-              <a:rPr lang="en-US" dirty="0"/>
-              <a:t>+ Solves: regularization or more training data.</a:t>
-            </a:r>
-          </a:p>
-          <a:p>
-            <a:pPr marL="0" indent="0">
-              <a:buNone/>
-            </a:pPr>
-            <a:r>
-              <a:rPr lang="en-US" dirty="0"/>
-              <a:t>2) Why using ?</a:t>
-            </a:r>
-          </a:p>
-          <a:p>
-            <a:pPr marL="0" indent="0">
-              <a:buNone/>
-            </a:pPr>
-            <a:r>
-              <a:rPr lang="en-US" dirty="0"/>
-              <a:t>+ regularization: </a:t>
-            </a:r>
-            <a:r>
-              <a:rPr lang="en-US" dirty="0" err="1"/>
-              <a:t>giam</a:t>
-            </a:r>
-            <a:r>
-              <a:rPr lang="en-US" dirty="0"/>
-              <a:t> so </a:t>
-            </a:r>
-            <a:r>
-              <a:rPr lang="en-US" dirty="0" err="1"/>
-              <a:t>luong</a:t>
-            </a:r>
-            <a:r>
-              <a:rPr lang="en-US" dirty="0"/>
-              <a:t> models</a:t>
+            <a:r>
+              <a:rPr lang="en-US" dirty="0"/>
+              <a:t>+ </a:t>
+            </a:r>
+            <a:r>
+              <a:rPr lang="en-US" dirty="0" err="1"/>
+              <a:t>thao</a:t>
+            </a:r>
+            <a:r>
+              <a:rPr lang="en-US" dirty="0"/>
+              <a:t> </a:t>
+            </a:r>
+            <a:r>
+              <a:rPr lang="en-US" dirty="0" err="1"/>
+              <a:t>luan</a:t>
+            </a:r>
+            <a:r>
+              <a:rPr lang="en-US" dirty="0"/>
+              <a:t> </a:t>
+            </a:r>
+            <a:r>
+              <a:rPr lang="en-US" dirty="0" err="1"/>
+              <a:t>cac</a:t>
+            </a:r>
+            <a:r>
+              <a:rPr lang="en-US" dirty="0"/>
+              <a:t> </a:t>
+            </a:r>
+            <a:r>
+              <a:rPr lang="en-US" dirty="0" err="1"/>
+              <a:t>thuat</a:t>
+            </a:r>
+            <a:r>
+              <a:rPr lang="en-US" dirty="0"/>
+              <a:t> </a:t>
+            </a:r>
+            <a:r>
+              <a:rPr lang="en-US" dirty="0" err="1"/>
+              <a:t>toan</a:t>
+            </a:r>
+            <a:r>
+              <a:rPr lang="en-US" dirty="0"/>
+              <a:t> </a:t>
+            </a:r>
+            <a:r>
+              <a:rPr lang="en-US" dirty="0" err="1"/>
+              <a:t>toi</a:t>
+            </a:r>
+            <a:r>
+              <a:rPr lang="en-US" dirty="0"/>
+              <a:t> </a:t>
+            </a:r>
+            <a:r>
+              <a:rPr lang="en-US" dirty="0" err="1"/>
+              <a:t>uu</a:t>
+            </a:r>
+            <a:r>
+              <a:rPr lang="en-US" dirty="0"/>
+              <a:t> </a:t>
+            </a:r>
+            <a:r>
+              <a:rPr lang="en-US" dirty="0" err="1"/>
+              <a:t>giup</a:t>
+            </a:r>
+            <a:r>
+              <a:rPr lang="en-US" dirty="0"/>
+              <a:t> tang toc do train model -&gt; tang toc qua </a:t>
+            </a:r>
+            <a:r>
+              <a:rPr lang="en-US" dirty="0" err="1"/>
+              <a:t>trinh</a:t>
+            </a:r>
+            <a:r>
+              <a:rPr lang="en-US" dirty="0"/>
+              <a:t> </a:t>
             </a:r>
           </a:p>
         </p:txBody>
@@ -1372,7 +1557,7 @@
     </p:spTree>
     <p:extLst>
       <p:ext uri="{BB962C8B-B14F-4D97-AF65-F5344CB8AC3E}">
-        <p14:creationId xmlns:p14="http://schemas.microsoft.com/office/powerpoint/2010/main" val="346359283"/>
+        <p14:creationId xmlns:p14="http://schemas.microsoft.com/office/powerpoint/2010/main" val="1314650328"/>
       </p:ext>
     </p:extLst>
   </p:cSld>
@@ -1440,7 +1625,15 @@
             </a:pPr>
             <a:r>
               <a:rPr lang="en-US" dirty="0"/>
-              <a:t>+ Overfitting:</a:t>
+              <a:t>+ vectorization: refers to Single Instruction &amp; Multiple Data (?). Nhung </a:t>
+            </a:r>
+            <a:r>
+              <a:rPr lang="en-US" dirty="0" err="1"/>
+              <a:t>khi</a:t>
+            </a:r>
+            <a:r>
+              <a:rPr lang="en-US" dirty="0"/>
+              <a:t> large data -&gt; take a huge processing time.</a:t>
             </a:r>
           </a:p>
           <a:p>
@@ -1449,41 +1642,37 @@
             </a:pPr>
             <a:r>
               <a:rPr lang="en-US" dirty="0"/>
-              <a:t>+ Solves: regularization or more training data.</a:t>
+              <a:t>+ gradient descent process:</a:t>
+            </a:r>
+          </a:p>
+          <a:p>
+            <a:pPr marL="171450" indent="-171450">
+              <a:buFontTx/>
+              <a:buChar char="-"/>
+            </a:pPr>
+            <a:r>
+              <a:rPr lang="en-US" dirty="0"/>
+              <a:t>Initialize start points theta_0.</a:t>
+            </a:r>
+          </a:p>
+          <a:p>
+            <a:pPr marL="171450" indent="-171450">
+              <a:buFontTx/>
+              <a:buChar char="-"/>
+            </a:pPr>
+            <a:r>
+              <a:rPr lang="en-US" dirty="0"/>
+              <a:t>Update theta (loop) – using all data points</a:t>
             </a:r>
           </a:p>
           <a:p>
             <a:pPr marL="0" indent="0">
+              <a:buFontTx/>
               <a:buNone/>
             </a:pPr>
             <a:r>
               <a:rPr lang="en-US" dirty="0"/>
-              <a:t>2) Why using ?</a:t>
-            </a:r>
-          </a:p>
-          <a:p>
-            <a:pPr marL="0" indent="0">
-              <a:buNone/>
-            </a:pPr>
-            <a:r>
-              <a:rPr lang="en-US" dirty="0"/>
-              <a:t>+ regularization: </a:t>
-            </a:r>
-            <a:r>
-              <a:rPr lang="en-US" dirty="0" err="1"/>
-              <a:t>giam</a:t>
-            </a:r>
-            <a:r>
-              <a:rPr lang="en-US" dirty="0"/>
-              <a:t> so </a:t>
-            </a:r>
-            <a:r>
-              <a:rPr lang="en-US" dirty="0" err="1"/>
-              <a:t>luong</a:t>
-            </a:r>
-            <a:r>
-              <a:rPr lang="en-US" dirty="0"/>
-              <a:t> models</a:t>
+              <a:t>2) Why ?</a:t>
             </a:r>
           </a:p>
         </p:txBody>
@@ -1514,7 +1703,7 @@
     </p:spTree>
     <p:extLst>
       <p:ext uri="{BB962C8B-B14F-4D97-AF65-F5344CB8AC3E}">
-        <p14:creationId xmlns:p14="http://schemas.microsoft.com/office/powerpoint/2010/main" val="1670691235"/>
+        <p14:creationId xmlns:p14="http://schemas.microsoft.com/office/powerpoint/2010/main" val="3717684964"/>
       </p:ext>
     </p:extLst>
   </p:cSld>
@@ -1582,7 +1771,15 @@
             </a:pPr>
             <a:r>
               <a:rPr lang="en-US" dirty="0"/>
-              <a:t>+ Overfitting:</a:t>
+              <a:t>+ vectorization: refers to Single Instruction &amp; Multiple Data (?). Nhung </a:t>
+            </a:r>
+            <a:r>
+              <a:rPr lang="en-US" dirty="0" err="1"/>
+              <a:t>khi</a:t>
+            </a:r>
+            <a:r>
+              <a:rPr lang="en-US" dirty="0"/>
+              <a:t> large data -&gt; take a huge processing time.</a:t>
             </a:r>
           </a:p>
           <a:p>
@@ -1591,41 +1788,37 @@
             </a:pPr>
             <a:r>
               <a:rPr lang="en-US" dirty="0"/>
-              <a:t>+ Solves: regularization or more training data.</a:t>
+              <a:t>+ gradient descent process:</a:t>
+            </a:r>
+          </a:p>
+          <a:p>
+            <a:pPr marL="171450" indent="-171450">
+              <a:buFontTx/>
+              <a:buChar char="-"/>
+            </a:pPr>
+            <a:r>
+              <a:rPr lang="en-US" dirty="0"/>
+              <a:t>Initialize start points theta_0.</a:t>
+            </a:r>
+          </a:p>
+          <a:p>
+            <a:pPr marL="171450" indent="-171450">
+              <a:buFontTx/>
+              <a:buChar char="-"/>
+            </a:pPr>
+            <a:r>
+              <a:rPr lang="en-US" dirty="0"/>
+              <a:t>Update theta (loop) – using all data points</a:t>
             </a:r>
           </a:p>
           <a:p>
             <a:pPr marL="0" indent="0">
+              <a:buFontTx/>
               <a:buNone/>
             </a:pPr>
             <a:r>
               <a:rPr lang="en-US" dirty="0"/>
-              <a:t>2) Why using ?</a:t>
-            </a:r>
-          </a:p>
-          <a:p>
-            <a:pPr marL="0" indent="0">
-              <a:buNone/>
-            </a:pPr>
-            <a:r>
-              <a:rPr lang="en-US" dirty="0"/>
-              <a:t>+ regularization: </a:t>
-            </a:r>
-            <a:r>
-              <a:rPr lang="en-US" dirty="0" err="1"/>
-              <a:t>giam</a:t>
-            </a:r>
-            <a:r>
-              <a:rPr lang="en-US" dirty="0"/>
-              <a:t> so </a:t>
-            </a:r>
-            <a:r>
-              <a:rPr lang="en-US" dirty="0" err="1"/>
-              <a:t>luong</a:t>
-            </a:r>
-            <a:r>
-              <a:rPr lang="en-US" dirty="0"/>
-              <a:t> models</a:t>
+              <a:t>2) Why ?</a:t>
             </a:r>
           </a:p>
         </p:txBody>
@@ -1656,7 +1849,7 @@
     </p:spTree>
     <p:extLst>
       <p:ext uri="{BB962C8B-B14F-4D97-AF65-F5344CB8AC3E}">
-        <p14:creationId xmlns:p14="http://schemas.microsoft.com/office/powerpoint/2010/main" val="2725300741"/>
+        <p14:creationId xmlns:p14="http://schemas.microsoft.com/office/powerpoint/2010/main" val="4153433659"/>
       </p:ext>
     </p:extLst>
   </p:cSld>
@@ -1798,7 +1991,7 @@
     </p:spTree>
     <p:extLst>
       <p:ext uri="{BB962C8B-B14F-4D97-AF65-F5344CB8AC3E}">
-        <p14:creationId xmlns:p14="http://schemas.microsoft.com/office/powerpoint/2010/main" val="2317995284"/>
+        <p14:creationId xmlns:p14="http://schemas.microsoft.com/office/powerpoint/2010/main" val="346359283"/>
       </p:ext>
     </p:extLst>
   </p:cSld>
@@ -1940,7 +2133,7 @@
     </p:spTree>
     <p:extLst>
       <p:ext uri="{BB962C8B-B14F-4D97-AF65-F5344CB8AC3E}">
-        <p14:creationId xmlns:p14="http://schemas.microsoft.com/office/powerpoint/2010/main" val="814293209"/>
+        <p14:creationId xmlns:p14="http://schemas.microsoft.com/office/powerpoint/2010/main" val="1670691235"/>
       </p:ext>
     </p:extLst>
   </p:cSld>
@@ -2082,7 +2275,149 @@
     </p:spTree>
     <p:extLst>
       <p:ext uri="{BB962C8B-B14F-4D97-AF65-F5344CB8AC3E}">
-        <p14:creationId xmlns:p14="http://schemas.microsoft.com/office/powerpoint/2010/main" val="666551628"/>
+        <p14:creationId xmlns:p14="http://schemas.microsoft.com/office/powerpoint/2010/main" val="2725300741"/>
+      </p:ext>
+    </p:extLst>
+  </p:cSld>
+  <p:clrMapOvr>
+    <a:masterClrMapping/>
+  </p:clrMapOvr>
+</p:notes>
+</file>
+
+<file path=ppt/notesSlides/notesSlide19.xml><?xml version="1.0" encoding="utf-8"?>
+<p:notes xmlns:a="http://schemas.openxmlformats.org/drawingml/2006/main" xmlns:r="http://schemas.openxmlformats.org/officeDocument/2006/relationships" xmlns:p="http://schemas.openxmlformats.org/presentationml/2006/main">
+  <p:cSld>
+    <p:spTree>
+      <p:nvGrpSpPr>
+        <p:cNvPr id="1" name=""/>
+        <p:cNvGrpSpPr/>
+        <p:nvPr/>
+      </p:nvGrpSpPr>
+      <p:grpSpPr>
+        <a:xfrm>
+          <a:off x="0" y="0"/>
+          <a:ext cx="0" cy="0"/>
+          <a:chOff x="0" y="0"/>
+          <a:chExt cx="0" cy="0"/>
+        </a:xfrm>
+      </p:grpSpPr>
+      <p:sp>
+        <p:nvSpPr>
+          <p:cNvPr id="2" name="Slide Image Placeholder 1"/>
+          <p:cNvSpPr>
+            <a:spLocks noGrp="1" noRot="1" noChangeAspect="1"/>
+          </p:cNvSpPr>
+          <p:nvPr>
+            <p:ph type="sldImg"/>
+          </p:nvPr>
+        </p:nvSpPr>
+        <p:spPr/>
+      </p:sp>
+      <p:sp>
+        <p:nvSpPr>
+          <p:cNvPr id="3" name="Notes Placeholder 2"/>
+          <p:cNvSpPr>
+            <a:spLocks noGrp="1"/>
+          </p:cNvSpPr>
+          <p:nvPr>
+            <p:ph type="body" idx="1"/>
+          </p:nvPr>
+        </p:nvSpPr>
+        <p:spPr/>
+        <p:txBody>
+          <a:bodyPr/>
+          <a:lstStyle/>
+          <a:p>
+            <a:pPr marL="228600" indent="-228600">
+              <a:buAutoNum type="arabicParenR"/>
+            </a:pPr>
+            <a:r>
+              <a:rPr lang="en-US" dirty="0"/>
+              <a:t>What:</a:t>
+            </a:r>
+          </a:p>
+          <a:p>
+            <a:pPr marL="0" indent="0">
+              <a:buNone/>
+            </a:pPr>
+            <a:r>
+              <a:rPr lang="en-US" dirty="0"/>
+              <a:t>+ Overfitting:</a:t>
+            </a:r>
+          </a:p>
+          <a:p>
+            <a:pPr marL="0" indent="0">
+              <a:buNone/>
+            </a:pPr>
+            <a:r>
+              <a:rPr lang="en-US" dirty="0"/>
+              <a:t>+ Solves: regularization or more training data.</a:t>
+            </a:r>
+          </a:p>
+          <a:p>
+            <a:pPr marL="0" indent="0">
+              <a:buNone/>
+            </a:pPr>
+            <a:r>
+              <a:rPr lang="en-US" dirty="0"/>
+              <a:t>2) Why using ?</a:t>
+            </a:r>
+          </a:p>
+          <a:p>
+            <a:pPr marL="0" indent="0">
+              <a:buNone/>
+            </a:pPr>
+            <a:r>
+              <a:rPr lang="en-US" dirty="0"/>
+              <a:t>+ regularization: </a:t>
+            </a:r>
+            <a:r>
+              <a:rPr lang="en-US" dirty="0" err="1"/>
+              <a:t>giam</a:t>
+            </a:r>
+            <a:r>
+              <a:rPr lang="en-US" dirty="0"/>
+              <a:t> so </a:t>
+            </a:r>
+            <a:r>
+              <a:rPr lang="en-US" dirty="0" err="1"/>
+              <a:t>luong</a:t>
+            </a:r>
+            <a:r>
+              <a:rPr lang="en-US" dirty="0"/>
+              <a:t> models</a:t>
+            </a:r>
+          </a:p>
+        </p:txBody>
+      </p:sp>
+      <p:sp>
+        <p:nvSpPr>
+          <p:cNvPr id="4" name="Slide Number Placeholder 3"/>
+          <p:cNvSpPr>
+            <a:spLocks noGrp="1"/>
+          </p:cNvSpPr>
+          <p:nvPr>
+            <p:ph type="sldNum" sz="quarter" idx="5"/>
+          </p:nvPr>
+        </p:nvSpPr>
+        <p:spPr/>
+        <p:txBody>
+          <a:bodyPr/>
+          <a:lstStyle/>
+          <a:p>
+            <a:fld id="{5457576B-81D0-4568-B3CF-C3F7AD81B6EA}" type="slidenum">
+              <a:rPr kumimoji="1" lang="ja-JP" altLang="en-US" smtClean="0"/>
+              <a:t>19</a:t>
+            </a:fld>
+            <a:endParaRPr kumimoji="1" lang="ja-JP" altLang="en-US"/>
+          </a:p>
+        </p:txBody>
+      </p:sp>
+    </p:spTree>
+    <p:extLst>
+      <p:ext uri="{BB962C8B-B14F-4D97-AF65-F5344CB8AC3E}">
+        <p14:creationId xmlns:p14="http://schemas.microsoft.com/office/powerpoint/2010/main" val="2317995284"/>
       </p:ext>
     </p:extLst>
   </p:cSld>
@@ -2167,6 +2502,290 @@
     <p:extLst>
       <p:ext uri="{BB962C8B-B14F-4D97-AF65-F5344CB8AC3E}">
         <p14:creationId xmlns:p14="http://schemas.microsoft.com/office/powerpoint/2010/main" val="3284587603"/>
+      </p:ext>
+    </p:extLst>
+  </p:cSld>
+  <p:clrMapOvr>
+    <a:masterClrMapping/>
+  </p:clrMapOvr>
+</p:notes>
+</file>
+
+<file path=ppt/notesSlides/notesSlide20.xml><?xml version="1.0" encoding="utf-8"?>
+<p:notes xmlns:a="http://schemas.openxmlformats.org/drawingml/2006/main" xmlns:r="http://schemas.openxmlformats.org/officeDocument/2006/relationships" xmlns:p="http://schemas.openxmlformats.org/presentationml/2006/main">
+  <p:cSld>
+    <p:spTree>
+      <p:nvGrpSpPr>
+        <p:cNvPr id="1" name=""/>
+        <p:cNvGrpSpPr/>
+        <p:nvPr/>
+      </p:nvGrpSpPr>
+      <p:grpSpPr>
+        <a:xfrm>
+          <a:off x="0" y="0"/>
+          <a:ext cx="0" cy="0"/>
+          <a:chOff x="0" y="0"/>
+          <a:chExt cx="0" cy="0"/>
+        </a:xfrm>
+      </p:grpSpPr>
+      <p:sp>
+        <p:nvSpPr>
+          <p:cNvPr id="2" name="Slide Image Placeholder 1"/>
+          <p:cNvSpPr>
+            <a:spLocks noGrp="1" noRot="1" noChangeAspect="1"/>
+          </p:cNvSpPr>
+          <p:nvPr>
+            <p:ph type="sldImg"/>
+          </p:nvPr>
+        </p:nvSpPr>
+        <p:spPr/>
+      </p:sp>
+      <p:sp>
+        <p:nvSpPr>
+          <p:cNvPr id="3" name="Notes Placeholder 2"/>
+          <p:cNvSpPr>
+            <a:spLocks noGrp="1"/>
+          </p:cNvSpPr>
+          <p:nvPr>
+            <p:ph type="body" idx="1"/>
+          </p:nvPr>
+        </p:nvSpPr>
+        <p:spPr/>
+        <p:txBody>
+          <a:bodyPr/>
+          <a:lstStyle/>
+          <a:p>
+            <a:pPr marL="228600" indent="-228600">
+              <a:buAutoNum type="arabicParenR"/>
+            </a:pPr>
+            <a:r>
+              <a:rPr lang="en-US" dirty="0"/>
+              <a:t>What:</a:t>
+            </a:r>
+          </a:p>
+          <a:p>
+            <a:pPr marL="0" indent="0">
+              <a:buNone/>
+            </a:pPr>
+            <a:r>
+              <a:rPr lang="en-US" dirty="0"/>
+              <a:t>+ Overfitting:</a:t>
+            </a:r>
+          </a:p>
+          <a:p>
+            <a:pPr marL="0" indent="0">
+              <a:buNone/>
+            </a:pPr>
+            <a:r>
+              <a:rPr lang="en-US" dirty="0"/>
+              <a:t>+ Solves: regularization or more training data.</a:t>
+            </a:r>
+          </a:p>
+          <a:p>
+            <a:pPr marL="0" indent="0">
+              <a:buNone/>
+            </a:pPr>
+            <a:r>
+              <a:rPr lang="en-US" dirty="0"/>
+              <a:t>2) Why using ?</a:t>
+            </a:r>
+          </a:p>
+          <a:p>
+            <a:pPr marL="0" indent="0">
+              <a:buNone/>
+            </a:pPr>
+            <a:r>
+              <a:rPr lang="en-US" dirty="0"/>
+              <a:t>+ regularization: </a:t>
+            </a:r>
+            <a:r>
+              <a:rPr lang="en-US" dirty="0" err="1"/>
+              <a:t>giam</a:t>
+            </a:r>
+            <a:r>
+              <a:rPr lang="en-US" dirty="0"/>
+              <a:t> so </a:t>
+            </a:r>
+            <a:r>
+              <a:rPr lang="en-US" dirty="0" err="1"/>
+              <a:t>luong</a:t>
+            </a:r>
+            <a:r>
+              <a:rPr lang="en-US" dirty="0"/>
+              <a:t> models</a:t>
+            </a:r>
+          </a:p>
+        </p:txBody>
+      </p:sp>
+      <p:sp>
+        <p:nvSpPr>
+          <p:cNvPr id="4" name="Slide Number Placeholder 3"/>
+          <p:cNvSpPr>
+            <a:spLocks noGrp="1"/>
+          </p:cNvSpPr>
+          <p:nvPr>
+            <p:ph type="sldNum" sz="quarter" idx="5"/>
+          </p:nvPr>
+        </p:nvSpPr>
+        <p:spPr/>
+        <p:txBody>
+          <a:bodyPr/>
+          <a:lstStyle/>
+          <a:p>
+            <a:fld id="{5457576B-81D0-4568-B3CF-C3F7AD81B6EA}" type="slidenum">
+              <a:rPr kumimoji="1" lang="ja-JP" altLang="en-US" smtClean="0"/>
+              <a:t>20</a:t>
+            </a:fld>
+            <a:endParaRPr kumimoji="1" lang="ja-JP" altLang="en-US"/>
+          </a:p>
+        </p:txBody>
+      </p:sp>
+    </p:spTree>
+    <p:extLst>
+      <p:ext uri="{BB962C8B-B14F-4D97-AF65-F5344CB8AC3E}">
+        <p14:creationId xmlns:p14="http://schemas.microsoft.com/office/powerpoint/2010/main" val="814293209"/>
+      </p:ext>
+    </p:extLst>
+  </p:cSld>
+  <p:clrMapOvr>
+    <a:masterClrMapping/>
+  </p:clrMapOvr>
+</p:notes>
+</file>
+
+<file path=ppt/notesSlides/notesSlide21.xml><?xml version="1.0" encoding="utf-8"?>
+<p:notes xmlns:a="http://schemas.openxmlformats.org/drawingml/2006/main" xmlns:r="http://schemas.openxmlformats.org/officeDocument/2006/relationships" xmlns:p="http://schemas.openxmlformats.org/presentationml/2006/main">
+  <p:cSld>
+    <p:spTree>
+      <p:nvGrpSpPr>
+        <p:cNvPr id="1" name=""/>
+        <p:cNvGrpSpPr/>
+        <p:nvPr/>
+      </p:nvGrpSpPr>
+      <p:grpSpPr>
+        <a:xfrm>
+          <a:off x="0" y="0"/>
+          <a:ext cx="0" cy="0"/>
+          <a:chOff x="0" y="0"/>
+          <a:chExt cx="0" cy="0"/>
+        </a:xfrm>
+      </p:grpSpPr>
+      <p:sp>
+        <p:nvSpPr>
+          <p:cNvPr id="2" name="Slide Image Placeholder 1"/>
+          <p:cNvSpPr>
+            <a:spLocks noGrp="1" noRot="1" noChangeAspect="1"/>
+          </p:cNvSpPr>
+          <p:nvPr>
+            <p:ph type="sldImg"/>
+          </p:nvPr>
+        </p:nvSpPr>
+        <p:spPr/>
+      </p:sp>
+      <p:sp>
+        <p:nvSpPr>
+          <p:cNvPr id="3" name="Notes Placeholder 2"/>
+          <p:cNvSpPr>
+            <a:spLocks noGrp="1"/>
+          </p:cNvSpPr>
+          <p:nvPr>
+            <p:ph type="body" idx="1"/>
+          </p:nvPr>
+        </p:nvSpPr>
+        <p:spPr/>
+        <p:txBody>
+          <a:bodyPr/>
+          <a:lstStyle/>
+          <a:p>
+            <a:pPr marL="228600" indent="-228600">
+              <a:buAutoNum type="arabicParenR"/>
+            </a:pPr>
+            <a:r>
+              <a:rPr lang="en-US" dirty="0"/>
+              <a:t>What:</a:t>
+            </a:r>
+          </a:p>
+          <a:p>
+            <a:pPr marL="0" indent="0">
+              <a:buNone/>
+            </a:pPr>
+            <a:r>
+              <a:rPr lang="en-US" dirty="0"/>
+              <a:t>+ Overfitting:</a:t>
+            </a:r>
+          </a:p>
+          <a:p>
+            <a:pPr marL="0" indent="0">
+              <a:buNone/>
+            </a:pPr>
+            <a:r>
+              <a:rPr lang="en-US" dirty="0"/>
+              <a:t>+ Solves: regularization or more training data.</a:t>
+            </a:r>
+          </a:p>
+          <a:p>
+            <a:pPr marL="0" indent="0">
+              <a:buNone/>
+            </a:pPr>
+            <a:r>
+              <a:rPr lang="en-US" dirty="0"/>
+              <a:t>2) Why using ?</a:t>
+            </a:r>
+          </a:p>
+          <a:p>
+            <a:pPr marL="0" indent="0">
+              <a:buNone/>
+            </a:pPr>
+            <a:r>
+              <a:rPr lang="en-US" dirty="0"/>
+              <a:t>+ regularization: </a:t>
+            </a:r>
+            <a:r>
+              <a:rPr lang="en-US" dirty="0" err="1"/>
+              <a:t>giam</a:t>
+            </a:r>
+            <a:r>
+              <a:rPr lang="en-US" dirty="0"/>
+              <a:t> so </a:t>
+            </a:r>
+            <a:r>
+              <a:rPr lang="en-US" dirty="0" err="1"/>
+              <a:t>luong</a:t>
+            </a:r>
+            <a:r>
+              <a:rPr lang="en-US" dirty="0"/>
+              <a:t> models</a:t>
+            </a:r>
+          </a:p>
+        </p:txBody>
+      </p:sp>
+      <p:sp>
+        <p:nvSpPr>
+          <p:cNvPr id="4" name="Slide Number Placeholder 3"/>
+          <p:cNvSpPr>
+            <a:spLocks noGrp="1"/>
+          </p:cNvSpPr>
+          <p:nvPr>
+            <p:ph type="sldNum" sz="quarter" idx="5"/>
+          </p:nvPr>
+        </p:nvSpPr>
+        <p:spPr/>
+        <p:txBody>
+          <a:bodyPr/>
+          <a:lstStyle/>
+          <a:p>
+            <a:fld id="{5457576B-81D0-4568-B3CF-C3F7AD81B6EA}" type="slidenum">
+              <a:rPr kumimoji="1" lang="ja-JP" altLang="en-US" smtClean="0"/>
+              <a:t>21</a:t>
+            </a:fld>
+            <a:endParaRPr kumimoji="1" lang="ja-JP" altLang="en-US"/>
+          </a:p>
+        </p:txBody>
+      </p:sp>
+    </p:spTree>
+    <p:extLst>
+      <p:ext uri="{BB962C8B-B14F-4D97-AF65-F5344CB8AC3E}">
+        <p14:creationId xmlns:p14="http://schemas.microsoft.com/office/powerpoint/2010/main" val="666551628"/>
       </p:ext>
     </p:extLst>
   </p:cSld>
@@ -2981,21 +3600,436 @@
           <a:bodyPr/>
           <a:lstStyle/>
           <a:p>
-            <a:r>
-              <a:rPr lang="en-US" dirty="0"/>
-              <a:t>Recipe: formula</a:t>
-            </a:r>
-          </a:p>
-          <a:p>
-            <a:r>
-              <a:rPr lang="en-US" dirty="0"/>
-              <a:t>Goal: both low bias &amp; low </a:t>
-            </a:r>
-            <a:r>
-              <a:rPr lang="en-US" dirty="0" err="1"/>
-              <a:t>variane</a:t>
+            <a:pPr marL="228600" indent="-228600">
+              <a:buAutoNum type="arabicParenR"/>
+            </a:pPr>
+            <a:r>
+              <a:rPr lang="en-US" dirty="0"/>
+              <a:t>What </a:t>
+            </a:r>
+          </a:p>
+          <a:p>
+            <a:pPr marL="0" indent="0">
+              <a:buNone/>
+            </a:pPr>
+            <a:r>
+              <a:rPr lang="en-US" sz="1200" dirty="0"/>
+              <a:t>+ spread /</a:t>
+            </a:r>
+            <a:r>
+              <a:rPr lang="en-US" sz="1200" dirty="0" err="1"/>
+              <a:t>spét</a:t>
+            </a:r>
+            <a:r>
+              <a:rPr lang="en-US" sz="1200" dirty="0"/>
+              <a:t>/</a:t>
             </a:r>
             <a:endParaRPr lang="en-US" dirty="0"/>
+          </a:p>
+          <a:p>
+            <a:pPr marL="0" indent="0">
+              <a:buNone/>
+            </a:pPr>
+            <a:r>
+              <a:rPr lang="en-US" dirty="0"/>
+              <a:t>+ Bias: </a:t>
+            </a:r>
+            <a:r>
+              <a:rPr lang="en-US" dirty="0" err="1"/>
+              <a:t>sai</a:t>
+            </a:r>
+            <a:r>
+              <a:rPr lang="en-US" dirty="0"/>
+              <a:t> </a:t>
+            </a:r>
+            <a:r>
+              <a:rPr lang="en-US" dirty="0" err="1"/>
+              <a:t>khac</a:t>
+            </a:r>
+            <a:r>
+              <a:rPr lang="en-US" dirty="0"/>
+              <a:t> </a:t>
+            </a:r>
+            <a:r>
+              <a:rPr lang="en-US" dirty="0" err="1"/>
+              <a:t>giua</a:t>
+            </a:r>
+            <a:r>
+              <a:rPr lang="en-US" dirty="0"/>
+              <a:t> </a:t>
+            </a:r>
+            <a:r>
+              <a:rPr lang="en-US" dirty="0" err="1"/>
+              <a:t>t.binh</a:t>
+            </a:r>
+            <a:r>
+              <a:rPr lang="en-US" dirty="0"/>
+              <a:t> du doan of model &amp; </a:t>
+            </a:r>
+            <a:r>
+              <a:rPr lang="en-US" dirty="0" err="1"/>
+              <a:t>gia</a:t>
+            </a:r>
+            <a:r>
+              <a:rPr lang="en-US" dirty="0"/>
+              <a:t> tri </a:t>
+            </a:r>
+            <a:r>
+              <a:rPr lang="en-US" dirty="0" err="1"/>
+              <a:t>chinh</a:t>
+            </a:r>
+            <a:r>
+              <a:rPr lang="en-US" dirty="0"/>
+              <a:t> </a:t>
+            </a:r>
+            <a:r>
+              <a:rPr lang="en-US" dirty="0" err="1"/>
+              <a:t>xac</a:t>
+            </a:r>
+            <a:r>
+              <a:rPr lang="en-US" dirty="0"/>
+              <a:t> dang co du doan</a:t>
+            </a:r>
+          </a:p>
+          <a:p>
+            <a:pPr marL="0" indent="0">
+              <a:buNone/>
+            </a:pPr>
+            <a:r>
+              <a:rPr lang="en-US" dirty="0"/>
+              <a:t>+ Variance: </a:t>
+            </a:r>
+            <a:r>
+              <a:rPr lang="en-US" dirty="0" err="1"/>
+              <a:t>sự</a:t>
+            </a:r>
+            <a:r>
+              <a:rPr lang="en-US" dirty="0"/>
+              <a:t> </a:t>
+            </a:r>
+            <a:r>
+              <a:rPr lang="en-US" dirty="0" err="1"/>
+              <a:t>tản</a:t>
+            </a:r>
+            <a:r>
+              <a:rPr lang="en-US" dirty="0"/>
+              <a:t> </a:t>
+            </a:r>
+            <a:r>
+              <a:rPr lang="en-US" dirty="0" err="1"/>
+              <a:t>mát</a:t>
+            </a:r>
+            <a:r>
+              <a:rPr lang="en-US" dirty="0"/>
+              <a:t> (co cum/phan tan)</a:t>
+            </a:r>
+          </a:p>
+          <a:p>
+            <a:pPr marL="0" indent="0">
+              <a:buNone/>
+            </a:pPr>
+            <a:r>
+              <a:rPr lang="en-US" dirty="0"/>
+              <a:t>+ high bias -&gt; models not focus training data &amp; oversimplifies the model.</a:t>
+            </a:r>
+          </a:p>
+          <a:p>
+            <a:pPr marL="0" indent="0">
+              <a:buNone/>
+            </a:pPr>
+            <a:r>
+              <a:rPr lang="en-US" dirty="0"/>
+              <a:t>+ high variance -&gt; too focus training data &amp; k </a:t>
+            </a:r>
+            <a:r>
+              <a:rPr lang="en-US" dirty="0" err="1"/>
+              <a:t>mang</a:t>
+            </a:r>
+            <a:r>
+              <a:rPr lang="en-US" dirty="0"/>
+              <a:t> </a:t>
+            </a:r>
+            <a:r>
+              <a:rPr lang="en-US" dirty="0" err="1"/>
+              <a:t>tinh</a:t>
+            </a:r>
+            <a:r>
+              <a:rPr lang="en-US" dirty="0"/>
+              <a:t> tong quat</a:t>
+            </a:r>
+          </a:p>
+          <a:p>
+            <a:pPr marL="0" indent="0">
+              <a:buNone/>
+            </a:pPr>
+            <a:r>
+              <a:rPr lang="en-US" dirty="0"/>
+              <a:t>2) Why occur ?</a:t>
+            </a:r>
+          </a:p>
+          <a:p>
+            <a:pPr marL="0" indent="0">
+              <a:buNone/>
+            </a:pPr>
+            <a:r>
+              <a:rPr lang="en-US" dirty="0"/>
+              <a:t>+ </a:t>
+            </a:r>
+            <a:r>
+              <a:rPr lang="en-US" sz="1200" dirty="0"/>
+              <a:t>capture: catch</a:t>
+            </a:r>
+            <a:endParaRPr lang="en-US" dirty="0"/>
+          </a:p>
+          <a:p>
+            <a:pPr marL="0" indent="0">
+              <a:buNone/>
+            </a:pPr>
+            <a:r>
+              <a:rPr lang="en-US" dirty="0"/>
+              <a:t>+ overfitting: model learn the detail &amp; noise in the training data to extent that it negatively impacts the performance of the model on new data. Model more complexity, </a:t>
+            </a:r>
+          </a:p>
+          <a:p>
+            <a:pPr marL="0" indent="0">
+              <a:buNone/>
+            </a:pPr>
+            <a:r>
+              <a:rPr lang="en-US" dirty="0"/>
+              <a:t>+ underfitting: model too simple.</a:t>
+            </a:r>
+          </a:p>
+          <a:p>
+            <a:pPr marL="0" indent="0">
+              <a:buNone/>
+            </a:pPr>
+            <a:r>
+              <a:rPr lang="en-US" dirty="0"/>
+              <a:t>+ Model’s capacity la kha </a:t>
+            </a:r>
+            <a:r>
+              <a:rPr lang="en-US" dirty="0" err="1"/>
+              <a:t>nang</a:t>
+            </a:r>
+            <a:r>
+              <a:rPr lang="en-US" dirty="0"/>
+              <a:t> model “fit” </a:t>
+            </a:r>
+            <a:r>
+              <a:rPr lang="en-US" dirty="0" err="1"/>
+              <a:t>nhieu</a:t>
+            </a:r>
+            <a:r>
+              <a:rPr lang="en-US" dirty="0"/>
+              <a:t> </a:t>
+            </a:r>
+            <a:r>
+              <a:rPr lang="en-US" dirty="0" err="1"/>
+              <a:t>loai</a:t>
+            </a:r>
+            <a:r>
+              <a:rPr lang="en-US" dirty="0"/>
+              <a:t> functions. </a:t>
+            </a:r>
+          </a:p>
+          <a:p>
+            <a:pPr marL="171450" indent="-171450">
+              <a:buFontTx/>
+              <a:buChar char="-"/>
+            </a:pPr>
+            <a:r>
+              <a:rPr lang="en-US" dirty="0"/>
+              <a:t>Low capacity -&gt; </a:t>
+            </a:r>
+            <a:r>
+              <a:rPr lang="en-US" dirty="0" err="1"/>
+              <a:t>kho</a:t>
+            </a:r>
+            <a:r>
+              <a:rPr lang="en-US" dirty="0"/>
+              <a:t> khan fit training data</a:t>
+            </a:r>
+          </a:p>
+          <a:p>
+            <a:pPr marL="171450" indent="-171450">
+              <a:buFontTx/>
+              <a:buChar char="-"/>
+            </a:pPr>
+            <a:r>
+              <a:rPr lang="en-US" dirty="0"/>
+              <a:t>High capacity -&gt; overfitting ~ </a:t>
+            </a:r>
+            <a:r>
+              <a:rPr lang="en-US" dirty="0" err="1"/>
+              <a:t>ghi</a:t>
+            </a:r>
+            <a:r>
+              <a:rPr lang="en-US" dirty="0"/>
+              <a:t> </a:t>
+            </a:r>
+            <a:r>
+              <a:rPr lang="en-US" dirty="0" err="1"/>
+              <a:t>nho</a:t>
+            </a:r>
+            <a:r>
+              <a:rPr lang="en-US" dirty="0"/>
+              <a:t> </a:t>
+            </a:r>
+            <a:r>
+              <a:rPr lang="en-US" dirty="0" err="1"/>
+              <a:t>cac</a:t>
+            </a:r>
+            <a:r>
+              <a:rPr lang="en-US" dirty="0"/>
+              <a:t> </a:t>
+            </a:r>
+            <a:r>
+              <a:rPr lang="en-US" dirty="0" err="1"/>
+              <a:t>dac</a:t>
+            </a:r>
+            <a:r>
+              <a:rPr lang="en-US" dirty="0"/>
+              <a:t> </a:t>
+            </a:r>
+            <a:r>
+              <a:rPr lang="en-US" dirty="0" err="1"/>
+              <a:t>trung</a:t>
+            </a:r>
+            <a:r>
+              <a:rPr lang="en-US" dirty="0"/>
+              <a:t> </a:t>
+            </a:r>
+            <a:r>
+              <a:rPr lang="en-US" dirty="0" err="1"/>
+              <a:t>cua</a:t>
+            </a:r>
+            <a:r>
+              <a:rPr lang="en-US" dirty="0"/>
+              <a:t> training data ma k </a:t>
+            </a:r>
+            <a:r>
+              <a:rPr lang="en-US" dirty="0" err="1"/>
+              <a:t>hieu</a:t>
+            </a:r>
+            <a:r>
+              <a:rPr lang="en-US" dirty="0"/>
+              <a:t> qua </a:t>
+            </a:r>
+            <a:r>
+              <a:rPr lang="en-US" dirty="0" err="1"/>
+              <a:t>tren</a:t>
+            </a:r>
+            <a:r>
+              <a:rPr lang="en-US" dirty="0"/>
+              <a:t> test set.</a:t>
+            </a:r>
+          </a:p>
+          <a:p>
+            <a:pPr marL="0" indent="0">
+              <a:buFontTx/>
+              <a:buNone/>
+            </a:pPr>
+            <a:r>
+              <a:rPr lang="en-US" dirty="0"/>
+              <a:t>3) How ?</a:t>
+            </a:r>
+          </a:p>
+          <a:p>
+            <a:pPr marL="0" indent="0">
+              <a:buFontTx/>
+              <a:buNone/>
+            </a:pPr>
+            <a:r>
+              <a:rPr lang="en-US" dirty="0"/>
+              <a:t>+ How to fix ? </a:t>
+            </a:r>
+          </a:p>
+          <a:p>
+            <a:pPr marL="171450" indent="-171450">
+              <a:buFontTx/>
+              <a:buChar char="-"/>
+            </a:pPr>
+            <a:r>
+              <a:rPr lang="en-US" dirty="0" err="1"/>
+              <a:t>Giam</a:t>
+            </a:r>
+            <a:r>
+              <a:rPr lang="en-US" dirty="0"/>
+              <a:t> features </a:t>
+            </a:r>
+          </a:p>
+          <a:p>
+            <a:pPr marL="171450" indent="-171450">
+              <a:buFontTx/>
+              <a:buChar char="-"/>
+            </a:pPr>
+            <a:r>
+              <a:rPr lang="en-US" dirty="0" err="1"/>
+              <a:t>Giam</a:t>
+            </a:r>
+            <a:r>
+              <a:rPr lang="en-US" dirty="0"/>
+              <a:t> bac </a:t>
+            </a:r>
+            <a:r>
+              <a:rPr lang="en-US" dirty="0" err="1"/>
+              <a:t>cua</a:t>
+            </a:r>
+            <a:r>
+              <a:rPr lang="en-US" dirty="0"/>
+              <a:t> </a:t>
+            </a:r>
+            <a:r>
+              <a:rPr lang="en-US" dirty="0" err="1"/>
+              <a:t>d.thuc</a:t>
+            </a:r>
+            <a:endParaRPr lang="en-US" dirty="0"/>
+          </a:p>
+          <a:p>
+            <a:pPr marL="171450" indent="-171450">
+              <a:buFontTx/>
+              <a:buChar char="-"/>
+            </a:pPr>
+            <a:r>
+              <a:rPr lang="en-US" dirty="0" err="1"/>
+              <a:t>Giam</a:t>
+            </a:r>
+            <a:r>
+              <a:rPr lang="en-US" dirty="0"/>
+              <a:t> </a:t>
+            </a:r>
+            <a:r>
+              <a:rPr lang="en-US" dirty="0" err="1"/>
+              <a:t>thieu</a:t>
+            </a:r>
+            <a:r>
+              <a:rPr lang="en-US" dirty="0"/>
+              <a:t> </a:t>
+            </a:r>
+            <a:r>
+              <a:rPr lang="en-US" dirty="0" err="1"/>
+              <a:t>gia</a:t>
+            </a:r>
+            <a:r>
+              <a:rPr lang="en-US" dirty="0"/>
+              <a:t> tri theta &amp; </a:t>
+            </a:r>
+            <a:r>
+              <a:rPr lang="en-US" dirty="0" err="1"/>
+              <a:t>giu</a:t>
+            </a:r>
+            <a:r>
+              <a:rPr lang="en-US" dirty="0"/>
+              <a:t> </a:t>
+            </a:r>
+            <a:r>
+              <a:rPr lang="en-US" dirty="0" err="1"/>
+              <a:t>lai</a:t>
+            </a:r>
+            <a:r>
+              <a:rPr lang="en-US" dirty="0"/>
+              <a:t> all features</a:t>
+            </a:r>
           </a:p>
         </p:txBody>
       </p:sp>
@@ -3025,7 +4059,7 @@
     </p:spTree>
     <p:extLst>
       <p:ext uri="{BB962C8B-B14F-4D97-AF65-F5344CB8AC3E}">
-        <p14:creationId xmlns:p14="http://schemas.microsoft.com/office/powerpoint/2010/main" val="2435686772"/>
+        <p14:creationId xmlns:p14="http://schemas.microsoft.com/office/powerpoint/2010/main" val="592828024"/>
       </p:ext>
     </p:extLst>
   </p:cSld>
@@ -3079,158 +4113,21 @@
           <a:bodyPr/>
           <a:lstStyle/>
           <a:p>
-            <a:pPr marL="228600" indent="-228600">
-              <a:buAutoNum type="arabicParenR"/>
-            </a:pPr>
-            <a:r>
-              <a:rPr lang="en-US" dirty="0"/>
-              <a:t>What:</a:t>
-            </a:r>
-          </a:p>
-          <a:p>
-            <a:pPr marL="0" indent="0">
-              <a:buNone/>
-            </a:pPr>
-            <a:r>
-              <a:rPr lang="en-US" dirty="0"/>
-              <a:t>+ neu </a:t>
-            </a:r>
-            <a:r>
-              <a:rPr lang="en-US" dirty="0" err="1"/>
-              <a:t>k.niem</a:t>
-            </a:r>
-            <a:r>
-              <a:rPr lang="en-US" dirty="0"/>
-              <a:t> regularizations -&gt; results: simpler models</a:t>
-            </a:r>
-          </a:p>
-          <a:p>
-            <a:pPr marL="171450" indent="-171450">
-              <a:buFontTx/>
-              <a:buChar char="-"/>
-            </a:pPr>
-            <a:r>
-              <a:rPr lang="en-US" dirty="0"/>
-              <a:t>Reduce the error ? </a:t>
-            </a:r>
-          </a:p>
-          <a:p>
-            <a:pPr marL="171450" indent="-171450">
-              <a:buFontTx/>
-              <a:buChar char="-"/>
-            </a:pPr>
-            <a:r>
-              <a:rPr lang="en-US" dirty="0"/>
-              <a:t>Avoid overfitting ? </a:t>
-            </a:r>
-          </a:p>
-          <a:p>
-            <a:pPr marL="0" indent="0">
-              <a:buFontTx/>
-              <a:buNone/>
-            </a:pPr>
-            <a:r>
-              <a:rPr lang="en-US" dirty="0"/>
-              <a:t>+ mot </a:t>
-            </a:r>
-            <a:r>
-              <a:rPr lang="en-US" dirty="0" err="1"/>
-              <a:t>trong</a:t>
-            </a:r>
-            <a:r>
-              <a:rPr lang="en-US" dirty="0"/>
-              <a:t> </a:t>
-            </a:r>
-            <a:r>
-              <a:rPr lang="en-US" dirty="0" err="1"/>
-              <a:t>nhung</a:t>
-            </a:r>
-            <a:r>
-              <a:rPr lang="en-US" dirty="0"/>
-              <a:t> </a:t>
-            </a:r>
-            <a:r>
-              <a:rPr lang="en-US" dirty="0" err="1"/>
-              <a:t>ki</a:t>
-            </a:r>
-            <a:r>
-              <a:rPr lang="en-US" dirty="0"/>
-              <a:t> </a:t>
-            </a:r>
-            <a:r>
-              <a:rPr lang="en-US" dirty="0" err="1"/>
-              <a:t>thuat</a:t>
-            </a:r>
-            <a:r>
-              <a:rPr lang="en-US" dirty="0"/>
-              <a:t> regularization pho bien </a:t>
-            </a:r>
-            <a:r>
-              <a:rPr lang="en-US" dirty="0" err="1"/>
-              <a:t>nhat</a:t>
-            </a:r>
-            <a:r>
-              <a:rPr lang="en-US" dirty="0"/>
-              <a:t>.</a:t>
-            </a:r>
-          </a:p>
-          <a:p>
-            <a:pPr marL="0" indent="0">
-              <a:buFontTx/>
-              <a:buNone/>
-            </a:pPr>
-            <a:r>
-              <a:rPr lang="en-US" dirty="0"/>
-              <a:t>- R(): </a:t>
-            </a:r>
-            <a:r>
-              <a:rPr lang="en-US" dirty="0" err="1"/>
-              <a:t>danh</a:t>
-            </a:r>
-            <a:r>
-              <a:rPr lang="en-US" dirty="0"/>
-              <a:t> </a:t>
-            </a:r>
-            <a:r>
-              <a:rPr lang="en-US" dirty="0" err="1"/>
-              <a:t>gia</a:t>
-            </a:r>
-            <a:r>
-              <a:rPr lang="en-US" dirty="0"/>
-              <a:t>/</a:t>
-            </a:r>
-            <a:r>
-              <a:rPr lang="en-US" dirty="0" err="1"/>
-              <a:t>anh</a:t>
-            </a:r>
-            <a:r>
-              <a:rPr lang="en-US" dirty="0"/>
-              <a:t> </a:t>
-            </a:r>
-            <a:r>
-              <a:rPr lang="en-US" dirty="0" err="1"/>
-              <a:t>huong</a:t>
-            </a:r>
-            <a:r>
-              <a:rPr lang="en-US" dirty="0"/>
-              <a:t> den do </a:t>
-            </a:r>
-            <a:r>
-              <a:rPr lang="en-US" dirty="0" err="1"/>
-              <a:t>phuc</a:t>
-            </a:r>
-            <a:r>
-              <a:rPr lang="en-US" dirty="0"/>
-              <a:t> tap </a:t>
-            </a:r>
-            <a:r>
-              <a:rPr lang="en-US" dirty="0" err="1"/>
-              <a:t>cua</a:t>
-            </a:r>
-            <a:r>
-              <a:rPr lang="en-US" dirty="0"/>
-              <a:t> model</a:t>
-            </a:r>
+            <a:r>
+              <a:rPr lang="en-US" dirty="0"/>
+              <a:t>Recipe: formula</a:t>
+            </a:r>
+          </a:p>
+          <a:p>
+            <a:r>
+              <a:rPr lang="en-US" dirty="0"/>
+              <a:t>Goal: both low bias &amp; low </a:t>
+            </a:r>
+            <a:r>
+              <a:rPr lang="en-US" dirty="0" err="1"/>
+              <a:t>variane</a:t>
+            </a:r>
+            <a:endParaRPr lang="en-US" dirty="0"/>
           </a:p>
         </p:txBody>
       </p:sp>
@@ -3260,7 +4157,7 @@
     </p:spTree>
     <p:extLst>
       <p:ext uri="{BB962C8B-B14F-4D97-AF65-F5344CB8AC3E}">
-        <p14:creationId xmlns:p14="http://schemas.microsoft.com/office/powerpoint/2010/main" val="1477364057"/>
+        <p14:creationId xmlns:p14="http://schemas.microsoft.com/office/powerpoint/2010/main" val="2435686772"/>
       </p:ext>
     </p:extLst>
   </p:cSld>
@@ -3328,104 +4225,15 @@
             </a:pPr>
             <a:r>
               <a:rPr lang="en-US" dirty="0"/>
-              <a:t>+ </a:t>
-            </a:r>
-            <a:r>
-              <a:rPr lang="en-US" dirty="0" err="1"/>
-              <a:t>Su</a:t>
-            </a:r>
-            <a:r>
-              <a:rPr lang="en-US" dirty="0"/>
-              <a:t> </a:t>
-            </a:r>
-            <a:r>
-              <a:rPr lang="en-US" dirty="0" err="1"/>
-              <a:t>khac</a:t>
-            </a:r>
-            <a:r>
-              <a:rPr lang="en-US" dirty="0"/>
-              <a:t> </a:t>
-            </a:r>
-            <a:r>
-              <a:rPr lang="en-US" dirty="0" err="1"/>
-              <a:t>biet</a:t>
-            </a:r>
-            <a:r>
-              <a:rPr lang="en-US" dirty="0"/>
-              <a:t> </a:t>
-            </a:r>
-            <a:r>
-              <a:rPr lang="en-US" dirty="0" err="1"/>
-              <a:t>chinh</a:t>
-            </a:r>
-            <a:r>
-              <a:rPr lang="en-US" dirty="0"/>
-              <a:t> </a:t>
-            </a:r>
-            <a:r>
-              <a:rPr lang="en-US" dirty="0" err="1"/>
-              <a:t>giua</a:t>
-            </a:r>
-            <a:r>
-              <a:rPr lang="en-US" dirty="0"/>
-              <a:t> L1 &amp; L2: the penalty terms</a:t>
-            </a:r>
-          </a:p>
-          <a:p>
-            <a:pPr marL="0" indent="0">
-              <a:buNone/>
-            </a:pPr>
-            <a:r>
-              <a:rPr lang="en-US" dirty="0"/>
-              <a:t>- l1: tong </a:t>
-            </a:r>
-            <a:r>
-              <a:rPr lang="en-US" dirty="0" err="1"/>
-              <a:t>cua</a:t>
-            </a:r>
-            <a:r>
-              <a:rPr lang="en-US" dirty="0"/>
-              <a:t> </a:t>
-            </a:r>
-            <a:r>
-              <a:rPr lang="en-US" dirty="0" err="1"/>
-              <a:t>toan</a:t>
-            </a:r>
-            <a:r>
-              <a:rPr lang="en-US" dirty="0"/>
-              <a:t> </a:t>
-            </a:r>
-            <a:r>
-              <a:rPr lang="en-US" dirty="0" err="1"/>
-              <a:t>bo</a:t>
-            </a:r>
-            <a:r>
-              <a:rPr lang="en-US" dirty="0"/>
-              <a:t> </a:t>
-            </a:r>
-            <a:r>
-              <a:rPr lang="en-US" dirty="0" err="1"/>
-              <a:t>gia</a:t>
-            </a:r>
-            <a:r>
-              <a:rPr lang="en-US" dirty="0"/>
-              <a:t> tri Tuyet </a:t>
-            </a:r>
-            <a:r>
-              <a:rPr lang="en-US" dirty="0" err="1"/>
-              <a:t>doi</a:t>
-            </a:r>
-            <a:r>
-              <a:rPr lang="en-US" dirty="0"/>
-              <a:t> </a:t>
-            </a:r>
-            <a:r>
-              <a:rPr lang="en-US" dirty="0" err="1"/>
-              <a:t>cua</a:t>
-            </a:r>
-            <a:r>
-              <a:rPr lang="en-US" dirty="0"/>
-              <a:t> w</a:t>
+              <a:t>+ neu </a:t>
+            </a:r>
+            <a:r>
+              <a:rPr lang="en-US" dirty="0" err="1"/>
+              <a:t>k.niem</a:t>
+            </a:r>
+            <a:r>
+              <a:rPr lang="en-US" dirty="0"/>
+              <a:t> regularizations -&gt; results: simpler models</a:t>
             </a:r>
           </a:p>
           <a:p>
@@ -3435,39 +4243,17 @@
             </a:pPr>
             <a:r>
               <a:rPr lang="en-US" dirty="0"/>
-              <a:t>l2: tong </a:t>
-            </a:r>
-            <a:r>
-              <a:rPr lang="en-US" dirty="0" err="1"/>
-              <a:t>cua</a:t>
-            </a:r>
-            <a:r>
-              <a:rPr lang="en-US" dirty="0"/>
-              <a:t> </a:t>
-            </a:r>
-            <a:r>
-              <a:rPr lang="en-US" dirty="0" err="1"/>
-              <a:t>toan</a:t>
-            </a:r>
-            <a:r>
-              <a:rPr lang="en-US" dirty="0"/>
-              <a:t> </a:t>
-            </a:r>
-            <a:r>
-              <a:rPr lang="en-US" dirty="0" err="1"/>
-              <a:t>bo</a:t>
-            </a:r>
-            <a:r>
-              <a:rPr lang="en-US" dirty="0"/>
-              <a:t> can bac 2 </a:t>
-            </a:r>
-            <a:r>
-              <a:rPr lang="en-US" dirty="0" err="1"/>
-              <a:t>cua</a:t>
-            </a:r>
-            <a:r>
-              <a:rPr lang="en-US" dirty="0"/>
-              <a:t> w</a:t>
+              <a:t>Reduce the error ? </a:t>
+            </a:r>
+          </a:p>
+          <a:p>
+            <a:pPr marL="171450" indent="-171450">
+              <a:buFontTx/>
+              <a:buChar char="-"/>
+            </a:pPr>
+            <a:r>
+              <a:rPr lang="en-US" dirty="0"/>
+              <a:t>Avoid overfitting ? </a:t>
             </a:r>
           </a:p>
           <a:p>
@@ -3477,7 +4263,47 @@
             </a:pPr>
             <a:r>
               <a:rPr lang="en-US" dirty="0"/>
-              <a:t>? Why cost function</a:t>
+              <a:t>+ mot </a:t>
+            </a:r>
+            <a:r>
+              <a:rPr lang="en-US" dirty="0" err="1"/>
+              <a:t>trong</a:t>
+            </a:r>
+            <a:r>
+              <a:rPr lang="en-US" dirty="0"/>
+              <a:t> </a:t>
+            </a:r>
+            <a:r>
+              <a:rPr lang="en-US" dirty="0" err="1"/>
+              <a:t>nhung</a:t>
+            </a:r>
+            <a:r>
+              <a:rPr lang="en-US" dirty="0"/>
+              <a:t> </a:t>
+            </a:r>
+            <a:r>
+              <a:rPr lang="en-US" dirty="0" err="1"/>
+              <a:t>ki</a:t>
+            </a:r>
+            <a:r>
+              <a:rPr lang="en-US" dirty="0"/>
+              <a:t> </a:t>
+            </a:r>
+            <a:r>
+              <a:rPr lang="en-US" dirty="0" err="1"/>
+              <a:t>thuat</a:t>
+            </a:r>
+            <a:r>
+              <a:rPr lang="en-US" dirty="0"/>
+              <a:t> regularization pho bien </a:t>
+            </a:r>
+            <a:r>
+              <a:rPr lang="en-US" dirty="0" err="1"/>
+              <a:t>nhat</a:t>
+            </a:r>
+            <a:r>
+              <a:rPr lang="en-US" dirty="0"/>
+              <a:t>.</a:t>
             </a:r>
           </a:p>
           <a:p>
@@ -3487,7 +4313,55 @@
             </a:pPr>
             <a:r>
               <a:rPr lang="en-US" dirty="0"/>
-              <a:t>? Why “the penalty term”</a:t>
+              <a:t>- R(): </a:t>
+            </a:r>
+            <a:r>
+              <a:rPr lang="en-US" dirty="0" err="1"/>
+              <a:t>danh</a:t>
+            </a:r>
+            <a:r>
+              <a:rPr lang="en-US" dirty="0"/>
+              <a:t> </a:t>
+            </a:r>
+            <a:r>
+              <a:rPr lang="en-US" dirty="0" err="1"/>
+              <a:t>gia</a:t>
+            </a:r>
+            <a:r>
+              <a:rPr lang="en-US" dirty="0"/>
+              <a:t>/</a:t>
+            </a:r>
+            <a:r>
+              <a:rPr lang="en-US" dirty="0" err="1"/>
+              <a:t>anh</a:t>
+            </a:r>
+            <a:r>
+              <a:rPr lang="en-US" dirty="0"/>
+              <a:t> </a:t>
+            </a:r>
+            <a:r>
+              <a:rPr lang="en-US" dirty="0" err="1"/>
+              <a:t>huong</a:t>
+            </a:r>
+            <a:r>
+              <a:rPr lang="en-US" dirty="0"/>
+              <a:t> den do </a:t>
+            </a:r>
+            <a:r>
+              <a:rPr lang="en-US" dirty="0" err="1"/>
+              <a:t>phuc</a:t>
+            </a:r>
+            <a:r>
+              <a:rPr lang="en-US" dirty="0"/>
+              <a:t> tap </a:t>
+            </a:r>
+            <a:r>
+              <a:rPr lang="en-US" dirty="0" err="1"/>
+              <a:t>cua</a:t>
+            </a:r>
+            <a:r>
+              <a:rPr lang="en-US" dirty="0"/>
+              <a:t> model</a:t>
             </a:r>
           </a:p>
         </p:txBody>
@@ -3518,7 +4392,7 @@
     </p:spTree>
     <p:extLst>
       <p:ext uri="{BB962C8B-B14F-4D97-AF65-F5344CB8AC3E}">
-        <p14:creationId xmlns:p14="http://schemas.microsoft.com/office/powerpoint/2010/main" val="1606002398"/>
+        <p14:creationId xmlns:p14="http://schemas.microsoft.com/office/powerpoint/2010/main" val="1477364057"/>
       </p:ext>
     </p:extLst>
   </p:cSld>
@@ -3577,7 +4451,7 @@
             </a:pPr>
             <a:r>
               <a:rPr lang="en-US" dirty="0"/>
-              <a:t>What</a:t>
+              <a:t>What:</a:t>
             </a:r>
           </a:p>
           <a:p>
@@ -3586,7 +4460,166 @@
             </a:pPr>
             <a:r>
               <a:rPr lang="en-US" dirty="0"/>
-              <a:t>+ Why regularization help reduce overfitting ? </a:t>
+              <a:t>+ </a:t>
+            </a:r>
+            <a:r>
+              <a:rPr lang="en-US" dirty="0" err="1"/>
+              <a:t>Su</a:t>
+            </a:r>
+            <a:r>
+              <a:rPr lang="en-US" dirty="0"/>
+              <a:t> </a:t>
+            </a:r>
+            <a:r>
+              <a:rPr lang="en-US" dirty="0" err="1"/>
+              <a:t>khac</a:t>
+            </a:r>
+            <a:r>
+              <a:rPr lang="en-US" dirty="0"/>
+              <a:t> </a:t>
+            </a:r>
+            <a:r>
+              <a:rPr lang="en-US" dirty="0" err="1"/>
+              <a:t>biet</a:t>
+            </a:r>
+            <a:r>
+              <a:rPr lang="en-US" dirty="0"/>
+              <a:t> </a:t>
+            </a:r>
+            <a:r>
+              <a:rPr lang="en-US" dirty="0" err="1"/>
+              <a:t>chinh</a:t>
+            </a:r>
+            <a:r>
+              <a:rPr lang="en-US" dirty="0"/>
+              <a:t> </a:t>
+            </a:r>
+            <a:r>
+              <a:rPr lang="en-US" dirty="0" err="1"/>
+              <a:t>giua</a:t>
+            </a:r>
+            <a:r>
+              <a:rPr lang="en-US" dirty="0"/>
+              <a:t> L1 &amp; L2: the penalty terms</a:t>
+            </a:r>
+          </a:p>
+          <a:p>
+            <a:pPr marL="0" indent="0">
+              <a:buNone/>
+            </a:pPr>
+            <a:r>
+              <a:rPr lang="en-US" dirty="0"/>
+              <a:t>- l1: tong </a:t>
+            </a:r>
+            <a:r>
+              <a:rPr lang="en-US" dirty="0" err="1"/>
+              <a:t>cua</a:t>
+            </a:r>
+            <a:r>
+              <a:rPr lang="en-US" dirty="0"/>
+              <a:t> </a:t>
+            </a:r>
+            <a:r>
+              <a:rPr lang="en-US" dirty="0" err="1"/>
+              <a:t>toan</a:t>
+            </a:r>
+            <a:r>
+              <a:rPr lang="en-US" dirty="0"/>
+              <a:t> </a:t>
+            </a:r>
+            <a:r>
+              <a:rPr lang="en-US" dirty="0" err="1"/>
+              <a:t>bo</a:t>
+            </a:r>
+            <a:r>
+              <a:rPr lang="en-US" dirty="0"/>
+              <a:t> </a:t>
+            </a:r>
+            <a:r>
+              <a:rPr lang="en-US" dirty="0" err="1"/>
+              <a:t>gia</a:t>
+            </a:r>
+            <a:r>
+              <a:rPr lang="en-US" dirty="0"/>
+              <a:t> tri Tuyet </a:t>
+            </a:r>
+            <a:r>
+              <a:rPr lang="en-US" dirty="0" err="1"/>
+              <a:t>doi</a:t>
+            </a:r>
+            <a:r>
+              <a:rPr lang="en-US" dirty="0"/>
+              <a:t> </a:t>
+            </a:r>
+            <a:r>
+              <a:rPr lang="en-US" dirty="0" err="1"/>
+              <a:t>cua</a:t>
+            </a:r>
+            <a:r>
+              <a:rPr lang="en-US" dirty="0"/>
+              <a:t> w</a:t>
+            </a:r>
+          </a:p>
+          <a:p>
+            <a:pPr marL="171450" indent="-171450">
+              <a:buFontTx/>
+              <a:buChar char="-"/>
+            </a:pPr>
+            <a:r>
+              <a:rPr lang="en-US" dirty="0"/>
+              <a:t>l2: tong </a:t>
+            </a:r>
+            <a:r>
+              <a:rPr lang="en-US" dirty="0" err="1"/>
+              <a:t>cua</a:t>
+            </a:r>
+            <a:r>
+              <a:rPr lang="en-US" dirty="0"/>
+              <a:t> </a:t>
+            </a:r>
+            <a:r>
+              <a:rPr lang="en-US" dirty="0" err="1"/>
+              <a:t>toan</a:t>
+            </a:r>
+            <a:r>
+              <a:rPr lang="en-US" dirty="0"/>
+              <a:t> </a:t>
+            </a:r>
+            <a:r>
+              <a:rPr lang="en-US" dirty="0" err="1"/>
+              <a:t>bo</a:t>
+            </a:r>
+            <a:r>
+              <a:rPr lang="en-US" dirty="0"/>
+              <a:t> can bac 2 </a:t>
+            </a:r>
+            <a:r>
+              <a:rPr lang="en-US" dirty="0" err="1"/>
+              <a:t>cua</a:t>
+            </a:r>
+            <a:r>
+              <a:rPr lang="en-US" dirty="0"/>
+              <a:t> w</a:t>
+            </a:r>
+          </a:p>
+          <a:p>
+            <a:pPr marL="0" indent="0">
+              <a:buFontTx/>
+              <a:buNone/>
+            </a:pPr>
+            <a:r>
+              <a:rPr lang="en-US" dirty="0"/>
+              <a:t>? Why cost function</a:t>
+            </a:r>
+          </a:p>
+          <a:p>
+            <a:pPr marL="0" indent="0">
+              <a:buFontTx/>
+              <a:buNone/>
+            </a:pPr>
+            <a:r>
+              <a:rPr lang="en-US" dirty="0"/>
+              <a:t>? Why “the penalty term”</a:t>
             </a:r>
           </a:p>
         </p:txBody>
@@ -3617,7 +4650,7 @@
     </p:spTree>
     <p:extLst>
       <p:ext uri="{BB962C8B-B14F-4D97-AF65-F5344CB8AC3E}">
-        <p14:creationId xmlns:p14="http://schemas.microsoft.com/office/powerpoint/2010/main" val="1036058334"/>
+        <p14:creationId xmlns:p14="http://schemas.microsoft.com/office/powerpoint/2010/main" val="1606002398"/>
       </p:ext>
     </p:extLst>
   </p:cSld>
@@ -3676,7 +4709,7 @@
             </a:pPr>
             <a:r>
               <a:rPr lang="en-US" dirty="0"/>
-              <a:t>What:</a:t>
+              <a:t>What</a:t>
             </a:r>
           </a:p>
           <a:p>
@@ -3685,50 +4718,7 @@
             </a:pPr>
             <a:r>
               <a:rPr lang="en-US" dirty="0"/>
-              <a:t>+ Overfitting:</a:t>
-            </a:r>
-          </a:p>
-          <a:p>
-            <a:pPr marL="0" indent="0">
-              <a:buNone/>
-            </a:pPr>
-            <a:r>
-              <a:rPr lang="en-US" dirty="0"/>
-              <a:t>+ Solves: regularization or more training data.</a:t>
-            </a:r>
-          </a:p>
-          <a:p>
-            <a:pPr marL="0" indent="0">
-              <a:buNone/>
-            </a:pPr>
-            <a:r>
-              <a:rPr lang="en-US" dirty="0"/>
-              <a:t>2) Why using ?</a:t>
-            </a:r>
-          </a:p>
-          <a:p>
-            <a:pPr marL="0" indent="0">
-              <a:buNone/>
-            </a:pPr>
-            <a:r>
-              <a:rPr lang="en-US" dirty="0"/>
-              <a:t>+ regularization: </a:t>
-            </a:r>
-            <a:r>
-              <a:rPr lang="en-US" dirty="0" err="1"/>
-              <a:t>giam</a:t>
-            </a:r>
-            <a:r>
-              <a:rPr lang="en-US" dirty="0"/>
-              <a:t> so </a:t>
-            </a:r>
-            <a:r>
-              <a:rPr lang="en-US" dirty="0" err="1"/>
-              <a:t>luong</a:t>
-            </a:r>
-            <a:r>
-              <a:rPr lang="en-US" dirty="0"/>
-              <a:t> models</a:t>
+              <a:t>+ Why regularization help reduce overfitting ? </a:t>
             </a:r>
           </a:p>
         </p:txBody>
@@ -3759,7 +4749,7 @@
     </p:spTree>
     <p:extLst>
       <p:ext uri="{BB962C8B-B14F-4D97-AF65-F5344CB8AC3E}">
-        <p14:creationId xmlns:p14="http://schemas.microsoft.com/office/powerpoint/2010/main" val="1943849936"/>
+        <p14:creationId xmlns:p14="http://schemas.microsoft.com/office/powerpoint/2010/main" val="1036058334"/>
       </p:ext>
     </p:extLst>
   </p:cSld>
@@ -10108,6 +11098,228 @@
           <a:p>
             <a:r>
               <a:rPr lang="en-US" dirty="0"/>
+              <a:t>1.4 Regularizing: modify the loss function (2)</a:t>
+            </a:r>
+          </a:p>
+        </p:txBody>
+      </p:sp>
+      <p:sp>
+        <p:nvSpPr>
+          <p:cNvPr id="18" name="Rectangle 17">
+            <a:extLst>
+              <a:ext uri="{FF2B5EF4-FFF2-40B4-BE49-F238E27FC236}">
+                <a16:creationId xmlns:a16="http://schemas.microsoft.com/office/drawing/2014/main" id="{D2B3A026-02F6-45FC-ADC1-27EB9E77A652}"/>
+              </a:ext>
+            </a:extLst>
+          </p:cNvPr>
+          <p:cNvSpPr/>
+          <p:nvPr/>
+        </p:nvSpPr>
+        <p:spPr>
+          <a:xfrm>
+            <a:off x="320041" y="1005840"/>
+            <a:ext cx="10759439" cy="1077218"/>
+          </a:xfrm>
+          <a:prstGeom prst="rect">
+            <a:avLst/>
+          </a:prstGeom>
+        </p:spPr>
+        <p:txBody>
+          <a:bodyPr wrap="square">
+            <a:spAutoFit/>
+          </a:bodyPr>
+          <a:lstStyle/>
+          <a:p>
+            <a:pPr marL="742864" lvl="1" indent="-285750">
+              <a:buFont typeface="Wingdings" panose="05000000000000000000" pitchFamily="2" charset="2"/>
+              <a:buChar char="v"/>
+            </a:pPr>
+            <a:r>
+              <a:rPr lang="en-US" sz="1600" dirty="0"/>
+              <a:t>Implementation:</a:t>
+            </a:r>
+          </a:p>
+          <a:p>
+            <a:pPr lvl="1"/>
+            <a:endParaRPr lang="en-US" sz="1600" dirty="0"/>
+          </a:p>
+          <a:p>
+            <a:pPr lvl="1"/>
+            <a:endParaRPr lang="en-US" sz="1600" dirty="0"/>
+          </a:p>
+          <a:p>
+            <a:endParaRPr lang="en-US" sz="1600" dirty="0"/>
+          </a:p>
+        </p:txBody>
+      </p:sp>
+      <p:graphicFrame>
+        <p:nvGraphicFramePr>
+          <p:cNvPr id="2" name="Table 2">
+            <a:extLst>
+              <a:ext uri="{FF2B5EF4-FFF2-40B4-BE49-F238E27FC236}">
+                <a16:creationId xmlns:a16="http://schemas.microsoft.com/office/drawing/2014/main" id="{45A52B1D-127E-4A09-9B92-51355455D0D1}"/>
+              </a:ext>
+            </a:extLst>
+          </p:cNvPr>
+          <p:cNvGraphicFramePr>
+            <a:graphicFrameLocks noGrp="1"/>
+          </p:cNvGraphicFramePr>
+          <p:nvPr>
+            <p:extLst>
+              <p:ext uri="{D42A27DB-BD31-4B8C-83A1-F6EECF244321}">
+                <p14:modId xmlns:p14="http://schemas.microsoft.com/office/powerpoint/2010/main" val="1656784504"/>
+              </p:ext>
+            </p:extLst>
+          </p:nvPr>
+        </p:nvGraphicFramePr>
+        <p:xfrm>
+          <a:off x="1323340" y="1437898"/>
+          <a:ext cx="10022840" cy="1381502"/>
+        </p:xfrm>
+        <a:graphic>
+          <a:graphicData uri="http://schemas.openxmlformats.org/drawingml/2006/table">
+            <a:tbl>
+              <a:tblPr firstRow="1" bandRow="1">
+                <a:tableStyleId>{5C22544A-7EE6-4342-B048-85BDC9FD1C3A}</a:tableStyleId>
+              </a:tblPr>
+              <a:tblGrid>
+                <a:gridCol w="5011420">
+                  <a:extLst>
+                    <a:ext uri="{9D8B030D-6E8A-4147-A177-3AD203B41FA5}">
+                      <a16:colId xmlns:a16="http://schemas.microsoft.com/office/drawing/2014/main" val="1446121590"/>
+                    </a:ext>
+                  </a:extLst>
+                </a:gridCol>
+                <a:gridCol w="5011420">
+                  <a:extLst>
+                    <a:ext uri="{9D8B030D-6E8A-4147-A177-3AD203B41FA5}">
+                      <a16:colId xmlns:a16="http://schemas.microsoft.com/office/drawing/2014/main" val="2252565834"/>
+                    </a:ext>
+                  </a:extLst>
+                </a:gridCol>
+              </a:tblGrid>
+              <a:tr h="614585">
+                <a:tc>
+                  <a:txBody>
+                    <a:bodyPr/>
+                    <a:lstStyle/>
+                    <a:p>
+                      <a:r>
+                        <a:rPr lang="en-US" dirty="0"/>
+                        <a:t>Logistic Regression</a:t>
+                      </a:r>
+                    </a:p>
+                  </a:txBody>
+                  <a:tcPr/>
+                </a:tc>
+                <a:tc>
+                  <a:txBody>
+                    <a:bodyPr/>
+                    <a:lstStyle/>
+                    <a:p>
+                      <a:r>
+                        <a:rPr lang="en-US" dirty="0"/>
+                        <a:t>Neural Networks</a:t>
+                      </a:r>
+                    </a:p>
+                  </a:txBody>
+                  <a:tcPr/>
+                </a:tc>
+                <a:extLst>
+                  <a:ext uri="{0D108BD9-81ED-4DB2-BD59-A6C34878D82A}">
+                    <a16:rowId xmlns:a16="http://schemas.microsoft.com/office/drawing/2014/main" val="804497802"/>
+                  </a:ext>
+                </a:extLst>
+              </a:tr>
+              <a:tr h="766917">
+                <a:tc>
+                  <a:txBody>
+                    <a:bodyPr/>
+                    <a:lstStyle/>
+                    <a:p>
+                      <a:endParaRPr lang="en-US"/>
+                    </a:p>
+                  </a:txBody>
+                  <a:tcPr/>
+                </a:tc>
+                <a:tc>
+                  <a:txBody>
+                    <a:bodyPr/>
+                    <a:lstStyle/>
+                    <a:p>
+                      <a:endParaRPr lang="en-US" dirty="0"/>
+                    </a:p>
+                  </a:txBody>
+                  <a:tcPr/>
+                </a:tc>
+                <a:extLst>
+                  <a:ext uri="{0D108BD9-81ED-4DB2-BD59-A6C34878D82A}">
+                    <a16:rowId xmlns:a16="http://schemas.microsoft.com/office/drawing/2014/main" val="3637223986"/>
+                  </a:ext>
+                </a:extLst>
+              </a:tr>
+            </a:tbl>
+          </a:graphicData>
+        </a:graphic>
+      </p:graphicFrame>
+    </p:spTree>
+    <p:extLst>
+      <p:ext uri="{BB962C8B-B14F-4D97-AF65-F5344CB8AC3E}">
+        <p14:creationId xmlns:p14="http://schemas.microsoft.com/office/powerpoint/2010/main" val="419420095"/>
+      </p:ext>
+    </p:extLst>
+  </p:cSld>
+  <p:clrMapOvr>
+    <a:masterClrMapping/>
+  </p:clrMapOvr>
+</p:sld>
+</file>
+
+<file path=ppt/slides/slide11.xml><?xml version="1.0" encoding="utf-8"?>
+<p:sld xmlns:a="http://schemas.openxmlformats.org/drawingml/2006/main" xmlns:r="http://schemas.openxmlformats.org/officeDocument/2006/relationships" xmlns:p="http://schemas.openxmlformats.org/presentationml/2006/main">
+  <p:cSld>
+    <p:spTree>
+      <p:nvGrpSpPr>
+        <p:cNvPr id="1" name=""/>
+        <p:cNvGrpSpPr/>
+        <p:nvPr/>
+      </p:nvGrpSpPr>
+      <p:grpSpPr>
+        <a:xfrm>
+          <a:off x="0" y="0"/>
+          <a:ext cx="0" cy="0"/>
+          <a:chOff x="0" y="0"/>
+          <a:chExt cx="0" cy="0"/>
+        </a:xfrm>
+      </p:grpSpPr>
+      <p:sp>
+        <p:nvSpPr>
+          <p:cNvPr id="5" name="Title 4">
+            <a:extLst>
+              <a:ext uri="{FF2B5EF4-FFF2-40B4-BE49-F238E27FC236}">
+                <a16:creationId xmlns:a16="http://schemas.microsoft.com/office/drawing/2014/main" id="{44E0868E-BCFF-4470-AA32-2E6DA01A7745}"/>
+              </a:ext>
+            </a:extLst>
+          </p:cNvPr>
+          <p:cNvSpPr>
+            <a:spLocks noGrp="1"/>
+          </p:cNvSpPr>
+          <p:nvPr>
+            <p:ph type="title"/>
+          </p:nvPr>
+        </p:nvSpPr>
+        <p:spPr>
+          <a:xfrm>
+            <a:off x="-15240" y="13063"/>
+            <a:ext cx="11429999" cy="749165"/>
+          </a:xfrm>
+        </p:spPr>
+        <p:txBody>
+          <a:bodyPr/>
+          <a:lstStyle/>
+          <a:p>
+            <a:r>
+              <a:rPr lang="en-US" dirty="0"/>
               <a:t>1.4 Regularizing (3)</a:t>
             </a:r>
           </a:p>
@@ -10341,7 +11553,7 @@
 </p:sld>
 </file>
 
-<file path=ppt/slides/slide11.xml><?xml version="1.0" encoding="utf-8"?>
+<file path=ppt/slides/slide12.xml><?xml version="1.0" encoding="utf-8"?>
 <p:sld xmlns:a="http://schemas.openxmlformats.org/drawingml/2006/main" xmlns:r="http://schemas.openxmlformats.org/officeDocument/2006/relationships" xmlns:p="http://schemas.openxmlformats.org/presentationml/2006/main">
   <p:cSld>
     <p:spTree>
@@ -10360,6 +11572,316 @@
       </p:grpSpPr>
       <p:sp>
         <p:nvSpPr>
+          <p:cNvPr id="5" name="Title 4">
+            <a:extLst>
+              <a:ext uri="{FF2B5EF4-FFF2-40B4-BE49-F238E27FC236}">
+                <a16:creationId xmlns:a16="http://schemas.microsoft.com/office/drawing/2014/main" id="{44E0868E-BCFF-4470-AA32-2E6DA01A7745}"/>
+              </a:ext>
+            </a:extLst>
+          </p:cNvPr>
+          <p:cNvSpPr>
+            <a:spLocks noGrp="1"/>
+          </p:cNvSpPr>
+          <p:nvPr>
+            <p:ph type="title"/>
+          </p:nvPr>
+        </p:nvSpPr>
+        <p:spPr>
+          <a:xfrm>
+            <a:off x="-15240" y="13063"/>
+            <a:ext cx="11429999" cy="749165"/>
+          </a:xfrm>
+        </p:spPr>
+        <p:txBody>
+          <a:bodyPr/>
+          <a:lstStyle/>
+          <a:p>
+            <a:r>
+              <a:rPr lang="en-US" dirty="0"/>
+              <a:t>1.4 Regularization: Dropout</a:t>
+            </a:r>
+          </a:p>
+        </p:txBody>
+      </p:sp>
+      <p:sp>
+        <p:nvSpPr>
+          <p:cNvPr id="18" name="Rectangle 17">
+            <a:extLst>
+              <a:ext uri="{FF2B5EF4-FFF2-40B4-BE49-F238E27FC236}">
+                <a16:creationId xmlns:a16="http://schemas.microsoft.com/office/drawing/2014/main" id="{D2B3A026-02F6-45FC-ADC1-27EB9E77A652}"/>
+              </a:ext>
+            </a:extLst>
+          </p:cNvPr>
+          <p:cNvSpPr/>
+          <p:nvPr/>
+        </p:nvSpPr>
+        <p:spPr>
+          <a:xfrm>
+            <a:off x="320041" y="1005840"/>
+            <a:ext cx="10759439" cy="1569660"/>
+          </a:xfrm>
+          <a:prstGeom prst="rect">
+            <a:avLst/>
+          </a:prstGeom>
+        </p:spPr>
+        <p:txBody>
+          <a:bodyPr wrap="square">
+            <a:spAutoFit/>
+          </a:bodyPr>
+          <a:lstStyle/>
+          <a:p>
+            <a:pPr marL="742864" lvl="1" indent="-285750">
+              <a:buFont typeface="Wingdings" panose="05000000000000000000" pitchFamily="2" charset="2"/>
+              <a:buChar char="v"/>
+            </a:pPr>
+            <a:r>
+              <a:rPr lang="en-US" sz="1600" dirty="0"/>
+              <a:t>Dropout Regularization: remove some neurons/weights on each iteration </a:t>
+            </a:r>
+            <a:br>
+              <a:rPr lang="en-US" sz="1600" dirty="0"/>
+            </a:br>
+            <a:r>
+              <a:rPr lang="en-US" sz="1600" dirty="0"/>
+              <a:t>based on a probability </a:t>
+            </a:r>
+            <a:r>
+              <a:rPr lang="en-US" sz="1600" i="1" dirty="0"/>
+              <a:t>(p</a:t>
+            </a:r>
+            <a:r>
+              <a:rPr lang="en-US" sz="1600" dirty="0"/>
+              <a:t>%).</a:t>
+            </a:r>
+          </a:p>
+          <a:p>
+            <a:pPr lvl="1"/>
+            <a:r>
+              <a:rPr lang="en-US" sz="1600" dirty="0"/>
+              <a:t>=&gt; reduce the neural networks complexity.</a:t>
+            </a:r>
+          </a:p>
+          <a:p>
+            <a:pPr lvl="1"/>
+            <a:endParaRPr lang="en-US" sz="1600" dirty="0"/>
+          </a:p>
+          <a:p>
+            <a:pPr lvl="1"/>
+            <a:endParaRPr lang="en-US" sz="1600" dirty="0"/>
+          </a:p>
+          <a:p>
+            <a:endParaRPr lang="en-US" sz="1600" dirty="0"/>
+          </a:p>
+        </p:txBody>
+      </p:sp>
+      <p:pic>
+        <p:nvPicPr>
+          <p:cNvPr id="4" name="Picture 3" descr="Diagram&#10;&#10;Description automatically generated">
+            <a:extLst>
+              <a:ext uri="{FF2B5EF4-FFF2-40B4-BE49-F238E27FC236}">
+                <a16:creationId xmlns:a16="http://schemas.microsoft.com/office/drawing/2014/main" id="{F5DBE8D8-3E2C-4B01-ABA6-B778F699A96E}"/>
+              </a:ext>
+            </a:extLst>
+          </p:cNvPr>
+          <p:cNvPicPr>
+            <a:picLocks noChangeAspect="1"/>
+          </p:cNvPicPr>
+          <p:nvPr/>
+        </p:nvPicPr>
+        <p:blipFill>
+          <a:blip r:embed="rId3"/>
+          <a:stretch>
+            <a:fillRect/>
+          </a:stretch>
+        </p:blipFill>
+        <p:spPr>
+          <a:xfrm>
+            <a:off x="8450579" y="1005840"/>
+            <a:ext cx="3352802" cy="1828802"/>
+          </a:xfrm>
+          <a:prstGeom prst="rect">
+            <a:avLst/>
+          </a:prstGeom>
+        </p:spPr>
+      </p:pic>
+    </p:spTree>
+    <p:extLst>
+      <p:ext uri="{BB962C8B-B14F-4D97-AF65-F5344CB8AC3E}">
+        <p14:creationId xmlns:p14="http://schemas.microsoft.com/office/powerpoint/2010/main" val="4197327285"/>
+      </p:ext>
+    </p:extLst>
+  </p:cSld>
+  <p:clrMapOvr>
+    <a:masterClrMapping/>
+  </p:clrMapOvr>
+</p:sld>
+</file>
+
+<file path=ppt/slides/slide13.xml><?xml version="1.0" encoding="utf-8"?>
+<p:sld xmlns:a="http://schemas.openxmlformats.org/drawingml/2006/main" xmlns:r="http://schemas.openxmlformats.org/officeDocument/2006/relationships" xmlns:p="http://schemas.openxmlformats.org/presentationml/2006/main">
+  <p:cSld>
+    <p:spTree>
+      <p:nvGrpSpPr>
+        <p:cNvPr id="1" name=""/>
+        <p:cNvGrpSpPr/>
+        <p:nvPr/>
+      </p:nvGrpSpPr>
+      <p:grpSpPr>
+        <a:xfrm>
+          <a:off x="0" y="0"/>
+          <a:ext cx="0" cy="0"/>
+          <a:chOff x="0" y="0"/>
+          <a:chExt cx="0" cy="0"/>
+        </a:xfrm>
+      </p:grpSpPr>
+      <p:sp>
+        <p:nvSpPr>
+          <p:cNvPr id="5" name="Title 4">
+            <a:extLst>
+              <a:ext uri="{FF2B5EF4-FFF2-40B4-BE49-F238E27FC236}">
+                <a16:creationId xmlns:a16="http://schemas.microsoft.com/office/drawing/2014/main" id="{44E0868E-BCFF-4470-AA32-2E6DA01A7745}"/>
+              </a:ext>
+            </a:extLst>
+          </p:cNvPr>
+          <p:cNvSpPr>
+            <a:spLocks noGrp="1"/>
+          </p:cNvSpPr>
+          <p:nvPr>
+            <p:ph type="title"/>
+          </p:nvPr>
+        </p:nvSpPr>
+        <p:spPr>
+          <a:xfrm>
+            <a:off x="-15240" y="13063"/>
+            <a:ext cx="11429999" cy="749165"/>
+          </a:xfrm>
+        </p:spPr>
+        <p:txBody>
+          <a:bodyPr/>
+          <a:lstStyle/>
+          <a:p>
+            <a:r>
+              <a:rPr lang="en-US" dirty="0"/>
+              <a:t>1.4 Regularization: Other methods</a:t>
+            </a:r>
+          </a:p>
+        </p:txBody>
+      </p:sp>
+      <p:sp>
+        <p:nvSpPr>
+          <p:cNvPr id="18" name="Rectangle 17">
+            <a:extLst>
+              <a:ext uri="{FF2B5EF4-FFF2-40B4-BE49-F238E27FC236}">
+                <a16:creationId xmlns:a16="http://schemas.microsoft.com/office/drawing/2014/main" id="{D2B3A026-02F6-45FC-ADC1-27EB9E77A652}"/>
+              </a:ext>
+            </a:extLst>
+          </p:cNvPr>
+          <p:cNvSpPr/>
+          <p:nvPr/>
+        </p:nvSpPr>
+        <p:spPr>
+          <a:xfrm>
+            <a:off x="320041" y="1005840"/>
+            <a:ext cx="10759439" cy="1815882"/>
+          </a:xfrm>
+          <a:prstGeom prst="rect">
+            <a:avLst/>
+          </a:prstGeom>
+        </p:spPr>
+        <p:txBody>
+          <a:bodyPr wrap="square">
+            <a:spAutoFit/>
+          </a:bodyPr>
+          <a:lstStyle/>
+          <a:p>
+            <a:pPr marL="742864" lvl="1" indent="-285750">
+              <a:buFont typeface="Wingdings" panose="05000000000000000000" pitchFamily="2" charset="2"/>
+              <a:buChar char="v"/>
+            </a:pPr>
+            <a:r>
+              <a:rPr lang="en-US" sz="1600" dirty="0"/>
+              <a:t>Data augmentation:</a:t>
+            </a:r>
+          </a:p>
+          <a:p>
+            <a:pPr marL="1199978" lvl="2" indent="-285750">
+              <a:buFont typeface="Wingdings" panose="05000000000000000000" pitchFamily="2" charset="2"/>
+              <a:buChar char="§"/>
+            </a:pPr>
+            <a:r>
+              <a:rPr lang="en-US" sz="1600" dirty="0"/>
+              <a:t>Get more data.</a:t>
+            </a:r>
+          </a:p>
+          <a:p>
+            <a:pPr marL="1199978" lvl="2" indent="-285750">
+              <a:buFont typeface="Wingdings" panose="05000000000000000000" pitchFamily="2" charset="2"/>
+              <a:buChar char="§"/>
+            </a:pPr>
+            <a:r>
+              <a:rPr lang="en-US" sz="1600" dirty="0"/>
+              <a:t>Example: In computer vision, we can flip, random rotations, random scale …</a:t>
+            </a:r>
+          </a:p>
+          <a:p>
+            <a:pPr marL="742864" lvl="1" indent="-285750">
+              <a:buFont typeface="Wingdings" panose="05000000000000000000" pitchFamily="2" charset="2"/>
+              <a:buChar char="v"/>
+            </a:pPr>
+            <a:r>
+              <a:rPr lang="en-US" sz="1600"/>
+              <a:t>Early stopping: </a:t>
+            </a:r>
+            <a:endParaRPr lang="en-US" sz="1600" dirty="0"/>
+          </a:p>
+          <a:p>
+            <a:pPr marL="1199978" lvl="2" indent="-285750">
+              <a:buFont typeface="Wingdings" panose="05000000000000000000" pitchFamily="2" charset="2"/>
+              <a:buChar char="§"/>
+            </a:pPr>
+            <a:endParaRPr lang="en-US" sz="1600" dirty="0"/>
+          </a:p>
+          <a:p>
+            <a:pPr lvl="1"/>
+            <a:endParaRPr lang="en-US" sz="1600" dirty="0"/>
+          </a:p>
+          <a:p>
+            <a:endParaRPr lang="en-US" sz="1600" dirty="0"/>
+          </a:p>
+        </p:txBody>
+      </p:sp>
+    </p:spTree>
+    <p:extLst>
+      <p:ext uri="{BB962C8B-B14F-4D97-AF65-F5344CB8AC3E}">
+        <p14:creationId xmlns:p14="http://schemas.microsoft.com/office/powerpoint/2010/main" val="3580756430"/>
+      </p:ext>
+    </p:extLst>
+  </p:cSld>
+  <p:clrMapOvr>
+    <a:masterClrMapping/>
+  </p:clrMapOvr>
+</p:sld>
+</file>
+
+<file path=ppt/slides/slide14.xml><?xml version="1.0" encoding="utf-8"?>
+<p:sld xmlns:a="http://schemas.openxmlformats.org/drawingml/2006/main" xmlns:r="http://schemas.openxmlformats.org/officeDocument/2006/relationships" xmlns:p="http://schemas.openxmlformats.org/presentationml/2006/main">
+  <p:cSld>
+    <p:spTree>
+      <p:nvGrpSpPr>
+        <p:cNvPr id="1" name=""/>
+        <p:cNvGrpSpPr/>
+        <p:nvPr/>
+      </p:nvGrpSpPr>
+      <p:grpSpPr>
+        <a:xfrm>
+          <a:off x="0" y="0"/>
+          <a:ext cx="0" cy="0"/>
+          <a:chOff x="0" y="0"/>
+          <a:chExt cx="0" cy="0"/>
+        </a:xfrm>
+      </p:grpSpPr>
+      <p:sp>
+        <p:nvSpPr>
           <p:cNvPr id="2" name="Text Placeholder 1">
             <a:extLst>
               <a:ext uri="{FF2B5EF4-FFF2-40B4-BE49-F238E27FC236}">
@@ -10432,7 +11954,7 @@
 </p:sld>
 </file>
 
-<file path=ppt/slides/slide12.xml><?xml version="1.0" encoding="utf-8"?>
+<file path=ppt/slides/slide15.xml><?xml version="1.0" encoding="utf-8"?>
 <p:sld xmlns:a="http://schemas.openxmlformats.org/drawingml/2006/main" xmlns:r="http://schemas.openxmlformats.org/officeDocument/2006/relationships" xmlns:p="http://schemas.openxmlformats.org/presentationml/2006/main">
   <p:cSld>
     <p:spTree>
@@ -10669,239 +12191,6 @@
 </p:sld>
 </file>
 
-<file path=ppt/slides/slide13.xml><?xml version="1.0" encoding="utf-8"?>
-<p:sld xmlns:a="http://schemas.openxmlformats.org/drawingml/2006/main" xmlns:r="http://schemas.openxmlformats.org/officeDocument/2006/relationships" xmlns:p="http://schemas.openxmlformats.org/presentationml/2006/main">
-  <p:cSld>
-    <p:spTree>
-      <p:nvGrpSpPr>
-        <p:cNvPr id="1" name=""/>
-        <p:cNvGrpSpPr/>
-        <p:nvPr/>
-      </p:nvGrpSpPr>
-      <p:grpSpPr>
-        <a:xfrm>
-          <a:off x="0" y="0"/>
-          <a:ext cx="0" cy="0"/>
-          <a:chOff x="0" y="0"/>
-          <a:chExt cx="0" cy="0"/>
-        </a:xfrm>
-      </p:grpSpPr>
-      <p:sp>
-        <p:nvSpPr>
-          <p:cNvPr id="5" name="Title 4">
-            <a:extLst>
-              <a:ext uri="{FF2B5EF4-FFF2-40B4-BE49-F238E27FC236}">
-                <a16:creationId xmlns:a16="http://schemas.microsoft.com/office/drawing/2014/main" id="{44E0868E-BCFF-4470-AA32-2E6DA01A7745}"/>
-              </a:ext>
-            </a:extLst>
-          </p:cNvPr>
-          <p:cNvSpPr>
-            <a:spLocks noGrp="1"/>
-          </p:cNvSpPr>
-          <p:nvPr>
-            <p:ph type="title"/>
-          </p:nvPr>
-        </p:nvSpPr>
-        <p:spPr>
-          <a:xfrm>
-            <a:off x="-15240" y="13063"/>
-            <a:ext cx="11429999" cy="749165"/>
-          </a:xfrm>
-        </p:spPr>
-        <p:txBody>
-          <a:bodyPr/>
-          <a:lstStyle/>
-          <a:p>
-            <a:r>
-              <a:rPr lang="en-US" dirty="0"/>
-              <a:t>2.1 Mini-batch Gradient Descent (2)</a:t>
-            </a:r>
-          </a:p>
-        </p:txBody>
-      </p:sp>
-      <p:sp>
-        <p:nvSpPr>
-          <p:cNvPr id="7" name="Rectangle 6">
-            <a:extLst>
-              <a:ext uri="{FF2B5EF4-FFF2-40B4-BE49-F238E27FC236}">
-                <a16:creationId xmlns:a16="http://schemas.microsoft.com/office/drawing/2014/main" id="{E30DBC99-C7D3-4EBE-8E35-A81FA03E65E4}"/>
-              </a:ext>
-            </a:extLst>
-          </p:cNvPr>
-          <p:cNvSpPr/>
-          <p:nvPr/>
-        </p:nvSpPr>
-        <p:spPr>
-          <a:xfrm>
-            <a:off x="320041" y="1005840"/>
-            <a:ext cx="11173459" cy="830997"/>
-          </a:xfrm>
-          <a:prstGeom prst="rect">
-            <a:avLst/>
-          </a:prstGeom>
-        </p:spPr>
-        <p:txBody>
-          <a:bodyPr wrap="square">
-            <a:spAutoFit/>
-          </a:bodyPr>
-          <a:lstStyle/>
-          <a:p>
-            <a:pPr marL="285750" indent="-285750">
-              <a:buFont typeface="Wingdings" panose="05000000000000000000" pitchFamily="2" charset="2"/>
-              <a:buChar char="v"/>
-            </a:pPr>
-            <a:r>
-              <a:rPr lang="en-US" sz="1600" dirty="0"/>
-              <a:t>Vectorization</a:t>
-            </a:r>
-          </a:p>
-          <a:p>
-            <a:endParaRPr lang="en-US" sz="1600" dirty="0"/>
-          </a:p>
-          <a:p>
-            <a:endParaRPr lang="en-US" sz="1600" dirty="0"/>
-          </a:p>
-        </p:txBody>
-      </p:sp>
-    </p:spTree>
-    <p:extLst>
-      <p:ext uri="{BB962C8B-B14F-4D97-AF65-F5344CB8AC3E}">
-        <p14:creationId xmlns:p14="http://schemas.microsoft.com/office/powerpoint/2010/main" val="567276503"/>
-      </p:ext>
-    </p:extLst>
-  </p:cSld>
-  <p:clrMapOvr>
-    <a:masterClrMapping/>
-  </p:clrMapOvr>
-</p:sld>
-</file>
-
-<file path=ppt/slides/slide14.xml><?xml version="1.0" encoding="utf-8"?>
-<p:sld xmlns:a="http://schemas.openxmlformats.org/drawingml/2006/main" xmlns:r="http://schemas.openxmlformats.org/officeDocument/2006/relationships" xmlns:p="http://schemas.openxmlformats.org/presentationml/2006/main">
-  <p:cSld>
-    <p:spTree>
-      <p:nvGrpSpPr>
-        <p:cNvPr id="1" name=""/>
-        <p:cNvGrpSpPr/>
-        <p:nvPr/>
-      </p:nvGrpSpPr>
-      <p:grpSpPr>
-        <a:xfrm>
-          <a:off x="0" y="0"/>
-          <a:ext cx="0" cy="0"/>
-          <a:chOff x="0" y="0"/>
-          <a:chExt cx="0" cy="0"/>
-        </a:xfrm>
-      </p:grpSpPr>
-      <p:sp>
-        <p:nvSpPr>
-          <p:cNvPr id="5" name="Title 4">
-            <a:extLst>
-              <a:ext uri="{FF2B5EF4-FFF2-40B4-BE49-F238E27FC236}">
-                <a16:creationId xmlns:a16="http://schemas.microsoft.com/office/drawing/2014/main" id="{44E0868E-BCFF-4470-AA32-2E6DA01A7745}"/>
-              </a:ext>
-            </a:extLst>
-          </p:cNvPr>
-          <p:cNvSpPr>
-            <a:spLocks noGrp="1"/>
-          </p:cNvSpPr>
-          <p:nvPr>
-            <p:ph type="title"/>
-          </p:nvPr>
-        </p:nvSpPr>
-        <p:spPr>
-          <a:xfrm>
-            <a:off x="-15240" y="13063"/>
-            <a:ext cx="11429999" cy="749165"/>
-          </a:xfrm>
-        </p:spPr>
-        <p:txBody>
-          <a:bodyPr/>
-          <a:lstStyle/>
-          <a:p>
-            <a:r>
-              <a:rPr lang="en-US" dirty="0"/>
-              <a:t>2.2 Exponentially Weighted Averages</a:t>
-            </a:r>
-          </a:p>
-        </p:txBody>
-      </p:sp>
-    </p:spTree>
-    <p:extLst>
-      <p:ext uri="{BB962C8B-B14F-4D97-AF65-F5344CB8AC3E}">
-        <p14:creationId xmlns:p14="http://schemas.microsoft.com/office/powerpoint/2010/main" val="1095000911"/>
-      </p:ext>
-    </p:extLst>
-  </p:cSld>
-  <p:clrMapOvr>
-    <a:masterClrMapping/>
-  </p:clrMapOvr>
-</p:sld>
-</file>
-
-<file path=ppt/slides/slide15.xml><?xml version="1.0" encoding="utf-8"?>
-<p:sld xmlns:a="http://schemas.openxmlformats.org/drawingml/2006/main" xmlns:r="http://schemas.openxmlformats.org/officeDocument/2006/relationships" xmlns:p="http://schemas.openxmlformats.org/presentationml/2006/main">
-  <p:cSld>
-    <p:spTree>
-      <p:nvGrpSpPr>
-        <p:cNvPr id="1" name=""/>
-        <p:cNvGrpSpPr/>
-        <p:nvPr/>
-      </p:nvGrpSpPr>
-      <p:grpSpPr>
-        <a:xfrm>
-          <a:off x="0" y="0"/>
-          <a:ext cx="0" cy="0"/>
-          <a:chOff x="0" y="0"/>
-          <a:chExt cx="0" cy="0"/>
-        </a:xfrm>
-      </p:grpSpPr>
-      <p:sp>
-        <p:nvSpPr>
-          <p:cNvPr id="5" name="Title 4">
-            <a:extLst>
-              <a:ext uri="{FF2B5EF4-FFF2-40B4-BE49-F238E27FC236}">
-                <a16:creationId xmlns:a16="http://schemas.microsoft.com/office/drawing/2014/main" id="{44E0868E-BCFF-4470-AA32-2E6DA01A7745}"/>
-              </a:ext>
-            </a:extLst>
-          </p:cNvPr>
-          <p:cNvSpPr>
-            <a:spLocks noGrp="1"/>
-          </p:cNvSpPr>
-          <p:nvPr>
-            <p:ph type="title"/>
-          </p:nvPr>
-        </p:nvSpPr>
-        <p:spPr>
-          <a:xfrm>
-            <a:off x="-15240" y="13063"/>
-            <a:ext cx="11429999" cy="749165"/>
-          </a:xfrm>
-        </p:spPr>
-        <p:txBody>
-          <a:bodyPr/>
-          <a:lstStyle/>
-          <a:p>
-            <a:r>
-              <a:rPr lang="en-US" dirty="0"/>
-              <a:t>2.3 Bias Correction in Exponentially Weighted Averages</a:t>
-            </a:r>
-          </a:p>
-        </p:txBody>
-      </p:sp>
-    </p:spTree>
-    <p:extLst>
-      <p:ext uri="{BB962C8B-B14F-4D97-AF65-F5344CB8AC3E}">
-        <p14:creationId xmlns:p14="http://schemas.microsoft.com/office/powerpoint/2010/main" val="2577405432"/>
-      </p:ext>
-    </p:extLst>
-  </p:cSld>
-  <p:clrMapOvr>
-    <a:masterClrMapping/>
-  </p:clrMapOvr>
-</p:sld>
-</file>
-
 <file path=ppt/slides/slide16.xml><?xml version="1.0" encoding="utf-8"?>
 <p:sld xmlns:a="http://schemas.openxmlformats.org/drawingml/2006/main" xmlns:r="http://schemas.openxmlformats.org/officeDocument/2006/relationships" xmlns:p="http://schemas.openxmlformats.org/presentationml/2006/main">
   <p:cSld>
@@ -10947,15 +12236,59 @@
           <a:p>
             <a:r>
               <a:rPr lang="en-US" dirty="0"/>
-              <a:t>2.4 Gradient Descent with Momentum </a:t>
-            </a:r>
+              <a:t>2.1 Mini-batch Gradient Descent (2)</a:t>
+            </a:r>
+          </a:p>
+        </p:txBody>
+      </p:sp>
+      <p:sp>
+        <p:nvSpPr>
+          <p:cNvPr id="7" name="Rectangle 6">
+            <a:extLst>
+              <a:ext uri="{FF2B5EF4-FFF2-40B4-BE49-F238E27FC236}">
+                <a16:creationId xmlns:a16="http://schemas.microsoft.com/office/drawing/2014/main" id="{E30DBC99-C7D3-4EBE-8E35-A81FA03E65E4}"/>
+              </a:ext>
+            </a:extLst>
+          </p:cNvPr>
+          <p:cNvSpPr/>
+          <p:nvPr/>
+        </p:nvSpPr>
+        <p:spPr>
+          <a:xfrm>
+            <a:off x="320041" y="1005840"/>
+            <a:ext cx="11173459" cy="830997"/>
+          </a:xfrm>
+          <a:prstGeom prst="rect">
+            <a:avLst/>
+          </a:prstGeom>
+        </p:spPr>
+        <p:txBody>
+          <a:bodyPr wrap="square">
+            <a:spAutoFit/>
+          </a:bodyPr>
+          <a:lstStyle/>
+          <a:p>
+            <a:pPr marL="285750" indent="-285750">
+              <a:buFont typeface="Wingdings" panose="05000000000000000000" pitchFamily="2" charset="2"/>
+              <a:buChar char="v"/>
+            </a:pPr>
+            <a:r>
+              <a:rPr lang="en-US" sz="1600" dirty="0"/>
+              <a:t>Vectorization</a:t>
+            </a:r>
+          </a:p>
+          <a:p>
+            <a:endParaRPr lang="en-US" sz="1600" dirty="0"/>
+          </a:p>
+          <a:p>
+            <a:endParaRPr lang="en-US" sz="1600" dirty="0"/>
           </a:p>
         </p:txBody>
       </p:sp>
     </p:spTree>
     <p:extLst>
       <p:ext uri="{BB962C8B-B14F-4D97-AF65-F5344CB8AC3E}">
-        <p14:creationId xmlns:p14="http://schemas.microsoft.com/office/powerpoint/2010/main" val="3558116522"/>
+        <p14:creationId xmlns:p14="http://schemas.microsoft.com/office/powerpoint/2010/main" val="567276503"/>
       </p:ext>
     </p:extLst>
   </p:cSld>
@@ -11010,20 +12343,15 @@
           <a:p>
             <a:r>
               <a:rPr lang="en-US" dirty="0"/>
-              <a:t>2.5 </a:t>
-            </a:r>
-            <a:r>
-              <a:rPr lang="en-US" dirty="0" err="1"/>
-              <a:t>RMSProp</a:t>
-            </a:r>
-            <a:endParaRPr lang="en-US" dirty="0"/>
+              <a:t>2.2 Exponentially Weighted Averages</a:t>
+            </a:r>
           </a:p>
         </p:txBody>
       </p:sp>
     </p:spTree>
     <p:extLst>
       <p:ext uri="{BB962C8B-B14F-4D97-AF65-F5344CB8AC3E}">
-        <p14:creationId xmlns:p14="http://schemas.microsoft.com/office/powerpoint/2010/main" val="316373092"/>
+        <p14:creationId xmlns:p14="http://schemas.microsoft.com/office/powerpoint/2010/main" val="1095000911"/>
       </p:ext>
     </p:extLst>
   </p:cSld>
@@ -11078,7 +12406,7 @@
           <a:p>
             <a:r>
               <a:rPr lang="en-US" dirty="0"/>
-              <a:t>2.6 Adam Optimization Algorithms</a:t>
+              <a:t>2.3 Bias Correction in Exponentially Weighted Averages</a:t>
             </a:r>
           </a:p>
         </p:txBody>
@@ -11086,7 +12414,7 @@
     </p:spTree>
     <p:extLst>
       <p:ext uri="{BB962C8B-B14F-4D97-AF65-F5344CB8AC3E}">
-        <p14:creationId xmlns:p14="http://schemas.microsoft.com/office/powerpoint/2010/main" val="1517981172"/>
+        <p14:creationId xmlns:p14="http://schemas.microsoft.com/office/powerpoint/2010/main" val="2577405432"/>
       </p:ext>
     </p:extLst>
   </p:cSld>
@@ -11141,7 +12469,7 @@
           <a:p>
             <a:r>
               <a:rPr lang="en-US" dirty="0"/>
-              <a:t>2.7 Learning Rate Decay &amp; The Problem of Local Optimal</a:t>
+              <a:t>2.4 Gradient Descent with Momentum </a:t>
             </a:r>
           </a:p>
         </p:txBody>
@@ -11149,7 +12477,7 @@
     </p:spTree>
     <p:extLst>
       <p:ext uri="{BB962C8B-B14F-4D97-AF65-F5344CB8AC3E}">
-        <p14:creationId xmlns:p14="http://schemas.microsoft.com/office/powerpoint/2010/main" val="2965339304"/>
+        <p14:creationId xmlns:p14="http://schemas.microsoft.com/office/powerpoint/2010/main" val="3558116522"/>
       </p:ext>
     </p:extLst>
   </p:cSld>
@@ -11419,6 +12747,200 @@
 </file>
 
 <file path=ppt/slides/slide20.xml><?xml version="1.0" encoding="utf-8"?>
+<p:sld xmlns:a="http://schemas.openxmlformats.org/drawingml/2006/main" xmlns:r="http://schemas.openxmlformats.org/officeDocument/2006/relationships" xmlns:p="http://schemas.openxmlformats.org/presentationml/2006/main">
+  <p:cSld>
+    <p:spTree>
+      <p:nvGrpSpPr>
+        <p:cNvPr id="1" name=""/>
+        <p:cNvGrpSpPr/>
+        <p:nvPr/>
+      </p:nvGrpSpPr>
+      <p:grpSpPr>
+        <a:xfrm>
+          <a:off x="0" y="0"/>
+          <a:ext cx="0" cy="0"/>
+          <a:chOff x="0" y="0"/>
+          <a:chExt cx="0" cy="0"/>
+        </a:xfrm>
+      </p:grpSpPr>
+      <p:sp>
+        <p:nvSpPr>
+          <p:cNvPr id="5" name="Title 4">
+            <a:extLst>
+              <a:ext uri="{FF2B5EF4-FFF2-40B4-BE49-F238E27FC236}">
+                <a16:creationId xmlns:a16="http://schemas.microsoft.com/office/drawing/2014/main" id="{44E0868E-BCFF-4470-AA32-2E6DA01A7745}"/>
+              </a:ext>
+            </a:extLst>
+          </p:cNvPr>
+          <p:cNvSpPr>
+            <a:spLocks noGrp="1"/>
+          </p:cNvSpPr>
+          <p:nvPr>
+            <p:ph type="title"/>
+          </p:nvPr>
+        </p:nvSpPr>
+        <p:spPr>
+          <a:xfrm>
+            <a:off x="-15240" y="13063"/>
+            <a:ext cx="11429999" cy="749165"/>
+          </a:xfrm>
+        </p:spPr>
+        <p:txBody>
+          <a:bodyPr/>
+          <a:lstStyle/>
+          <a:p>
+            <a:r>
+              <a:rPr lang="en-US" dirty="0"/>
+              <a:t>2.5 </a:t>
+            </a:r>
+            <a:r>
+              <a:rPr lang="en-US" dirty="0" err="1"/>
+              <a:t>RMSProp</a:t>
+            </a:r>
+            <a:endParaRPr lang="en-US" dirty="0"/>
+          </a:p>
+        </p:txBody>
+      </p:sp>
+    </p:spTree>
+    <p:extLst>
+      <p:ext uri="{BB962C8B-B14F-4D97-AF65-F5344CB8AC3E}">
+        <p14:creationId xmlns:p14="http://schemas.microsoft.com/office/powerpoint/2010/main" val="316373092"/>
+      </p:ext>
+    </p:extLst>
+  </p:cSld>
+  <p:clrMapOvr>
+    <a:masterClrMapping/>
+  </p:clrMapOvr>
+</p:sld>
+</file>
+
+<file path=ppt/slides/slide21.xml><?xml version="1.0" encoding="utf-8"?>
+<p:sld xmlns:a="http://schemas.openxmlformats.org/drawingml/2006/main" xmlns:r="http://schemas.openxmlformats.org/officeDocument/2006/relationships" xmlns:p="http://schemas.openxmlformats.org/presentationml/2006/main">
+  <p:cSld>
+    <p:spTree>
+      <p:nvGrpSpPr>
+        <p:cNvPr id="1" name=""/>
+        <p:cNvGrpSpPr/>
+        <p:nvPr/>
+      </p:nvGrpSpPr>
+      <p:grpSpPr>
+        <a:xfrm>
+          <a:off x="0" y="0"/>
+          <a:ext cx="0" cy="0"/>
+          <a:chOff x="0" y="0"/>
+          <a:chExt cx="0" cy="0"/>
+        </a:xfrm>
+      </p:grpSpPr>
+      <p:sp>
+        <p:nvSpPr>
+          <p:cNvPr id="5" name="Title 4">
+            <a:extLst>
+              <a:ext uri="{FF2B5EF4-FFF2-40B4-BE49-F238E27FC236}">
+                <a16:creationId xmlns:a16="http://schemas.microsoft.com/office/drawing/2014/main" id="{44E0868E-BCFF-4470-AA32-2E6DA01A7745}"/>
+              </a:ext>
+            </a:extLst>
+          </p:cNvPr>
+          <p:cNvSpPr>
+            <a:spLocks noGrp="1"/>
+          </p:cNvSpPr>
+          <p:nvPr>
+            <p:ph type="title"/>
+          </p:nvPr>
+        </p:nvSpPr>
+        <p:spPr>
+          <a:xfrm>
+            <a:off x="-15240" y="13063"/>
+            <a:ext cx="11429999" cy="749165"/>
+          </a:xfrm>
+        </p:spPr>
+        <p:txBody>
+          <a:bodyPr/>
+          <a:lstStyle/>
+          <a:p>
+            <a:r>
+              <a:rPr lang="en-US" dirty="0"/>
+              <a:t>2.6 Adam Optimization Algorithms</a:t>
+            </a:r>
+          </a:p>
+        </p:txBody>
+      </p:sp>
+    </p:spTree>
+    <p:extLst>
+      <p:ext uri="{BB962C8B-B14F-4D97-AF65-F5344CB8AC3E}">
+        <p14:creationId xmlns:p14="http://schemas.microsoft.com/office/powerpoint/2010/main" val="1517981172"/>
+      </p:ext>
+    </p:extLst>
+  </p:cSld>
+  <p:clrMapOvr>
+    <a:masterClrMapping/>
+  </p:clrMapOvr>
+</p:sld>
+</file>
+
+<file path=ppt/slides/slide22.xml><?xml version="1.0" encoding="utf-8"?>
+<p:sld xmlns:a="http://schemas.openxmlformats.org/drawingml/2006/main" xmlns:r="http://schemas.openxmlformats.org/officeDocument/2006/relationships" xmlns:p="http://schemas.openxmlformats.org/presentationml/2006/main">
+  <p:cSld>
+    <p:spTree>
+      <p:nvGrpSpPr>
+        <p:cNvPr id="1" name=""/>
+        <p:cNvGrpSpPr/>
+        <p:nvPr/>
+      </p:nvGrpSpPr>
+      <p:grpSpPr>
+        <a:xfrm>
+          <a:off x="0" y="0"/>
+          <a:ext cx="0" cy="0"/>
+          <a:chOff x="0" y="0"/>
+          <a:chExt cx="0" cy="0"/>
+        </a:xfrm>
+      </p:grpSpPr>
+      <p:sp>
+        <p:nvSpPr>
+          <p:cNvPr id="5" name="Title 4">
+            <a:extLst>
+              <a:ext uri="{FF2B5EF4-FFF2-40B4-BE49-F238E27FC236}">
+                <a16:creationId xmlns:a16="http://schemas.microsoft.com/office/drawing/2014/main" id="{44E0868E-BCFF-4470-AA32-2E6DA01A7745}"/>
+              </a:ext>
+            </a:extLst>
+          </p:cNvPr>
+          <p:cNvSpPr>
+            <a:spLocks noGrp="1"/>
+          </p:cNvSpPr>
+          <p:nvPr>
+            <p:ph type="title"/>
+          </p:nvPr>
+        </p:nvSpPr>
+        <p:spPr>
+          <a:xfrm>
+            <a:off x="-15240" y="13063"/>
+            <a:ext cx="11429999" cy="749165"/>
+          </a:xfrm>
+        </p:spPr>
+        <p:txBody>
+          <a:bodyPr/>
+          <a:lstStyle/>
+          <a:p>
+            <a:r>
+              <a:rPr lang="en-US" dirty="0"/>
+              <a:t>2.7 Learning Rate Decay &amp; The Problem of Local Optimal</a:t>
+            </a:r>
+          </a:p>
+        </p:txBody>
+      </p:sp>
+    </p:spTree>
+    <p:extLst>
+      <p:ext uri="{BB962C8B-B14F-4D97-AF65-F5344CB8AC3E}">
+        <p14:creationId xmlns:p14="http://schemas.microsoft.com/office/powerpoint/2010/main" val="2965339304"/>
+      </p:ext>
+    </p:extLst>
+  </p:cSld>
+  <p:clrMapOvr>
+    <a:masterClrMapping/>
+  </p:clrMapOvr>
+</p:sld>
+</file>
+
+<file path=ppt/slides/slide23.xml><?xml version="1.0" encoding="utf-8"?>
 <p:sld xmlns:a="http://schemas.openxmlformats.org/drawingml/2006/main" xmlns:r="http://schemas.openxmlformats.org/officeDocument/2006/relationships" xmlns:p="http://schemas.openxmlformats.org/presentationml/2006/main">
   <p:cSld>
     <p:spTree>
@@ -11962,7 +13484,14 @@
             </a:r>
             <a:r>
               <a:rPr lang="en-US" sz="1600" dirty="0"/>
-              <a:t> of model prediction for a given data point which tells spread of our data.</a:t>
+              <a:t> of model prediction for a given data point </a:t>
+            </a:r>
+            <a:br>
+              <a:rPr lang="en-US" sz="1600" dirty="0"/>
+            </a:br>
+            <a:r>
+              <a:rPr lang="en-US" sz="1600" dirty="0"/>
+              <a:t>which tells spread of our data.</a:t>
             </a:r>
           </a:p>
         </p:txBody>
@@ -12070,7 +13599,7 @@
         </p:blipFill>
         <p:spPr>
           <a:xfrm>
-            <a:off x="7533677" y="1790471"/>
+            <a:off x="7747037" y="1310411"/>
             <a:ext cx="4277322" cy="1638529"/>
           </a:xfrm>
           <a:prstGeom prst="rect">
@@ -12092,6 +13621,132 @@
 </file>
 
 <file path=ppt/slides/slide6.xml><?xml version="1.0" encoding="utf-8"?>
+<p:sld xmlns:a="http://schemas.openxmlformats.org/drawingml/2006/main" xmlns:r="http://schemas.openxmlformats.org/officeDocument/2006/relationships" xmlns:p="http://schemas.openxmlformats.org/presentationml/2006/main">
+  <p:cSld>
+    <p:spTree>
+      <p:nvGrpSpPr>
+        <p:cNvPr id="1" name=""/>
+        <p:cNvGrpSpPr/>
+        <p:nvPr/>
+      </p:nvGrpSpPr>
+      <p:grpSpPr>
+        <a:xfrm>
+          <a:off x="0" y="0"/>
+          <a:ext cx="0" cy="0"/>
+          <a:chOff x="0" y="0"/>
+          <a:chExt cx="0" cy="0"/>
+        </a:xfrm>
+      </p:grpSpPr>
+      <p:sp>
+        <p:nvSpPr>
+          <p:cNvPr id="5" name="Title 4">
+            <a:extLst>
+              <a:ext uri="{FF2B5EF4-FFF2-40B4-BE49-F238E27FC236}">
+                <a16:creationId xmlns:a16="http://schemas.microsoft.com/office/drawing/2014/main" id="{44E0868E-BCFF-4470-AA32-2E6DA01A7745}"/>
+              </a:ext>
+            </a:extLst>
+          </p:cNvPr>
+          <p:cNvSpPr>
+            <a:spLocks noGrp="1"/>
+          </p:cNvSpPr>
+          <p:nvPr>
+            <p:ph type="title"/>
+          </p:nvPr>
+        </p:nvSpPr>
+        <p:spPr/>
+        <p:txBody>
+          <a:bodyPr/>
+          <a:lstStyle/>
+          <a:p>
+            <a:r>
+              <a:rPr lang="en-US" dirty="0"/>
+              <a:t>1.2 Bias/Variance (2)</a:t>
+            </a:r>
+          </a:p>
+        </p:txBody>
+      </p:sp>
+      <p:sp>
+        <p:nvSpPr>
+          <p:cNvPr id="6" name="Rectangle 5">
+            <a:extLst>
+              <a:ext uri="{FF2B5EF4-FFF2-40B4-BE49-F238E27FC236}">
+                <a16:creationId xmlns:a16="http://schemas.microsoft.com/office/drawing/2014/main" id="{66BEECEE-1972-4D29-B65D-7F935884CDE1}"/>
+              </a:ext>
+            </a:extLst>
+          </p:cNvPr>
+          <p:cNvSpPr/>
+          <p:nvPr/>
+        </p:nvSpPr>
+        <p:spPr>
+          <a:xfrm>
+            <a:off x="381001" y="957811"/>
+            <a:ext cx="7428109" cy="1077218"/>
+          </a:xfrm>
+          <a:prstGeom prst="rect">
+            <a:avLst/>
+          </a:prstGeom>
+        </p:spPr>
+        <p:txBody>
+          <a:bodyPr wrap="square">
+            <a:spAutoFit/>
+          </a:bodyPr>
+          <a:lstStyle/>
+          <a:p>
+            <a:pPr marL="285750" indent="-285750">
+              <a:buFont typeface="Wingdings" panose="05000000000000000000" pitchFamily="2" charset="2"/>
+              <a:buChar char="v"/>
+            </a:pPr>
+            <a:r>
+              <a:rPr lang="en-US" sz="1600" dirty="0"/>
+              <a:t>Solving for overfitting:</a:t>
+            </a:r>
+          </a:p>
+          <a:p>
+            <a:pPr marL="742864" lvl="1" indent="-285750">
+              <a:buFont typeface="Wingdings" panose="05000000000000000000" pitchFamily="2" charset="2"/>
+              <a:buChar char="§"/>
+            </a:pPr>
+            <a:r>
+              <a:rPr lang="en-US" sz="1600" dirty="0"/>
+              <a:t>Cross – validation.</a:t>
+            </a:r>
+          </a:p>
+          <a:p>
+            <a:pPr marL="742864" lvl="1" indent="-285750">
+              <a:buFont typeface="Wingdings" panose="05000000000000000000" pitchFamily="2" charset="2"/>
+              <a:buChar char="§"/>
+            </a:pPr>
+            <a:r>
+              <a:rPr lang="en-US" sz="1600" dirty="0"/>
+              <a:t>Regularization .</a:t>
+            </a:r>
+          </a:p>
+          <a:p>
+            <a:pPr marL="742864" lvl="1" indent="-285750">
+              <a:buFont typeface="Wingdings" panose="05000000000000000000" pitchFamily="2" charset="2"/>
+              <a:buChar char="§"/>
+            </a:pPr>
+            <a:r>
+              <a:rPr lang="en-US" sz="1600" dirty="0"/>
+              <a:t>With neural networks: weight decay &amp; dropout.</a:t>
+            </a:r>
+          </a:p>
+        </p:txBody>
+      </p:sp>
+    </p:spTree>
+    <p:extLst>
+      <p:ext uri="{BB962C8B-B14F-4D97-AF65-F5344CB8AC3E}">
+        <p14:creationId xmlns:p14="http://schemas.microsoft.com/office/powerpoint/2010/main" val="1855627366"/>
+      </p:ext>
+    </p:extLst>
+  </p:cSld>
+  <p:clrMapOvr>
+    <a:masterClrMapping/>
+  </p:clrMapOvr>
+</p:sld>
+</file>
+
+<file path=ppt/slides/slide7.xml><?xml version="1.0" encoding="utf-8"?>
 <p:sld xmlns:a="http://schemas.openxmlformats.org/drawingml/2006/main" xmlns:r="http://schemas.openxmlformats.org/officeDocument/2006/relationships" xmlns:p="http://schemas.openxmlformats.org/presentationml/2006/main">
   <p:cSld>
     <p:spTree>
@@ -13023,7 +14678,7 @@
 </p:sld>
 </file>
 
-<file path=ppt/slides/slide7.xml><?xml version="1.0" encoding="utf-8"?>
+<file path=ppt/slides/slide8.xml><?xml version="1.0" encoding="utf-8"?>
 <p:sld xmlns:a="http://schemas.openxmlformats.org/drawingml/2006/main" xmlns:r="http://schemas.openxmlformats.org/officeDocument/2006/relationships" xmlns:p="http://schemas.openxmlformats.org/presentationml/2006/main">
   <p:cSld>
     <p:spTree>
@@ -13196,7 +14851,7 @@
 </p:sld>
 </file>
 
-<file path=ppt/slides/slide8.xml><?xml version="1.0" encoding="utf-8"?>
+<file path=ppt/slides/slide9.xml><?xml version="1.0" encoding="utf-8"?>
 <p:sld xmlns:a="http://schemas.openxmlformats.org/drawingml/2006/main" xmlns:r="http://schemas.openxmlformats.org/officeDocument/2006/relationships" xmlns:p="http://schemas.openxmlformats.org/presentationml/2006/main">
   <p:cSld>
     <p:spTree>
@@ -13524,228 +15179,6 @@
     <p:extLst>
       <p:ext uri="{BB962C8B-B14F-4D97-AF65-F5344CB8AC3E}">
         <p14:creationId xmlns:p14="http://schemas.microsoft.com/office/powerpoint/2010/main" val="3212439053"/>
-      </p:ext>
-    </p:extLst>
-  </p:cSld>
-  <p:clrMapOvr>
-    <a:masterClrMapping/>
-  </p:clrMapOvr>
-</p:sld>
-</file>
-
-<file path=ppt/slides/slide9.xml><?xml version="1.0" encoding="utf-8"?>
-<p:sld xmlns:a="http://schemas.openxmlformats.org/drawingml/2006/main" xmlns:r="http://schemas.openxmlformats.org/officeDocument/2006/relationships" xmlns:p="http://schemas.openxmlformats.org/presentationml/2006/main">
-  <p:cSld>
-    <p:spTree>
-      <p:nvGrpSpPr>
-        <p:cNvPr id="1" name=""/>
-        <p:cNvGrpSpPr/>
-        <p:nvPr/>
-      </p:nvGrpSpPr>
-      <p:grpSpPr>
-        <a:xfrm>
-          <a:off x="0" y="0"/>
-          <a:ext cx="0" cy="0"/>
-          <a:chOff x="0" y="0"/>
-          <a:chExt cx="0" cy="0"/>
-        </a:xfrm>
-      </p:grpSpPr>
-      <p:sp>
-        <p:nvSpPr>
-          <p:cNvPr id="5" name="Title 4">
-            <a:extLst>
-              <a:ext uri="{FF2B5EF4-FFF2-40B4-BE49-F238E27FC236}">
-                <a16:creationId xmlns:a16="http://schemas.microsoft.com/office/drawing/2014/main" id="{44E0868E-BCFF-4470-AA32-2E6DA01A7745}"/>
-              </a:ext>
-            </a:extLst>
-          </p:cNvPr>
-          <p:cNvSpPr>
-            <a:spLocks noGrp="1"/>
-          </p:cNvSpPr>
-          <p:nvPr>
-            <p:ph type="title"/>
-          </p:nvPr>
-        </p:nvSpPr>
-        <p:spPr>
-          <a:xfrm>
-            <a:off x="-15240" y="13063"/>
-            <a:ext cx="11429999" cy="749165"/>
-          </a:xfrm>
-        </p:spPr>
-        <p:txBody>
-          <a:bodyPr/>
-          <a:lstStyle/>
-          <a:p>
-            <a:r>
-              <a:rPr lang="en-US" dirty="0"/>
-              <a:t>1.4 Regularizing (3)</a:t>
-            </a:r>
-          </a:p>
-        </p:txBody>
-      </p:sp>
-      <p:sp>
-        <p:nvSpPr>
-          <p:cNvPr id="18" name="Rectangle 17">
-            <a:extLst>
-              <a:ext uri="{FF2B5EF4-FFF2-40B4-BE49-F238E27FC236}">
-                <a16:creationId xmlns:a16="http://schemas.microsoft.com/office/drawing/2014/main" id="{D2B3A026-02F6-45FC-ADC1-27EB9E77A652}"/>
-              </a:ext>
-            </a:extLst>
-          </p:cNvPr>
-          <p:cNvSpPr/>
-          <p:nvPr/>
-        </p:nvSpPr>
-        <p:spPr>
-          <a:xfrm>
-            <a:off x="320041" y="1005840"/>
-            <a:ext cx="10759439" cy="1077218"/>
-          </a:xfrm>
-          <a:prstGeom prst="rect">
-            <a:avLst/>
-          </a:prstGeom>
-        </p:spPr>
-        <p:txBody>
-          <a:bodyPr wrap="square">
-            <a:spAutoFit/>
-          </a:bodyPr>
-          <a:lstStyle/>
-          <a:p>
-            <a:pPr marL="742864" lvl="1" indent="-285750">
-              <a:buFont typeface="Wingdings" panose="05000000000000000000" pitchFamily="2" charset="2"/>
-              <a:buChar char="v"/>
-            </a:pPr>
-            <a:r>
-              <a:rPr lang="en-US" sz="1600" dirty="0"/>
-              <a:t>Implementation:</a:t>
-            </a:r>
-          </a:p>
-          <a:p>
-            <a:pPr lvl="1"/>
-            <a:endParaRPr lang="en-US" sz="1600" dirty="0"/>
-          </a:p>
-          <a:p>
-            <a:pPr lvl="1"/>
-            <a:endParaRPr lang="en-US" sz="1600" dirty="0"/>
-          </a:p>
-          <a:p>
-            <a:endParaRPr lang="en-US" sz="1600" dirty="0"/>
-          </a:p>
-        </p:txBody>
-      </p:sp>
-      <p:graphicFrame>
-        <p:nvGraphicFramePr>
-          <p:cNvPr id="2" name="Table 2">
-            <a:extLst>
-              <a:ext uri="{FF2B5EF4-FFF2-40B4-BE49-F238E27FC236}">
-                <a16:creationId xmlns:a16="http://schemas.microsoft.com/office/drawing/2014/main" id="{45A52B1D-127E-4A09-9B92-51355455D0D1}"/>
-              </a:ext>
-            </a:extLst>
-          </p:cNvPr>
-          <p:cNvGraphicFramePr>
-            <a:graphicFrameLocks noGrp="1"/>
-          </p:cNvGraphicFramePr>
-          <p:nvPr>
-            <p:extLst>
-              <p:ext uri="{D42A27DB-BD31-4B8C-83A1-F6EECF244321}">
-                <p14:modId xmlns:p14="http://schemas.microsoft.com/office/powerpoint/2010/main" val="1656784504"/>
-              </p:ext>
-            </p:extLst>
-          </p:nvPr>
-        </p:nvGraphicFramePr>
-        <p:xfrm>
-          <a:off x="1323340" y="1437898"/>
-          <a:ext cx="10022840" cy="1381502"/>
-        </p:xfrm>
-        <a:graphic>
-          <a:graphicData uri="http://schemas.openxmlformats.org/drawingml/2006/table">
-            <a:tbl>
-              <a:tblPr firstRow="1" bandRow="1">
-                <a:tableStyleId>{5C22544A-7EE6-4342-B048-85BDC9FD1C3A}</a:tableStyleId>
-              </a:tblPr>
-              <a:tblGrid>
-                <a:gridCol w="5011420">
-                  <a:extLst>
-                    <a:ext uri="{9D8B030D-6E8A-4147-A177-3AD203B41FA5}">
-                      <a16:colId xmlns:a16="http://schemas.microsoft.com/office/drawing/2014/main" val="1446121590"/>
-                    </a:ext>
-                  </a:extLst>
-                </a:gridCol>
-                <a:gridCol w="5011420">
-                  <a:extLst>
-                    <a:ext uri="{9D8B030D-6E8A-4147-A177-3AD203B41FA5}">
-                      <a16:colId xmlns:a16="http://schemas.microsoft.com/office/drawing/2014/main" val="2252565834"/>
-                    </a:ext>
-                  </a:extLst>
-                </a:gridCol>
-              </a:tblGrid>
-              <a:tr h="614585">
-                <a:tc>
-                  <a:txBody>
-                    <a:bodyPr/>
-                    <a:lstStyle/>
-                    <a:p>
-                      <a:r>
-                        <a:rPr lang="en-US" dirty="0"/>
-                        <a:t>Logistic Regression</a:t>
-                      </a:r>
-                    </a:p>
-                  </a:txBody>
-                  <a:tcPr/>
-                </a:tc>
-                <a:tc>
-                  <a:txBody>
-                    <a:bodyPr/>
-                    <a:lstStyle/>
-                    <a:p>
-                      <a:r>
-                        <a:rPr lang="en-US" dirty="0"/>
-                        <a:t>Neural Networks</a:t>
-                      </a:r>
-                    </a:p>
-                  </a:txBody>
-                  <a:tcPr/>
-                </a:tc>
-                <a:extLst>
-                  <a:ext uri="{0D108BD9-81ED-4DB2-BD59-A6C34878D82A}">
-                    <a16:rowId xmlns:a16="http://schemas.microsoft.com/office/drawing/2014/main" val="804497802"/>
-                  </a:ext>
-                </a:extLst>
-              </a:tr>
-              <a:tr h="766917">
-                <a:tc>
-                  <a:txBody>
-                    <a:bodyPr/>
-                    <a:lstStyle/>
-                    <a:p>
-                      <a:endParaRPr lang="en-US"/>
-                    </a:p>
-                  </a:txBody>
-                  <a:tcPr/>
-                </a:tc>
-                <a:tc>
-                  <a:txBody>
-                    <a:bodyPr/>
-                    <a:lstStyle/>
-                    <a:p>
-                      <a:endParaRPr lang="en-US" dirty="0"/>
-                    </a:p>
-                  </a:txBody>
-                  <a:tcPr/>
-                </a:tc>
-                <a:extLst>
-                  <a:ext uri="{0D108BD9-81ED-4DB2-BD59-A6C34878D82A}">
-                    <a16:rowId xmlns:a16="http://schemas.microsoft.com/office/drawing/2014/main" val="3637223986"/>
-                  </a:ext>
-                </a:extLst>
-              </a:tr>
-            </a:tbl>
-          </a:graphicData>
-        </a:graphic>
-      </p:graphicFrame>
-    </p:spTree>
-    <p:extLst>
-      <p:ext uri="{BB962C8B-B14F-4D97-AF65-F5344CB8AC3E}">
-        <p14:creationId xmlns:p14="http://schemas.microsoft.com/office/powerpoint/2010/main" val="419420095"/>
       </p:ext>
     </p:extLst>
   </p:cSld>

--- a/Improving Deep Neural Network - Report - Course 2.pptx
+++ b/Improving Deep Neural Network - Report - Course 2.pptx
@@ -5,10 +5,10 @@
     <p:sldMasterId id="2147483829" r:id="rId1"/>
   </p:sldMasterIdLst>
   <p:notesMasterIdLst>
-    <p:notesMasterId r:id="rId25"/>
+    <p:notesMasterId r:id="rId32"/>
   </p:notesMasterIdLst>
   <p:handoutMasterIdLst>
-    <p:handoutMasterId r:id="rId26"/>
+    <p:handoutMasterId r:id="rId33"/>
   </p:handoutMasterIdLst>
   <p:sldIdLst>
     <p:sldId id="965" r:id="rId2"/>
@@ -28,12 +28,19 @@
     <p:sldId id="1598" r:id="rId16"/>
     <p:sldId id="1605" r:id="rId17"/>
     <p:sldId id="1599" r:id="rId18"/>
-    <p:sldId id="1600" r:id="rId19"/>
-    <p:sldId id="1601" r:id="rId20"/>
-    <p:sldId id="1602" r:id="rId21"/>
-    <p:sldId id="1603" r:id="rId22"/>
-    <p:sldId id="1604" r:id="rId23"/>
-    <p:sldId id="982" r:id="rId24"/>
+    <p:sldId id="1610" r:id="rId19"/>
+    <p:sldId id="1600" r:id="rId20"/>
+    <p:sldId id="1601" r:id="rId21"/>
+    <p:sldId id="1602" r:id="rId22"/>
+    <p:sldId id="1603" r:id="rId23"/>
+    <p:sldId id="1604" r:id="rId24"/>
+    <p:sldId id="1611" r:id="rId25"/>
+    <p:sldId id="1612" r:id="rId26"/>
+    <p:sldId id="1613" r:id="rId27"/>
+    <p:sldId id="1614" r:id="rId28"/>
+    <p:sldId id="1615" r:id="rId29"/>
+    <p:sldId id="1616" r:id="rId30"/>
+    <p:sldId id="982" r:id="rId31"/>
   </p:sldIdLst>
   <p:sldSz cx="12192000" cy="6858000"/>
   <p:notesSz cx="6799263" cy="9929813"/>
@@ -1229,11 +1236,11 @@
             </a:pPr>
             <a:r>
               <a:rPr lang="en-US" dirty="0"/>
-              <a:t>+ </a:t>
-            </a:r>
-            <a:r>
-              <a:rPr lang="en-US" dirty="0" err="1"/>
-              <a:t>trong</a:t>
+              <a:t>+ D.A: </a:t>
+            </a:r>
+            <a:r>
+              <a:rPr lang="en-US" dirty="0" err="1"/>
+              <a:t>ki</a:t>
             </a:r>
             <a:r>
               <a:rPr lang="en-US" dirty="0"/>
@@ -1241,15 +1248,7 @@
             </a:r>
             <a:r>
               <a:rPr lang="en-US" dirty="0" err="1"/>
-              <a:t>q.trinh</a:t>
-            </a:r>
-            <a:r>
-              <a:rPr lang="en-US" dirty="0"/>
-              <a:t> train, </a:t>
-            </a:r>
-            <a:r>
-              <a:rPr lang="en-US" dirty="0" err="1"/>
-              <a:t>moi</a:t>
+              <a:t>thuat</a:t>
             </a:r>
             <a:r>
               <a:rPr lang="en-US" dirty="0"/>
@@ -1257,59 +1256,11 @@
             </a:r>
             <a:r>
               <a:rPr lang="en-US" dirty="0" err="1"/>
-              <a:t>lan</a:t>
-            </a:r>
-            <a:r>
-              <a:rPr lang="en-US" dirty="0"/>
-              <a:t> cap </a:t>
-            </a:r>
-            <a:r>
-              <a:rPr lang="en-US" dirty="0" err="1"/>
-              <a:t>nhat</a:t>
-            </a:r>
-            <a:r>
-              <a:rPr lang="en-US" dirty="0"/>
-              <a:t> he so </a:t>
-            </a:r>
-            <a:r>
-              <a:rPr lang="en-US" dirty="0" err="1"/>
-              <a:t>gradient.d</a:t>
-            </a:r>
-            <a:r>
-              <a:rPr lang="en-US" dirty="0"/>
-              <a:t> t </a:t>
-            </a:r>
-            <a:r>
-              <a:rPr lang="en-US" dirty="0" err="1"/>
-              <a:t>ngau</a:t>
-            </a:r>
-            <a:r>
-              <a:rPr lang="en-US" dirty="0"/>
-              <a:t> </a:t>
-            </a:r>
-            <a:r>
-              <a:rPr lang="en-US" dirty="0" err="1"/>
-              <a:t>nhien</a:t>
-            </a:r>
-            <a:r>
-              <a:rPr lang="en-US" dirty="0"/>
-              <a:t> </a:t>
-            </a:r>
-            <a:r>
-              <a:rPr lang="en-US" dirty="0" err="1"/>
-              <a:t>loai</a:t>
-            </a:r>
-            <a:r>
-              <a:rPr lang="en-US" dirty="0"/>
-              <a:t> </a:t>
-            </a:r>
-            <a:r>
-              <a:rPr lang="en-US" dirty="0" err="1"/>
-              <a:t>bo</a:t>
-            </a:r>
-            <a:r>
-              <a:rPr lang="en-US" dirty="0"/>
-              <a:t> p% </a:t>
+              <a:t>nham</a:t>
+            </a:r>
+            <a:r>
+              <a:rPr lang="en-US" dirty="0"/>
+              <a:t> tang so </a:t>
             </a:r>
             <a:r>
               <a:rPr lang="en-US" dirty="0" err="1"/>
@@ -1317,23 +1268,7 @@
             </a:r>
             <a:r>
               <a:rPr lang="en-US" dirty="0"/>
-              <a:t> neurons </a:t>
-            </a:r>
-            <a:r>
-              <a:rPr lang="en-US" dirty="0" err="1"/>
-              <a:t>trong</a:t>
-            </a:r>
-            <a:r>
-              <a:rPr lang="en-US" dirty="0"/>
-              <a:t> layer dang </a:t>
-            </a:r>
-            <a:r>
-              <a:rPr lang="en-US" dirty="0" err="1"/>
-              <a:t>xet</a:t>
-            </a:r>
-            <a:r>
-              <a:rPr lang="en-US" dirty="0"/>
-              <a:t>.</a:t>
+              <a:t> data. </a:t>
             </a:r>
           </a:p>
           <a:p>
@@ -1342,7 +1277,7 @@
             </a:pPr>
             <a:r>
               <a:rPr lang="en-US" dirty="0"/>
-              <a:t>2) Why ? </a:t>
+              <a:t>+ E.S: </a:t>
             </a:r>
           </a:p>
           <a:p>
@@ -1351,23 +1286,105 @@
             </a:pPr>
             <a:r>
               <a:rPr lang="en-US" dirty="0"/>
-              <a:t>+ </a:t>
-            </a:r>
-            <a:r>
-              <a:rPr lang="en-US" dirty="0" err="1"/>
-              <a:t>ly</a:t>
-            </a:r>
-            <a:r>
-              <a:rPr lang="en-US" dirty="0"/>
-              <a:t> do dropout </a:t>
-            </a:r>
-            <a:r>
-              <a:rPr lang="en-US" dirty="0" err="1"/>
-              <a:t>giup</a:t>
-            </a:r>
-            <a:r>
-              <a:rPr lang="en-US" dirty="0"/>
-              <a:t> ha</a:t>
+              <a:t>- Dung </a:t>
+            </a:r>
+            <a:r>
+              <a:rPr lang="en-US" dirty="0" err="1"/>
+              <a:t>thuat</a:t>
+            </a:r>
+            <a:r>
+              <a:rPr lang="en-US" dirty="0"/>
+              <a:t> </a:t>
+            </a:r>
+            <a:r>
+              <a:rPr lang="en-US" dirty="0" err="1"/>
+              <a:t>toan</a:t>
+            </a:r>
+            <a:r>
+              <a:rPr lang="en-US" dirty="0"/>
+              <a:t> </a:t>
+            </a:r>
+            <a:r>
+              <a:rPr lang="en-US" dirty="0" err="1"/>
+              <a:t>trc</a:t>
+            </a:r>
+            <a:r>
+              <a:rPr lang="en-US" dirty="0"/>
+              <a:t> </a:t>
+            </a:r>
+            <a:r>
+              <a:rPr lang="en-US" dirty="0" err="1"/>
+              <a:t>khi</a:t>
+            </a:r>
+            <a:r>
+              <a:rPr lang="en-US" dirty="0"/>
+              <a:t> ham mat </a:t>
+            </a:r>
+            <a:r>
+              <a:rPr lang="en-US" dirty="0" err="1"/>
+              <a:t>mat</a:t>
+            </a:r>
+            <a:r>
+              <a:rPr lang="en-US" dirty="0"/>
+              <a:t> </a:t>
+            </a:r>
+            <a:r>
+              <a:rPr lang="en-US" dirty="0" err="1"/>
+              <a:t>dat</a:t>
+            </a:r>
+            <a:r>
+              <a:rPr lang="en-US" dirty="0"/>
+              <a:t> </a:t>
+            </a:r>
+            <a:r>
+              <a:rPr lang="en-US" dirty="0" err="1"/>
+              <a:t>gia</a:t>
+            </a:r>
+            <a:r>
+              <a:rPr lang="en-US" dirty="0"/>
+              <a:t> tri </a:t>
+            </a:r>
+            <a:r>
+              <a:rPr lang="en-US" dirty="0" err="1"/>
+              <a:t>nho</a:t>
+            </a:r>
+            <a:r>
+              <a:rPr lang="en-US" dirty="0"/>
+              <a:t> </a:t>
+            </a:r>
+            <a:r>
+              <a:rPr lang="en-US" dirty="0" err="1"/>
+              <a:t>nhat</a:t>
+            </a:r>
+            <a:r>
+              <a:rPr lang="en-US" dirty="0"/>
+              <a:t> ~&gt; </a:t>
+            </a:r>
+            <a:r>
+              <a:rPr lang="en-US" dirty="0" err="1"/>
+              <a:t>tranh</a:t>
+            </a:r>
+            <a:r>
+              <a:rPr lang="en-US" dirty="0"/>
+              <a:t> overfitting ? </a:t>
+            </a:r>
+          </a:p>
+          <a:p>
+            <a:pPr marL="0" indent="0">
+              <a:buNone/>
+            </a:pPr>
+            <a:r>
+              <a:rPr lang="en-US" dirty="0"/>
+              <a:t>- Diem dung: </a:t>
+            </a:r>
+          </a:p>
+          <a:p>
+            <a:pPr marL="0" indent="0">
+              <a:buNone/>
+            </a:pPr>
+            <a:r>
+              <a:rPr lang="en-US" dirty="0"/>
+              <a:t>- ? Why loss function min ~&gt; overfitting ?</a:t>
             </a:r>
           </a:p>
         </p:txBody>
@@ -1762,7 +1779,7 @@
             </a:pPr>
             <a:r>
               <a:rPr lang="en-US" dirty="0"/>
-              <a:t>What:</a:t>
+              <a:t>What  about plot ?</a:t>
             </a:r>
           </a:p>
           <a:p>
@@ -1771,15 +1788,23 @@
             </a:pPr>
             <a:r>
               <a:rPr lang="en-US" dirty="0"/>
-              <a:t>+ vectorization: refers to Single Instruction &amp; Multiple Data (?). Nhung </a:t>
-            </a:r>
-            <a:r>
-              <a:rPr lang="en-US" dirty="0" err="1"/>
-              <a:t>khi</a:t>
-            </a:r>
-            <a:r>
-              <a:rPr lang="en-US" dirty="0"/>
-              <a:t> large data -&gt; take a huge processing time.</a:t>
+              <a:t>- consider: X{t} &amp; y{t} ~</a:t>
+            </a:r>
+            <a:r>
+              <a:rPr lang="en-US" dirty="0" err="1"/>
+              <a:t>tinh</a:t>
+            </a:r>
+            <a:r>
+              <a:rPr lang="en-US" dirty="0"/>
+              <a:t> </a:t>
+            </a:r>
+            <a:r>
+              <a:rPr lang="en-US" dirty="0" err="1"/>
+              <a:t>toan</a:t>
+            </a:r>
+            <a:r>
+              <a:rPr lang="en-US" dirty="0"/>
+              <a:t>~&gt; loss J{t}</a:t>
             </a:r>
           </a:p>
           <a:p>
@@ -1788,7 +1813,7 @@
             </a:pPr>
             <a:r>
               <a:rPr lang="en-US" dirty="0"/>
-              <a:t>+ gradient descent process:</a:t>
+              <a:t>2) Why ?</a:t>
             </a:r>
           </a:p>
           <a:p>
@@ -1798,17 +1823,55 @@
             </a:pPr>
             <a:r>
               <a:rPr lang="en-US" dirty="0"/>
-              <a:t>Initialize start points theta_0.</a:t>
-            </a:r>
-          </a:p>
-          <a:p>
-            <a:pPr marL="171450" indent="-171450">
-              <a:buFontTx/>
-              <a:buChar char="-"/>
-            </a:pPr>
-            <a:r>
-              <a:rPr lang="en-US" dirty="0"/>
-              <a:t>Update theta (loop) – using all data points</a:t>
+              <a:t>m-b </a:t>
+            </a:r>
+            <a:r>
+              <a:rPr lang="en-US" dirty="0" err="1"/>
+              <a:t>gd</a:t>
+            </a:r>
+            <a:r>
+              <a:rPr lang="en-US" dirty="0"/>
+              <a:t> </a:t>
+            </a:r>
+            <a:r>
+              <a:rPr lang="en-US" dirty="0" err="1"/>
+              <a:t>nhap</a:t>
+            </a:r>
+            <a:r>
+              <a:rPr lang="en-US" dirty="0"/>
+              <a:t> </a:t>
+            </a:r>
+            <a:r>
+              <a:rPr lang="en-US" dirty="0" err="1"/>
+              <a:t>nho</a:t>
+            </a:r>
+            <a:r>
+              <a:rPr lang="en-US" dirty="0"/>
+              <a:t>: </a:t>
+            </a:r>
+            <a:r>
+              <a:rPr lang="en-US" dirty="0" err="1"/>
+              <a:t>tren</a:t>
+            </a:r>
+            <a:r>
+              <a:rPr lang="en-US" dirty="0"/>
+              <a:t> tat ca </a:t>
+            </a:r>
+            <a:r>
+              <a:rPr lang="en-US" dirty="0" err="1"/>
+              <a:t>cac</a:t>
+            </a:r>
+            <a:r>
+              <a:rPr lang="en-US" dirty="0"/>
+              <a:t> iteration, model training on </a:t>
+            </a:r>
+            <a:r>
+              <a:rPr lang="en-US" i="1" dirty="0"/>
+              <a:t>a # mini-batch</a:t>
+            </a:r>
+            <a:r>
+              <a:rPr lang="en-US" dirty="0"/>
+              <a:t>.</a:t>
             </a:r>
           </a:p>
           <a:p>
@@ -1818,7 +1881,117 @@
             </a:pPr>
             <a:r>
               <a:rPr lang="en-US" dirty="0"/>
-              <a:t>2) Why ?</a:t>
+              <a:t>3)</a:t>
+            </a:r>
+          </a:p>
+          <a:p>
+            <a:pPr marL="0" indent="0">
+              <a:buFontTx/>
+              <a:buNone/>
+            </a:pPr>
+            <a:r>
+              <a:rPr lang="en-US" dirty="0"/>
+              <a:t>+ batch-gradient descent: </a:t>
+            </a:r>
+            <a:r>
+              <a:rPr lang="en-US" dirty="0" err="1"/>
+              <a:t>su</a:t>
+            </a:r>
+            <a:r>
+              <a:rPr lang="en-US" dirty="0"/>
+              <a:t> dung </a:t>
+            </a:r>
+            <a:r>
+              <a:rPr lang="en-US" dirty="0" err="1"/>
+              <a:t>tt</a:t>
+            </a:r>
+            <a:r>
+              <a:rPr lang="en-US" dirty="0"/>
+              <a:t> GD </a:t>
+            </a:r>
+            <a:r>
+              <a:rPr lang="en-US" dirty="0" err="1"/>
+              <a:t>tren</a:t>
+            </a:r>
+            <a:r>
+              <a:rPr lang="en-US" dirty="0"/>
+              <a:t> </a:t>
+            </a:r>
+            <a:r>
+              <a:rPr lang="en-US" dirty="0" err="1"/>
+              <a:t>toan</a:t>
+            </a:r>
+            <a:r>
+              <a:rPr lang="en-US" dirty="0"/>
+              <a:t> </a:t>
+            </a:r>
+            <a:r>
+              <a:rPr lang="en-US" dirty="0" err="1"/>
+              <a:t>bo</a:t>
+            </a:r>
+            <a:r>
+              <a:rPr lang="en-US" dirty="0"/>
+              <a:t> </a:t>
+            </a:r>
+            <a:r>
+              <a:rPr lang="en-US" dirty="0" err="1"/>
+              <a:t>cac</a:t>
+            </a:r>
+            <a:r>
+              <a:rPr lang="en-US" dirty="0"/>
+              <a:t> diem du lieu </a:t>
+            </a:r>
+            <a:r>
+              <a:rPr lang="en-US" dirty="0" err="1"/>
+              <a:t>khi</a:t>
+            </a:r>
+            <a:r>
+              <a:rPr lang="en-US" dirty="0"/>
+              <a:t> cap </a:t>
+            </a:r>
+            <a:r>
+              <a:rPr lang="en-US" dirty="0" err="1"/>
+              <a:t>nhat</a:t>
+            </a:r>
+            <a:r>
+              <a:rPr lang="en-US" dirty="0"/>
+              <a:t> </a:t>
+            </a:r>
+            <a:r>
+              <a:rPr lang="en-US" dirty="0" err="1"/>
+              <a:t>trong</a:t>
+            </a:r>
+            <a:r>
+              <a:rPr lang="en-US" dirty="0"/>
+              <a:t> so</a:t>
+            </a:r>
+          </a:p>
+          <a:p>
+            <a:pPr marL="0" indent="0">
+              <a:buFontTx/>
+              <a:buNone/>
+            </a:pPr>
+            <a:r>
+              <a:rPr lang="en-US" dirty="0"/>
+              <a:t>- Slower learning: vi </a:t>
+            </a:r>
+            <a:r>
+              <a:rPr lang="en-US" dirty="0" err="1"/>
+              <a:t>phai</a:t>
+            </a:r>
+            <a:r>
+              <a:rPr lang="en-US" dirty="0"/>
+              <a:t> </a:t>
+            </a:r>
+          </a:p>
+          <a:p>
+            <a:pPr marL="0" indent="0">
+              <a:buFontTx/>
+              <a:buNone/>
+            </a:pPr>
+            <a:r>
+              <a:rPr lang="en-US" dirty="0"/>
+              <a:t>+ </a:t>
             </a:r>
           </a:p>
         </p:txBody>
@@ -1908,7 +2081,7 @@
             </a:pPr>
             <a:r>
               <a:rPr lang="en-US" dirty="0"/>
-              <a:t>What:</a:t>
+              <a:t>What ? </a:t>
             </a:r>
           </a:p>
           <a:p>
@@ -1917,8 +2090,29 @@
             </a:pPr>
             <a:r>
               <a:rPr lang="en-US" dirty="0"/>
-              <a:t>+ Overfitting:</a:t>
-            </a:r>
+              <a:t>+ tb co </a:t>
+            </a:r>
+            <a:r>
+              <a:rPr lang="en-US" dirty="0" err="1"/>
+              <a:t>trong</a:t>
+            </a:r>
+            <a:r>
+              <a:rPr lang="en-US" dirty="0"/>
+              <a:t> so </a:t>
+            </a:r>
+            <a:r>
+              <a:rPr lang="en-US" dirty="0" err="1"/>
+              <a:t>theo</a:t>
+            </a:r>
+            <a:r>
+              <a:rPr lang="en-US" dirty="0"/>
+              <a:t> cap so </a:t>
+            </a:r>
+            <a:r>
+              <a:rPr lang="en-US" dirty="0" err="1"/>
+              <a:t>nhan</a:t>
+            </a:r>
+            <a:endParaRPr lang="en-US" dirty="0"/>
           </a:p>
           <a:p>
             <a:pPr marL="0" indent="0">
@@ -1926,8 +2120,182 @@
             </a:pPr>
             <a:r>
               <a:rPr lang="en-US" dirty="0"/>
-              <a:t>+ Solves: regularization or more training data.</a:t>
-            </a:r>
+              <a:t>+ Example: phan </a:t>
+            </a:r>
+            <a:r>
+              <a:rPr lang="en-US" dirty="0" err="1"/>
+              <a:t>bo</a:t>
+            </a:r>
+            <a:r>
+              <a:rPr lang="en-US" dirty="0"/>
+              <a:t>/</a:t>
+            </a:r>
+            <a:r>
+              <a:rPr lang="en-US" dirty="0" err="1"/>
+              <a:t>xu</a:t>
+            </a:r>
+            <a:r>
+              <a:rPr lang="en-US" dirty="0"/>
+              <a:t> </a:t>
+            </a:r>
+            <a:r>
+              <a:rPr lang="en-US" dirty="0" err="1"/>
+              <a:t>huong</a:t>
+            </a:r>
+            <a:r>
+              <a:rPr lang="en-US" dirty="0"/>
+              <a:t> </a:t>
+            </a:r>
+            <a:r>
+              <a:rPr lang="en-US" dirty="0" err="1"/>
+              <a:t>nhiet</a:t>
+            </a:r>
+            <a:r>
+              <a:rPr lang="en-US" dirty="0"/>
+              <a:t> do </a:t>
+            </a:r>
+            <a:r>
+              <a:rPr lang="en-US" dirty="0" err="1"/>
+              <a:t>cac</a:t>
+            </a:r>
+            <a:r>
+              <a:rPr lang="en-US" dirty="0"/>
+              <a:t> </a:t>
+            </a:r>
+            <a:r>
+              <a:rPr lang="en-US" dirty="0" err="1"/>
+              <a:t>ngay</a:t>
+            </a:r>
+            <a:r>
+              <a:rPr lang="en-US" dirty="0"/>
+              <a:t> </a:t>
+            </a:r>
+            <a:r>
+              <a:rPr lang="en-US" dirty="0" err="1"/>
+              <a:t>trong</a:t>
+            </a:r>
+            <a:r>
+              <a:rPr lang="en-US" dirty="0"/>
+              <a:t> </a:t>
+            </a:r>
+            <a:r>
+              <a:rPr lang="en-US" dirty="0" err="1"/>
+              <a:t>nam</a:t>
+            </a:r>
+            <a:r>
+              <a:rPr lang="en-US" dirty="0"/>
+              <a:t>.</a:t>
+            </a:r>
+          </a:p>
+          <a:p>
+            <a:pPr marL="171450" indent="-171450">
+              <a:buFontTx/>
+              <a:buChar char="-"/>
+            </a:pPr>
+            <a:r>
+              <a:rPr lang="en-US" dirty="0"/>
+              <a:t>input: </a:t>
+            </a:r>
+            <a:r>
+              <a:rPr lang="en-US" dirty="0" err="1"/>
+              <a:t>nhiet</a:t>
+            </a:r>
+            <a:r>
+              <a:rPr lang="en-US" dirty="0"/>
+              <a:t> do </a:t>
+            </a:r>
+            <a:r>
+              <a:rPr lang="en-US" dirty="0" err="1"/>
+              <a:t>cac</a:t>
+            </a:r>
+            <a:r>
+              <a:rPr lang="en-US" dirty="0"/>
+              <a:t> </a:t>
+            </a:r>
+            <a:r>
+              <a:rPr lang="en-US" dirty="0" err="1"/>
+              <a:t>ngay</a:t>
+            </a:r>
+            <a:endParaRPr lang="en-US" dirty="0"/>
+          </a:p>
+          <a:p>
+            <a:pPr marL="0" indent="0">
+              <a:buFontTx/>
+              <a:buNone/>
+            </a:pPr>
+            <a:r>
+              <a:rPr lang="en-US" dirty="0"/>
+              <a:t>- output: </a:t>
+            </a:r>
+            <a:r>
+              <a:rPr lang="en-US" dirty="0" err="1"/>
+              <a:t>duong</a:t>
+            </a:r>
+            <a:r>
+              <a:rPr lang="en-US" dirty="0"/>
+              <a:t> </a:t>
+            </a:r>
+            <a:r>
+              <a:rPr lang="en-US" dirty="0" err="1"/>
+              <a:t>trung</a:t>
+            </a:r>
+            <a:r>
+              <a:rPr lang="en-US" dirty="0"/>
+              <a:t> </a:t>
+            </a:r>
+            <a:r>
+              <a:rPr lang="en-US" dirty="0" err="1"/>
+              <a:t>binh</a:t>
+            </a:r>
+            <a:r>
+              <a:rPr lang="en-US" dirty="0"/>
+              <a:t> dong </a:t>
+            </a:r>
+            <a:r>
+              <a:rPr lang="en-US" dirty="0" err="1"/>
+              <a:t>mo</a:t>
+            </a:r>
+            <a:r>
+              <a:rPr lang="en-US" dirty="0"/>
+              <a:t> ta </a:t>
+            </a:r>
+            <a:r>
+              <a:rPr lang="en-US" dirty="0" err="1"/>
+              <a:t>xu</a:t>
+            </a:r>
+            <a:r>
+              <a:rPr lang="en-US" dirty="0"/>
+              <a:t> </a:t>
+            </a:r>
+            <a:r>
+              <a:rPr lang="en-US" dirty="0" err="1"/>
+              <a:t>huong</a:t>
+            </a:r>
+            <a:r>
+              <a:rPr lang="en-US" dirty="0"/>
+              <a:t> </a:t>
+            </a:r>
+            <a:r>
+              <a:rPr lang="en-US" dirty="0" err="1"/>
+              <a:t>nhiet</a:t>
+            </a:r>
+            <a:r>
+              <a:rPr lang="en-US" dirty="0"/>
+              <a:t> </a:t>
+            </a:r>
+            <a:r>
+              <a:rPr lang="en-US" dirty="0" err="1"/>
+              <a:t>trong</a:t>
+            </a:r>
+            <a:r>
+              <a:rPr lang="en-US" dirty="0"/>
+              <a:t> </a:t>
+            </a:r>
+            <a:r>
+              <a:rPr lang="en-US" dirty="0" err="1"/>
+              <a:t>nam</a:t>
+            </a:r>
+            <a:endParaRPr lang="en-US" dirty="0"/>
           </a:p>
           <a:p>
             <a:pPr marL="0" indent="0">
@@ -1935,32 +2303,117 @@
             </a:pPr>
             <a:r>
               <a:rPr lang="en-US" dirty="0"/>
-              <a:t>2) Why using ?</a:t>
+              <a:t>? Compute the trends: the local average </a:t>
+            </a:r>
+            <a:r>
+              <a:rPr lang="en-US" dirty="0" err="1"/>
+              <a:t>cua</a:t>
+            </a:r>
+            <a:r>
+              <a:rPr lang="en-US" dirty="0"/>
+              <a:t> </a:t>
+            </a:r>
+            <a:r>
+              <a:rPr lang="en-US" dirty="0" err="1"/>
+              <a:t>nhiet</a:t>
+            </a:r>
+            <a:r>
+              <a:rPr lang="en-US" dirty="0"/>
+              <a:t> do   </a:t>
+            </a:r>
+          </a:p>
+          <a:p>
+            <a:pPr marL="171450" indent="-171450">
+              <a:buFontTx/>
+              <a:buChar char="-"/>
+            </a:pPr>
+            <a:r>
+              <a:rPr lang="en-US" dirty="0"/>
+              <a:t>entries: </a:t>
+            </a:r>
+            <a:r>
+              <a:rPr lang="en-US" dirty="0" err="1"/>
+              <a:t>muc</a:t>
+            </a:r>
+            <a:r>
+              <a:rPr lang="en-US" dirty="0"/>
+              <a:t>/diem</a:t>
             </a:r>
           </a:p>
           <a:p>
             <a:pPr marL="0" indent="0">
+              <a:buFontTx/>
               <a:buNone/>
             </a:pPr>
             <a:r>
               <a:rPr lang="en-US" dirty="0"/>
-              <a:t>+ regularization: </a:t>
-            </a:r>
-            <a:r>
-              <a:rPr lang="en-US" dirty="0" err="1"/>
-              <a:t>giam</a:t>
-            </a:r>
-            <a:r>
-              <a:rPr lang="en-US" dirty="0"/>
-              <a:t> so </a:t>
-            </a:r>
-            <a:r>
-              <a:rPr lang="en-US" dirty="0" err="1"/>
-              <a:t>luong</a:t>
-            </a:r>
-            <a:r>
-              <a:rPr lang="en-US" dirty="0"/>
-              <a:t> models</a:t>
+              <a:t>2)</a:t>
+            </a:r>
+          </a:p>
+          <a:p>
+            <a:pPr marL="0" indent="0">
+              <a:buFontTx/>
+              <a:buNone/>
+            </a:pPr>
+            <a:r>
+              <a:rPr lang="en-US" dirty="0"/>
+              <a:t>+ </a:t>
+            </a:r>
+            <a:r>
+              <a:rPr lang="en-US" dirty="0" err="1"/>
+              <a:t>lua</a:t>
+            </a:r>
+            <a:r>
+              <a:rPr lang="en-US" dirty="0"/>
+              <a:t> chon beta, get </a:t>
+            </a:r>
+            <a:r>
+              <a:rPr lang="en-US" dirty="0" err="1"/>
+              <a:t>gia</a:t>
+            </a:r>
+            <a:r>
+              <a:rPr lang="en-US" dirty="0"/>
+              <a:t> tri </a:t>
+            </a:r>
+            <a:r>
+              <a:rPr lang="en-US" dirty="0" err="1"/>
+              <a:t>trung</a:t>
+            </a:r>
+            <a:r>
+              <a:rPr lang="en-US" dirty="0"/>
+              <a:t> </a:t>
+            </a:r>
+            <a:r>
+              <a:rPr lang="en-US" dirty="0" err="1"/>
+              <a:t>binh</a:t>
+            </a:r>
+            <a:r>
+              <a:rPr lang="en-US" dirty="0"/>
+              <a:t> </a:t>
+            </a:r>
+            <a:r>
+              <a:rPr lang="en-US" dirty="0" err="1"/>
+              <a:t>dai</a:t>
+            </a:r>
+            <a:r>
+              <a:rPr lang="en-US" dirty="0"/>
+              <a:t> </a:t>
+            </a:r>
+            <a:r>
+              <a:rPr lang="en-US" dirty="0" err="1"/>
+              <a:t>dien</a:t>
+            </a:r>
+            <a:r>
+              <a:rPr lang="en-US" dirty="0"/>
+              <a:t> </a:t>
+            </a:r>
+            <a:r>
+              <a:rPr lang="en-US" dirty="0" err="1"/>
+              <a:t>cho</a:t>
+            </a:r>
+            <a:r>
+              <a:rPr lang="en-US" dirty="0"/>
+              <a:t> 1 tap diem du lieu.</a:t>
             </a:r>
           </a:p>
         </p:txBody>
@@ -2050,7 +2503,7 @@
             </a:pPr>
             <a:r>
               <a:rPr lang="en-US" dirty="0"/>
-              <a:t>What:</a:t>
+              <a:t>What ? </a:t>
             </a:r>
           </a:p>
           <a:p>
@@ -2059,8 +2512,29 @@
             </a:pPr>
             <a:r>
               <a:rPr lang="en-US" dirty="0"/>
-              <a:t>+ Overfitting:</a:t>
-            </a:r>
+              <a:t>+ tb co </a:t>
+            </a:r>
+            <a:r>
+              <a:rPr lang="en-US" dirty="0" err="1"/>
+              <a:t>trong</a:t>
+            </a:r>
+            <a:r>
+              <a:rPr lang="en-US" dirty="0"/>
+              <a:t> so </a:t>
+            </a:r>
+            <a:r>
+              <a:rPr lang="en-US" dirty="0" err="1"/>
+              <a:t>theo</a:t>
+            </a:r>
+            <a:r>
+              <a:rPr lang="en-US" dirty="0"/>
+              <a:t> cap so </a:t>
+            </a:r>
+            <a:r>
+              <a:rPr lang="en-US" dirty="0" err="1"/>
+              <a:t>nhan</a:t>
+            </a:r>
+            <a:endParaRPr lang="en-US" dirty="0"/>
           </a:p>
           <a:p>
             <a:pPr marL="0" indent="0">
@@ -2068,8 +2542,182 @@
             </a:pPr>
             <a:r>
               <a:rPr lang="en-US" dirty="0"/>
-              <a:t>+ Solves: regularization or more training data.</a:t>
-            </a:r>
+              <a:t>+ Example: phan </a:t>
+            </a:r>
+            <a:r>
+              <a:rPr lang="en-US" dirty="0" err="1"/>
+              <a:t>bo</a:t>
+            </a:r>
+            <a:r>
+              <a:rPr lang="en-US" dirty="0"/>
+              <a:t>/</a:t>
+            </a:r>
+            <a:r>
+              <a:rPr lang="en-US" dirty="0" err="1"/>
+              <a:t>xu</a:t>
+            </a:r>
+            <a:r>
+              <a:rPr lang="en-US" dirty="0"/>
+              <a:t> </a:t>
+            </a:r>
+            <a:r>
+              <a:rPr lang="en-US" dirty="0" err="1"/>
+              <a:t>huong</a:t>
+            </a:r>
+            <a:r>
+              <a:rPr lang="en-US" dirty="0"/>
+              <a:t> </a:t>
+            </a:r>
+            <a:r>
+              <a:rPr lang="en-US" dirty="0" err="1"/>
+              <a:t>nhiet</a:t>
+            </a:r>
+            <a:r>
+              <a:rPr lang="en-US" dirty="0"/>
+              <a:t> do </a:t>
+            </a:r>
+            <a:r>
+              <a:rPr lang="en-US" dirty="0" err="1"/>
+              <a:t>cac</a:t>
+            </a:r>
+            <a:r>
+              <a:rPr lang="en-US" dirty="0"/>
+              <a:t> </a:t>
+            </a:r>
+            <a:r>
+              <a:rPr lang="en-US" dirty="0" err="1"/>
+              <a:t>ngay</a:t>
+            </a:r>
+            <a:r>
+              <a:rPr lang="en-US" dirty="0"/>
+              <a:t> </a:t>
+            </a:r>
+            <a:r>
+              <a:rPr lang="en-US" dirty="0" err="1"/>
+              <a:t>trong</a:t>
+            </a:r>
+            <a:r>
+              <a:rPr lang="en-US" dirty="0"/>
+              <a:t> </a:t>
+            </a:r>
+            <a:r>
+              <a:rPr lang="en-US" dirty="0" err="1"/>
+              <a:t>nam</a:t>
+            </a:r>
+            <a:r>
+              <a:rPr lang="en-US" dirty="0"/>
+              <a:t>.</a:t>
+            </a:r>
+          </a:p>
+          <a:p>
+            <a:pPr marL="171450" indent="-171450">
+              <a:buFontTx/>
+              <a:buChar char="-"/>
+            </a:pPr>
+            <a:r>
+              <a:rPr lang="en-US" dirty="0"/>
+              <a:t>input: </a:t>
+            </a:r>
+            <a:r>
+              <a:rPr lang="en-US" dirty="0" err="1"/>
+              <a:t>nhiet</a:t>
+            </a:r>
+            <a:r>
+              <a:rPr lang="en-US" dirty="0"/>
+              <a:t> do </a:t>
+            </a:r>
+            <a:r>
+              <a:rPr lang="en-US" dirty="0" err="1"/>
+              <a:t>cac</a:t>
+            </a:r>
+            <a:r>
+              <a:rPr lang="en-US" dirty="0"/>
+              <a:t> </a:t>
+            </a:r>
+            <a:r>
+              <a:rPr lang="en-US" dirty="0" err="1"/>
+              <a:t>ngay</a:t>
+            </a:r>
+            <a:endParaRPr lang="en-US" dirty="0"/>
+          </a:p>
+          <a:p>
+            <a:pPr marL="0" indent="0">
+              <a:buFontTx/>
+              <a:buNone/>
+            </a:pPr>
+            <a:r>
+              <a:rPr lang="en-US" dirty="0"/>
+              <a:t>- output: </a:t>
+            </a:r>
+            <a:r>
+              <a:rPr lang="en-US" dirty="0" err="1"/>
+              <a:t>duong</a:t>
+            </a:r>
+            <a:r>
+              <a:rPr lang="en-US" dirty="0"/>
+              <a:t> </a:t>
+            </a:r>
+            <a:r>
+              <a:rPr lang="en-US" dirty="0" err="1"/>
+              <a:t>trung</a:t>
+            </a:r>
+            <a:r>
+              <a:rPr lang="en-US" dirty="0"/>
+              <a:t> </a:t>
+            </a:r>
+            <a:r>
+              <a:rPr lang="en-US" dirty="0" err="1"/>
+              <a:t>binh</a:t>
+            </a:r>
+            <a:r>
+              <a:rPr lang="en-US" dirty="0"/>
+              <a:t> dong </a:t>
+            </a:r>
+            <a:r>
+              <a:rPr lang="en-US" dirty="0" err="1"/>
+              <a:t>mo</a:t>
+            </a:r>
+            <a:r>
+              <a:rPr lang="en-US" dirty="0"/>
+              <a:t> ta </a:t>
+            </a:r>
+            <a:r>
+              <a:rPr lang="en-US" dirty="0" err="1"/>
+              <a:t>xu</a:t>
+            </a:r>
+            <a:r>
+              <a:rPr lang="en-US" dirty="0"/>
+              <a:t> </a:t>
+            </a:r>
+            <a:r>
+              <a:rPr lang="en-US" dirty="0" err="1"/>
+              <a:t>huong</a:t>
+            </a:r>
+            <a:r>
+              <a:rPr lang="en-US" dirty="0"/>
+              <a:t> </a:t>
+            </a:r>
+            <a:r>
+              <a:rPr lang="en-US" dirty="0" err="1"/>
+              <a:t>nhiet</a:t>
+            </a:r>
+            <a:r>
+              <a:rPr lang="en-US" dirty="0"/>
+              <a:t> </a:t>
+            </a:r>
+            <a:r>
+              <a:rPr lang="en-US" dirty="0" err="1"/>
+              <a:t>trong</a:t>
+            </a:r>
+            <a:r>
+              <a:rPr lang="en-US" dirty="0"/>
+              <a:t> </a:t>
+            </a:r>
+            <a:r>
+              <a:rPr lang="en-US" dirty="0" err="1"/>
+              <a:t>nam</a:t>
+            </a:r>
+            <a:endParaRPr lang="en-US" dirty="0"/>
           </a:p>
           <a:p>
             <a:pPr marL="0" indent="0">
@@ -2077,32 +2725,117 @@
             </a:pPr>
             <a:r>
               <a:rPr lang="en-US" dirty="0"/>
-              <a:t>2) Why using ?</a:t>
+              <a:t>? Compute the trends: the local average </a:t>
+            </a:r>
+            <a:r>
+              <a:rPr lang="en-US" dirty="0" err="1"/>
+              <a:t>cua</a:t>
+            </a:r>
+            <a:r>
+              <a:rPr lang="en-US" dirty="0"/>
+              <a:t> </a:t>
+            </a:r>
+            <a:r>
+              <a:rPr lang="en-US" dirty="0" err="1"/>
+              <a:t>nhiet</a:t>
+            </a:r>
+            <a:r>
+              <a:rPr lang="en-US" dirty="0"/>
+              <a:t> do   </a:t>
+            </a:r>
+          </a:p>
+          <a:p>
+            <a:pPr marL="171450" indent="-171450">
+              <a:buFontTx/>
+              <a:buChar char="-"/>
+            </a:pPr>
+            <a:r>
+              <a:rPr lang="en-US" dirty="0"/>
+              <a:t>entries: </a:t>
+            </a:r>
+            <a:r>
+              <a:rPr lang="en-US" dirty="0" err="1"/>
+              <a:t>muc</a:t>
+            </a:r>
+            <a:r>
+              <a:rPr lang="en-US" dirty="0"/>
+              <a:t>/diem</a:t>
             </a:r>
           </a:p>
           <a:p>
             <a:pPr marL="0" indent="0">
+              <a:buFontTx/>
               <a:buNone/>
             </a:pPr>
             <a:r>
               <a:rPr lang="en-US" dirty="0"/>
-              <a:t>+ regularization: </a:t>
-            </a:r>
-            <a:r>
-              <a:rPr lang="en-US" dirty="0" err="1"/>
-              <a:t>giam</a:t>
-            </a:r>
-            <a:r>
-              <a:rPr lang="en-US" dirty="0"/>
-              <a:t> so </a:t>
-            </a:r>
-            <a:r>
-              <a:rPr lang="en-US" dirty="0" err="1"/>
-              <a:t>luong</a:t>
-            </a:r>
-            <a:r>
-              <a:rPr lang="en-US" dirty="0"/>
-              <a:t> models</a:t>
+              <a:t>2)</a:t>
+            </a:r>
+          </a:p>
+          <a:p>
+            <a:pPr marL="0" indent="0">
+              <a:buFontTx/>
+              <a:buNone/>
+            </a:pPr>
+            <a:r>
+              <a:rPr lang="en-US" dirty="0"/>
+              <a:t>+ </a:t>
+            </a:r>
+            <a:r>
+              <a:rPr lang="en-US" dirty="0" err="1"/>
+              <a:t>lua</a:t>
+            </a:r>
+            <a:r>
+              <a:rPr lang="en-US" dirty="0"/>
+              <a:t> chon beta, get </a:t>
+            </a:r>
+            <a:r>
+              <a:rPr lang="en-US" dirty="0" err="1"/>
+              <a:t>gia</a:t>
+            </a:r>
+            <a:r>
+              <a:rPr lang="en-US" dirty="0"/>
+              <a:t> tri </a:t>
+            </a:r>
+            <a:r>
+              <a:rPr lang="en-US" dirty="0" err="1"/>
+              <a:t>trung</a:t>
+            </a:r>
+            <a:r>
+              <a:rPr lang="en-US" dirty="0"/>
+              <a:t> </a:t>
+            </a:r>
+            <a:r>
+              <a:rPr lang="en-US" dirty="0" err="1"/>
+              <a:t>binh</a:t>
+            </a:r>
+            <a:r>
+              <a:rPr lang="en-US" dirty="0"/>
+              <a:t> </a:t>
+            </a:r>
+            <a:r>
+              <a:rPr lang="en-US" dirty="0" err="1"/>
+              <a:t>dai</a:t>
+            </a:r>
+            <a:r>
+              <a:rPr lang="en-US" dirty="0"/>
+              <a:t> </a:t>
+            </a:r>
+            <a:r>
+              <a:rPr lang="en-US" dirty="0" err="1"/>
+              <a:t>dien</a:t>
+            </a:r>
+            <a:r>
+              <a:rPr lang="en-US" dirty="0"/>
+              <a:t> </a:t>
+            </a:r>
+            <a:r>
+              <a:rPr lang="en-US" dirty="0" err="1"/>
+              <a:t>cho</a:t>
+            </a:r>
+            <a:r>
+              <a:rPr lang="en-US" dirty="0"/>
+              <a:t> 1 tap diem du lieu.</a:t>
             </a:r>
           </a:p>
         </p:txBody>
@@ -2133,7 +2866,7 @@
     </p:spTree>
     <p:extLst>
       <p:ext uri="{BB962C8B-B14F-4D97-AF65-F5344CB8AC3E}">
-        <p14:creationId xmlns:p14="http://schemas.microsoft.com/office/powerpoint/2010/main" val="1670691235"/>
+        <p14:creationId xmlns:p14="http://schemas.microsoft.com/office/powerpoint/2010/main" val="138514390"/>
       </p:ext>
     </p:extLst>
   </p:cSld>
@@ -2275,7 +3008,7 @@
     </p:spTree>
     <p:extLst>
       <p:ext uri="{BB962C8B-B14F-4D97-AF65-F5344CB8AC3E}">
-        <p14:creationId xmlns:p14="http://schemas.microsoft.com/office/powerpoint/2010/main" val="2725300741"/>
+        <p14:creationId xmlns:p14="http://schemas.microsoft.com/office/powerpoint/2010/main" val="1670691235"/>
       </p:ext>
     </p:extLst>
   </p:cSld>
@@ -2417,7 +3150,7 @@
     </p:spTree>
     <p:extLst>
       <p:ext uri="{BB962C8B-B14F-4D97-AF65-F5344CB8AC3E}">
-        <p14:creationId xmlns:p14="http://schemas.microsoft.com/office/powerpoint/2010/main" val="2317995284"/>
+        <p14:creationId xmlns:p14="http://schemas.microsoft.com/office/powerpoint/2010/main" val="2725300741"/>
       </p:ext>
     </p:extLst>
   </p:cSld>
@@ -2560,7 +3293,7 @@
             </a:pPr>
             <a:r>
               <a:rPr lang="en-US" dirty="0"/>
-              <a:t>What:</a:t>
+              <a:t>What</a:t>
             </a:r>
           </a:p>
           <a:p>
@@ -2569,50 +3302,71 @@
             </a:pPr>
             <a:r>
               <a:rPr lang="en-US" dirty="0"/>
-              <a:t>+ Overfitting:</a:t>
+              <a:t>+ dampen out the motion : </a:t>
+            </a:r>
+            <a:r>
+              <a:rPr lang="en-US" dirty="0" err="1"/>
+              <a:t>giam</a:t>
+            </a:r>
+            <a:r>
+              <a:rPr lang="en-US" dirty="0"/>
+              <a:t> </a:t>
+            </a:r>
+            <a:r>
+              <a:rPr lang="en-US" dirty="0" err="1"/>
+              <a:t>chuyen</a:t>
+            </a:r>
+            <a:r>
+              <a:rPr lang="en-US" dirty="0"/>
+              <a:t> dong</a:t>
+            </a:r>
+          </a:p>
+          <a:p>
+            <a:pPr marL="171450" indent="-171450">
+              <a:buFontTx/>
+              <a:buChar char="-"/>
+            </a:pPr>
+            <a:r>
+              <a:rPr lang="en-US" dirty="0" err="1"/>
+              <a:t>Binh</a:t>
+            </a:r>
+            <a:r>
+              <a:rPr lang="en-US" dirty="0"/>
+              <a:t> Phuong </a:t>
+            </a:r>
+            <a:r>
+              <a:rPr lang="en-US" dirty="0" err="1"/>
+              <a:t>cac</a:t>
+            </a:r>
+            <a:r>
+              <a:rPr lang="en-US" dirty="0"/>
+              <a:t> </a:t>
+            </a:r>
+            <a:r>
+              <a:rPr lang="en-US" dirty="0" err="1"/>
+              <a:t>dao</a:t>
+            </a:r>
+            <a:r>
+              <a:rPr lang="en-US" dirty="0"/>
+              <a:t> ham</a:t>
             </a:r>
           </a:p>
           <a:p>
             <a:pPr marL="0" indent="0">
+              <a:buFontTx/>
               <a:buNone/>
             </a:pPr>
             <a:r>
               <a:rPr lang="en-US" dirty="0"/>
-              <a:t>+ Solves: regularization or more training data.</a:t>
-            </a:r>
-          </a:p>
-          <a:p>
-            <a:pPr marL="0" indent="0">
-              <a:buNone/>
-            </a:pPr>
-            <a:r>
-              <a:rPr lang="en-US" dirty="0"/>
-              <a:t>2) Why using ?</a:t>
-            </a:r>
-          </a:p>
-          <a:p>
-            <a:pPr marL="0" indent="0">
-              <a:buNone/>
-            </a:pPr>
-            <a:r>
-              <a:rPr lang="en-US" dirty="0"/>
-              <a:t>+ regularization: </a:t>
-            </a:r>
-            <a:r>
-              <a:rPr lang="en-US" dirty="0" err="1"/>
-              <a:t>giam</a:t>
-            </a:r>
-            <a:r>
-              <a:rPr lang="en-US" dirty="0"/>
-              <a:t> so </a:t>
-            </a:r>
-            <a:r>
-              <a:rPr lang="en-US" dirty="0" err="1"/>
-              <a:t>luong</a:t>
-            </a:r>
-            <a:r>
-              <a:rPr lang="en-US" dirty="0"/>
-              <a:t> models</a:t>
+              <a:t>+ </a:t>
+            </a:r>
+            <a:r>
+              <a:rPr lang="en-US" dirty="0" err="1"/>
+              <a:t>thieu</a:t>
+            </a:r>
+            <a:r>
+              <a:rPr lang="en-US" dirty="0"/>
+              <a:t> w</a:t>
             </a:r>
           </a:p>
         </p:txBody>
@@ -2643,7 +3397,7 @@
     </p:spTree>
     <p:extLst>
       <p:ext uri="{BB962C8B-B14F-4D97-AF65-F5344CB8AC3E}">
-        <p14:creationId xmlns:p14="http://schemas.microsoft.com/office/powerpoint/2010/main" val="814293209"/>
+        <p14:creationId xmlns:p14="http://schemas.microsoft.com/office/powerpoint/2010/main" val="2317995284"/>
       </p:ext>
     </p:extLst>
   </p:cSld>
@@ -2785,7 +3539,1018 @@
     </p:spTree>
     <p:extLst>
       <p:ext uri="{BB962C8B-B14F-4D97-AF65-F5344CB8AC3E}">
+        <p14:creationId xmlns:p14="http://schemas.microsoft.com/office/powerpoint/2010/main" val="814293209"/>
+      </p:ext>
+    </p:extLst>
+  </p:cSld>
+  <p:clrMapOvr>
+    <a:masterClrMapping/>
+  </p:clrMapOvr>
+</p:notes>
+</file>
+
+<file path=ppt/notesSlides/notesSlide22.xml><?xml version="1.0" encoding="utf-8"?>
+<p:notes xmlns:a="http://schemas.openxmlformats.org/drawingml/2006/main" xmlns:r="http://schemas.openxmlformats.org/officeDocument/2006/relationships" xmlns:p="http://schemas.openxmlformats.org/presentationml/2006/main">
+  <p:cSld>
+    <p:spTree>
+      <p:nvGrpSpPr>
+        <p:cNvPr id="1" name=""/>
+        <p:cNvGrpSpPr/>
+        <p:nvPr/>
+      </p:nvGrpSpPr>
+      <p:grpSpPr>
+        <a:xfrm>
+          <a:off x="0" y="0"/>
+          <a:ext cx="0" cy="0"/>
+          <a:chOff x="0" y="0"/>
+          <a:chExt cx="0" cy="0"/>
+        </a:xfrm>
+      </p:grpSpPr>
+      <p:sp>
+        <p:nvSpPr>
+          <p:cNvPr id="2" name="Slide Image Placeholder 1"/>
+          <p:cNvSpPr>
+            <a:spLocks noGrp="1" noRot="1" noChangeAspect="1"/>
+          </p:cNvSpPr>
+          <p:nvPr>
+            <p:ph type="sldImg"/>
+          </p:nvPr>
+        </p:nvSpPr>
+        <p:spPr/>
+      </p:sp>
+      <p:sp>
+        <p:nvSpPr>
+          <p:cNvPr id="3" name="Notes Placeholder 2"/>
+          <p:cNvSpPr>
+            <a:spLocks noGrp="1"/>
+          </p:cNvSpPr>
+          <p:nvPr>
+            <p:ph type="body" idx="1"/>
+          </p:nvPr>
+        </p:nvSpPr>
+        <p:spPr/>
+        <p:txBody>
+          <a:bodyPr/>
+          <a:lstStyle/>
+          <a:p>
+            <a:pPr marL="228600" indent="-228600">
+              <a:buAutoNum type="arabicParenR"/>
+            </a:pPr>
+            <a:r>
+              <a:rPr lang="en-US" dirty="0"/>
+              <a:t>What:</a:t>
+            </a:r>
+          </a:p>
+          <a:p>
+            <a:pPr marL="0" indent="0">
+              <a:buNone/>
+            </a:pPr>
+            <a:r>
+              <a:rPr lang="en-US" dirty="0"/>
+              <a:t>+ Overfitting:</a:t>
+            </a:r>
+          </a:p>
+          <a:p>
+            <a:pPr marL="0" indent="0">
+              <a:buNone/>
+            </a:pPr>
+            <a:r>
+              <a:rPr lang="en-US" dirty="0"/>
+              <a:t>+ Solves: regularization or more training data.</a:t>
+            </a:r>
+          </a:p>
+          <a:p>
+            <a:pPr marL="0" indent="0">
+              <a:buNone/>
+            </a:pPr>
+            <a:r>
+              <a:rPr lang="en-US" dirty="0"/>
+              <a:t>2) Why using ?</a:t>
+            </a:r>
+          </a:p>
+          <a:p>
+            <a:pPr marL="0" indent="0">
+              <a:buNone/>
+            </a:pPr>
+            <a:r>
+              <a:rPr lang="en-US" dirty="0"/>
+              <a:t>+ regularization: </a:t>
+            </a:r>
+            <a:r>
+              <a:rPr lang="en-US" dirty="0" err="1"/>
+              <a:t>giam</a:t>
+            </a:r>
+            <a:r>
+              <a:rPr lang="en-US" dirty="0"/>
+              <a:t> so </a:t>
+            </a:r>
+            <a:r>
+              <a:rPr lang="en-US" dirty="0" err="1"/>
+              <a:t>luong</a:t>
+            </a:r>
+            <a:r>
+              <a:rPr lang="en-US" dirty="0"/>
+              <a:t> models</a:t>
+            </a:r>
+          </a:p>
+        </p:txBody>
+      </p:sp>
+      <p:sp>
+        <p:nvSpPr>
+          <p:cNvPr id="4" name="Slide Number Placeholder 3"/>
+          <p:cNvSpPr>
+            <a:spLocks noGrp="1"/>
+          </p:cNvSpPr>
+          <p:nvPr>
+            <p:ph type="sldNum" sz="quarter" idx="5"/>
+          </p:nvPr>
+        </p:nvSpPr>
+        <p:spPr/>
+        <p:txBody>
+          <a:bodyPr/>
+          <a:lstStyle/>
+          <a:p>
+            <a:fld id="{5457576B-81D0-4568-B3CF-C3F7AD81B6EA}" type="slidenum">
+              <a:rPr kumimoji="1" lang="ja-JP" altLang="en-US" smtClean="0"/>
+              <a:t>22</a:t>
+            </a:fld>
+            <a:endParaRPr kumimoji="1" lang="ja-JP" altLang="en-US"/>
+          </a:p>
+        </p:txBody>
+      </p:sp>
+    </p:spTree>
+    <p:extLst>
+      <p:ext uri="{BB962C8B-B14F-4D97-AF65-F5344CB8AC3E}">
         <p14:creationId xmlns:p14="http://schemas.microsoft.com/office/powerpoint/2010/main" val="666551628"/>
+      </p:ext>
+    </p:extLst>
+  </p:cSld>
+  <p:clrMapOvr>
+    <a:masterClrMapping/>
+  </p:clrMapOvr>
+</p:notes>
+</file>
+
+<file path=ppt/notesSlides/notesSlide23.xml><?xml version="1.0" encoding="utf-8"?>
+<p:notes xmlns:a="http://schemas.openxmlformats.org/drawingml/2006/main" xmlns:r="http://schemas.openxmlformats.org/officeDocument/2006/relationships" xmlns:p="http://schemas.openxmlformats.org/presentationml/2006/main">
+  <p:cSld>
+    <p:spTree>
+      <p:nvGrpSpPr>
+        <p:cNvPr id="1" name=""/>
+        <p:cNvGrpSpPr/>
+        <p:nvPr/>
+      </p:nvGrpSpPr>
+      <p:grpSpPr>
+        <a:xfrm>
+          <a:off x="0" y="0"/>
+          <a:ext cx="0" cy="0"/>
+          <a:chOff x="0" y="0"/>
+          <a:chExt cx="0" cy="0"/>
+        </a:xfrm>
+      </p:grpSpPr>
+      <p:sp>
+        <p:nvSpPr>
+          <p:cNvPr id="2" name="Slide Image Placeholder 1"/>
+          <p:cNvSpPr>
+            <a:spLocks noGrp="1" noRot="1" noChangeAspect="1"/>
+          </p:cNvSpPr>
+          <p:nvPr>
+            <p:ph type="sldImg"/>
+          </p:nvPr>
+        </p:nvSpPr>
+        <p:spPr/>
+      </p:sp>
+      <p:sp>
+        <p:nvSpPr>
+          <p:cNvPr id="3" name="Notes Placeholder 2"/>
+          <p:cNvSpPr>
+            <a:spLocks noGrp="1"/>
+          </p:cNvSpPr>
+          <p:nvPr>
+            <p:ph type="body" idx="1"/>
+          </p:nvPr>
+        </p:nvSpPr>
+        <p:spPr/>
+        <p:txBody>
+          <a:bodyPr/>
+          <a:lstStyle/>
+          <a:p>
+            <a:r>
+              <a:rPr lang="en-US" dirty="0"/>
+              <a:t>+ </a:t>
+            </a:r>
+            <a:r>
+              <a:rPr lang="en-US" dirty="0" err="1"/>
+              <a:t>thao</a:t>
+            </a:r>
+            <a:r>
+              <a:rPr lang="en-US" dirty="0"/>
+              <a:t> </a:t>
+            </a:r>
+            <a:r>
+              <a:rPr lang="en-US" dirty="0" err="1"/>
+              <a:t>luan</a:t>
+            </a:r>
+            <a:r>
+              <a:rPr lang="en-US" dirty="0"/>
+              <a:t> </a:t>
+            </a:r>
+            <a:r>
+              <a:rPr lang="en-US" dirty="0" err="1"/>
+              <a:t>cac</a:t>
+            </a:r>
+            <a:r>
+              <a:rPr lang="en-US" dirty="0"/>
+              <a:t> </a:t>
+            </a:r>
+            <a:r>
+              <a:rPr lang="en-US" dirty="0" err="1"/>
+              <a:t>thuat</a:t>
+            </a:r>
+            <a:r>
+              <a:rPr lang="en-US" dirty="0"/>
+              <a:t> </a:t>
+            </a:r>
+            <a:r>
+              <a:rPr lang="en-US" dirty="0" err="1"/>
+              <a:t>toan</a:t>
+            </a:r>
+            <a:r>
+              <a:rPr lang="en-US" dirty="0"/>
+              <a:t> </a:t>
+            </a:r>
+            <a:r>
+              <a:rPr lang="en-US" dirty="0" err="1"/>
+              <a:t>toi</a:t>
+            </a:r>
+            <a:r>
+              <a:rPr lang="en-US" dirty="0"/>
+              <a:t> </a:t>
+            </a:r>
+            <a:r>
+              <a:rPr lang="en-US" dirty="0" err="1"/>
+              <a:t>uu</a:t>
+            </a:r>
+            <a:r>
+              <a:rPr lang="en-US" dirty="0"/>
+              <a:t> </a:t>
+            </a:r>
+            <a:r>
+              <a:rPr lang="en-US" dirty="0" err="1"/>
+              <a:t>giup</a:t>
+            </a:r>
+            <a:r>
+              <a:rPr lang="en-US" dirty="0"/>
+              <a:t> tang toc do train model -&gt; tang toc qua </a:t>
+            </a:r>
+            <a:r>
+              <a:rPr lang="en-US" dirty="0" err="1"/>
+              <a:t>trinh</a:t>
+            </a:r>
+            <a:r>
+              <a:rPr lang="en-US" dirty="0"/>
+              <a:t> </a:t>
+            </a:r>
+          </a:p>
+        </p:txBody>
+      </p:sp>
+      <p:sp>
+        <p:nvSpPr>
+          <p:cNvPr id="4" name="Slide Number Placeholder 3"/>
+          <p:cNvSpPr>
+            <a:spLocks noGrp="1"/>
+          </p:cNvSpPr>
+          <p:nvPr>
+            <p:ph type="sldNum" sz="quarter" idx="5"/>
+          </p:nvPr>
+        </p:nvSpPr>
+        <p:spPr/>
+        <p:txBody>
+          <a:bodyPr/>
+          <a:lstStyle/>
+          <a:p>
+            <a:fld id="{5457576B-81D0-4568-B3CF-C3F7AD81B6EA}" type="slidenum">
+              <a:rPr kumimoji="1" lang="ja-JP" altLang="en-US" smtClean="0"/>
+              <a:t>23</a:t>
+            </a:fld>
+            <a:endParaRPr kumimoji="1" lang="ja-JP" altLang="en-US"/>
+          </a:p>
+        </p:txBody>
+      </p:sp>
+    </p:spTree>
+    <p:extLst>
+      <p:ext uri="{BB962C8B-B14F-4D97-AF65-F5344CB8AC3E}">
+        <p14:creationId xmlns:p14="http://schemas.microsoft.com/office/powerpoint/2010/main" val="1074615208"/>
+      </p:ext>
+    </p:extLst>
+  </p:cSld>
+  <p:clrMapOvr>
+    <a:masterClrMapping/>
+  </p:clrMapOvr>
+</p:notes>
+</file>
+
+<file path=ppt/notesSlides/notesSlide24.xml><?xml version="1.0" encoding="utf-8"?>
+<p:notes xmlns:a="http://schemas.openxmlformats.org/drawingml/2006/main" xmlns:r="http://schemas.openxmlformats.org/officeDocument/2006/relationships" xmlns:p="http://schemas.openxmlformats.org/presentationml/2006/main">
+  <p:cSld>
+    <p:spTree>
+      <p:nvGrpSpPr>
+        <p:cNvPr id="1" name=""/>
+        <p:cNvGrpSpPr/>
+        <p:nvPr/>
+      </p:nvGrpSpPr>
+      <p:grpSpPr>
+        <a:xfrm>
+          <a:off x="0" y="0"/>
+          <a:ext cx="0" cy="0"/>
+          <a:chOff x="0" y="0"/>
+          <a:chExt cx="0" cy="0"/>
+        </a:xfrm>
+      </p:grpSpPr>
+      <p:sp>
+        <p:nvSpPr>
+          <p:cNvPr id="2" name="Slide Image Placeholder 1"/>
+          <p:cNvSpPr>
+            <a:spLocks noGrp="1" noRot="1" noChangeAspect="1"/>
+          </p:cNvSpPr>
+          <p:nvPr>
+            <p:ph type="sldImg"/>
+          </p:nvPr>
+        </p:nvSpPr>
+        <p:spPr/>
+      </p:sp>
+      <p:sp>
+        <p:nvSpPr>
+          <p:cNvPr id="3" name="Notes Placeholder 2"/>
+          <p:cNvSpPr>
+            <a:spLocks noGrp="1"/>
+          </p:cNvSpPr>
+          <p:nvPr>
+            <p:ph type="body" idx="1"/>
+          </p:nvPr>
+        </p:nvSpPr>
+        <p:spPr/>
+        <p:txBody>
+          <a:bodyPr/>
+          <a:lstStyle/>
+          <a:p>
+            <a:pPr marL="228600" indent="-228600">
+              <a:buAutoNum type="arabicParenR"/>
+            </a:pPr>
+            <a:r>
+              <a:rPr lang="en-US" dirty="0"/>
+              <a:t>What:</a:t>
+            </a:r>
+          </a:p>
+          <a:p>
+            <a:pPr marL="0" indent="0">
+              <a:buNone/>
+            </a:pPr>
+            <a:r>
+              <a:rPr lang="en-US" dirty="0"/>
+              <a:t>+ Overfitting:</a:t>
+            </a:r>
+          </a:p>
+          <a:p>
+            <a:pPr marL="0" indent="0">
+              <a:buNone/>
+            </a:pPr>
+            <a:r>
+              <a:rPr lang="en-US" dirty="0"/>
+              <a:t>+ Solves: regularization or more training data.</a:t>
+            </a:r>
+          </a:p>
+          <a:p>
+            <a:pPr marL="0" indent="0">
+              <a:buNone/>
+            </a:pPr>
+            <a:r>
+              <a:rPr lang="en-US" dirty="0"/>
+              <a:t>2) Why using ?</a:t>
+            </a:r>
+          </a:p>
+          <a:p>
+            <a:pPr marL="0" indent="0">
+              <a:buNone/>
+            </a:pPr>
+            <a:r>
+              <a:rPr lang="en-US" dirty="0"/>
+              <a:t>+ regularization: </a:t>
+            </a:r>
+            <a:r>
+              <a:rPr lang="en-US" dirty="0" err="1"/>
+              <a:t>giam</a:t>
+            </a:r>
+            <a:r>
+              <a:rPr lang="en-US" dirty="0"/>
+              <a:t> so </a:t>
+            </a:r>
+            <a:r>
+              <a:rPr lang="en-US" dirty="0" err="1"/>
+              <a:t>luong</a:t>
+            </a:r>
+            <a:r>
+              <a:rPr lang="en-US" dirty="0"/>
+              <a:t> models</a:t>
+            </a:r>
+          </a:p>
+        </p:txBody>
+      </p:sp>
+      <p:sp>
+        <p:nvSpPr>
+          <p:cNvPr id="4" name="Slide Number Placeholder 3"/>
+          <p:cNvSpPr>
+            <a:spLocks noGrp="1"/>
+          </p:cNvSpPr>
+          <p:nvPr>
+            <p:ph type="sldNum" sz="quarter" idx="5"/>
+          </p:nvPr>
+        </p:nvSpPr>
+        <p:spPr/>
+        <p:txBody>
+          <a:bodyPr/>
+          <a:lstStyle/>
+          <a:p>
+            <a:fld id="{5457576B-81D0-4568-B3CF-C3F7AD81B6EA}" type="slidenum">
+              <a:rPr kumimoji="1" lang="ja-JP" altLang="en-US" smtClean="0"/>
+              <a:t>24</a:t>
+            </a:fld>
+            <a:endParaRPr kumimoji="1" lang="ja-JP" altLang="en-US"/>
+          </a:p>
+        </p:txBody>
+      </p:sp>
+    </p:spTree>
+    <p:extLst>
+      <p:ext uri="{BB962C8B-B14F-4D97-AF65-F5344CB8AC3E}">
+        <p14:creationId xmlns:p14="http://schemas.microsoft.com/office/powerpoint/2010/main" val="3085443928"/>
+      </p:ext>
+    </p:extLst>
+  </p:cSld>
+  <p:clrMapOvr>
+    <a:masterClrMapping/>
+  </p:clrMapOvr>
+</p:notes>
+</file>
+
+<file path=ppt/notesSlides/notesSlide25.xml><?xml version="1.0" encoding="utf-8"?>
+<p:notes xmlns:a="http://schemas.openxmlformats.org/drawingml/2006/main" xmlns:r="http://schemas.openxmlformats.org/officeDocument/2006/relationships" xmlns:p="http://schemas.openxmlformats.org/presentationml/2006/main">
+  <p:cSld>
+    <p:spTree>
+      <p:nvGrpSpPr>
+        <p:cNvPr id="1" name=""/>
+        <p:cNvGrpSpPr/>
+        <p:nvPr/>
+      </p:nvGrpSpPr>
+      <p:grpSpPr>
+        <a:xfrm>
+          <a:off x="0" y="0"/>
+          <a:ext cx="0" cy="0"/>
+          <a:chOff x="0" y="0"/>
+          <a:chExt cx="0" cy="0"/>
+        </a:xfrm>
+      </p:grpSpPr>
+      <p:sp>
+        <p:nvSpPr>
+          <p:cNvPr id="2" name="Slide Image Placeholder 1"/>
+          <p:cNvSpPr>
+            <a:spLocks noGrp="1" noRot="1" noChangeAspect="1"/>
+          </p:cNvSpPr>
+          <p:nvPr>
+            <p:ph type="sldImg"/>
+          </p:nvPr>
+        </p:nvSpPr>
+        <p:spPr/>
+      </p:sp>
+      <p:sp>
+        <p:nvSpPr>
+          <p:cNvPr id="3" name="Notes Placeholder 2"/>
+          <p:cNvSpPr>
+            <a:spLocks noGrp="1"/>
+          </p:cNvSpPr>
+          <p:nvPr>
+            <p:ph type="body" idx="1"/>
+          </p:nvPr>
+        </p:nvSpPr>
+        <p:spPr/>
+        <p:txBody>
+          <a:bodyPr/>
+          <a:lstStyle/>
+          <a:p>
+            <a:pPr marL="228600" indent="-228600">
+              <a:buAutoNum type="arabicParenR"/>
+            </a:pPr>
+            <a:r>
+              <a:rPr lang="en-US" dirty="0"/>
+              <a:t>What:</a:t>
+            </a:r>
+          </a:p>
+          <a:p>
+            <a:pPr marL="0" indent="0">
+              <a:buNone/>
+            </a:pPr>
+            <a:r>
+              <a:rPr lang="en-US" dirty="0"/>
+              <a:t>+ Overfitting:</a:t>
+            </a:r>
+          </a:p>
+          <a:p>
+            <a:pPr marL="0" indent="0">
+              <a:buNone/>
+            </a:pPr>
+            <a:r>
+              <a:rPr lang="en-US" dirty="0"/>
+              <a:t>+ Solves: regularization or more training data.</a:t>
+            </a:r>
+          </a:p>
+          <a:p>
+            <a:pPr marL="0" indent="0">
+              <a:buNone/>
+            </a:pPr>
+            <a:r>
+              <a:rPr lang="en-US" dirty="0"/>
+              <a:t>2) Why using ?</a:t>
+            </a:r>
+          </a:p>
+          <a:p>
+            <a:pPr marL="0" indent="0">
+              <a:buNone/>
+            </a:pPr>
+            <a:r>
+              <a:rPr lang="en-US" dirty="0"/>
+              <a:t>+ regularization: </a:t>
+            </a:r>
+            <a:r>
+              <a:rPr lang="en-US" dirty="0" err="1"/>
+              <a:t>giam</a:t>
+            </a:r>
+            <a:r>
+              <a:rPr lang="en-US" dirty="0"/>
+              <a:t> so </a:t>
+            </a:r>
+            <a:r>
+              <a:rPr lang="en-US" dirty="0" err="1"/>
+              <a:t>luong</a:t>
+            </a:r>
+            <a:r>
+              <a:rPr lang="en-US" dirty="0"/>
+              <a:t> models</a:t>
+            </a:r>
+          </a:p>
+        </p:txBody>
+      </p:sp>
+      <p:sp>
+        <p:nvSpPr>
+          <p:cNvPr id="4" name="Slide Number Placeholder 3"/>
+          <p:cNvSpPr>
+            <a:spLocks noGrp="1"/>
+          </p:cNvSpPr>
+          <p:nvPr>
+            <p:ph type="sldNum" sz="quarter" idx="5"/>
+          </p:nvPr>
+        </p:nvSpPr>
+        <p:spPr/>
+        <p:txBody>
+          <a:bodyPr/>
+          <a:lstStyle/>
+          <a:p>
+            <a:fld id="{5457576B-81D0-4568-B3CF-C3F7AD81B6EA}" type="slidenum">
+              <a:rPr kumimoji="1" lang="ja-JP" altLang="en-US" smtClean="0"/>
+              <a:t>25</a:t>
+            </a:fld>
+            <a:endParaRPr kumimoji="1" lang="ja-JP" altLang="en-US"/>
+          </a:p>
+        </p:txBody>
+      </p:sp>
+    </p:spTree>
+    <p:extLst>
+      <p:ext uri="{BB962C8B-B14F-4D97-AF65-F5344CB8AC3E}">
+        <p14:creationId xmlns:p14="http://schemas.microsoft.com/office/powerpoint/2010/main" val="1791623381"/>
+      </p:ext>
+    </p:extLst>
+  </p:cSld>
+  <p:clrMapOvr>
+    <a:masterClrMapping/>
+  </p:clrMapOvr>
+</p:notes>
+</file>
+
+<file path=ppt/notesSlides/notesSlide26.xml><?xml version="1.0" encoding="utf-8"?>
+<p:notes xmlns:a="http://schemas.openxmlformats.org/drawingml/2006/main" xmlns:r="http://schemas.openxmlformats.org/officeDocument/2006/relationships" xmlns:p="http://schemas.openxmlformats.org/presentationml/2006/main">
+  <p:cSld>
+    <p:spTree>
+      <p:nvGrpSpPr>
+        <p:cNvPr id="1" name=""/>
+        <p:cNvGrpSpPr/>
+        <p:nvPr/>
+      </p:nvGrpSpPr>
+      <p:grpSpPr>
+        <a:xfrm>
+          <a:off x="0" y="0"/>
+          <a:ext cx="0" cy="0"/>
+          <a:chOff x="0" y="0"/>
+          <a:chExt cx="0" cy="0"/>
+        </a:xfrm>
+      </p:grpSpPr>
+      <p:sp>
+        <p:nvSpPr>
+          <p:cNvPr id="2" name="Slide Image Placeholder 1"/>
+          <p:cNvSpPr>
+            <a:spLocks noGrp="1" noRot="1" noChangeAspect="1"/>
+          </p:cNvSpPr>
+          <p:nvPr>
+            <p:ph type="sldImg"/>
+          </p:nvPr>
+        </p:nvSpPr>
+        <p:spPr/>
+      </p:sp>
+      <p:sp>
+        <p:nvSpPr>
+          <p:cNvPr id="3" name="Notes Placeholder 2"/>
+          <p:cNvSpPr>
+            <a:spLocks noGrp="1"/>
+          </p:cNvSpPr>
+          <p:nvPr>
+            <p:ph type="body" idx="1"/>
+          </p:nvPr>
+        </p:nvSpPr>
+        <p:spPr/>
+        <p:txBody>
+          <a:bodyPr/>
+          <a:lstStyle/>
+          <a:p>
+            <a:pPr marL="228600" indent="-228600">
+              <a:buAutoNum type="arabicParenR"/>
+            </a:pPr>
+            <a:r>
+              <a:rPr lang="en-US" dirty="0"/>
+              <a:t>What:</a:t>
+            </a:r>
+          </a:p>
+          <a:p>
+            <a:pPr marL="0" indent="0">
+              <a:buNone/>
+            </a:pPr>
+            <a:r>
+              <a:rPr lang="en-US" dirty="0"/>
+              <a:t>+ Overfitting:</a:t>
+            </a:r>
+          </a:p>
+          <a:p>
+            <a:pPr marL="0" indent="0">
+              <a:buNone/>
+            </a:pPr>
+            <a:r>
+              <a:rPr lang="en-US" dirty="0"/>
+              <a:t>+ Solves: regularization or more training data.</a:t>
+            </a:r>
+          </a:p>
+          <a:p>
+            <a:pPr marL="0" indent="0">
+              <a:buNone/>
+            </a:pPr>
+            <a:r>
+              <a:rPr lang="en-US" dirty="0"/>
+              <a:t>2) Why using ?</a:t>
+            </a:r>
+          </a:p>
+          <a:p>
+            <a:pPr marL="0" indent="0">
+              <a:buNone/>
+            </a:pPr>
+            <a:r>
+              <a:rPr lang="en-US" dirty="0"/>
+              <a:t>+ regularization: </a:t>
+            </a:r>
+            <a:r>
+              <a:rPr lang="en-US" dirty="0" err="1"/>
+              <a:t>giam</a:t>
+            </a:r>
+            <a:r>
+              <a:rPr lang="en-US" dirty="0"/>
+              <a:t> so </a:t>
+            </a:r>
+            <a:r>
+              <a:rPr lang="en-US" dirty="0" err="1"/>
+              <a:t>luong</a:t>
+            </a:r>
+            <a:r>
+              <a:rPr lang="en-US" dirty="0"/>
+              <a:t> models</a:t>
+            </a:r>
+          </a:p>
+        </p:txBody>
+      </p:sp>
+      <p:sp>
+        <p:nvSpPr>
+          <p:cNvPr id="4" name="Slide Number Placeholder 3"/>
+          <p:cNvSpPr>
+            <a:spLocks noGrp="1"/>
+          </p:cNvSpPr>
+          <p:nvPr>
+            <p:ph type="sldNum" sz="quarter" idx="5"/>
+          </p:nvPr>
+        </p:nvSpPr>
+        <p:spPr/>
+        <p:txBody>
+          <a:bodyPr/>
+          <a:lstStyle/>
+          <a:p>
+            <a:fld id="{5457576B-81D0-4568-B3CF-C3F7AD81B6EA}" type="slidenum">
+              <a:rPr kumimoji="1" lang="ja-JP" altLang="en-US" smtClean="0"/>
+              <a:t>26</a:t>
+            </a:fld>
+            <a:endParaRPr kumimoji="1" lang="ja-JP" altLang="en-US"/>
+          </a:p>
+        </p:txBody>
+      </p:sp>
+    </p:spTree>
+    <p:extLst>
+      <p:ext uri="{BB962C8B-B14F-4D97-AF65-F5344CB8AC3E}">
+        <p14:creationId xmlns:p14="http://schemas.microsoft.com/office/powerpoint/2010/main" val="2742068221"/>
+      </p:ext>
+    </p:extLst>
+  </p:cSld>
+  <p:clrMapOvr>
+    <a:masterClrMapping/>
+  </p:clrMapOvr>
+</p:notes>
+</file>
+
+<file path=ppt/notesSlides/notesSlide27.xml><?xml version="1.0" encoding="utf-8"?>
+<p:notes xmlns:a="http://schemas.openxmlformats.org/drawingml/2006/main" xmlns:r="http://schemas.openxmlformats.org/officeDocument/2006/relationships" xmlns:p="http://schemas.openxmlformats.org/presentationml/2006/main">
+  <p:cSld>
+    <p:spTree>
+      <p:nvGrpSpPr>
+        <p:cNvPr id="1" name=""/>
+        <p:cNvGrpSpPr/>
+        <p:nvPr/>
+      </p:nvGrpSpPr>
+      <p:grpSpPr>
+        <a:xfrm>
+          <a:off x="0" y="0"/>
+          <a:ext cx="0" cy="0"/>
+          <a:chOff x="0" y="0"/>
+          <a:chExt cx="0" cy="0"/>
+        </a:xfrm>
+      </p:grpSpPr>
+      <p:sp>
+        <p:nvSpPr>
+          <p:cNvPr id="2" name="Slide Image Placeholder 1"/>
+          <p:cNvSpPr>
+            <a:spLocks noGrp="1" noRot="1" noChangeAspect="1"/>
+          </p:cNvSpPr>
+          <p:nvPr>
+            <p:ph type="sldImg"/>
+          </p:nvPr>
+        </p:nvSpPr>
+        <p:spPr/>
+      </p:sp>
+      <p:sp>
+        <p:nvSpPr>
+          <p:cNvPr id="3" name="Notes Placeholder 2"/>
+          <p:cNvSpPr>
+            <a:spLocks noGrp="1"/>
+          </p:cNvSpPr>
+          <p:nvPr>
+            <p:ph type="body" idx="1"/>
+          </p:nvPr>
+        </p:nvSpPr>
+        <p:spPr/>
+        <p:txBody>
+          <a:bodyPr/>
+          <a:lstStyle/>
+          <a:p>
+            <a:pPr marL="228600" indent="-228600">
+              <a:buAutoNum type="arabicParenR"/>
+            </a:pPr>
+            <a:r>
+              <a:rPr lang="en-US" dirty="0"/>
+              <a:t>What:</a:t>
+            </a:r>
+          </a:p>
+          <a:p>
+            <a:pPr marL="0" indent="0">
+              <a:buNone/>
+            </a:pPr>
+            <a:r>
+              <a:rPr lang="en-US" dirty="0"/>
+              <a:t>+ Overfitting:</a:t>
+            </a:r>
+          </a:p>
+          <a:p>
+            <a:pPr marL="0" indent="0">
+              <a:buNone/>
+            </a:pPr>
+            <a:r>
+              <a:rPr lang="en-US" dirty="0"/>
+              <a:t>+ Solves: regularization or more training data.</a:t>
+            </a:r>
+          </a:p>
+          <a:p>
+            <a:pPr marL="0" indent="0">
+              <a:buNone/>
+            </a:pPr>
+            <a:r>
+              <a:rPr lang="en-US" dirty="0"/>
+              <a:t>2) Why using ?</a:t>
+            </a:r>
+          </a:p>
+          <a:p>
+            <a:pPr marL="0" indent="0">
+              <a:buNone/>
+            </a:pPr>
+            <a:r>
+              <a:rPr lang="en-US" dirty="0"/>
+              <a:t>+ regularization: </a:t>
+            </a:r>
+            <a:r>
+              <a:rPr lang="en-US" dirty="0" err="1"/>
+              <a:t>giam</a:t>
+            </a:r>
+            <a:r>
+              <a:rPr lang="en-US" dirty="0"/>
+              <a:t> so </a:t>
+            </a:r>
+            <a:r>
+              <a:rPr lang="en-US" dirty="0" err="1"/>
+              <a:t>luong</a:t>
+            </a:r>
+            <a:r>
+              <a:rPr lang="en-US" dirty="0"/>
+              <a:t> models</a:t>
+            </a:r>
+          </a:p>
+        </p:txBody>
+      </p:sp>
+      <p:sp>
+        <p:nvSpPr>
+          <p:cNvPr id="4" name="Slide Number Placeholder 3"/>
+          <p:cNvSpPr>
+            <a:spLocks noGrp="1"/>
+          </p:cNvSpPr>
+          <p:nvPr>
+            <p:ph type="sldNum" sz="quarter" idx="5"/>
+          </p:nvPr>
+        </p:nvSpPr>
+        <p:spPr/>
+        <p:txBody>
+          <a:bodyPr/>
+          <a:lstStyle/>
+          <a:p>
+            <a:fld id="{5457576B-81D0-4568-B3CF-C3F7AD81B6EA}" type="slidenum">
+              <a:rPr kumimoji="1" lang="ja-JP" altLang="en-US" smtClean="0"/>
+              <a:t>27</a:t>
+            </a:fld>
+            <a:endParaRPr kumimoji="1" lang="ja-JP" altLang="en-US"/>
+          </a:p>
+        </p:txBody>
+      </p:sp>
+    </p:spTree>
+    <p:extLst>
+      <p:ext uri="{BB962C8B-B14F-4D97-AF65-F5344CB8AC3E}">
+        <p14:creationId xmlns:p14="http://schemas.microsoft.com/office/powerpoint/2010/main" val="4014058420"/>
+      </p:ext>
+    </p:extLst>
+  </p:cSld>
+  <p:clrMapOvr>
+    <a:masterClrMapping/>
+  </p:clrMapOvr>
+</p:notes>
+</file>
+
+<file path=ppt/notesSlides/notesSlide28.xml><?xml version="1.0" encoding="utf-8"?>
+<p:notes xmlns:a="http://schemas.openxmlformats.org/drawingml/2006/main" xmlns:r="http://schemas.openxmlformats.org/officeDocument/2006/relationships" xmlns:p="http://schemas.openxmlformats.org/presentationml/2006/main">
+  <p:cSld>
+    <p:spTree>
+      <p:nvGrpSpPr>
+        <p:cNvPr id="1" name=""/>
+        <p:cNvGrpSpPr/>
+        <p:nvPr/>
+      </p:nvGrpSpPr>
+      <p:grpSpPr>
+        <a:xfrm>
+          <a:off x="0" y="0"/>
+          <a:ext cx="0" cy="0"/>
+          <a:chOff x="0" y="0"/>
+          <a:chExt cx="0" cy="0"/>
+        </a:xfrm>
+      </p:grpSpPr>
+      <p:sp>
+        <p:nvSpPr>
+          <p:cNvPr id="2" name="Slide Image Placeholder 1"/>
+          <p:cNvSpPr>
+            <a:spLocks noGrp="1" noRot="1" noChangeAspect="1"/>
+          </p:cNvSpPr>
+          <p:nvPr>
+            <p:ph type="sldImg"/>
+          </p:nvPr>
+        </p:nvSpPr>
+        <p:spPr/>
+      </p:sp>
+      <p:sp>
+        <p:nvSpPr>
+          <p:cNvPr id="3" name="Notes Placeholder 2"/>
+          <p:cNvSpPr>
+            <a:spLocks noGrp="1"/>
+          </p:cNvSpPr>
+          <p:nvPr>
+            <p:ph type="body" idx="1"/>
+          </p:nvPr>
+        </p:nvSpPr>
+        <p:spPr/>
+        <p:txBody>
+          <a:bodyPr/>
+          <a:lstStyle/>
+          <a:p>
+            <a:pPr marL="228600" indent="-228600">
+              <a:buAutoNum type="arabicParenR"/>
+            </a:pPr>
+            <a:r>
+              <a:rPr lang="en-US" dirty="0"/>
+              <a:t>What:</a:t>
+            </a:r>
+          </a:p>
+          <a:p>
+            <a:pPr marL="0" indent="0">
+              <a:buNone/>
+            </a:pPr>
+            <a:r>
+              <a:rPr lang="en-US" dirty="0"/>
+              <a:t>+ Overfitting:</a:t>
+            </a:r>
+          </a:p>
+          <a:p>
+            <a:pPr marL="0" indent="0">
+              <a:buNone/>
+            </a:pPr>
+            <a:r>
+              <a:rPr lang="en-US" dirty="0"/>
+              <a:t>+ Solves: regularization or more training data.</a:t>
+            </a:r>
+          </a:p>
+          <a:p>
+            <a:pPr marL="0" indent="0">
+              <a:buNone/>
+            </a:pPr>
+            <a:r>
+              <a:rPr lang="en-US" dirty="0"/>
+              <a:t>2) Why using ?</a:t>
+            </a:r>
+          </a:p>
+          <a:p>
+            <a:pPr marL="0" indent="0">
+              <a:buNone/>
+            </a:pPr>
+            <a:r>
+              <a:rPr lang="en-US" dirty="0"/>
+              <a:t>+ regularization: </a:t>
+            </a:r>
+            <a:r>
+              <a:rPr lang="en-US" dirty="0" err="1"/>
+              <a:t>giam</a:t>
+            </a:r>
+            <a:r>
+              <a:rPr lang="en-US" dirty="0"/>
+              <a:t> so </a:t>
+            </a:r>
+            <a:r>
+              <a:rPr lang="en-US" dirty="0" err="1"/>
+              <a:t>luong</a:t>
+            </a:r>
+            <a:r>
+              <a:rPr lang="en-US" dirty="0"/>
+              <a:t> models</a:t>
+            </a:r>
+          </a:p>
+        </p:txBody>
+      </p:sp>
+      <p:sp>
+        <p:nvSpPr>
+          <p:cNvPr id="4" name="Slide Number Placeholder 3"/>
+          <p:cNvSpPr>
+            <a:spLocks noGrp="1"/>
+          </p:cNvSpPr>
+          <p:nvPr>
+            <p:ph type="sldNum" sz="quarter" idx="5"/>
+          </p:nvPr>
+        </p:nvSpPr>
+        <p:spPr/>
+        <p:txBody>
+          <a:bodyPr/>
+          <a:lstStyle/>
+          <a:p>
+            <a:fld id="{5457576B-81D0-4568-B3CF-C3F7AD81B6EA}" type="slidenum">
+              <a:rPr kumimoji="1" lang="ja-JP" altLang="en-US" smtClean="0"/>
+              <a:t>28</a:t>
+            </a:fld>
+            <a:endParaRPr kumimoji="1" lang="ja-JP" altLang="en-US"/>
+          </a:p>
+        </p:txBody>
+      </p:sp>
+    </p:spTree>
+    <p:extLst>
+      <p:ext uri="{BB962C8B-B14F-4D97-AF65-F5344CB8AC3E}">
+        <p14:creationId xmlns:p14="http://schemas.microsoft.com/office/powerpoint/2010/main" val="3797275111"/>
       </p:ext>
     </p:extLst>
   </p:cSld>
@@ -11781,8 +13546,8 @@
         </p:nvSpPr>
         <p:spPr>
           <a:xfrm>
-            <a:off x="320041" y="1005840"/>
-            <a:ext cx="10759439" cy="1815882"/>
+            <a:off x="320041" y="1016000"/>
+            <a:ext cx="10759439" cy="2554545"/>
           </a:xfrm>
           <a:prstGeom prst="rect">
             <a:avLst/>
@@ -11829,16 +13594,39 @@
               <a:buChar char="v"/>
             </a:pPr>
             <a:r>
-              <a:rPr lang="en-US" sz="1600"/>
+              <a:rPr lang="en-US" sz="1600" dirty="0"/>
               <a:t>Early stopping: </a:t>
             </a:r>
-            <a:endParaRPr lang="en-US" sz="1600" dirty="0"/>
           </a:p>
           <a:p>
             <a:pPr marL="1199978" lvl="2" indent="-285750">
               <a:buFont typeface="Wingdings" panose="05000000000000000000" pitchFamily="2" charset="2"/>
               <a:buChar char="§"/>
             </a:pPr>
+            <a:r>
+              <a:rPr lang="en-US" sz="1600" dirty="0"/>
+              <a:t>At iteration which the dev set cost start increasing.</a:t>
+            </a:r>
+          </a:p>
+          <a:p>
+            <a:pPr marL="1199978" lvl="2" indent="-285750">
+              <a:buFont typeface="Wingdings" panose="05000000000000000000" pitchFamily="2" charset="2"/>
+              <a:buChar char="§"/>
+            </a:pPr>
+            <a:r>
+              <a:rPr lang="en-US" sz="1600" dirty="0"/>
+              <a:t>The stop point at which the lowest training cost &amp; lowest dev cost.</a:t>
+            </a:r>
+          </a:p>
+          <a:p>
+            <a:pPr lvl="2"/>
+            <a:endParaRPr lang="en-US" sz="1600" dirty="0"/>
+          </a:p>
+          <a:p>
+            <a:pPr marL="1199978" lvl="2" indent="-285750">
+              <a:buFont typeface="Wingdings" panose="05000000000000000000" pitchFamily="2" charset="2"/>
+              <a:buChar char="§"/>
+            </a:pPr>
             <a:endParaRPr lang="en-US" sz="1600" dirty="0"/>
           </a:p>
           <a:p>
@@ -11850,6 +13638,36 @@
           </a:p>
         </p:txBody>
       </p:sp>
+      <p:pic>
+        <p:nvPicPr>
+          <p:cNvPr id="3" name="Picture 2">
+            <a:extLst>
+              <a:ext uri="{FF2B5EF4-FFF2-40B4-BE49-F238E27FC236}">
+                <a16:creationId xmlns:a16="http://schemas.microsoft.com/office/drawing/2014/main" id="{106DFEB7-E419-4496-ADEC-9FD0F121A72E}"/>
+              </a:ext>
+            </a:extLst>
+          </p:cNvPr>
+          <p:cNvPicPr>
+            <a:picLocks noChangeAspect="1"/>
+          </p:cNvPicPr>
+          <p:nvPr/>
+        </p:nvPicPr>
+        <p:blipFill>
+          <a:blip r:embed="rId3"/>
+          <a:stretch>
+            <a:fillRect/>
+          </a:stretch>
+        </p:blipFill>
+        <p:spPr>
+          <a:xfrm>
+            <a:off x="7828279" y="1833691"/>
+            <a:ext cx="4165600" cy="2422790"/>
+          </a:xfrm>
+          <a:prstGeom prst="rect">
+            <a:avLst/>
+          </a:prstGeom>
+        </p:spPr>
+      </p:pic>
     </p:spTree>
     <p:extLst>
       <p:ext uri="{BB962C8B-B14F-4D97-AF65-F5344CB8AC3E}">
@@ -12019,7 +13837,7 @@
         <p:spPr>
           <a:xfrm>
             <a:off x="320041" y="1005840"/>
-            <a:ext cx="11173459" cy="3539430"/>
+            <a:ext cx="11173459" cy="3754874"/>
           </a:xfrm>
           <a:prstGeom prst="rect">
             <a:avLst/>
@@ -12075,7 +13893,7 @@
             </a:pPr>
             <a:r>
               <a:rPr lang="en-US" sz="1600" dirty="0"/>
-              <a:t>Example: Batch=5*10^6 ; mini-batch=1000; number of  </a:t>
+              <a:t>Example: Batch=5*10^6 ; mini-batches=1000; number of  </a:t>
             </a:r>
             <a:br>
               <a:rPr lang="en-US" sz="1600" dirty="0"/>
@@ -12134,11 +13952,14 @@
             </a:r>
           </a:p>
           <a:p>
-            <a:pPr marL="285750" indent="-285750">
-              <a:buFont typeface="Wingdings" panose="05000000000000000000" pitchFamily="2" charset="2"/>
-              <a:buChar char="v"/>
-            </a:pPr>
-            <a:endParaRPr lang="en-US" sz="1600" dirty="0"/>
+            <a:r>
+              <a:rPr lang="en-US" sz="3000" dirty="0">
+                <a:solidFill>
+                  <a:srgbClr val="FF0000"/>
+                </a:solidFill>
+              </a:rPr>
+              <a:t>				XXXX</a:t>
+            </a:r>
           </a:p>
           <a:p>
             <a:endParaRPr lang="en-US" sz="1600" dirty="0"/>
@@ -12256,7 +14077,7 @@
         <p:spPr>
           <a:xfrm>
             <a:off x="320041" y="1005840"/>
-            <a:ext cx="11173459" cy="830997"/>
+            <a:ext cx="5887719" cy="1569660"/>
           </a:xfrm>
           <a:prstGeom prst="rect">
             <a:avLst/>
@@ -12274,17 +14095,399 @@
             </a:pPr>
             <a:r>
               <a:rPr lang="en-US" sz="1600" dirty="0"/>
-              <a:t>Vectorization</a:t>
-            </a:r>
-          </a:p>
-          <a:p>
-            <a:endParaRPr lang="en-US" sz="1600" dirty="0"/>
+              <a:t>Training with mini batch gradient descent:</a:t>
+            </a:r>
+          </a:p>
+          <a:p>
+            <a:pPr marL="742864" lvl="1" indent="-285750">
+              <a:buFont typeface="Wingdings" panose="05000000000000000000" pitchFamily="2" charset="2"/>
+              <a:buChar char="§"/>
+            </a:pPr>
+            <a:r>
+              <a:rPr lang="en-US" sz="1600" dirty="0"/>
+              <a:t>Batch GD: expect the cost function (J) to go down </a:t>
+            </a:r>
+            <a:br>
+              <a:rPr lang="en-US" sz="1600" dirty="0"/>
+            </a:br>
+            <a:r>
+              <a:rPr lang="en-US" sz="1600" dirty="0"/>
+              <a:t>on every single iteration.</a:t>
+            </a:r>
+          </a:p>
+          <a:p>
+            <a:pPr marL="742864" lvl="1" indent="-285750">
+              <a:buFont typeface="Wingdings" panose="05000000000000000000" pitchFamily="2" charset="2"/>
+              <a:buChar char="§"/>
+            </a:pPr>
+            <a:r>
+              <a:rPr lang="en-US" sz="1600" dirty="0"/>
+              <a:t>downwards with a little bit </a:t>
+            </a:r>
+            <a:br>
+              <a:rPr lang="en-US" sz="1600" dirty="0"/>
+            </a:br>
+            <a:r>
+              <a:rPr lang="en-US" sz="1600" dirty="0"/>
+              <a:t>noisier. Mini-batch GD:  trend </a:t>
+            </a:r>
           </a:p>
           <a:p>
             <a:endParaRPr lang="en-US" sz="1600" dirty="0"/>
           </a:p>
         </p:txBody>
       </p:sp>
+      <p:pic>
+        <p:nvPicPr>
+          <p:cNvPr id="3" name="Picture 2">
+            <a:extLst>
+              <a:ext uri="{FF2B5EF4-FFF2-40B4-BE49-F238E27FC236}">
+                <a16:creationId xmlns:a16="http://schemas.microsoft.com/office/drawing/2014/main" id="{60F313F5-B86F-4FDB-88BB-72B812EA59B3}"/>
+              </a:ext>
+            </a:extLst>
+          </p:cNvPr>
+          <p:cNvPicPr>
+            <a:picLocks noChangeAspect="1"/>
+          </p:cNvPicPr>
+          <p:nvPr/>
+        </p:nvPicPr>
+        <p:blipFill>
+          <a:blip r:embed="rId3"/>
+          <a:stretch>
+            <a:fillRect/>
+          </a:stretch>
+        </p:blipFill>
+        <p:spPr>
+          <a:xfrm>
+            <a:off x="6419097" y="1005840"/>
+            <a:ext cx="4995662" cy="1730982"/>
+          </a:xfrm>
+          <a:prstGeom prst="rect">
+            <a:avLst/>
+          </a:prstGeom>
+        </p:spPr>
+      </p:pic>
+      <p:sp>
+        <p:nvSpPr>
+          <p:cNvPr id="6" name="Rectangle 5">
+            <a:extLst>
+              <a:ext uri="{FF2B5EF4-FFF2-40B4-BE49-F238E27FC236}">
+                <a16:creationId xmlns:a16="http://schemas.microsoft.com/office/drawing/2014/main" id="{BC37D9A6-6951-4549-A189-FE3E23188B17}"/>
+              </a:ext>
+            </a:extLst>
+          </p:cNvPr>
+          <p:cNvSpPr/>
+          <p:nvPr/>
+        </p:nvSpPr>
+        <p:spPr>
+          <a:xfrm>
+            <a:off x="320040" y="2711134"/>
+            <a:ext cx="5979160" cy="830997"/>
+          </a:xfrm>
+          <a:prstGeom prst="rect">
+            <a:avLst/>
+          </a:prstGeom>
+        </p:spPr>
+        <p:txBody>
+          <a:bodyPr wrap="square">
+            <a:spAutoFit/>
+          </a:bodyPr>
+          <a:lstStyle/>
+          <a:p>
+            <a:pPr marL="285750" indent="-285750">
+              <a:buFont typeface="Wingdings" panose="05000000000000000000" pitchFamily="2" charset="2"/>
+              <a:buChar char="v"/>
+            </a:pPr>
+            <a:r>
+              <a:rPr lang="en-US" sz="1600" dirty="0"/>
+              <a:t>Choosing mini-batch size, propose number of examples = m:</a:t>
+            </a:r>
+          </a:p>
+          <a:p>
+            <a:endParaRPr lang="en-US" sz="1600" dirty="0"/>
+          </a:p>
+          <a:p>
+            <a:pPr lvl="1"/>
+            <a:endParaRPr lang="en-US" sz="1600" dirty="0"/>
+          </a:p>
+        </p:txBody>
+      </p:sp>
+      <p:graphicFrame>
+        <p:nvGraphicFramePr>
+          <p:cNvPr id="9" name="Table 9">
+            <a:extLst>
+              <a:ext uri="{FF2B5EF4-FFF2-40B4-BE49-F238E27FC236}">
+                <a16:creationId xmlns:a16="http://schemas.microsoft.com/office/drawing/2014/main" id="{28F03EA1-2CCE-4376-A41E-944AB4020DBC}"/>
+              </a:ext>
+            </a:extLst>
+          </p:cNvPr>
+          <p:cNvGraphicFramePr>
+            <a:graphicFrameLocks noGrp="1"/>
+          </p:cNvGraphicFramePr>
+          <p:nvPr>
+            <p:extLst>
+              <p:ext uri="{D42A27DB-BD31-4B8C-83A1-F6EECF244321}">
+                <p14:modId xmlns:p14="http://schemas.microsoft.com/office/powerpoint/2010/main" val="2035850903"/>
+              </p:ext>
+            </p:extLst>
+          </p:nvPr>
+        </p:nvGraphicFramePr>
+        <p:xfrm>
+          <a:off x="788928" y="3234838"/>
+          <a:ext cx="10529312" cy="2256199"/>
+        </p:xfrm>
+        <a:graphic>
+          <a:graphicData uri="http://schemas.openxmlformats.org/drawingml/2006/table">
+            <a:tbl>
+              <a:tblPr firstRow="1" bandRow="1">
+                <a:tableStyleId>{5C22544A-7EE6-4342-B048-85BDC9FD1C3A}</a:tableStyleId>
+              </a:tblPr>
+              <a:tblGrid>
+                <a:gridCol w="1700272">
+                  <a:extLst>
+                    <a:ext uri="{9D8B030D-6E8A-4147-A177-3AD203B41FA5}">
+                      <a16:colId xmlns:a16="http://schemas.microsoft.com/office/drawing/2014/main" val="509590634"/>
+                    </a:ext>
+                  </a:extLst>
+                </a:gridCol>
+                <a:gridCol w="3088640">
+                  <a:extLst>
+                    <a:ext uri="{9D8B030D-6E8A-4147-A177-3AD203B41FA5}">
+                      <a16:colId xmlns:a16="http://schemas.microsoft.com/office/drawing/2014/main" val="315035241"/>
+                    </a:ext>
+                  </a:extLst>
+                </a:gridCol>
+                <a:gridCol w="3108072">
+                  <a:extLst>
+                    <a:ext uri="{9D8B030D-6E8A-4147-A177-3AD203B41FA5}">
+                      <a16:colId xmlns:a16="http://schemas.microsoft.com/office/drawing/2014/main" val="357913888"/>
+                    </a:ext>
+                  </a:extLst>
+                </a:gridCol>
+                <a:gridCol w="2632328">
+                  <a:extLst>
+                    <a:ext uri="{9D8B030D-6E8A-4147-A177-3AD203B41FA5}">
+                      <a16:colId xmlns:a16="http://schemas.microsoft.com/office/drawing/2014/main" val="3302149726"/>
+                    </a:ext>
+                  </a:extLst>
+                </a:gridCol>
+              </a:tblGrid>
+              <a:tr h="557856">
+                <a:tc>
+                  <a:txBody>
+                    <a:bodyPr/>
+                    <a:lstStyle/>
+                    <a:p>
+                      <a:endParaRPr lang="en-US"/>
+                    </a:p>
+                  </a:txBody>
+                  <a:tcPr/>
+                </a:tc>
+                <a:tc>
+                  <a:txBody>
+                    <a:bodyPr/>
+                    <a:lstStyle/>
+                    <a:p>
+                      <a:r>
+                        <a:rPr lang="en-US" dirty="0"/>
+                        <a:t>Batch gradient descent</a:t>
+                      </a:r>
+                    </a:p>
+                  </a:txBody>
+                  <a:tcPr/>
+                </a:tc>
+                <a:tc>
+                  <a:txBody>
+                    <a:bodyPr/>
+                    <a:lstStyle/>
+                    <a:p>
+                      <a:r>
+                        <a:rPr lang="en-US" dirty="0"/>
+                        <a:t>Stochastic gradient descent</a:t>
+                      </a:r>
+                    </a:p>
+                  </a:txBody>
+                  <a:tcPr/>
+                </a:tc>
+                <a:tc>
+                  <a:txBody>
+                    <a:bodyPr/>
+                    <a:lstStyle/>
+                    <a:p>
+                      <a:r>
+                        <a:rPr lang="en-US" dirty="0"/>
+                        <a:t>Mini-batch gradient descent</a:t>
+                      </a:r>
+                    </a:p>
+                  </a:txBody>
+                  <a:tcPr/>
+                </a:tc>
+                <a:extLst>
+                  <a:ext uri="{0D108BD9-81ED-4DB2-BD59-A6C34878D82A}">
+                    <a16:rowId xmlns:a16="http://schemas.microsoft.com/office/drawing/2014/main" val="1912142870"/>
+                  </a:ext>
+                </a:extLst>
+              </a:tr>
+              <a:tr h="433109">
+                <a:tc>
+                  <a:txBody>
+                    <a:bodyPr/>
+                    <a:lstStyle/>
+                    <a:p>
+                      <a:pPr algn="ctr"/>
+                      <a:r>
+                        <a:rPr lang="en-US" dirty="0"/>
+                        <a:t>Mini-batch size</a:t>
+                      </a:r>
+                    </a:p>
+                  </a:txBody>
+                  <a:tcPr/>
+                </a:tc>
+                <a:tc>
+                  <a:txBody>
+                    <a:bodyPr/>
+                    <a:lstStyle/>
+                    <a:p>
+                      <a:pPr algn="ctr"/>
+                      <a:r>
+                        <a:rPr lang="en-US" dirty="0"/>
+                        <a:t>m</a:t>
+                      </a:r>
+                    </a:p>
+                  </a:txBody>
+                  <a:tcPr/>
+                </a:tc>
+                <a:tc>
+                  <a:txBody>
+                    <a:bodyPr/>
+                    <a:lstStyle/>
+                    <a:p>
+                      <a:pPr algn="ctr"/>
+                      <a:r>
+                        <a:rPr lang="en-US" dirty="0"/>
+                        <a:t>1</a:t>
+                      </a:r>
+                    </a:p>
+                  </a:txBody>
+                  <a:tcPr/>
+                </a:tc>
+                <a:tc>
+                  <a:txBody>
+                    <a:bodyPr/>
+                    <a:lstStyle/>
+                    <a:p>
+                      <a:pPr algn="ctr"/>
+                      <a:r>
+                        <a:rPr lang="en-US" i="0" dirty="0"/>
+                        <a:t>n, 1 &lt; n &lt; m</a:t>
+                      </a:r>
+                    </a:p>
+                  </a:txBody>
+                  <a:tcPr/>
+                </a:tc>
+                <a:extLst>
+                  <a:ext uri="{0D108BD9-81ED-4DB2-BD59-A6C34878D82A}">
+                    <a16:rowId xmlns:a16="http://schemas.microsoft.com/office/drawing/2014/main" val="1854054565"/>
+                  </a:ext>
+                </a:extLst>
+              </a:tr>
+              <a:tr h="1265234">
+                <a:tc>
+                  <a:txBody>
+                    <a:bodyPr/>
+                    <a:lstStyle/>
+                    <a:p>
+                      <a:endParaRPr lang="en-US" dirty="0"/>
+                    </a:p>
+                  </a:txBody>
+                  <a:tcPr/>
+                </a:tc>
+                <a:tc>
+                  <a:txBody>
+                    <a:bodyPr/>
+                    <a:lstStyle/>
+                    <a:p>
+                      <a:r>
+                        <a:rPr lang="en-US" dirty="0"/>
+                        <a:t>- Spend more time per iteration</a:t>
+                      </a:r>
+                    </a:p>
+                    <a:p>
+                      <a:r>
+                        <a:rPr lang="en-US" dirty="0"/>
+                        <a:t>- Small training datasets (m&lt; 2000)</a:t>
+                      </a:r>
+                    </a:p>
+                    <a:p>
+                      <a:r>
+                        <a:rPr lang="en-US" dirty="0"/>
+                        <a:t>- Pros: requires a large amount of computer resources with the large training dataset.</a:t>
+                      </a:r>
+                    </a:p>
+                  </a:txBody>
+                  <a:tcPr/>
+                </a:tc>
+                <a:tc>
+                  <a:txBody>
+                    <a:bodyPr/>
+                    <a:lstStyle/>
+                    <a:p>
+                      <a:pPr marL="285750" indent="-285750">
+                        <a:buFontTx/>
+                        <a:buChar char="-"/>
+                      </a:pPr>
+                      <a:r>
+                        <a:rPr lang="en-US" dirty="0"/>
+                        <a:t>The parameters of all the layers are updated after every training sample.</a:t>
+                      </a:r>
+                    </a:p>
+                    <a:p>
+                      <a:pPr marL="285750" indent="-285750">
+                        <a:buFontTx/>
+                        <a:buChar char="-"/>
+                      </a:pPr>
+                      <a:endParaRPr lang="en-US" dirty="0"/>
+                    </a:p>
+                  </a:txBody>
+                  <a:tcPr/>
+                </a:tc>
+                <a:tc>
+                  <a:txBody>
+                    <a:bodyPr/>
+                    <a:lstStyle/>
+                    <a:p>
+                      <a:pPr marL="285750" indent="-285750">
+                        <a:buFontTx/>
+                        <a:buChar char="-"/>
+                      </a:pPr>
+                      <a:r>
+                        <a:rPr lang="en-US" dirty="0"/>
+                        <a:t>Fastest learning</a:t>
+                      </a:r>
+                    </a:p>
+                    <a:p>
+                      <a:pPr marL="285750" indent="-285750">
+                        <a:buFontTx/>
+                        <a:buChar char="-"/>
+                      </a:pPr>
+                      <a:r>
+                        <a:rPr lang="en-US" dirty="0"/>
+                        <a:t>Often, n is a power of 2.</a:t>
+                      </a:r>
+                    </a:p>
+                  </a:txBody>
+                  <a:tcPr/>
+                </a:tc>
+                <a:extLst>
+                  <a:ext uri="{0D108BD9-81ED-4DB2-BD59-A6C34878D82A}">
+                    <a16:rowId xmlns:a16="http://schemas.microsoft.com/office/drawing/2014/main" val="1273009592"/>
+                  </a:ext>
+                </a:extLst>
+              </a:tr>
+            </a:tbl>
+          </a:graphicData>
+        </a:graphic>
+      </p:graphicFrame>
     </p:spTree>
     <p:extLst>
       <p:ext uri="{BB962C8B-B14F-4D97-AF65-F5344CB8AC3E}">
@@ -12343,11 +14546,617 @@
           <a:p>
             <a:r>
               <a:rPr lang="en-US" dirty="0"/>
-              <a:t>2.2 Exponentially Weighted Averages</a:t>
+              <a:t>2.2 Exponentially Weighted Averages (1)</a:t>
             </a:r>
           </a:p>
         </p:txBody>
       </p:sp>
+      <mc:AlternateContent xmlns:mc="http://schemas.openxmlformats.org/markup-compatibility/2006">
+        <mc:Choice xmlns:a14="http://schemas.microsoft.com/office/drawing/2010/main" Requires="a14">
+          <p:sp>
+            <p:nvSpPr>
+              <p:cNvPr id="6" name="Rectangle 5">
+                <a:extLst>
+                  <a:ext uri="{FF2B5EF4-FFF2-40B4-BE49-F238E27FC236}">
+                    <a16:creationId xmlns:a16="http://schemas.microsoft.com/office/drawing/2014/main" id="{4C3A4434-431B-4C4C-9D62-80DA82E42A41}"/>
+                  </a:ext>
+                </a:extLst>
+              </p:cNvPr>
+              <p:cNvSpPr/>
+              <p:nvPr/>
+            </p:nvSpPr>
+            <p:spPr>
+              <a:xfrm>
+                <a:off x="320041" y="1016000"/>
+                <a:ext cx="7696199" cy="5067413"/>
+              </a:xfrm>
+              <a:prstGeom prst="rect">
+                <a:avLst/>
+              </a:prstGeom>
+            </p:spPr>
+            <p:txBody>
+              <a:bodyPr wrap="square">
+                <a:spAutoFit/>
+              </a:bodyPr>
+              <a:lstStyle/>
+              <a:p>
+                <a:pPr marL="742864" lvl="1" indent="-285750">
+                  <a:buFont typeface="Wingdings" panose="05000000000000000000" pitchFamily="2" charset="2"/>
+                  <a:buChar char="v"/>
+                </a:pPr>
+                <a:r>
+                  <a:rPr lang="en-US" sz="1600" dirty="0"/>
+                  <a:t>Example: Temperature in London</a:t>
+                </a:r>
+              </a:p>
+              <a:p>
+                <a:pPr marL="1199978" lvl="2" indent="-285750">
+                  <a:buFont typeface="Wingdings" panose="05000000000000000000" pitchFamily="2" charset="2"/>
+                  <a:buChar char="§"/>
+                </a:pPr>
+                <a:r>
+                  <a:rPr lang="en-US" sz="1600" dirty="0"/>
+                  <a:t>The local average of the temperature at n</a:t>
+                </a:r>
+                <a:r>
+                  <a:rPr lang="en-US" sz="1600" baseline="30000" dirty="0"/>
+                  <a:t>th </a:t>
+                </a:r>
+                <a:r>
+                  <a:rPr lang="en-US" sz="1600" dirty="0"/>
+                  <a:t>day:</a:t>
+                </a:r>
+              </a:p>
+              <a:p>
+                <a:pPr lvl="2"/>
+                <a:r>
+                  <a:rPr lang="en-US" sz="1600" dirty="0"/>
+                  <a:t>	</a:t>
+                </a:r>
+                <a14:m>
+                  <m:oMath xmlns:m="http://schemas.openxmlformats.org/officeDocument/2006/math">
+                    <m:sSub>
+                      <m:sSubPr>
+                        <m:ctrlPr>
+                          <a:rPr lang="en-US" sz="1600" i="1" smtClean="0">
+                            <a:latin typeface="Cambria Math" panose="02040503050406030204" pitchFamily="18" charset="0"/>
+                          </a:rPr>
+                        </m:ctrlPr>
+                      </m:sSubPr>
+                      <m:e>
+                        <m:r>
+                          <a:rPr lang="en-US" sz="1600" i="1">
+                            <a:latin typeface="Cambria Math" panose="02040503050406030204" pitchFamily="18" charset="0"/>
+                          </a:rPr>
+                          <m:t>𝑣</m:t>
+                        </m:r>
+                      </m:e>
+                      <m:sub>
+                        <m:r>
+                          <a:rPr lang="en-US" sz="1600" b="0" i="1" smtClean="0">
+                            <a:latin typeface="Cambria Math" panose="02040503050406030204" pitchFamily="18" charset="0"/>
+                          </a:rPr>
+                          <m:t>0</m:t>
+                        </m:r>
+                      </m:sub>
+                    </m:sSub>
+                  </m:oMath>
+                </a14:m>
+                <a:r>
+                  <a:rPr lang="en-US" sz="1600" baseline="-25000" dirty="0"/>
+                  <a:t> </a:t>
+                </a:r>
+                <a:r>
+                  <a:rPr lang="en-US" sz="1600" dirty="0"/>
+                  <a:t>= 0</a:t>
+                </a:r>
+              </a:p>
+              <a:p>
+                <a:pPr lvl="2"/>
+                <a:r>
+                  <a:rPr lang="en-US" sz="1600" dirty="0"/>
+                  <a:t>	</a:t>
+                </a:r>
+                <a14:m>
+                  <m:oMath xmlns:m="http://schemas.openxmlformats.org/officeDocument/2006/math">
+                    <m:sSub>
+                      <m:sSubPr>
+                        <m:ctrlPr>
+                          <a:rPr lang="en-US" sz="1600" i="1" smtClean="0">
+                            <a:latin typeface="Cambria Math" panose="02040503050406030204" pitchFamily="18" charset="0"/>
+                          </a:rPr>
+                        </m:ctrlPr>
+                      </m:sSubPr>
+                      <m:e>
+                        <m:r>
+                          <a:rPr lang="en-US" sz="1600" b="0" i="1" smtClean="0">
+                            <a:latin typeface="Cambria Math" panose="02040503050406030204" pitchFamily="18" charset="0"/>
+                          </a:rPr>
+                          <m:t>𝑣</m:t>
+                        </m:r>
+                      </m:e>
+                      <m:sub>
+                        <m:r>
+                          <a:rPr lang="en-US" sz="1600" b="0" i="1" smtClean="0">
+                            <a:latin typeface="Cambria Math" panose="02040503050406030204" pitchFamily="18" charset="0"/>
+                          </a:rPr>
+                          <m:t>𝑛</m:t>
+                        </m:r>
+                      </m:sub>
+                    </m:sSub>
+                  </m:oMath>
+                </a14:m>
+                <a:r>
+                  <a:rPr lang="en-US" sz="1600" baseline="-25000" dirty="0"/>
+                  <a:t> </a:t>
+                </a:r>
+                <a:r>
+                  <a:rPr lang="en-US" sz="1600" dirty="0"/>
+                  <a:t>= 0.9*v</a:t>
+                </a:r>
+                <a:r>
+                  <a:rPr lang="en-US" sz="1600" baseline="-25000" dirty="0"/>
+                  <a:t>n-1 </a:t>
+                </a:r>
+                <a:r>
+                  <a:rPr lang="en-US" sz="1600" dirty="0"/>
+                  <a:t>+ 0.1*</a:t>
+                </a:r>
+                <a14:m>
+                  <m:oMath xmlns:m="http://schemas.openxmlformats.org/officeDocument/2006/math">
+                    <m:sSub>
+                      <m:sSubPr>
+                        <m:ctrlPr>
+                          <a:rPr lang="en-US" sz="1600" i="1" smtClean="0">
+                            <a:latin typeface="Cambria Math" panose="02040503050406030204" pitchFamily="18" charset="0"/>
+                          </a:rPr>
+                        </m:ctrlPr>
+                      </m:sSubPr>
+                      <m:e>
+                        <m:r>
+                          <a:rPr lang="en-US" sz="1600" i="1" smtClean="0">
+                            <a:latin typeface="Cambria Math" panose="02040503050406030204" pitchFamily="18" charset="0"/>
+                            <a:ea typeface="Cambria Math" panose="02040503050406030204" pitchFamily="18" charset="0"/>
+                          </a:rPr>
+                          <m:t>𝜃</m:t>
+                        </m:r>
+                      </m:e>
+                      <m:sub>
+                        <m:r>
+                          <a:rPr lang="en-US" sz="1600" b="0" i="1" smtClean="0">
+                            <a:latin typeface="Cambria Math" panose="02040503050406030204" pitchFamily="18" charset="0"/>
+                          </a:rPr>
+                          <m:t>𝑛</m:t>
+                        </m:r>
+                      </m:sub>
+                    </m:sSub>
+                    <m:r>
+                      <a:rPr lang="en-US" sz="1600" b="0" i="0" smtClean="0">
+                        <a:latin typeface="Cambria Math" panose="02040503050406030204" pitchFamily="18" charset="0"/>
+                      </a:rPr>
+                      <m:t> </m:t>
+                    </m:r>
+                  </m:oMath>
+                </a14:m>
+                <a:r>
+                  <a:rPr lang="en-US" sz="1600" dirty="0"/>
+                  <a:t> , </a:t>
+                </a:r>
+                <a14:m>
+                  <m:oMath xmlns:m="http://schemas.openxmlformats.org/officeDocument/2006/math">
+                    <m:sSub>
+                      <m:sSubPr>
+                        <m:ctrlPr>
+                          <a:rPr lang="en-US" sz="1600" i="1">
+                            <a:latin typeface="Cambria Math" panose="02040503050406030204" pitchFamily="18" charset="0"/>
+                          </a:rPr>
+                        </m:ctrlPr>
+                      </m:sSubPr>
+                      <m:e>
+                        <m:r>
+                          <a:rPr lang="en-US" sz="1600" i="1">
+                            <a:latin typeface="Cambria Math" panose="02040503050406030204" pitchFamily="18" charset="0"/>
+                            <a:ea typeface="Cambria Math" panose="02040503050406030204" pitchFamily="18" charset="0"/>
+                          </a:rPr>
+                          <m:t>𝜃</m:t>
+                        </m:r>
+                      </m:e>
+                      <m:sub>
+                        <m:r>
+                          <a:rPr lang="en-US" sz="1600" i="1">
+                            <a:latin typeface="Cambria Math" panose="02040503050406030204" pitchFamily="18" charset="0"/>
+                          </a:rPr>
+                          <m:t>𝑛</m:t>
+                        </m:r>
+                      </m:sub>
+                    </m:sSub>
+                    <m:r>
+                      <a:rPr lang="en-US" sz="1600">
+                        <a:latin typeface="Cambria Math" panose="02040503050406030204" pitchFamily="18" charset="0"/>
+                      </a:rPr>
+                      <m:t> </m:t>
+                    </m:r>
+                  </m:oMath>
+                </a14:m>
+                <a:r>
+                  <a:rPr lang="en-US" sz="1600" dirty="0"/>
+                  <a:t> : the temp of n</a:t>
+                </a:r>
+                <a:r>
+                  <a:rPr lang="en-US" sz="1600" baseline="30000" dirty="0"/>
+                  <a:t>th </a:t>
+                </a:r>
+                <a:r>
+                  <a:rPr lang="en-US" sz="1600" dirty="0"/>
+                  <a:t>day</a:t>
+                </a:r>
+                <a:endParaRPr lang="en-US" sz="1600" baseline="-25000" dirty="0"/>
+              </a:p>
+              <a:p>
+                <a:pPr marL="1199978" lvl="2" indent="-285750">
+                  <a:buFont typeface="Wingdings" panose="05000000000000000000" pitchFamily="2" charset="2"/>
+                  <a:buChar char="§"/>
+                </a:pPr>
+                <a:endParaRPr lang="en-US" sz="1600" baseline="-25000" dirty="0"/>
+              </a:p>
+              <a:p>
+                <a:pPr marL="1199978" lvl="2" indent="-285750">
+                  <a:buFont typeface="Wingdings" panose="05000000000000000000" pitchFamily="2" charset="2"/>
+                  <a:buChar char="§"/>
+                </a:pPr>
+                <a:r>
+                  <a:rPr lang="en-US" sz="1600" dirty="0"/>
+                  <a:t>General equation:</a:t>
+                </a:r>
+              </a:p>
+              <a:p>
+                <a:pPr lvl="2"/>
+                <a:r>
+                  <a:rPr lang="en-US" sz="1600" dirty="0"/>
+                  <a:t>	V</a:t>
+                </a:r>
+                <a:r>
+                  <a:rPr lang="en-US" sz="1600" baseline="-25000" dirty="0"/>
+                  <a:t>(t) </a:t>
+                </a:r>
+                <a:r>
+                  <a:rPr lang="en-US" sz="1600" dirty="0"/>
+                  <a:t>= </a:t>
+                </a:r>
+                <a14:m>
+                  <m:oMath xmlns:m="http://schemas.openxmlformats.org/officeDocument/2006/math">
+                    <m:r>
+                      <a:rPr lang="en-US" sz="1600" i="1" smtClean="0">
+                        <a:latin typeface="Cambria Math" panose="02040503050406030204" pitchFamily="18" charset="0"/>
+                        <a:ea typeface="Cambria Math" panose="02040503050406030204" pitchFamily="18" charset="0"/>
+                      </a:rPr>
+                      <m:t>𝛽</m:t>
+                    </m:r>
+                  </m:oMath>
+                </a14:m>
+                <a:r>
+                  <a:rPr lang="en-US" sz="1600" dirty="0"/>
+                  <a:t>*V</a:t>
+                </a:r>
+                <a:r>
+                  <a:rPr lang="en-US" sz="1600" baseline="-25000" dirty="0"/>
+                  <a:t>(t-1) </a:t>
+                </a:r>
+                <a:r>
+                  <a:rPr lang="en-US" sz="1600" dirty="0"/>
+                  <a:t>+ (1 - </a:t>
+                </a:r>
+                <a14:m>
+                  <m:oMath xmlns:m="http://schemas.openxmlformats.org/officeDocument/2006/math">
+                    <m:r>
+                      <a:rPr lang="en-US" sz="1600" i="1">
+                        <a:latin typeface="Cambria Math" panose="02040503050406030204" pitchFamily="18" charset="0"/>
+                        <a:ea typeface="Cambria Math" panose="02040503050406030204" pitchFamily="18" charset="0"/>
+                      </a:rPr>
+                      <m:t>𝛽</m:t>
+                    </m:r>
+                  </m:oMath>
+                </a14:m>
+                <a:r>
+                  <a:rPr lang="en-US" sz="1600" dirty="0"/>
+                  <a:t>)* </a:t>
+                </a:r>
+                <a14:m>
+                  <m:oMath xmlns:m="http://schemas.openxmlformats.org/officeDocument/2006/math">
+                    <m:sSub>
+                      <m:sSubPr>
+                        <m:ctrlPr>
+                          <a:rPr lang="en-US" sz="1600" i="1">
+                            <a:latin typeface="Cambria Math" panose="02040503050406030204" pitchFamily="18" charset="0"/>
+                          </a:rPr>
+                        </m:ctrlPr>
+                      </m:sSubPr>
+                      <m:e>
+                        <m:r>
+                          <a:rPr lang="en-US" sz="1600" i="1">
+                            <a:latin typeface="Cambria Math" panose="02040503050406030204" pitchFamily="18" charset="0"/>
+                            <a:ea typeface="Cambria Math" panose="02040503050406030204" pitchFamily="18" charset="0"/>
+                          </a:rPr>
+                          <m:t>𝜃</m:t>
+                        </m:r>
+                      </m:e>
+                      <m:sub>
+                        <m:r>
+                          <a:rPr lang="en-US" sz="1600" i="1">
+                            <a:latin typeface="Cambria Math" panose="02040503050406030204" pitchFamily="18" charset="0"/>
+                          </a:rPr>
+                          <m:t>𝑛</m:t>
+                        </m:r>
+                      </m:sub>
+                    </m:sSub>
+                    <m:r>
+                      <a:rPr lang="en-US" sz="1600">
+                        <a:latin typeface="Cambria Math" panose="02040503050406030204" pitchFamily="18" charset="0"/>
+                      </a:rPr>
+                      <m:t> </m:t>
+                    </m:r>
+                  </m:oMath>
+                </a14:m>
+                <a:endParaRPr lang="en-US" sz="1600" dirty="0"/>
+              </a:p>
+              <a:p>
+                <a:pPr marL="1199978" lvl="2" indent="-285750">
+                  <a:buFont typeface="Wingdings" panose="05000000000000000000" pitchFamily="2" charset="2"/>
+                  <a:buChar char="§"/>
+                </a:pPr>
+                <a:endParaRPr lang="en-US" sz="1600" baseline="-25000" dirty="0"/>
+              </a:p>
+              <a:p>
+                <a:pPr marL="1199978" lvl="2" indent="-285750">
+                  <a:buFont typeface="Wingdings" panose="05000000000000000000" pitchFamily="2" charset="2"/>
+                  <a:buChar char="§"/>
+                </a:pPr>
+                <a:r>
+                  <a:rPr lang="en-US" sz="1600" dirty="0"/>
+                  <a:t>The plot will represent averages over ~</a:t>
+                </a:r>
+                <a14:m>
+                  <m:oMath xmlns:m="http://schemas.openxmlformats.org/officeDocument/2006/math">
+                    <m:f>
+                      <m:fPr>
+                        <m:ctrlPr>
+                          <a:rPr lang="en-US" sz="1600" i="1" smtClean="0">
+                            <a:latin typeface="Cambria Math" panose="02040503050406030204" pitchFamily="18" charset="0"/>
+                          </a:rPr>
+                        </m:ctrlPr>
+                      </m:fPr>
+                      <m:num>
+                        <m:r>
+                          <a:rPr lang="en-US" sz="1600" b="0" i="1" smtClean="0">
+                            <a:latin typeface="Cambria Math" panose="02040503050406030204" pitchFamily="18" charset="0"/>
+                          </a:rPr>
+                          <m:t>1</m:t>
+                        </m:r>
+                      </m:num>
+                      <m:den>
+                        <m:r>
+                          <a:rPr lang="en-US" sz="1600" b="0" i="1" smtClean="0">
+                            <a:latin typeface="Cambria Math" panose="02040503050406030204" pitchFamily="18" charset="0"/>
+                          </a:rPr>
+                          <m:t>1 −</m:t>
+                        </m:r>
+                        <m:r>
+                          <a:rPr lang="en-US" sz="1600" i="1">
+                            <a:latin typeface="Cambria Math" panose="02040503050406030204" pitchFamily="18" charset="0"/>
+                            <a:ea typeface="Cambria Math" panose="02040503050406030204" pitchFamily="18" charset="0"/>
+                          </a:rPr>
+                          <m:t>𝛽</m:t>
+                        </m:r>
+                      </m:den>
+                    </m:f>
+                  </m:oMath>
+                </a14:m>
+                <a:r>
+                  <a:rPr lang="en-US" sz="1600" dirty="0"/>
+                  <a:t> entries</a:t>
+                </a:r>
+              </a:p>
+              <a:p>
+                <a:pPr marL="1199978" lvl="2" indent="-285750">
+                  <a:buFont typeface="Wingdings" panose="05000000000000000000" pitchFamily="2" charset="2"/>
+                  <a:buChar char="§"/>
+                </a:pPr>
+                <a14:m>
+                  <m:oMath xmlns:m="http://schemas.openxmlformats.org/officeDocument/2006/math">
+                    <m:r>
+                      <a:rPr lang="en-US" sz="1600" i="1">
+                        <a:latin typeface="Cambria Math" panose="02040503050406030204" pitchFamily="18" charset="0"/>
+                        <a:ea typeface="Cambria Math" panose="02040503050406030204" pitchFamily="18" charset="0"/>
+                      </a:rPr>
+                      <m:t>𝛽</m:t>
+                    </m:r>
+                  </m:oMath>
+                </a14:m>
+                <a:r>
+                  <a:rPr lang="en-US" sz="1600" dirty="0"/>
+                  <a:t> = 0.98 -&gt; represent ~50 entries (green line).</a:t>
+                </a:r>
+              </a:p>
+              <a:p>
+                <a:pPr marL="1199978" lvl="2" indent="-285750">
+                  <a:buFont typeface="Wingdings" panose="05000000000000000000" pitchFamily="2" charset="2"/>
+                  <a:buChar char="§"/>
+                </a:pPr>
+                <a14:m>
+                  <m:oMath xmlns:m="http://schemas.openxmlformats.org/officeDocument/2006/math">
+                    <m:r>
+                      <a:rPr lang="en-US" sz="1600" i="1">
+                        <a:latin typeface="Cambria Math" panose="02040503050406030204" pitchFamily="18" charset="0"/>
+                        <a:ea typeface="Cambria Math" panose="02040503050406030204" pitchFamily="18" charset="0"/>
+                      </a:rPr>
+                      <m:t>𝛽</m:t>
+                    </m:r>
+                  </m:oMath>
+                </a14:m>
+                <a:r>
+                  <a:rPr lang="en-US" sz="1600" dirty="0"/>
+                  <a:t> = 0.9 -&gt;  represent ~10 entries (red line).</a:t>
+                </a:r>
+              </a:p>
+              <a:p>
+                <a:pPr marL="742864" lvl="1" indent="-285750">
+                  <a:buFont typeface="Wingdings" panose="05000000000000000000" pitchFamily="2" charset="2"/>
+                  <a:buChar char="v"/>
+                </a:pPr>
+                <a:r>
+                  <a:rPr lang="en-US" sz="1600" dirty="0"/>
+                  <a:t>Intuition:</a:t>
+                </a:r>
+              </a:p>
+              <a:p>
+                <a:pPr marL="1199978" lvl="2" indent="-285750">
+                  <a:buFont typeface="Wingdings" panose="05000000000000000000" pitchFamily="2" charset="2"/>
+                  <a:buChar char="§"/>
+                </a:pPr>
+                <a:r>
+                  <a:rPr lang="en-US" sz="1600" dirty="0"/>
+                  <a:t>With modify </a:t>
+                </a:r>
+                <a14:m>
+                  <m:oMath xmlns:m="http://schemas.openxmlformats.org/officeDocument/2006/math">
+                    <m:r>
+                      <a:rPr lang="en-US" sz="1600" i="1">
+                        <a:latin typeface="Cambria Math" panose="02040503050406030204" pitchFamily="18" charset="0"/>
+                        <a:ea typeface="Cambria Math" panose="02040503050406030204" pitchFamily="18" charset="0"/>
+                      </a:rPr>
+                      <m:t>𝛽</m:t>
+                    </m:r>
+                  </m:oMath>
+                </a14:m>
+                <a:r>
+                  <a:rPr lang="en-US" sz="1600" dirty="0"/>
+                  <a:t>, we can get the averages of skewed data points.</a:t>
+                </a:r>
+              </a:p>
+              <a:p>
+                <a:pPr marL="742864" lvl="1" indent="-285750">
+                  <a:buFont typeface="Wingdings" panose="05000000000000000000" pitchFamily="2" charset="2"/>
+                  <a:buChar char="v"/>
+                </a:pPr>
+                <a:endParaRPr lang="en-US" sz="1600" dirty="0"/>
+              </a:p>
+              <a:p>
+                <a:pPr marL="1199978" lvl="2" indent="-285750">
+                  <a:buFont typeface="Wingdings" panose="05000000000000000000" pitchFamily="2" charset="2"/>
+                  <a:buChar char="§"/>
+                </a:pPr>
+                <a:endParaRPr lang="en-US" sz="1600" dirty="0"/>
+              </a:p>
+              <a:p>
+                <a:pPr marL="1199978" lvl="2" indent="-285750">
+                  <a:buFont typeface="Wingdings" panose="05000000000000000000" pitchFamily="2" charset="2"/>
+                  <a:buChar char="§"/>
+                </a:pPr>
+                <a:endParaRPr lang="en-US" sz="1600" dirty="0"/>
+              </a:p>
+              <a:p>
+                <a:pPr lvl="2"/>
+                <a:endParaRPr lang="en-US" sz="1600" baseline="-25000" dirty="0"/>
+              </a:p>
+              <a:p>
+                <a:pPr lvl="2"/>
+                <a:r>
+                  <a:rPr lang="en-US" sz="1600" dirty="0"/>
+                  <a:t> </a:t>
+                </a:r>
+              </a:p>
+              <a:p>
+                <a:pPr lvl="2"/>
+                <a:r>
+                  <a:rPr lang="en-US" sz="1600" baseline="-25000" dirty="0"/>
+                  <a:t>  </a:t>
+                </a:r>
+              </a:p>
+              <a:p>
+                <a:pPr lvl="1"/>
+                <a:endParaRPr lang="en-US" sz="1600" dirty="0"/>
+              </a:p>
+              <a:p>
+                <a:endParaRPr lang="en-US" sz="1600" dirty="0"/>
+              </a:p>
+            </p:txBody>
+          </p:sp>
+        </mc:Choice>
+        <mc:Fallback>
+          <p:sp>
+            <p:nvSpPr>
+              <p:cNvPr id="6" name="Rectangle 5">
+                <a:extLst>
+                  <a:ext uri="{FF2B5EF4-FFF2-40B4-BE49-F238E27FC236}">
+                    <a16:creationId xmlns:a16="http://schemas.microsoft.com/office/drawing/2014/main" id="{4C3A4434-431B-4C4C-9D62-80DA82E42A41}"/>
+                  </a:ext>
+                </a:extLst>
+              </p:cNvPr>
+              <p:cNvSpPr>
+                <a:spLocks noRot="1" noChangeAspect="1" noMove="1" noResize="1" noEditPoints="1" noAdjustHandles="1" noChangeArrowheads="1" noChangeShapeType="1" noTextEdit="1"/>
+              </p:cNvSpPr>
+              <p:nvPr/>
+            </p:nvSpPr>
+            <p:spPr>
+              <a:xfrm>
+                <a:off x="320041" y="1016000"/>
+                <a:ext cx="7696199" cy="5067413"/>
+              </a:xfrm>
+              <a:prstGeom prst="rect">
+                <a:avLst/>
+              </a:prstGeom>
+              <a:blipFill>
+                <a:blip r:embed="rId3"/>
+                <a:stretch>
+                  <a:fillRect t="-481"/>
+                </a:stretch>
+              </a:blipFill>
+            </p:spPr>
+            <p:txBody>
+              <a:bodyPr/>
+              <a:lstStyle/>
+              <a:p>
+                <a:r>
+                  <a:rPr lang="en-US">
+                    <a:noFill/>
+                  </a:rPr>
+                  <a:t> </a:t>
+                </a:r>
+              </a:p>
+            </p:txBody>
+          </p:sp>
+        </mc:Fallback>
+      </mc:AlternateContent>
+      <p:pic>
+        <p:nvPicPr>
+          <p:cNvPr id="9" name="Picture 8">
+            <a:extLst>
+              <a:ext uri="{FF2B5EF4-FFF2-40B4-BE49-F238E27FC236}">
+                <a16:creationId xmlns:a16="http://schemas.microsoft.com/office/drawing/2014/main" id="{F3F45903-708E-4003-BE2A-010B4C51B901}"/>
+              </a:ext>
+            </a:extLst>
+          </p:cNvPr>
+          <p:cNvPicPr>
+            <a:picLocks noChangeAspect="1"/>
+          </p:cNvPicPr>
+          <p:nvPr/>
+        </p:nvPicPr>
+        <p:blipFill>
+          <a:blip r:embed="rId4"/>
+          <a:stretch>
+            <a:fillRect/>
+          </a:stretch>
+        </p:blipFill>
+        <p:spPr>
+          <a:xfrm>
+            <a:off x="6701871" y="939800"/>
+            <a:ext cx="5380096" cy="2489200"/>
+          </a:xfrm>
+          <a:prstGeom prst="rect">
+            <a:avLst/>
+          </a:prstGeom>
+        </p:spPr>
+      </p:pic>
     </p:spTree>
     <p:extLst>
       <p:ext uri="{BB962C8B-B14F-4D97-AF65-F5344CB8AC3E}">
@@ -12406,15 +15215,562 @@
           <a:p>
             <a:r>
               <a:rPr lang="en-US" dirty="0"/>
-              <a:t>2.3 Bias Correction in Exponentially Weighted Averages</a:t>
+              <a:t>2.2 Exponentially Weighted Averages (2)</a:t>
             </a:r>
           </a:p>
         </p:txBody>
       </p:sp>
+      <mc:AlternateContent xmlns:mc="http://schemas.openxmlformats.org/markup-compatibility/2006">
+        <mc:Choice xmlns:a14="http://schemas.microsoft.com/office/drawing/2010/main" Requires="a14">
+          <p:sp>
+            <p:nvSpPr>
+              <p:cNvPr id="6" name="Rectangle 5">
+                <a:extLst>
+                  <a:ext uri="{FF2B5EF4-FFF2-40B4-BE49-F238E27FC236}">
+                    <a16:creationId xmlns:a16="http://schemas.microsoft.com/office/drawing/2014/main" id="{4C3A4434-431B-4C4C-9D62-80DA82E42A41}"/>
+                  </a:ext>
+                </a:extLst>
+              </p:cNvPr>
+              <p:cNvSpPr/>
+              <p:nvPr/>
+            </p:nvSpPr>
+            <p:spPr>
+              <a:xfrm>
+                <a:off x="320041" y="1016000"/>
+                <a:ext cx="7696199" cy="4852610"/>
+              </a:xfrm>
+              <a:prstGeom prst="rect">
+                <a:avLst/>
+              </a:prstGeom>
+            </p:spPr>
+            <p:txBody>
+              <a:bodyPr wrap="square">
+                <a:spAutoFit/>
+              </a:bodyPr>
+              <a:lstStyle/>
+              <a:p>
+                <a:pPr marL="742864" lvl="1" indent="-285750">
+                  <a:buFont typeface="Wingdings" panose="05000000000000000000" pitchFamily="2" charset="2"/>
+                  <a:buChar char="v"/>
+                </a:pPr>
+                <a:r>
+                  <a:rPr lang="en-US" sz="1600" dirty="0"/>
+                  <a:t>Consider 100</a:t>
+                </a:r>
+                <a:r>
+                  <a:rPr lang="en-US" sz="1600" baseline="30000" dirty="0"/>
+                  <a:t>th</a:t>
+                </a:r>
+                <a:r>
+                  <a:rPr lang="en-US" sz="1600" dirty="0"/>
+                  <a:t> day:</a:t>
+                </a:r>
+              </a:p>
+              <a:p>
+                <a:pPr marL="1199978" lvl="2" indent="-285750">
+                  <a:buFont typeface="Wingdings" panose="05000000000000000000" pitchFamily="2" charset="2"/>
+                  <a:buChar char="§"/>
+                </a:pPr>
+                <a14:m>
+                  <m:oMath xmlns:m="http://schemas.openxmlformats.org/officeDocument/2006/math">
+                    <m:sSub>
+                      <m:sSubPr>
+                        <m:ctrlPr>
+                          <a:rPr lang="en-US" sz="1600" i="1">
+                            <a:latin typeface="Cambria Math" panose="02040503050406030204" pitchFamily="18" charset="0"/>
+                          </a:rPr>
+                        </m:ctrlPr>
+                      </m:sSubPr>
+                      <m:e>
+                        <m:r>
+                          <a:rPr lang="en-US" sz="1600" i="1">
+                            <a:latin typeface="Cambria Math" panose="02040503050406030204" pitchFamily="18" charset="0"/>
+                          </a:rPr>
+                          <m:t>𝑣</m:t>
+                        </m:r>
+                      </m:e>
+                      <m:sub>
+                        <m:r>
+                          <a:rPr lang="en-US" sz="1600" b="0" i="1" smtClean="0">
+                            <a:latin typeface="Cambria Math" panose="02040503050406030204" pitchFamily="18" charset="0"/>
+                          </a:rPr>
+                          <m:t>100</m:t>
+                        </m:r>
+                      </m:sub>
+                    </m:sSub>
+                  </m:oMath>
+                </a14:m>
+                <a:r>
+                  <a:rPr lang="en-US" sz="1600" baseline="-25000" dirty="0"/>
+                  <a:t> </a:t>
+                </a:r>
+                <a:r>
+                  <a:rPr lang="en-US" sz="1600" dirty="0"/>
+                  <a:t>= 0.9*v</a:t>
+                </a:r>
+                <a:r>
+                  <a:rPr lang="en-US" sz="1600" baseline="-25000" dirty="0"/>
+                  <a:t>99 </a:t>
+                </a:r>
+                <a:r>
+                  <a:rPr lang="en-US" sz="1600" dirty="0"/>
+                  <a:t>+ 0.1*</a:t>
+                </a:r>
+                <a14:m>
+                  <m:oMath xmlns:m="http://schemas.openxmlformats.org/officeDocument/2006/math">
+                    <m:sSub>
+                      <m:sSubPr>
+                        <m:ctrlPr>
+                          <a:rPr lang="en-US" sz="1600" i="1">
+                            <a:latin typeface="Cambria Math" panose="02040503050406030204" pitchFamily="18" charset="0"/>
+                          </a:rPr>
+                        </m:ctrlPr>
+                      </m:sSubPr>
+                      <m:e>
+                        <m:r>
+                          <a:rPr lang="en-US" sz="1600" i="1">
+                            <a:latin typeface="Cambria Math" panose="02040503050406030204" pitchFamily="18" charset="0"/>
+                            <a:ea typeface="Cambria Math" panose="02040503050406030204" pitchFamily="18" charset="0"/>
+                          </a:rPr>
+                          <m:t>𝜃</m:t>
+                        </m:r>
+                      </m:e>
+                      <m:sub>
+                        <m:r>
+                          <a:rPr lang="en-US" sz="1600" b="0" i="1" smtClean="0">
+                            <a:latin typeface="Cambria Math" panose="02040503050406030204" pitchFamily="18" charset="0"/>
+                            <a:ea typeface="Cambria Math" panose="02040503050406030204" pitchFamily="18" charset="0"/>
+                          </a:rPr>
+                          <m:t>100</m:t>
+                        </m:r>
+                      </m:sub>
+                    </m:sSub>
+                  </m:oMath>
+                </a14:m>
+                <a:r>
+                  <a:rPr lang="en-US" sz="1600" dirty="0"/>
+                  <a:t> = 0.1*</a:t>
+                </a:r>
+                <a14:m>
+                  <m:oMath xmlns:m="http://schemas.openxmlformats.org/officeDocument/2006/math">
+                    <m:sSub>
+                      <m:sSubPr>
+                        <m:ctrlPr>
+                          <a:rPr lang="en-US" sz="1600" i="1">
+                            <a:latin typeface="Cambria Math" panose="02040503050406030204" pitchFamily="18" charset="0"/>
+                          </a:rPr>
+                        </m:ctrlPr>
+                      </m:sSubPr>
+                      <m:e>
+                        <m:r>
+                          <a:rPr lang="en-US" sz="1600" i="1">
+                            <a:latin typeface="Cambria Math" panose="02040503050406030204" pitchFamily="18" charset="0"/>
+                            <a:ea typeface="Cambria Math" panose="02040503050406030204" pitchFamily="18" charset="0"/>
+                          </a:rPr>
+                          <m:t>𝜃</m:t>
+                        </m:r>
+                      </m:e>
+                      <m:sub>
+                        <m:r>
+                          <a:rPr lang="en-US" sz="1600" i="1">
+                            <a:latin typeface="Cambria Math" panose="02040503050406030204" pitchFamily="18" charset="0"/>
+                            <a:ea typeface="Cambria Math" panose="02040503050406030204" pitchFamily="18" charset="0"/>
+                          </a:rPr>
+                          <m:t>100</m:t>
+                        </m:r>
+                      </m:sub>
+                    </m:sSub>
+                  </m:oMath>
+                </a14:m>
+                <a:r>
+                  <a:rPr lang="en-US" sz="1600" dirty="0"/>
+                  <a:t> + 0.9*(0.9*v</a:t>
+                </a:r>
+                <a:r>
+                  <a:rPr lang="en-US" sz="1600" baseline="-25000" dirty="0"/>
+                  <a:t>98 </a:t>
+                </a:r>
+                <a:r>
+                  <a:rPr lang="en-US" sz="1600" dirty="0"/>
+                  <a:t>+ 0.1*</a:t>
+                </a:r>
+                <a14:m>
+                  <m:oMath xmlns:m="http://schemas.openxmlformats.org/officeDocument/2006/math">
+                    <m:sSub>
+                      <m:sSubPr>
+                        <m:ctrlPr>
+                          <a:rPr lang="en-US" sz="1600" i="1">
+                            <a:latin typeface="Cambria Math" panose="02040503050406030204" pitchFamily="18" charset="0"/>
+                          </a:rPr>
+                        </m:ctrlPr>
+                      </m:sSubPr>
+                      <m:e>
+                        <m:r>
+                          <a:rPr lang="en-US" sz="1600" i="1">
+                            <a:latin typeface="Cambria Math" panose="02040503050406030204" pitchFamily="18" charset="0"/>
+                            <a:ea typeface="Cambria Math" panose="02040503050406030204" pitchFamily="18" charset="0"/>
+                          </a:rPr>
+                          <m:t>𝜃</m:t>
+                        </m:r>
+                      </m:e>
+                      <m:sub>
+                        <m:r>
+                          <a:rPr lang="en-US" sz="1600" b="0" i="1" smtClean="0">
+                            <a:latin typeface="Cambria Math" panose="02040503050406030204" pitchFamily="18" charset="0"/>
+                            <a:ea typeface="Cambria Math" panose="02040503050406030204" pitchFamily="18" charset="0"/>
+                          </a:rPr>
+                          <m:t>99</m:t>
+                        </m:r>
+                      </m:sub>
+                    </m:sSub>
+                  </m:oMath>
+                </a14:m>
+                <a:r>
+                  <a:rPr lang="en-US" sz="1600" dirty="0"/>
+                  <a:t>)</a:t>
+                </a:r>
+              </a:p>
+              <a:p>
+                <a:pPr lvl="2"/>
+                <a:r>
+                  <a:rPr lang="en-US" sz="1600" dirty="0"/>
+                  <a:t>             = 0.1*</a:t>
+                </a:r>
+                <a14:m>
+                  <m:oMath xmlns:m="http://schemas.openxmlformats.org/officeDocument/2006/math">
+                    <m:sSub>
+                      <m:sSubPr>
+                        <m:ctrlPr>
+                          <a:rPr lang="en-US" sz="1600" i="1">
+                            <a:latin typeface="Cambria Math" panose="02040503050406030204" pitchFamily="18" charset="0"/>
+                          </a:rPr>
+                        </m:ctrlPr>
+                      </m:sSubPr>
+                      <m:e>
+                        <m:r>
+                          <a:rPr lang="en-US" sz="1600" i="1">
+                            <a:latin typeface="Cambria Math" panose="02040503050406030204" pitchFamily="18" charset="0"/>
+                            <a:ea typeface="Cambria Math" panose="02040503050406030204" pitchFamily="18" charset="0"/>
+                          </a:rPr>
+                          <m:t>𝜃</m:t>
+                        </m:r>
+                      </m:e>
+                      <m:sub>
+                        <m:r>
+                          <a:rPr lang="en-US" sz="1600" i="1">
+                            <a:latin typeface="Cambria Math" panose="02040503050406030204" pitchFamily="18" charset="0"/>
+                            <a:ea typeface="Cambria Math" panose="02040503050406030204" pitchFamily="18" charset="0"/>
+                          </a:rPr>
+                          <m:t>100</m:t>
+                        </m:r>
+                      </m:sub>
+                    </m:sSub>
+                  </m:oMath>
+                </a14:m>
+                <a:r>
+                  <a:rPr lang="en-US" sz="1600" dirty="0"/>
+                  <a:t> + 0.1*0.9* </a:t>
+                </a:r>
+                <a14:m>
+                  <m:oMath xmlns:m="http://schemas.openxmlformats.org/officeDocument/2006/math">
+                    <m:sSub>
+                      <m:sSubPr>
+                        <m:ctrlPr>
+                          <a:rPr lang="en-US" sz="1600" i="1">
+                            <a:latin typeface="Cambria Math" panose="02040503050406030204" pitchFamily="18" charset="0"/>
+                          </a:rPr>
+                        </m:ctrlPr>
+                      </m:sSubPr>
+                      <m:e>
+                        <m:r>
+                          <a:rPr lang="en-US" sz="1600" i="1">
+                            <a:latin typeface="Cambria Math" panose="02040503050406030204" pitchFamily="18" charset="0"/>
+                            <a:ea typeface="Cambria Math" panose="02040503050406030204" pitchFamily="18" charset="0"/>
+                          </a:rPr>
+                          <m:t>𝜃</m:t>
+                        </m:r>
+                      </m:e>
+                      <m:sub>
+                        <m:r>
+                          <a:rPr lang="en-US" sz="1600" b="0" i="1" smtClean="0">
+                            <a:latin typeface="Cambria Math" panose="02040503050406030204" pitchFamily="18" charset="0"/>
+                            <a:ea typeface="Cambria Math" panose="02040503050406030204" pitchFamily="18" charset="0"/>
+                          </a:rPr>
+                          <m:t>99</m:t>
+                        </m:r>
+                      </m:sub>
+                    </m:sSub>
+                  </m:oMath>
+                </a14:m>
+                <a:r>
+                  <a:rPr lang="en-US" sz="1600" dirty="0"/>
+                  <a:t> + 0.1*(0.9)</a:t>
+                </a:r>
+                <a:r>
+                  <a:rPr lang="en-US" sz="1600" baseline="30000" dirty="0"/>
+                  <a:t>2</a:t>
+                </a:r>
+                <a:r>
+                  <a:rPr lang="en-US" sz="1600" dirty="0"/>
+                  <a:t>* </a:t>
+                </a:r>
+                <a14:m>
+                  <m:oMath xmlns:m="http://schemas.openxmlformats.org/officeDocument/2006/math">
+                    <m:sSub>
+                      <m:sSubPr>
+                        <m:ctrlPr>
+                          <a:rPr lang="en-US" sz="1600" i="1">
+                            <a:latin typeface="Cambria Math" panose="02040503050406030204" pitchFamily="18" charset="0"/>
+                          </a:rPr>
+                        </m:ctrlPr>
+                      </m:sSubPr>
+                      <m:e>
+                        <m:r>
+                          <a:rPr lang="en-US" sz="1600" i="1">
+                            <a:latin typeface="Cambria Math" panose="02040503050406030204" pitchFamily="18" charset="0"/>
+                            <a:ea typeface="Cambria Math" panose="02040503050406030204" pitchFamily="18" charset="0"/>
+                          </a:rPr>
+                          <m:t>𝜃</m:t>
+                        </m:r>
+                      </m:e>
+                      <m:sub>
+                        <m:r>
+                          <a:rPr lang="en-US" sz="1600" i="1">
+                            <a:latin typeface="Cambria Math" panose="02040503050406030204" pitchFamily="18" charset="0"/>
+                            <a:ea typeface="Cambria Math" panose="02040503050406030204" pitchFamily="18" charset="0"/>
+                          </a:rPr>
+                          <m:t>9</m:t>
+                        </m:r>
+                        <m:r>
+                          <a:rPr lang="en-US" sz="1600" b="0" i="1" smtClean="0">
+                            <a:latin typeface="Cambria Math" panose="02040503050406030204" pitchFamily="18" charset="0"/>
+                            <a:ea typeface="Cambria Math" panose="02040503050406030204" pitchFamily="18" charset="0"/>
+                          </a:rPr>
+                          <m:t>8</m:t>
+                        </m:r>
+                      </m:sub>
+                    </m:sSub>
+                  </m:oMath>
+                </a14:m>
+                <a:r>
+                  <a:rPr lang="en-US" sz="1600" dirty="0"/>
+                  <a:t> + …</a:t>
+                </a:r>
+              </a:p>
+              <a:p>
+                <a:pPr lvl="2"/>
+                <a:endParaRPr lang="en-US" sz="1600" dirty="0"/>
+              </a:p>
+              <a:p>
+                <a:pPr marL="742864" lvl="1" indent="-285750">
+                  <a:buFont typeface="Wingdings" panose="05000000000000000000" pitchFamily="2" charset="2"/>
+                  <a:buChar char="v"/>
+                </a:pPr>
+                <a:r>
+                  <a:rPr lang="en-US" sz="1600" dirty="0"/>
+                  <a:t>An exponentially decaying function: </a:t>
+                </a:r>
+              </a:p>
+              <a:p>
+                <a:pPr marL="1199978" lvl="2" indent="-285750">
+                  <a:buFont typeface="Wingdings" panose="05000000000000000000" pitchFamily="2" charset="2"/>
+                  <a:buChar char="§"/>
+                </a:pPr>
+                <a:r>
+                  <a:rPr lang="en-US" sz="1600" dirty="0"/>
+                  <a:t>Y =  (1-b)</a:t>
+                </a:r>
+                <a:r>
+                  <a:rPr lang="en-US" sz="1600" baseline="30000" dirty="0"/>
+                  <a:t>x </a:t>
+                </a:r>
+                <a:r>
+                  <a:rPr lang="en-US" sz="1600" dirty="0"/>
+                  <a:t> , b &lt; 1.</a:t>
+                </a:r>
+              </a:p>
+              <a:p>
+                <a:pPr lvl="2"/>
+                <a:endParaRPr lang="en-US" sz="1600" baseline="30000" dirty="0"/>
+              </a:p>
+              <a:p>
+                <a:pPr marL="742864" lvl="1" indent="-285750">
+                  <a:buFont typeface="Wingdings" panose="05000000000000000000" pitchFamily="2" charset="2"/>
+                  <a:buChar char="v"/>
+                </a:pPr>
+                <a:r>
+                  <a:rPr lang="en-US" sz="1600" dirty="0"/>
+                  <a:t>Implement algorithm:</a:t>
+                </a:r>
+              </a:p>
+              <a:p>
+                <a:pPr marL="742864" lvl="1" indent="-285750">
+                  <a:buFont typeface="Wingdings" panose="05000000000000000000" pitchFamily="2" charset="2"/>
+                  <a:buChar char="v"/>
+                </a:pPr>
+                <a:endParaRPr lang="en-US" sz="1600" dirty="0"/>
+              </a:p>
+              <a:p>
+                <a:pPr marL="742864" lvl="1" indent="-285750">
+                  <a:buFont typeface="Wingdings" panose="05000000000000000000" pitchFamily="2" charset="2"/>
+                  <a:buChar char="v"/>
+                </a:pPr>
+                <a:endParaRPr lang="en-US" sz="1600" dirty="0"/>
+              </a:p>
+              <a:p>
+                <a:pPr marL="742864" lvl="1" indent="-285750">
+                  <a:buFont typeface="Wingdings" panose="05000000000000000000" pitchFamily="2" charset="2"/>
+                  <a:buChar char="v"/>
+                </a:pPr>
+                <a:endParaRPr lang="en-US" sz="1600" dirty="0"/>
+              </a:p>
+              <a:p>
+                <a:pPr marL="742864" lvl="1" indent="-285750">
+                  <a:buFont typeface="Wingdings" panose="05000000000000000000" pitchFamily="2" charset="2"/>
+                  <a:buChar char="v"/>
+                </a:pPr>
+                <a:endParaRPr lang="en-US" sz="1600" dirty="0"/>
+              </a:p>
+              <a:p>
+                <a:pPr marL="742864" lvl="1" indent="-285750">
+                  <a:buFont typeface="Wingdings" panose="05000000000000000000" pitchFamily="2" charset="2"/>
+                  <a:buChar char="v"/>
+                </a:pPr>
+                <a:endParaRPr lang="en-US" sz="1600" dirty="0"/>
+              </a:p>
+              <a:p>
+                <a:pPr marL="742864" lvl="1" indent="-285750">
+                  <a:buFont typeface="Wingdings" panose="05000000000000000000" pitchFamily="2" charset="2"/>
+                  <a:buChar char="v"/>
+                </a:pPr>
+                <a:endParaRPr lang="en-US" sz="1600" dirty="0"/>
+              </a:p>
+              <a:p>
+                <a:pPr marL="742864" lvl="1" indent="-285750">
+                  <a:buFont typeface="Wingdings" panose="05000000000000000000" pitchFamily="2" charset="2"/>
+                  <a:buChar char="v"/>
+                </a:pPr>
+                <a:r>
+                  <a:rPr lang="en-US" sz="1600" dirty="0"/>
+                  <a:t>Conclusions about exponential moving average:</a:t>
+                </a:r>
+              </a:p>
+              <a:p>
+                <a:pPr marL="1199978" lvl="2" indent="-285750">
+                  <a:buFont typeface="Wingdings" panose="05000000000000000000" pitchFamily="2" charset="2"/>
+                  <a:buChar char="§"/>
+                </a:pPr>
+                <a:r>
+                  <a:rPr lang="en-US" sz="1600" dirty="0"/>
+                  <a:t>A highly efficient way to calculate an average.</a:t>
+                </a:r>
+              </a:p>
+              <a:p>
+                <a:pPr marL="1199978" lvl="2" indent="-285750">
+                  <a:buFont typeface="Wingdings" panose="05000000000000000000" pitchFamily="2" charset="2"/>
+                  <a:buChar char="§"/>
+                </a:pPr>
+                <a:r>
+                  <a:rPr lang="en-US" sz="1600" dirty="0"/>
+                  <a:t>Take a little computer resources.</a:t>
+                </a:r>
+              </a:p>
+              <a:p>
+                <a:pPr lvl="2"/>
+                <a:r>
+                  <a:rPr lang="en-US" sz="1600" baseline="-25000" dirty="0"/>
+                  <a:t>  </a:t>
+                </a:r>
+              </a:p>
+              <a:p>
+                <a:pPr lvl="1"/>
+                <a:endParaRPr lang="en-US" sz="1600" dirty="0"/>
+              </a:p>
+              <a:p>
+                <a:endParaRPr lang="en-US" sz="1600" dirty="0"/>
+              </a:p>
+            </p:txBody>
+          </p:sp>
+        </mc:Choice>
+        <mc:Fallback>
+          <p:sp>
+            <p:nvSpPr>
+              <p:cNvPr id="6" name="Rectangle 5">
+                <a:extLst>
+                  <a:ext uri="{FF2B5EF4-FFF2-40B4-BE49-F238E27FC236}">
+                    <a16:creationId xmlns:a16="http://schemas.microsoft.com/office/drawing/2014/main" id="{4C3A4434-431B-4C4C-9D62-80DA82E42A41}"/>
+                  </a:ext>
+                </a:extLst>
+              </p:cNvPr>
+              <p:cNvSpPr>
+                <a:spLocks noRot="1" noChangeAspect="1" noMove="1" noResize="1" noEditPoints="1" noAdjustHandles="1" noChangeArrowheads="1" noChangeShapeType="1" noTextEdit="1"/>
+              </p:cNvSpPr>
+              <p:nvPr/>
+            </p:nvSpPr>
+            <p:spPr>
+              <a:xfrm>
+                <a:off x="320041" y="1016000"/>
+                <a:ext cx="7696199" cy="4852610"/>
+              </a:xfrm>
+              <a:prstGeom prst="rect">
+                <a:avLst/>
+              </a:prstGeom>
+              <a:blipFill>
+                <a:blip r:embed="rId3"/>
+                <a:stretch>
+                  <a:fillRect t="-503"/>
+                </a:stretch>
+              </a:blipFill>
+            </p:spPr>
+            <p:txBody>
+              <a:bodyPr/>
+              <a:lstStyle/>
+              <a:p>
+                <a:r>
+                  <a:rPr lang="en-US">
+                    <a:noFill/>
+                  </a:rPr>
+                  <a:t> </a:t>
+                </a:r>
+              </a:p>
+            </p:txBody>
+          </p:sp>
+        </mc:Fallback>
+      </mc:AlternateContent>
+      <p:pic>
+        <p:nvPicPr>
+          <p:cNvPr id="3" name="Picture 2">
+            <a:extLst>
+              <a:ext uri="{FF2B5EF4-FFF2-40B4-BE49-F238E27FC236}">
+                <a16:creationId xmlns:a16="http://schemas.microsoft.com/office/drawing/2014/main" id="{A863DF47-2ED8-464B-89C3-57D4C05ACAAC}"/>
+              </a:ext>
+            </a:extLst>
+          </p:cNvPr>
+          <p:cNvPicPr>
+            <a:picLocks noChangeAspect="1"/>
+          </p:cNvPicPr>
+          <p:nvPr/>
+        </p:nvPicPr>
+        <p:blipFill>
+          <a:blip r:embed="rId4"/>
+          <a:stretch>
+            <a:fillRect/>
+          </a:stretch>
+        </p:blipFill>
+        <p:spPr>
+          <a:xfrm>
+            <a:off x="1686560" y="2989826"/>
+            <a:ext cx="3926840" cy="1325586"/>
+          </a:xfrm>
+          <a:prstGeom prst="rect">
+            <a:avLst/>
+          </a:prstGeom>
+        </p:spPr>
+      </p:pic>
     </p:spTree>
     <p:extLst>
       <p:ext uri="{BB962C8B-B14F-4D97-AF65-F5344CB8AC3E}">
-        <p14:creationId xmlns:p14="http://schemas.microsoft.com/office/powerpoint/2010/main" val="2577405432"/>
+        <p14:creationId xmlns:p14="http://schemas.microsoft.com/office/powerpoint/2010/main" val="3545035674"/>
       </p:ext>
     </p:extLst>
   </p:cSld>
@@ -12469,15 +15825,157 @@
           <a:p>
             <a:r>
               <a:rPr lang="en-US" dirty="0"/>
-              <a:t>2.4 Gradient Descent with Momentum </a:t>
+              <a:t>2.3 Bias Correction in Exponentially Weighted Averages</a:t>
             </a:r>
           </a:p>
         </p:txBody>
       </p:sp>
+      <p:sp>
+        <p:nvSpPr>
+          <p:cNvPr id="3" name="Rectangle 2">
+            <a:extLst>
+              <a:ext uri="{FF2B5EF4-FFF2-40B4-BE49-F238E27FC236}">
+                <a16:creationId xmlns:a16="http://schemas.microsoft.com/office/drawing/2014/main" id="{54D8FE13-2E8B-4AAE-91A8-CBBC93B36E4F}"/>
+              </a:ext>
+            </a:extLst>
+          </p:cNvPr>
+          <p:cNvSpPr/>
+          <p:nvPr/>
+        </p:nvSpPr>
+        <p:spPr>
+          <a:xfrm>
+            <a:off x="320042" y="1016000"/>
+            <a:ext cx="7040878" cy="2308324"/>
+          </a:xfrm>
+          <a:prstGeom prst="rect">
+            <a:avLst/>
+          </a:prstGeom>
+        </p:spPr>
+        <p:txBody>
+          <a:bodyPr wrap="square">
+            <a:spAutoFit/>
+          </a:bodyPr>
+          <a:lstStyle/>
+          <a:p>
+            <a:pPr marL="742864" lvl="1" indent="-285750">
+              <a:buFont typeface="Wingdings" panose="05000000000000000000" pitchFamily="2" charset="2"/>
+              <a:buChar char="v"/>
+            </a:pPr>
+            <a:r>
+              <a:rPr lang="en-US" sz="1600" dirty="0"/>
+              <a:t>The bias correction helps make the exponentially weighted averages more accurate.</a:t>
+            </a:r>
+          </a:p>
+          <a:p>
+            <a:pPr marL="1199978" lvl="2" indent="-285750">
+              <a:buFont typeface="Wingdings" panose="05000000000000000000" pitchFamily="2" charset="2"/>
+              <a:buChar char="§"/>
+            </a:pPr>
+            <a:r>
+              <a:rPr lang="en-US" sz="1600" dirty="0"/>
+              <a:t>If the curve starts from 0, not many values to average on in the initial days.</a:t>
+            </a:r>
+          </a:p>
+          <a:p>
+            <a:pPr marL="1199978" lvl="2" indent="-285750">
+              <a:buFont typeface="Wingdings" panose="05000000000000000000" pitchFamily="2" charset="2"/>
+              <a:buChar char="§"/>
+            </a:pPr>
+            <a:r>
+              <a:rPr lang="en-US" sz="1600" dirty="0"/>
+              <a:t>If the curve lower than the correct value initially &amp; then take time to moves in line with expected values.</a:t>
+            </a:r>
+          </a:p>
+          <a:p>
+            <a:pPr marL="1199978" lvl="2" indent="-285750">
+              <a:buFont typeface="Wingdings" panose="05000000000000000000" pitchFamily="2" charset="2"/>
+              <a:buChar char="§"/>
+            </a:pPr>
+            <a:endParaRPr lang="en-US" sz="1600" dirty="0"/>
+          </a:p>
+          <a:p>
+            <a:pPr marL="742864" lvl="1" indent="-285750">
+              <a:buFont typeface="Wingdings" panose="05000000000000000000" pitchFamily="2" charset="2"/>
+              <a:buChar char="v"/>
+            </a:pPr>
+            <a:r>
+              <a:rPr lang="en-US" sz="1600" dirty="0"/>
+              <a:t>To solve the bias issue: </a:t>
+            </a:r>
+          </a:p>
+          <a:p>
+            <a:pPr lvl="1"/>
+            <a:r>
+              <a:rPr lang="en-US" sz="1600" dirty="0"/>
+              <a:t>	</a:t>
+            </a:r>
+          </a:p>
+        </p:txBody>
+      </p:sp>
+      <p:pic>
+        <p:nvPicPr>
+          <p:cNvPr id="4" name="Picture 3">
+            <a:extLst>
+              <a:ext uri="{FF2B5EF4-FFF2-40B4-BE49-F238E27FC236}">
+                <a16:creationId xmlns:a16="http://schemas.microsoft.com/office/drawing/2014/main" id="{A7AD05DE-8E4E-4566-921D-1A9F93159261}"/>
+              </a:ext>
+            </a:extLst>
+          </p:cNvPr>
+          <p:cNvPicPr>
+            <a:picLocks noChangeAspect="1"/>
+          </p:cNvPicPr>
+          <p:nvPr/>
+        </p:nvPicPr>
+        <p:blipFill>
+          <a:blip r:embed="rId3"/>
+          <a:stretch>
+            <a:fillRect/>
+          </a:stretch>
+        </p:blipFill>
+        <p:spPr>
+          <a:xfrm>
+            <a:off x="7523479" y="1071996"/>
+            <a:ext cx="4511040" cy="1984858"/>
+          </a:xfrm>
+          <a:prstGeom prst="rect">
+            <a:avLst/>
+          </a:prstGeom>
+        </p:spPr>
+      </p:pic>
+      <p:pic>
+        <p:nvPicPr>
+          <p:cNvPr id="7" name="Picture 6">
+            <a:extLst>
+              <a:ext uri="{FF2B5EF4-FFF2-40B4-BE49-F238E27FC236}">
+                <a16:creationId xmlns:a16="http://schemas.microsoft.com/office/drawing/2014/main" id="{D4D11D56-A402-4A8E-8F69-2DC22D81164D}"/>
+              </a:ext>
+            </a:extLst>
+          </p:cNvPr>
+          <p:cNvPicPr>
+            <a:picLocks noChangeAspect="1"/>
+          </p:cNvPicPr>
+          <p:nvPr/>
+        </p:nvPicPr>
+        <p:blipFill>
+          <a:blip r:embed="rId4"/>
+          <a:stretch>
+            <a:fillRect/>
+          </a:stretch>
+        </p:blipFill>
+        <p:spPr>
+          <a:xfrm>
+            <a:off x="1332978" y="3109425"/>
+            <a:ext cx="6027942" cy="937341"/>
+          </a:xfrm>
+          <a:prstGeom prst="rect">
+            <a:avLst/>
+          </a:prstGeom>
+        </p:spPr>
+      </p:pic>
     </p:spTree>
     <p:extLst>
       <p:ext uri="{BB962C8B-B14F-4D97-AF65-F5344CB8AC3E}">
-        <p14:creationId xmlns:p14="http://schemas.microsoft.com/office/powerpoint/2010/main" val="3558116522"/>
+        <p14:creationId xmlns:p14="http://schemas.microsoft.com/office/powerpoint/2010/main" val="2577405432"/>
       </p:ext>
     </p:extLst>
   </p:cSld>
@@ -12791,20 +16289,177 @@
           <a:p>
             <a:r>
               <a:rPr lang="en-US" dirty="0"/>
-              <a:t>2.5 </a:t>
-            </a:r>
-            <a:r>
-              <a:rPr lang="en-US" dirty="0" err="1"/>
-              <a:t>RMSProp</a:t>
-            </a:r>
-            <a:endParaRPr lang="en-US" dirty="0"/>
+              <a:t>2.4 Gradient Descent with Momentum </a:t>
+            </a:r>
           </a:p>
         </p:txBody>
       </p:sp>
+      <p:sp>
+        <p:nvSpPr>
+          <p:cNvPr id="4" name="Rectangle 3">
+            <a:extLst>
+              <a:ext uri="{FF2B5EF4-FFF2-40B4-BE49-F238E27FC236}">
+                <a16:creationId xmlns:a16="http://schemas.microsoft.com/office/drawing/2014/main" id="{787A197C-B494-4478-8334-B945C99284B8}"/>
+              </a:ext>
+            </a:extLst>
+          </p:cNvPr>
+          <p:cNvSpPr/>
+          <p:nvPr/>
+        </p:nvSpPr>
+        <p:spPr>
+          <a:xfrm>
+            <a:off x="320041" y="1016000"/>
+            <a:ext cx="11094718" cy="3703578"/>
+          </a:xfrm>
+          <a:prstGeom prst="rect">
+            <a:avLst/>
+          </a:prstGeom>
+        </p:spPr>
+        <p:txBody>
+          <a:bodyPr wrap="square">
+            <a:spAutoFit/>
+          </a:bodyPr>
+          <a:lstStyle/>
+          <a:p>
+            <a:pPr marL="742864" lvl="1" indent="-285750">
+              <a:buFont typeface="Wingdings" panose="05000000000000000000" pitchFamily="2" charset="2"/>
+              <a:buChar char="v"/>
+            </a:pPr>
+            <a:r>
+              <a:rPr lang="en-US" sz="1600" dirty="0"/>
+              <a:t>Idea: Calculate the exponentially weighted averages for gradients &amp; then update weights with the new values.</a:t>
+            </a:r>
+          </a:p>
+          <a:p>
+            <a:pPr marL="742864" lvl="1" indent="-285750">
+              <a:buFont typeface="Wingdings" panose="05000000000000000000" pitchFamily="2" charset="2"/>
+              <a:buChar char="v"/>
+            </a:pPr>
+            <a:r>
+              <a:rPr lang="en-US" sz="1600" dirty="0"/>
+              <a:t>Pseudo code:</a:t>
+            </a:r>
+          </a:p>
+          <a:p>
+            <a:pPr marL="742864" lvl="1" indent="-285750">
+              <a:buFont typeface="Wingdings" panose="05000000000000000000" pitchFamily="2" charset="2"/>
+              <a:buChar char="v"/>
+            </a:pPr>
+            <a:endParaRPr lang="en-US" sz="1600" dirty="0"/>
+          </a:p>
+          <a:p>
+            <a:pPr marL="742864" lvl="1" indent="-285750">
+              <a:buFont typeface="Wingdings" panose="05000000000000000000" pitchFamily="2" charset="2"/>
+              <a:buChar char="v"/>
+            </a:pPr>
+            <a:endParaRPr lang="en-US" sz="1600" dirty="0"/>
+          </a:p>
+          <a:p>
+            <a:pPr marL="742864" lvl="1" indent="-285750">
+              <a:buFont typeface="Wingdings" panose="05000000000000000000" pitchFamily="2" charset="2"/>
+              <a:buChar char="v"/>
+            </a:pPr>
+            <a:endParaRPr lang="en-US" sz="1600" dirty="0"/>
+          </a:p>
+          <a:p>
+            <a:pPr marL="742864" lvl="1" indent="-285750">
+              <a:buFont typeface="Wingdings" panose="05000000000000000000" pitchFamily="2" charset="2"/>
+              <a:buChar char="v"/>
+            </a:pPr>
+            <a:endParaRPr lang="en-US" sz="1600" dirty="0"/>
+          </a:p>
+          <a:p>
+            <a:pPr marL="742864" lvl="1" indent="-285750">
+              <a:buFont typeface="Wingdings" panose="05000000000000000000" pitchFamily="2" charset="2"/>
+              <a:buChar char="v"/>
+            </a:pPr>
+            <a:endParaRPr lang="en-US" sz="1600" dirty="0"/>
+          </a:p>
+          <a:p>
+            <a:pPr marL="742864" lvl="1" indent="-285750">
+              <a:buFont typeface="Wingdings" panose="05000000000000000000" pitchFamily="2" charset="2"/>
+              <a:buChar char="v"/>
+            </a:pPr>
+            <a:endParaRPr lang="en-US" sz="1600" dirty="0"/>
+          </a:p>
+          <a:p>
+            <a:pPr marL="742864" lvl="1" indent="-285750">
+              <a:buFont typeface="Wingdings" panose="05000000000000000000" pitchFamily="2" charset="2"/>
+              <a:buChar char="v"/>
+            </a:pPr>
+            <a:endParaRPr lang="en-US" sz="1600" dirty="0"/>
+          </a:p>
+          <a:p>
+            <a:pPr marL="742864" lvl="1" indent="-285750">
+              <a:buFont typeface="Wingdings" panose="05000000000000000000" pitchFamily="2" charset="2"/>
+              <a:buChar char="v"/>
+            </a:pPr>
+            <a:endParaRPr lang="en-US" sz="1600" dirty="0"/>
+          </a:p>
+          <a:p>
+            <a:pPr marL="742864" lvl="1" indent="-285750">
+              <a:buFont typeface="Wingdings" panose="05000000000000000000" pitchFamily="2" charset="2"/>
+              <a:buChar char="v"/>
+            </a:pPr>
+            <a:r>
+              <a:rPr lang="en-US" sz="1600" dirty="0"/>
+              <a:t>Momentum helps the cost function to go the minimum point in a more fast &amp; consistent way.</a:t>
+            </a:r>
+          </a:p>
+          <a:p>
+            <a:pPr lvl="1"/>
+            <a:endParaRPr lang="en-US" sz="1600" dirty="0"/>
+          </a:p>
+          <a:p>
+            <a:pPr lvl="2"/>
+            <a:r>
+              <a:rPr lang="en-US" sz="1600" baseline="-25000" dirty="0"/>
+              <a:t>  </a:t>
+            </a:r>
+          </a:p>
+          <a:p>
+            <a:pPr lvl="1"/>
+            <a:endParaRPr lang="en-US" sz="1600" dirty="0"/>
+          </a:p>
+          <a:p>
+            <a:endParaRPr lang="en-US" sz="1600" dirty="0"/>
+          </a:p>
+        </p:txBody>
+      </p:sp>
+      <p:pic>
+        <p:nvPicPr>
+          <p:cNvPr id="6" name="Picture 5">
+            <a:extLst>
+              <a:ext uri="{FF2B5EF4-FFF2-40B4-BE49-F238E27FC236}">
+                <a16:creationId xmlns:a16="http://schemas.microsoft.com/office/drawing/2014/main" id="{81C8C1BC-82DC-4F2A-BD85-C89030FB0B64}"/>
+              </a:ext>
+            </a:extLst>
+          </p:cNvPr>
+          <p:cNvPicPr>
+            <a:picLocks noChangeAspect="1"/>
+          </p:cNvPicPr>
+          <p:nvPr/>
+        </p:nvPicPr>
+        <p:blipFill>
+          <a:blip r:embed="rId3"/>
+          <a:stretch>
+            <a:fillRect/>
+          </a:stretch>
+        </p:blipFill>
+        <p:spPr>
+          <a:xfrm>
+            <a:off x="3158775" y="1668817"/>
+            <a:ext cx="5417250" cy="1669540"/>
+          </a:xfrm>
+          <a:prstGeom prst="rect">
+            <a:avLst/>
+          </a:prstGeom>
+        </p:spPr>
+      </p:pic>
     </p:spTree>
     <p:extLst>
       <p:ext uri="{BB962C8B-B14F-4D97-AF65-F5344CB8AC3E}">
-        <p14:creationId xmlns:p14="http://schemas.microsoft.com/office/powerpoint/2010/main" val="316373092"/>
+        <p14:creationId xmlns:p14="http://schemas.microsoft.com/office/powerpoint/2010/main" val="3558116522"/>
       </p:ext>
     </p:extLst>
   </p:cSld>
@@ -12859,15 +16514,177 @@
           <a:p>
             <a:r>
               <a:rPr lang="en-US" dirty="0"/>
-              <a:t>2.6 Adam Optimization Algorithms</a:t>
+              <a:t>2.5 Root Mean Square Propagation</a:t>
             </a:r>
           </a:p>
         </p:txBody>
       </p:sp>
+      <p:sp>
+        <p:nvSpPr>
+          <p:cNvPr id="3" name="Rectangle 2">
+            <a:extLst>
+              <a:ext uri="{FF2B5EF4-FFF2-40B4-BE49-F238E27FC236}">
+                <a16:creationId xmlns:a16="http://schemas.microsoft.com/office/drawing/2014/main" id="{210C3FF4-FBAD-490F-B7CD-4076D5C538AD}"/>
+              </a:ext>
+            </a:extLst>
+          </p:cNvPr>
+          <p:cNvSpPr/>
+          <p:nvPr/>
+        </p:nvSpPr>
+        <p:spPr>
+          <a:xfrm>
+            <a:off x="320041" y="1016000"/>
+            <a:ext cx="7128327" cy="2226250"/>
+          </a:xfrm>
+          <a:prstGeom prst="rect">
+            <a:avLst/>
+          </a:prstGeom>
+        </p:spPr>
+        <p:txBody>
+          <a:bodyPr wrap="square">
+            <a:spAutoFit/>
+          </a:bodyPr>
+          <a:lstStyle/>
+          <a:p>
+            <a:pPr marL="742864" lvl="1" indent="-285750">
+              <a:buFont typeface="Wingdings" panose="05000000000000000000" pitchFamily="2" charset="2"/>
+              <a:buChar char="v"/>
+            </a:pPr>
+            <a:r>
+              <a:rPr lang="en-US" sz="1600" dirty="0"/>
+              <a:t>A technique to dampen out the motion in the bias (</a:t>
+            </a:r>
+            <a:r>
+              <a:rPr lang="en-US" sz="1600" b="1" dirty="0"/>
+              <a:t>b</a:t>
+            </a:r>
+            <a:r>
+              <a:rPr lang="en-US" sz="1600" dirty="0"/>
+              <a:t>) &amp; speed up gradient descent.</a:t>
+            </a:r>
+          </a:p>
+          <a:p>
+            <a:pPr marL="1199978" lvl="2" indent="-285750">
+              <a:buFont typeface="Wingdings" panose="05000000000000000000" pitchFamily="2" charset="2"/>
+              <a:buChar char="§"/>
+            </a:pPr>
+            <a:r>
+              <a:rPr lang="en-US" sz="1600" dirty="0"/>
+              <a:t>Square the derivatives of both w &amp; b.</a:t>
+            </a:r>
+          </a:p>
+          <a:p>
+            <a:pPr marL="1199978" lvl="2" indent="-285750">
+              <a:buFont typeface="Wingdings" panose="05000000000000000000" pitchFamily="2" charset="2"/>
+              <a:buChar char="§"/>
+            </a:pPr>
+            <a:r>
+              <a:rPr lang="en-US" sz="1600" dirty="0"/>
+              <a:t>Goals: Reduce the large number </a:t>
+            </a:r>
+            <a:r>
+              <a:rPr lang="en-US" sz="1600" dirty="0" err="1"/>
+              <a:t>dW</a:t>
+            </a:r>
+            <a:r>
+              <a:rPr lang="en-US" sz="1600" dirty="0"/>
+              <a:t> &amp; db.</a:t>
+            </a:r>
+          </a:p>
+          <a:p>
+            <a:pPr marL="742864" lvl="1" indent="-285750">
+              <a:buFont typeface="Wingdings" panose="05000000000000000000" pitchFamily="2" charset="2"/>
+              <a:buChar char="v"/>
+            </a:pPr>
+            <a:r>
+              <a:rPr lang="en-US" sz="1600" dirty="0"/>
+              <a:t>Pseudo code:</a:t>
+            </a:r>
+          </a:p>
+          <a:p>
+            <a:pPr lvl="1"/>
+            <a:endParaRPr lang="en-US" sz="1600" dirty="0"/>
+          </a:p>
+          <a:p>
+            <a:pPr lvl="2"/>
+            <a:r>
+              <a:rPr lang="en-US" sz="1600" baseline="-25000" dirty="0"/>
+              <a:t>  	</a:t>
+            </a:r>
+          </a:p>
+          <a:p>
+            <a:pPr lvl="1"/>
+            <a:endParaRPr lang="en-US" sz="1600" dirty="0"/>
+          </a:p>
+          <a:p>
+            <a:endParaRPr lang="en-US" sz="1600" dirty="0"/>
+          </a:p>
+        </p:txBody>
+      </p:sp>
+      <p:pic>
+        <p:nvPicPr>
+          <p:cNvPr id="4" name="Picture 3">
+            <a:extLst>
+              <a:ext uri="{FF2B5EF4-FFF2-40B4-BE49-F238E27FC236}">
+                <a16:creationId xmlns:a16="http://schemas.microsoft.com/office/drawing/2014/main" id="{EC964D86-D767-46EE-ACE4-BBBF855C5E75}"/>
+              </a:ext>
+            </a:extLst>
+          </p:cNvPr>
+          <p:cNvPicPr>
+            <a:picLocks noChangeAspect="1"/>
+          </p:cNvPicPr>
+          <p:nvPr/>
+        </p:nvPicPr>
+        <p:blipFill>
+          <a:blip r:embed="rId3"/>
+          <a:stretch>
+            <a:fillRect/>
+          </a:stretch>
+        </p:blipFill>
+        <p:spPr>
+          <a:xfrm>
+            <a:off x="7688216" y="1016000"/>
+            <a:ext cx="4183743" cy="1333616"/>
+          </a:xfrm>
+          <a:prstGeom prst="rect">
+            <a:avLst/>
+          </a:prstGeom>
+        </p:spPr>
+      </p:pic>
+      <p:pic>
+        <p:nvPicPr>
+          <p:cNvPr id="9" name="Picture 8">
+            <a:extLst>
+              <a:ext uri="{FF2B5EF4-FFF2-40B4-BE49-F238E27FC236}">
+                <a16:creationId xmlns:a16="http://schemas.microsoft.com/office/drawing/2014/main" id="{1AD62A02-CD54-47B4-A4B0-4182116D1DE2}"/>
+              </a:ext>
+            </a:extLst>
+          </p:cNvPr>
+          <p:cNvPicPr>
+            <a:picLocks noChangeAspect="1"/>
+          </p:cNvPicPr>
+          <p:nvPr/>
+        </p:nvPicPr>
+        <p:blipFill>
+          <a:blip r:embed="rId4"/>
+          <a:stretch>
+            <a:fillRect/>
+          </a:stretch>
+        </p:blipFill>
+        <p:spPr>
+          <a:xfrm>
+            <a:off x="2936240" y="2184883"/>
+            <a:ext cx="3901440" cy="2622278"/>
+          </a:xfrm>
+          <a:prstGeom prst="rect">
+            <a:avLst/>
+          </a:prstGeom>
+        </p:spPr>
+      </p:pic>
     </p:spTree>
     <p:extLst>
       <p:ext uri="{BB962C8B-B14F-4D97-AF65-F5344CB8AC3E}">
-        <p14:creationId xmlns:p14="http://schemas.microsoft.com/office/powerpoint/2010/main" val="1517981172"/>
+        <p14:creationId xmlns:p14="http://schemas.microsoft.com/office/powerpoint/2010/main" val="316373092"/>
       </p:ext>
     </p:extLst>
   </p:cSld>
@@ -12922,15 +16739,107 @@
           <a:p>
             <a:r>
               <a:rPr lang="en-US" dirty="0"/>
-              <a:t>2.7 Learning Rate Decay &amp; The Problem of Local Optimal</a:t>
+              <a:t>2.6 Adam Optimization Algorithms</a:t>
             </a:r>
           </a:p>
         </p:txBody>
       </p:sp>
+      <p:sp>
+        <p:nvSpPr>
+          <p:cNvPr id="6" name="Rectangle 5">
+            <a:extLst>
+              <a:ext uri="{FF2B5EF4-FFF2-40B4-BE49-F238E27FC236}">
+                <a16:creationId xmlns:a16="http://schemas.microsoft.com/office/drawing/2014/main" id="{B76259CD-6637-4119-8481-B38423C7F581}"/>
+              </a:ext>
+            </a:extLst>
+          </p:cNvPr>
+          <p:cNvSpPr/>
+          <p:nvPr/>
+        </p:nvSpPr>
+        <p:spPr>
+          <a:xfrm>
+            <a:off x="320041" y="1016000"/>
+            <a:ext cx="7128327" cy="1241365"/>
+          </a:xfrm>
+          <a:prstGeom prst="rect">
+            <a:avLst/>
+          </a:prstGeom>
+        </p:spPr>
+        <p:txBody>
+          <a:bodyPr wrap="square">
+            <a:spAutoFit/>
+          </a:bodyPr>
+          <a:lstStyle/>
+          <a:p>
+            <a:pPr marL="742864" lvl="1" indent="-285750">
+              <a:buFont typeface="Wingdings" panose="05000000000000000000" pitchFamily="2" charset="2"/>
+              <a:buChar char="v"/>
+            </a:pPr>
+            <a:r>
+              <a:rPr lang="en-US" sz="1600" dirty="0"/>
+              <a:t>Adam optimization simply puts RMS prop &amp; momentum together.</a:t>
+            </a:r>
+          </a:p>
+          <a:p>
+            <a:pPr marL="742864" lvl="1" indent="-285750">
+              <a:buFont typeface="Wingdings" panose="05000000000000000000" pitchFamily="2" charset="2"/>
+              <a:buChar char="v"/>
+            </a:pPr>
+            <a:r>
+              <a:rPr lang="en-US" sz="1600" dirty="0"/>
+              <a:t>Pseudo code:</a:t>
+            </a:r>
+          </a:p>
+          <a:p>
+            <a:pPr lvl="2"/>
+            <a:r>
+              <a:rPr lang="en-US" sz="1600" baseline="-25000" dirty="0"/>
+              <a:t>  	</a:t>
+            </a:r>
+          </a:p>
+          <a:p>
+            <a:pPr lvl="1"/>
+            <a:endParaRPr lang="en-US" sz="1600" dirty="0"/>
+          </a:p>
+          <a:p>
+            <a:endParaRPr lang="en-US" sz="1600" dirty="0"/>
+          </a:p>
+        </p:txBody>
+      </p:sp>
+      <p:pic>
+        <p:nvPicPr>
+          <p:cNvPr id="7" name="Picture 6">
+            <a:extLst>
+              <a:ext uri="{FF2B5EF4-FFF2-40B4-BE49-F238E27FC236}">
+                <a16:creationId xmlns:a16="http://schemas.microsoft.com/office/drawing/2014/main" id="{CE24F393-1F5E-4E1E-B96B-4636E25F0DC8}"/>
+              </a:ext>
+            </a:extLst>
+          </p:cNvPr>
+          <p:cNvPicPr>
+            <a:picLocks noChangeAspect="1"/>
+          </p:cNvPicPr>
+          <p:nvPr/>
+        </p:nvPicPr>
+        <p:blipFill>
+          <a:blip r:embed="rId3"/>
+          <a:stretch>
+            <a:fillRect/>
+          </a:stretch>
+        </p:blipFill>
+        <p:spPr>
+          <a:xfrm>
+            <a:off x="2270462" y="1636682"/>
+            <a:ext cx="6858594" cy="3787468"/>
+          </a:xfrm>
+          <a:prstGeom prst="rect">
+            <a:avLst/>
+          </a:prstGeom>
+        </p:spPr>
+      </p:pic>
     </p:spTree>
     <p:extLst>
       <p:ext uri="{BB962C8B-B14F-4D97-AF65-F5344CB8AC3E}">
-        <p14:creationId xmlns:p14="http://schemas.microsoft.com/office/powerpoint/2010/main" val="2965339304"/>
+        <p14:creationId xmlns:p14="http://schemas.microsoft.com/office/powerpoint/2010/main" val="1517981172"/>
       </p:ext>
     </p:extLst>
   </p:cSld>
@@ -12959,7 +16868,13 @@
       </p:grpSpPr>
       <p:sp>
         <p:nvSpPr>
-          <p:cNvPr id="5" name="タイトル 4"/>
+          <p:cNvPr id="5" name="Title 4">
+            <a:extLst>
+              <a:ext uri="{FF2B5EF4-FFF2-40B4-BE49-F238E27FC236}">
+                <a16:creationId xmlns:a16="http://schemas.microsoft.com/office/drawing/2014/main" id="{44E0868E-BCFF-4470-AA32-2E6DA01A7745}"/>
+              </a:ext>
+            </a:extLst>
+          </p:cNvPr>
           <p:cNvSpPr>
             <a:spLocks noGrp="1"/>
           </p:cNvSpPr>
@@ -12967,25 +16882,3078 @@
             <p:ph type="title"/>
           </p:nvPr>
         </p:nvSpPr>
+        <p:spPr>
+          <a:xfrm>
+            <a:off x="-15240" y="13063"/>
+            <a:ext cx="11429999" cy="749165"/>
+          </a:xfrm>
+        </p:spPr>
+        <p:txBody>
+          <a:bodyPr/>
+          <a:lstStyle/>
+          <a:p>
+            <a:r>
+              <a:rPr lang="en-US" dirty="0"/>
+              <a:t>2.7 Learning Rate Decay</a:t>
+            </a:r>
+          </a:p>
+        </p:txBody>
+      </p:sp>
+      <mc:AlternateContent xmlns:mc="http://schemas.openxmlformats.org/markup-compatibility/2006">
+        <mc:Choice xmlns:a14="http://schemas.microsoft.com/office/drawing/2010/main" Requires="a14">
+          <p:sp>
+            <p:nvSpPr>
+              <p:cNvPr id="3" name="Rectangle 2">
+                <a:extLst>
+                  <a:ext uri="{FF2B5EF4-FFF2-40B4-BE49-F238E27FC236}">
+                    <a16:creationId xmlns:a16="http://schemas.microsoft.com/office/drawing/2014/main" id="{233E6793-F241-4A5E-B149-AEABB9B6A859}"/>
+                  </a:ext>
+                </a:extLst>
+              </p:cNvPr>
+              <p:cNvSpPr/>
+              <p:nvPr/>
+            </p:nvSpPr>
+            <p:spPr>
+              <a:xfrm>
+                <a:off x="320041" y="1016000"/>
+                <a:ext cx="11191239" cy="2332498"/>
+              </a:xfrm>
+              <a:prstGeom prst="rect">
+                <a:avLst/>
+              </a:prstGeom>
+            </p:spPr>
+            <p:txBody>
+              <a:bodyPr wrap="square">
+                <a:spAutoFit/>
+              </a:bodyPr>
+              <a:lstStyle/>
+              <a:p>
+                <a:pPr marL="742864" lvl="1" indent="-285750">
+                  <a:buFont typeface="Wingdings" panose="05000000000000000000" pitchFamily="2" charset="2"/>
+                  <a:buChar char="v"/>
+                </a:pPr>
+                <a:r>
+                  <a:rPr lang="en-US" sz="1600" dirty="0"/>
+                  <a:t>A technique slowly reduce learning rate.</a:t>
+                </a:r>
+              </a:p>
+              <a:p>
+                <a:pPr marL="742864" lvl="1" indent="-285750">
+                  <a:buFont typeface="Wingdings" panose="05000000000000000000" pitchFamily="2" charset="2"/>
+                  <a:buChar char="v"/>
+                </a:pPr>
+                <a:r>
+                  <a:rPr lang="en-US" sz="1600" dirty="0"/>
+                  <a:t>Using learning rate decay with iterations, mini-batch gradient descent will be much closer the optimum point.</a:t>
+                </a:r>
+              </a:p>
+              <a:p>
+                <a:pPr marL="742864" lvl="1" indent="-285750">
+                  <a:buFont typeface="Wingdings" panose="05000000000000000000" pitchFamily="2" charset="2"/>
+                  <a:buChar char="v"/>
+                </a:pPr>
+                <a:r>
+                  <a:rPr lang="en-US" sz="1600" dirty="0"/>
+                  <a:t>Methods: </a:t>
+                </a:r>
+              </a:p>
+              <a:p>
+                <a:pPr marL="1199978" lvl="2" indent="-285750">
+                  <a:buFont typeface="Wingdings" panose="05000000000000000000" pitchFamily="2" charset="2"/>
+                  <a:buChar char="§"/>
+                </a:pPr>
+                <a:r>
+                  <a:rPr lang="en-US" sz="1600" dirty="0"/>
+                  <a:t> </a:t>
+                </a:r>
+                <a14:m>
+                  <m:oMath xmlns:m="http://schemas.openxmlformats.org/officeDocument/2006/math">
+                    <m:r>
+                      <a:rPr lang="en-US" sz="1600" i="1" smtClean="0">
+                        <a:latin typeface="Cambria Math" panose="02040503050406030204" pitchFamily="18" charset="0"/>
+                        <a:ea typeface="Cambria Math" panose="02040503050406030204" pitchFamily="18" charset="0"/>
+                      </a:rPr>
+                      <m:t>𝛼</m:t>
+                    </m:r>
+                    <m:r>
+                      <a:rPr lang="en-US" sz="1600" b="0" i="1" smtClean="0">
+                        <a:latin typeface="Cambria Math" panose="02040503050406030204" pitchFamily="18" charset="0"/>
+                        <a:ea typeface="Cambria Math" panose="02040503050406030204" pitchFamily="18" charset="0"/>
+                      </a:rPr>
+                      <m:t>= </m:t>
+                    </m:r>
+                    <m:f>
+                      <m:fPr>
+                        <m:ctrlPr>
+                          <a:rPr lang="en-US" sz="1600" b="0" i="1" smtClean="0">
+                            <a:latin typeface="Cambria Math" panose="02040503050406030204" pitchFamily="18" charset="0"/>
+                            <a:ea typeface="Cambria Math" panose="02040503050406030204" pitchFamily="18" charset="0"/>
+                          </a:rPr>
+                        </m:ctrlPr>
+                      </m:fPr>
+                      <m:num>
+                        <m:r>
+                          <a:rPr lang="en-US" sz="1600" b="0" i="1" smtClean="0">
+                            <a:latin typeface="Cambria Math" panose="02040503050406030204" pitchFamily="18" charset="0"/>
+                            <a:ea typeface="Cambria Math" panose="02040503050406030204" pitchFamily="18" charset="0"/>
+                          </a:rPr>
+                          <m:t>1</m:t>
+                        </m:r>
+                      </m:num>
+                      <m:den>
+                        <m:r>
+                          <a:rPr lang="en-US" sz="1600" b="0" i="1" smtClean="0">
+                            <a:latin typeface="Cambria Math" panose="02040503050406030204" pitchFamily="18" charset="0"/>
+                            <a:ea typeface="Cambria Math" panose="02040503050406030204" pitchFamily="18" charset="0"/>
+                          </a:rPr>
+                          <m:t>1+</m:t>
+                        </m:r>
+                        <m:r>
+                          <a:rPr lang="en-US" sz="1600" b="0" i="1" smtClean="0">
+                            <a:latin typeface="Cambria Math" panose="02040503050406030204" pitchFamily="18" charset="0"/>
+                            <a:ea typeface="Cambria Math" panose="02040503050406030204" pitchFamily="18" charset="0"/>
+                          </a:rPr>
+                          <m:t>𝑑𝑒𝑐𝑎𝑦𝑅𝑎𝑡𝑒</m:t>
+                        </m:r>
+                        <m:r>
+                          <a:rPr lang="en-US" sz="1600" b="0" i="1" smtClean="0">
+                            <a:latin typeface="Cambria Math" panose="02040503050406030204" pitchFamily="18" charset="0"/>
+                            <a:ea typeface="Cambria Math" panose="02040503050406030204" pitchFamily="18" charset="0"/>
+                          </a:rPr>
+                          <m:t> ∗</m:t>
+                        </m:r>
+                        <m:r>
+                          <a:rPr lang="en-US" sz="1600" b="0" i="1" smtClean="0">
+                            <a:latin typeface="Cambria Math" panose="02040503050406030204" pitchFamily="18" charset="0"/>
+                            <a:ea typeface="Cambria Math" panose="02040503050406030204" pitchFamily="18" charset="0"/>
+                          </a:rPr>
+                          <m:t>𝑒𝑝𝑜𝑐h𝑁𝑢𝑚</m:t>
+                        </m:r>
+                      </m:den>
+                    </m:f>
+                  </m:oMath>
+                </a14:m>
+                <a:r>
+                  <a:rPr lang="en-US" sz="1600" dirty="0"/>
+                  <a:t>* </a:t>
+                </a:r>
+                <a14:m>
+                  <m:oMath xmlns:m="http://schemas.openxmlformats.org/officeDocument/2006/math">
+                    <m:r>
+                      <a:rPr lang="en-US" sz="1600" i="1">
+                        <a:latin typeface="Cambria Math" panose="02040503050406030204" pitchFamily="18" charset="0"/>
+                        <a:ea typeface="Cambria Math" panose="02040503050406030204" pitchFamily="18" charset="0"/>
+                      </a:rPr>
+                      <m:t>𝛼</m:t>
+                    </m:r>
+                  </m:oMath>
+                </a14:m>
+                <a:r>
+                  <a:rPr lang="en-US" sz="1600" baseline="-25000" dirty="0"/>
+                  <a:t>0</a:t>
+                </a:r>
+              </a:p>
+              <a:p>
+                <a:pPr marL="1199978" lvl="2" indent="-285750">
+                  <a:buFont typeface="Wingdings" panose="05000000000000000000" pitchFamily="2" charset="2"/>
+                  <a:buChar char="§"/>
+                </a:pPr>
+                <a14:m>
+                  <m:oMath xmlns:m="http://schemas.openxmlformats.org/officeDocument/2006/math">
+                    <m:r>
+                      <a:rPr lang="en-US" sz="1600" i="1">
+                        <a:latin typeface="Cambria Math" panose="02040503050406030204" pitchFamily="18" charset="0"/>
+                        <a:ea typeface="Cambria Math" panose="02040503050406030204" pitchFamily="18" charset="0"/>
+                      </a:rPr>
+                      <m:t>𝛼</m:t>
+                    </m:r>
+                  </m:oMath>
+                </a14:m>
+                <a:r>
+                  <a:rPr lang="en-US" sz="1600" baseline="-25000" dirty="0"/>
+                  <a:t> </a:t>
+                </a:r>
+                <a:r>
+                  <a:rPr lang="en-US" sz="1600" dirty="0"/>
+                  <a:t>= (0.95^epochNum) * </a:t>
+                </a:r>
+                <a14:m>
+                  <m:oMath xmlns:m="http://schemas.openxmlformats.org/officeDocument/2006/math">
+                    <m:r>
+                      <a:rPr lang="en-US" sz="1600" i="1">
+                        <a:latin typeface="Cambria Math" panose="02040503050406030204" pitchFamily="18" charset="0"/>
+                        <a:ea typeface="Cambria Math" panose="02040503050406030204" pitchFamily="18" charset="0"/>
+                      </a:rPr>
+                      <m:t>𝛼</m:t>
+                    </m:r>
+                  </m:oMath>
+                </a14:m>
+                <a:r>
+                  <a:rPr lang="en-US" sz="1600" baseline="-25000" dirty="0"/>
+                  <a:t>0</a:t>
+                </a:r>
+              </a:p>
+              <a:p>
+                <a:pPr marL="1199978" lvl="2" indent="-285750">
+                  <a:buFont typeface="Wingdings" panose="05000000000000000000" pitchFamily="2" charset="2"/>
+                  <a:buChar char="§"/>
+                </a:pPr>
+                <a14:m>
+                  <m:oMath xmlns:m="http://schemas.openxmlformats.org/officeDocument/2006/math">
+                    <m:r>
+                      <a:rPr lang="en-US" sz="1600" i="1">
+                        <a:latin typeface="Cambria Math" panose="02040503050406030204" pitchFamily="18" charset="0"/>
+                        <a:ea typeface="Cambria Math" panose="02040503050406030204" pitchFamily="18" charset="0"/>
+                      </a:rPr>
+                      <m:t>𝛼</m:t>
+                    </m:r>
+                  </m:oMath>
+                </a14:m>
+                <a:r>
+                  <a:rPr lang="en-US" sz="1600" baseline="-25000" dirty="0"/>
+                  <a:t> = </a:t>
+                </a:r>
+                <a14:m>
+                  <m:oMath xmlns:m="http://schemas.openxmlformats.org/officeDocument/2006/math">
+                    <m:f>
+                      <m:fPr>
+                        <m:ctrlPr>
+                          <a:rPr lang="en-US" sz="1600" i="1">
+                            <a:latin typeface="Cambria Math" panose="02040503050406030204" pitchFamily="18" charset="0"/>
+                            <a:ea typeface="Cambria Math" panose="02040503050406030204" pitchFamily="18" charset="0"/>
+                          </a:rPr>
+                        </m:ctrlPr>
+                      </m:fPr>
+                      <m:num>
+                        <m:r>
+                          <a:rPr lang="en-US" sz="1600" b="0" i="1" smtClean="0">
+                            <a:latin typeface="Cambria Math" panose="02040503050406030204" pitchFamily="18" charset="0"/>
+                            <a:ea typeface="Cambria Math" panose="02040503050406030204" pitchFamily="18" charset="0"/>
+                          </a:rPr>
+                          <m:t>𝑘</m:t>
+                        </m:r>
+                      </m:num>
+                      <m:den>
+                        <m:r>
+                          <a:rPr lang="en-US" sz="1600" b="0" i="1" smtClean="0">
+                            <a:latin typeface="Cambria Math" panose="02040503050406030204" pitchFamily="18" charset="0"/>
+                            <a:ea typeface="Cambria Math" panose="02040503050406030204" pitchFamily="18" charset="0"/>
+                          </a:rPr>
+                          <m:t>𝑠𝑞𝑟𝑡</m:t>
+                        </m:r>
+                        <m:r>
+                          <a:rPr lang="en-US" sz="1600" b="0" i="1" smtClean="0">
+                            <a:latin typeface="Cambria Math" panose="02040503050406030204" pitchFamily="18" charset="0"/>
+                            <a:ea typeface="Cambria Math" panose="02040503050406030204" pitchFamily="18" charset="0"/>
+                          </a:rPr>
+                          <m:t>(</m:t>
+                        </m:r>
+                        <m:r>
+                          <a:rPr lang="en-US" sz="1600" b="0" i="1" smtClean="0">
+                            <a:latin typeface="Cambria Math" panose="02040503050406030204" pitchFamily="18" charset="0"/>
+                            <a:ea typeface="Cambria Math" panose="02040503050406030204" pitchFamily="18" charset="0"/>
+                          </a:rPr>
+                          <m:t>𝑒𝑝𝑜𝑐h𝑁𝑢𝑚</m:t>
+                        </m:r>
+                        <m:r>
+                          <a:rPr lang="en-US" sz="1600" b="0" i="1" smtClean="0">
+                            <a:latin typeface="Cambria Math" panose="02040503050406030204" pitchFamily="18" charset="0"/>
+                            <a:ea typeface="Cambria Math" panose="02040503050406030204" pitchFamily="18" charset="0"/>
+                          </a:rPr>
+                          <m:t>)</m:t>
+                        </m:r>
+                      </m:den>
+                    </m:f>
+                  </m:oMath>
+                </a14:m>
+                <a:r>
+                  <a:rPr lang="en-US" sz="1600" dirty="0"/>
+                  <a:t> * </a:t>
+                </a:r>
+                <a14:m>
+                  <m:oMath xmlns:m="http://schemas.openxmlformats.org/officeDocument/2006/math">
+                    <m:r>
+                      <a:rPr lang="en-US" sz="1600" i="1">
+                        <a:latin typeface="Cambria Math" panose="02040503050406030204" pitchFamily="18" charset="0"/>
+                        <a:ea typeface="Cambria Math" panose="02040503050406030204" pitchFamily="18" charset="0"/>
+                      </a:rPr>
+                      <m:t>𝛼</m:t>
+                    </m:r>
+                  </m:oMath>
+                </a14:m>
+                <a:r>
+                  <a:rPr lang="en-US" sz="1600" baseline="-25000" dirty="0"/>
+                  <a:t>0</a:t>
+                </a:r>
+              </a:p>
+              <a:p>
+                <a:pPr marL="742864" lvl="1" indent="-285750">
+                  <a:buFont typeface="Wingdings" panose="05000000000000000000" pitchFamily="2" charset="2"/>
+                  <a:buChar char="v"/>
+                </a:pPr>
+                <a:r>
+                  <a:rPr lang="en-US" sz="1600" dirty="0"/>
+                  <a:t>Learning rate decay discretely – repeatedly decrease after number of epochs.</a:t>
+                </a:r>
+              </a:p>
+              <a:p>
+                <a:pPr lvl="1"/>
+                <a:endParaRPr lang="en-US" sz="1600" dirty="0"/>
+              </a:p>
+            </p:txBody>
+          </p:sp>
+        </mc:Choice>
+        <mc:Fallback>
+          <p:sp>
+            <p:nvSpPr>
+              <p:cNvPr id="3" name="Rectangle 2">
+                <a:extLst>
+                  <a:ext uri="{FF2B5EF4-FFF2-40B4-BE49-F238E27FC236}">
+                    <a16:creationId xmlns:a16="http://schemas.microsoft.com/office/drawing/2014/main" id="{233E6793-F241-4A5E-B149-AEABB9B6A859}"/>
+                  </a:ext>
+                </a:extLst>
+              </p:cNvPr>
+              <p:cNvSpPr>
+                <a:spLocks noRot="1" noChangeAspect="1" noMove="1" noResize="1" noEditPoints="1" noAdjustHandles="1" noChangeArrowheads="1" noChangeShapeType="1" noTextEdit="1"/>
+              </p:cNvSpPr>
+              <p:nvPr/>
+            </p:nvSpPr>
+            <p:spPr>
+              <a:xfrm>
+                <a:off x="320041" y="1016000"/>
+                <a:ext cx="11191239" cy="2332498"/>
+              </a:xfrm>
+              <a:prstGeom prst="rect">
+                <a:avLst/>
+              </a:prstGeom>
+              <a:blipFill>
+                <a:blip r:embed="rId3"/>
+                <a:stretch>
+                  <a:fillRect t="-1047"/>
+                </a:stretch>
+              </a:blipFill>
+            </p:spPr>
+            <p:txBody>
+              <a:bodyPr/>
+              <a:lstStyle/>
+              <a:p>
+                <a:r>
+                  <a:rPr lang="en-US">
+                    <a:noFill/>
+                  </a:rPr>
+                  <a:t> </a:t>
+                </a:r>
+              </a:p>
+            </p:txBody>
+          </p:sp>
+        </mc:Fallback>
+      </mc:AlternateContent>
+    </p:spTree>
+    <p:extLst>
+      <p:ext uri="{BB962C8B-B14F-4D97-AF65-F5344CB8AC3E}">
+        <p14:creationId xmlns:p14="http://schemas.microsoft.com/office/powerpoint/2010/main" val="2965339304"/>
+      </p:ext>
+    </p:extLst>
+  </p:cSld>
+  <p:clrMapOvr>
+    <a:masterClrMapping/>
+  </p:clrMapOvr>
+</p:sld>
+</file>
+
+<file path=ppt/slides/slide24.xml><?xml version="1.0" encoding="utf-8"?>
+<p:sld xmlns:a="http://schemas.openxmlformats.org/drawingml/2006/main" xmlns:r="http://schemas.openxmlformats.org/officeDocument/2006/relationships" xmlns:p="http://schemas.openxmlformats.org/presentationml/2006/main">
+  <p:cSld>
+    <p:spTree>
+      <p:nvGrpSpPr>
+        <p:cNvPr id="1" name=""/>
+        <p:cNvGrpSpPr/>
+        <p:nvPr/>
+      </p:nvGrpSpPr>
+      <p:grpSpPr>
+        <a:xfrm>
+          <a:off x="0" y="0"/>
+          <a:ext cx="0" cy="0"/>
+          <a:chOff x="0" y="0"/>
+          <a:chExt cx="0" cy="0"/>
+        </a:xfrm>
+      </p:grpSpPr>
+      <p:sp>
+        <p:nvSpPr>
+          <p:cNvPr id="2" name="Text Placeholder 1">
+            <a:extLst>
+              <a:ext uri="{FF2B5EF4-FFF2-40B4-BE49-F238E27FC236}">
+                <a16:creationId xmlns:a16="http://schemas.microsoft.com/office/drawing/2014/main" id="{0C8F9F21-0D59-4B56-AECC-FF254F1D771B}"/>
+              </a:ext>
+            </a:extLst>
+          </p:cNvPr>
+          <p:cNvSpPr>
+            <a:spLocks noGrp="1"/>
+          </p:cNvSpPr>
+          <p:nvPr>
+            <p:ph type="body" sz="quarter" idx="10"/>
+          </p:nvPr>
+        </p:nvSpPr>
         <p:spPr/>
         <p:txBody>
           <a:bodyPr/>
           <a:lstStyle/>
           <a:p>
             <a:r>
-              <a:rPr lang="en-US" altLang="ja-JP" dirty="0">
-                <a:ea typeface="Toshiba Sans" panose="020B0503030403020204" pitchFamily="34" charset="0"/>
-              </a:rPr>
-              <a:t>Thank you</a:t>
-            </a:r>
-            <a:endParaRPr lang="ja-JP" altLang="en-US"/>
+              <a:rPr lang="en-US" dirty="0"/>
+              <a:t>03</a:t>
+            </a:r>
+          </a:p>
+        </p:txBody>
+      </p:sp>
+      <p:sp>
+        <p:nvSpPr>
+          <p:cNvPr id="4" name="Title 3">
+            <a:extLst>
+              <a:ext uri="{FF2B5EF4-FFF2-40B4-BE49-F238E27FC236}">
+                <a16:creationId xmlns:a16="http://schemas.microsoft.com/office/drawing/2014/main" id="{D988D082-31B8-46E4-89E0-5AAF52B989E3}"/>
+              </a:ext>
+            </a:extLst>
+          </p:cNvPr>
+          <p:cNvSpPr>
+            <a:spLocks noGrp="1"/>
+          </p:cNvSpPr>
+          <p:nvPr>
+            <p:ph type="title"/>
+          </p:nvPr>
+        </p:nvSpPr>
+        <p:spPr>
+          <a:xfrm>
+            <a:off x="491649" y="3051999"/>
+            <a:ext cx="7462854" cy="884907"/>
+          </a:xfrm>
+        </p:spPr>
+        <p:txBody>
+          <a:bodyPr/>
+          <a:lstStyle/>
+          <a:p>
+            <a:r>
+              <a:rPr lang="en-US" altLang="en-US" sz="3000" dirty="0"/>
+              <a:t>Hyperparameter Tuning, Batch Normalization &amp; Programming Frameworks</a:t>
+            </a:r>
           </a:p>
         </p:txBody>
       </p:sp>
     </p:spTree>
     <p:extLst>
       <p:ext uri="{BB962C8B-B14F-4D97-AF65-F5344CB8AC3E}">
-        <p14:creationId xmlns:p14="http://schemas.microsoft.com/office/powerpoint/2010/main" val="2324302721"/>
+        <p14:creationId xmlns:p14="http://schemas.microsoft.com/office/powerpoint/2010/main" val="3016330809"/>
+      </p:ext>
+    </p:extLst>
+  </p:cSld>
+  <p:clrMapOvr>
+    <a:masterClrMapping/>
+  </p:clrMapOvr>
+</p:sld>
+</file>
+
+<file path=ppt/slides/slide25.xml><?xml version="1.0" encoding="utf-8"?>
+<p:sld xmlns:a="http://schemas.openxmlformats.org/drawingml/2006/main" xmlns:r="http://schemas.openxmlformats.org/officeDocument/2006/relationships" xmlns:p="http://schemas.openxmlformats.org/presentationml/2006/main">
+  <p:cSld>
+    <p:spTree>
+      <p:nvGrpSpPr>
+        <p:cNvPr id="1" name=""/>
+        <p:cNvGrpSpPr/>
+        <p:nvPr/>
+      </p:nvGrpSpPr>
+      <p:grpSpPr>
+        <a:xfrm>
+          <a:off x="0" y="0"/>
+          <a:ext cx="0" cy="0"/>
+          <a:chOff x="0" y="0"/>
+          <a:chExt cx="0" cy="0"/>
+        </a:xfrm>
+      </p:grpSpPr>
+      <p:sp>
+        <p:nvSpPr>
+          <p:cNvPr id="5" name="Title 4">
+            <a:extLst>
+              <a:ext uri="{FF2B5EF4-FFF2-40B4-BE49-F238E27FC236}">
+                <a16:creationId xmlns:a16="http://schemas.microsoft.com/office/drawing/2014/main" id="{44E0868E-BCFF-4470-AA32-2E6DA01A7745}"/>
+              </a:ext>
+            </a:extLst>
+          </p:cNvPr>
+          <p:cNvSpPr>
+            <a:spLocks noGrp="1"/>
+          </p:cNvSpPr>
+          <p:nvPr>
+            <p:ph type="title"/>
+          </p:nvPr>
+        </p:nvSpPr>
+        <p:spPr>
+          <a:xfrm>
+            <a:off x="-15240" y="13063"/>
+            <a:ext cx="11429999" cy="749165"/>
+          </a:xfrm>
+        </p:spPr>
+        <p:txBody>
+          <a:bodyPr/>
+          <a:lstStyle/>
+          <a:p>
+            <a:r>
+              <a:rPr lang="en-US" dirty="0"/>
+              <a:t>3.1 Tuning process</a:t>
+            </a:r>
+          </a:p>
+        </p:txBody>
+      </p:sp>
+      <p:sp>
+        <p:nvSpPr>
+          <p:cNvPr id="3" name="Rectangle 2">
+            <a:extLst>
+              <a:ext uri="{FF2B5EF4-FFF2-40B4-BE49-F238E27FC236}">
+                <a16:creationId xmlns:a16="http://schemas.microsoft.com/office/drawing/2014/main" id="{233E6793-F241-4A5E-B149-AEABB9B6A859}"/>
+              </a:ext>
+            </a:extLst>
+          </p:cNvPr>
+          <p:cNvSpPr/>
+          <p:nvPr/>
+        </p:nvSpPr>
+        <p:spPr>
+          <a:xfrm>
+            <a:off x="320041" y="1016000"/>
+            <a:ext cx="11191239" cy="2800767"/>
+          </a:xfrm>
+          <a:prstGeom prst="rect">
+            <a:avLst/>
+          </a:prstGeom>
+        </p:spPr>
+        <p:txBody>
+          <a:bodyPr wrap="square">
+            <a:spAutoFit/>
+          </a:bodyPr>
+          <a:lstStyle/>
+          <a:p>
+            <a:pPr marL="742864" lvl="1" indent="-285750">
+              <a:buFont typeface="Wingdings" panose="05000000000000000000" pitchFamily="2" charset="2"/>
+              <a:buChar char="v"/>
+            </a:pPr>
+            <a:r>
+              <a:rPr lang="en-US" sz="1600" dirty="0"/>
+              <a:t>Goal: tune model’s hyperparameters to get the best sets.</a:t>
+            </a:r>
+          </a:p>
+          <a:p>
+            <a:pPr marL="742864" lvl="1" indent="-285750">
+              <a:buFont typeface="Wingdings" panose="05000000000000000000" pitchFamily="2" charset="2"/>
+              <a:buChar char="v"/>
+            </a:pPr>
+            <a:r>
+              <a:rPr lang="en-US" sz="1600" dirty="0"/>
+              <a:t>Hyperparameters:</a:t>
+            </a:r>
+          </a:p>
+          <a:p>
+            <a:pPr marL="1199978" lvl="2" indent="-285750">
+              <a:buFont typeface="Wingdings" panose="05000000000000000000" pitchFamily="2" charset="2"/>
+              <a:buChar char="§"/>
+            </a:pPr>
+            <a:r>
+              <a:rPr lang="en-US" sz="1600" dirty="0"/>
+              <a:t>Learning rate</a:t>
+            </a:r>
+          </a:p>
+          <a:p>
+            <a:pPr marL="1199978" lvl="2" indent="-285750">
+              <a:buFont typeface="Wingdings" panose="05000000000000000000" pitchFamily="2" charset="2"/>
+              <a:buChar char="§"/>
+            </a:pPr>
+            <a:r>
+              <a:rPr lang="en-US" sz="1600" dirty="0"/>
+              <a:t>Momentum beta</a:t>
+            </a:r>
+          </a:p>
+          <a:p>
+            <a:pPr marL="1199978" lvl="2" indent="-285750">
+              <a:buFont typeface="Wingdings" panose="05000000000000000000" pitchFamily="2" charset="2"/>
+              <a:buChar char="§"/>
+            </a:pPr>
+            <a:r>
+              <a:rPr lang="en-US" sz="1600" dirty="0"/>
+              <a:t>Mini-batch size</a:t>
+            </a:r>
+          </a:p>
+          <a:p>
+            <a:pPr marL="1199978" lvl="2" indent="-285750">
+              <a:buFont typeface="Wingdings" panose="05000000000000000000" pitchFamily="2" charset="2"/>
+              <a:buChar char="§"/>
+            </a:pPr>
+            <a:r>
+              <a:rPr lang="en-US" sz="1600" dirty="0"/>
+              <a:t>No. of hidden units</a:t>
+            </a:r>
+          </a:p>
+          <a:p>
+            <a:pPr marL="1199978" lvl="2" indent="-285750">
+              <a:buFont typeface="Wingdings" panose="05000000000000000000" pitchFamily="2" charset="2"/>
+              <a:buChar char="§"/>
+            </a:pPr>
+            <a:r>
+              <a:rPr lang="en-US" sz="1600" dirty="0"/>
+              <a:t>No. of layers</a:t>
+            </a:r>
+          </a:p>
+          <a:p>
+            <a:pPr marL="1199978" lvl="2" indent="-285750">
+              <a:buFont typeface="Wingdings" panose="05000000000000000000" pitchFamily="2" charset="2"/>
+              <a:buChar char="§"/>
+            </a:pPr>
+            <a:r>
+              <a:rPr lang="en-US" sz="1600" dirty="0"/>
+              <a:t>Leaning rate decay</a:t>
+            </a:r>
+          </a:p>
+          <a:p>
+            <a:pPr marL="1199978" lvl="2" indent="-285750">
+              <a:buFont typeface="Wingdings" panose="05000000000000000000" pitchFamily="2" charset="2"/>
+              <a:buChar char="§"/>
+            </a:pPr>
+            <a:r>
+              <a:rPr lang="en-US" sz="1600" dirty="0"/>
+              <a:t>Regularization lambda</a:t>
+            </a:r>
+          </a:p>
+          <a:p>
+            <a:pPr marL="1199978" lvl="2" indent="-285750">
+              <a:buFont typeface="Wingdings" panose="05000000000000000000" pitchFamily="2" charset="2"/>
+              <a:buChar char="§"/>
+            </a:pPr>
+            <a:r>
+              <a:rPr lang="en-US" sz="1600" dirty="0"/>
+              <a:t>Activation functions.</a:t>
+            </a:r>
+          </a:p>
+          <a:p>
+            <a:pPr marL="1199978" lvl="2" indent="-285750">
+              <a:buFont typeface="Wingdings" panose="05000000000000000000" pitchFamily="2" charset="2"/>
+              <a:buChar char="§"/>
+            </a:pPr>
+            <a:r>
+              <a:rPr lang="en-US" sz="1600" dirty="0"/>
+              <a:t>Adam, beta1, beta2 &amp; epsilon.</a:t>
+            </a:r>
+          </a:p>
+        </p:txBody>
+      </p:sp>
+    </p:spTree>
+    <p:extLst>
+      <p:ext uri="{BB962C8B-B14F-4D97-AF65-F5344CB8AC3E}">
+        <p14:creationId xmlns:p14="http://schemas.microsoft.com/office/powerpoint/2010/main" val="3847575847"/>
+      </p:ext>
+    </p:extLst>
+  </p:cSld>
+  <p:clrMapOvr>
+    <a:masterClrMapping/>
+  </p:clrMapOvr>
+</p:sld>
+</file>
+
+<file path=ppt/slides/slide26.xml><?xml version="1.0" encoding="utf-8"?>
+<p:sld xmlns:a="http://schemas.openxmlformats.org/drawingml/2006/main" xmlns:r="http://schemas.openxmlformats.org/officeDocument/2006/relationships" xmlns:p="http://schemas.openxmlformats.org/presentationml/2006/main">
+  <p:cSld>
+    <p:spTree>
+      <p:nvGrpSpPr>
+        <p:cNvPr id="1" name=""/>
+        <p:cNvGrpSpPr/>
+        <p:nvPr/>
+      </p:nvGrpSpPr>
+      <p:grpSpPr>
+        <a:xfrm>
+          <a:off x="0" y="0"/>
+          <a:ext cx="0" cy="0"/>
+          <a:chOff x="0" y="0"/>
+          <a:chExt cx="0" cy="0"/>
+        </a:xfrm>
+      </p:grpSpPr>
+      <p:sp>
+        <p:nvSpPr>
+          <p:cNvPr id="5" name="Title 4">
+            <a:extLst>
+              <a:ext uri="{FF2B5EF4-FFF2-40B4-BE49-F238E27FC236}">
+                <a16:creationId xmlns:a16="http://schemas.microsoft.com/office/drawing/2014/main" id="{44E0868E-BCFF-4470-AA32-2E6DA01A7745}"/>
+              </a:ext>
+            </a:extLst>
+          </p:cNvPr>
+          <p:cNvSpPr>
+            <a:spLocks noGrp="1"/>
+          </p:cNvSpPr>
+          <p:nvPr>
+            <p:ph type="title"/>
+          </p:nvPr>
+        </p:nvSpPr>
+        <p:spPr>
+          <a:xfrm>
+            <a:off x="-15240" y="13063"/>
+            <a:ext cx="11429999" cy="749165"/>
+          </a:xfrm>
+        </p:spPr>
+        <p:txBody>
+          <a:bodyPr/>
+          <a:lstStyle/>
+          <a:p>
+            <a:r>
+              <a:rPr lang="en-US" dirty="0"/>
+              <a:t>3.2 Using an appropriate scale to pick hyperparameters</a:t>
+            </a:r>
+          </a:p>
+        </p:txBody>
+      </p:sp>
+      <p:sp>
+        <p:nvSpPr>
+          <p:cNvPr id="3" name="Rectangle 2">
+            <a:extLst>
+              <a:ext uri="{FF2B5EF4-FFF2-40B4-BE49-F238E27FC236}">
+                <a16:creationId xmlns:a16="http://schemas.microsoft.com/office/drawing/2014/main" id="{233E6793-F241-4A5E-B149-AEABB9B6A859}"/>
+              </a:ext>
+            </a:extLst>
+          </p:cNvPr>
+          <p:cNvSpPr/>
+          <p:nvPr/>
+        </p:nvSpPr>
+        <p:spPr>
+          <a:xfrm>
+            <a:off x="320041" y="1016000"/>
+            <a:ext cx="11191239" cy="2800767"/>
+          </a:xfrm>
+          <a:prstGeom prst="rect">
+            <a:avLst/>
+          </a:prstGeom>
+        </p:spPr>
+        <p:txBody>
+          <a:bodyPr wrap="square">
+            <a:spAutoFit/>
+          </a:bodyPr>
+          <a:lstStyle/>
+          <a:p>
+            <a:pPr marL="742864" lvl="1" indent="-285750">
+              <a:buFont typeface="Wingdings" panose="05000000000000000000" pitchFamily="2" charset="2"/>
+              <a:buChar char="v"/>
+            </a:pPr>
+            <a:r>
+              <a:rPr lang="en-US" sz="1600" dirty="0"/>
+              <a:t>Goal: tune model’s hyperparameters to get the best sets.</a:t>
+            </a:r>
+          </a:p>
+          <a:p>
+            <a:pPr marL="742864" lvl="1" indent="-285750">
+              <a:buFont typeface="Wingdings" panose="05000000000000000000" pitchFamily="2" charset="2"/>
+              <a:buChar char="v"/>
+            </a:pPr>
+            <a:r>
+              <a:rPr lang="en-US" sz="1600" dirty="0"/>
+              <a:t>Hyperparameters:</a:t>
+            </a:r>
+          </a:p>
+          <a:p>
+            <a:pPr marL="1199978" lvl="2" indent="-285750">
+              <a:buFont typeface="Wingdings" panose="05000000000000000000" pitchFamily="2" charset="2"/>
+              <a:buChar char="§"/>
+            </a:pPr>
+            <a:r>
+              <a:rPr lang="en-US" sz="1600" dirty="0"/>
+              <a:t>Learning rate</a:t>
+            </a:r>
+          </a:p>
+          <a:p>
+            <a:pPr marL="1199978" lvl="2" indent="-285750">
+              <a:buFont typeface="Wingdings" panose="05000000000000000000" pitchFamily="2" charset="2"/>
+              <a:buChar char="§"/>
+            </a:pPr>
+            <a:r>
+              <a:rPr lang="en-US" sz="1600" dirty="0"/>
+              <a:t>Momentum beta</a:t>
+            </a:r>
+          </a:p>
+          <a:p>
+            <a:pPr marL="1199978" lvl="2" indent="-285750">
+              <a:buFont typeface="Wingdings" panose="05000000000000000000" pitchFamily="2" charset="2"/>
+              <a:buChar char="§"/>
+            </a:pPr>
+            <a:r>
+              <a:rPr lang="en-US" sz="1600" dirty="0"/>
+              <a:t>Mini-batch size</a:t>
+            </a:r>
+          </a:p>
+          <a:p>
+            <a:pPr marL="1199978" lvl="2" indent="-285750">
+              <a:buFont typeface="Wingdings" panose="05000000000000000000" pitchFamily="2" charset="2"/>
+              <a:buChar char="§"/>
+            </a:pPr>
+            <a:r>
+              <a:rPr lang="en-US" sz="1600" dirty="0"/>
+              <a:t>No. of hidden units</a:t>
+            </a:r>
+          </a:p>
+          <a:p>
+            <a:pPr marL="1199978" lvl="2" indent="-285750">
+              <a:buFont typeface="Wingdings" panose="05000000000000000000" pitchFamily="2" charset="2"/>
+              <a:buChar char="§"/>
+            </a:pPr>
+            <a:r>
+              <a:rPr lang="en-US" sz="1600" dirty="0"/>
+              <a:t>No. of layers</a:t>
+            </a:r>
+          </a:p>
+          <a:p>
+            <a:pPr marL="1199978" lvl="2" indent="-285750">
+              <a:buFont typeface="Wingdings" panose="05000000000000000000" pitchFamily="2" charset="2"/>
+              <a:buChar char="§"/>
+            </a:pPr>
+            <a:r>
+              <a:rPr lang="en-US" sz="1600" dirty="0"/>
+              <a:t>Leaning rate decay</a:t>
+            </a:r>
+          </a:p>
+          <a:p>
+            <a:pPr marL="1199978" lvl="2" indent="-285750">
+              <a:buFont typeface="Wingdings" panose="05000000000000000000" pitchFamily="2" charset="2"/>
+              <a:buChar char="§"/>
+            </a:pPr>
+            <a:r>
+              <a:rPr lang="en-US" sz="1600" dirty="0"/>
+              <a:t>Regularization lambda</a:t>
+            </a:r>
+          </a:p>
+          <a:p>
+            <a:pPr marL="1199978" lvl="2" indent="-285750">
+              <a:buFont typeface="Wingdings" panose="05000000000000000000" pitchFamily="2" charset="2"/>
+              <a:buChar char="§"/>
+            </a:pPr>
+            <a:r>
+              <a:rPr lang="en-US" sz="1600" dirty="0"/>
+              <a:t>Activation functions.</a:t>
+            </a:r>
+          </a:p>
+          <a:p>
+            <a:pPr marL="1199978" lvl="2" indent="-285750">
+              <a:buFont typeface="Wingdings" panose="05000000000000000000" pitchFamily="2" charset="2"/>
+              <a:buChar char="§"/>
+            </a:pPr>
+            <a:r>
+              <a:rPr lang="en-US" sz="1600" dirty="0"/>
+              <a:t>Adam, beta1, beta2 &amp; epsilon.</a:t>
+            </a:r>
+          </a:p>
+        </p:txBody>
+      </p:sp>
+    </p:spTree>
+    <p:extLst>
+      <p:ext uri="{BB962C8B-B14F-4D97-AF65-F5344CB8AC3E}">
+        <p14:creationId xmlns:p14="http://schemas.microsoft.com/office/powerpoint/2010/main" val="2886526302"/>
+      </p:ext>
+    </p:extLst>
+  </p:cSld>
+  <p:clrMapOvr>
+    <a:masterClrMapping/>
+  </p:clrMapOvr>
+</p:sld>
+</file>
+
+<file path=ppt/slides/slide27.xml><?xml version="1.0" encoding="utf-8"?>
+<p:sld xmlns:a="http://schemas.openxmlformats.org/drawingml/2006/main" xmlns:r="http://schemas.openxmlformats.org/officeDocument/2006/relationships" xmlns:p="http://schemas.openxmlformats.org/presentationml/2006/main">
+  <p:cSld>
+    <p:spTree>
+      <p:nvGrpSpPr>
+        <p:cNvPr id="1" name=""/>
+        <p:cNvGrpSpPr/>
+        <p:nvPr/>
+      </p:nvGrpSpPr>
+      <p:grpSpPr>
+        <a:xfrm>
+          <a:off x="0" y="0"/>
+          <a:ext cx="0" cy="0"/>
+          <a:chOff x="0" y="0"/>
+          <a:chExt cx="0" cy="0"/>
+        </a:xfrm>
+      </p:grpSpPr>
+      <p:sp>
+        <p:nvSpPr>
+          <p:cNvPr id="5" name="Title 4">
+            <a:extLst>
+              <a:ext uri="{FF2B5EF4-FFF2-40B4-BE49-F238E27FC236}">
+                <a16:creationId xmlns:a16="http://schemas.microsoft.com/office/drawing/2014/main" id="{44E0868E-BCFF-4470-AA32-2E6DA01A7745}"/>
+              </a:ext>
+            </a:extLst>
+          </p:cNvPr>
+          <p:cNvSpPr>
+            <a:spLocks noGrp="1"/>
+          </p:cNvSpPr>
+          <p:nvPr>
+            <p:ph type="title"/>
+          </p:nvPr>
+        </p:nvSpPr>
+        <p:spPr>
+          <a:xfrm>
+            <a:off x="-15240" y="13063"/>
+            <a:ext cx="11429999" cy="749165"/>
+          </a:xfrm>
+        </p:spPr>
+        <p:txBody>
+          <a:bodyPr/>
+          <a:lstStyle/>
+          <a:p>
+            <a:r>
+              <a:rPr lang="en-US" dirty="0"/>
+              <a:t>3.3 Batch Normalization: Normalizing activations in a Network</a:t>
+            </a:r>
+          </a:p>
+        </p:txBody>
+      </p:sp>
+      <mc:AlternateContent xmlns:mc="http://schemas.openxmlformats.org/markup-compatibility/2006">
+        <mc:Choice xmlns:a14="http://schemas.microsoft.com/office/drawing/2010/main" Requires="a14">
+          <p:sp>
+            <p:nvSpPr>
+              <p:cNvPr id="3" name="Rectangle 2">
+                <a:extLst>
+                  <a:ext uri="{FF2B5EF4-FFF2-40B4-BE49-F238E27FC236}">
+                    <a16:creationId xmlns:a16="http://schemas.microsoft.com/office/drawing/2014/main" id="{233E6793-F241-4A5E-B149-AEABB9B6A859}"/>
+                  </a:ext>
+                </a:extLst>
+              </p:cNvPr>
+              <p:cNvSpPr/>
+              <p:nvPr/>
+            </p:nvSpPr>
+            <p:spPr>
+              <a:xfrm>
+                <a:off x="320041" y="1016000"/>
+                <a:ext cx="11191239" cy="2774029"/>
+              </a:xfrm>
+              <a:prstGeom prst="rect">
+                <a:avLst/>
+              </a:prstGeom>
+            </p:spPr>
+            <p:txBody>
+              <a:bodyPr wrap="square">
+                <a:spAutoFit/>
+              </a:bodyPr>
+              <a:lstStyle/>
+              <a:p>
+                <a:pPr marL="742864" lvl="1" indent="-285750">
+                  <a:buFont typeface="Wingdings" panose="05000000000000000000" pitchFamily="2" charset="2"/>
+                  <a:buChar char="v"/>
+                </a:pPr>
+                <a:r>
+                  <a:rPr lang="en-US" sz="1600" dirty="0"/>
+                  <a:t>Normalizing inputs to speed up learning.</a:t>
+                </a:r>
+              </a:p>
+              <a:p>
+                <a:pPr marL="742864" lvl="1" indent="-285750">
+                  <a:buFont typeface="Wingdings" panose="05000000000000000000" pitchFamily="2" charset="2"/>
+                  <a:buChar char="v"/>
+                </a:pPr>
+                <a:r>
+                  <a:rPr lang="en-US" sz="1600" dirty="0"/>
+                  <a:t>Implementing Batch Norm:</a:t>
+                </a:r>
+              </a:p>
+              <a:p>
+                <a:pPr marL="1199978" lvl="2" indent="-285750">
+                  <a:buFont typeface="Wingdings" panose="05000000000000000000" pitchFamily="2" charset="2"/>
+                  <a:buChar char="§"/>
+                </a:pPr>
+                <a:r>
+                  <a:rPr lang="en-US" sz="1600" dirty="0"/>
+                  <a:t>Given some intermediate values: Z</a:t>
+                </a:r>
+                <a:r>
+                  <a:rPr lang="en-US" sz="1600" baseline="30000" dirty="0"/>
+                  <a:t>[l]</a:t>
+                </a:r>
+                <a:r>
+                  <a:rPr lang="en-US" sz="1600" dirty="0"/>
+                  <a:t> = [z</a:t>
+                </a:r>
+                <a:r>
+                  <a:rPr lang="en-US" sz="1600" baseline="30000" dirty="0"/>
+                  <a:t>(1)</a:t>
+                </a:r>
+                <a:r>
+                  <a:rPr lang="en-US" sz="1600" dirty="0"/>
+                  <a:t>, …, z</a:t>
+                </a:r>
+                <a:r>
+                  <a:rPr lang="en-US" sz="1600" baseline="30000" dirty="0"/>
+                  <a:t>(m)</a:t>
+                </a:r>
+                <a:r>
+                  <a:rPr lang="en-US" sz="1600" dirty="0"/>
+                  <a:t>], </a:t>
+                </a:r>
+                <a:r>
+                  <a:rPr lang="en-US" sz="1600" dirty="0" err="1"/>
+                  <a:t>i</a:t>
+                </a:r>
+                <a:r>
+                  <a:rPr lang="en-US" sz="1600" dirty="0"/>
+                  <a:t> = [1, m].</a:t>
+                </a:r>
+              </a:p>
+              <a:p>
+                <a:pPr marL="1199978" lvl="2" indent="-285750">
+                  <a:buFont typeface="Wingdings" panose="05000000000000000000" pitchFamily="2" charset="2"/>
+                  <a:buChar char="§"/>
+                </a:pPr>
+                <a14:m>
+                  <m:oMath xmlns:m="http://schemas.openxmlformats.org/officeDocument/2006/math">
+                    <m:r>
+                      <a:rPr lang="en-US" sz="1600" i="1" smtClean="0">
+                        <a:latin typeface="Cambria Math" panose="02040503050406030204" pitchFamily="18" charset="0"/>
+                        <a:ea typeface="Cambria Math" panose="02040503050406030204" pitchFamily="18" charset="0"/>
+                      </a:rPr>
+                      <m:t>𝜇</m:t>
+                    </m:r>
+                    <m:r>
+                      <a:rPr lang="en-US" sz="1600" b="0" i="1" smtClean="0">
+                        <a:latin typeface="Cambria Math" panose="02040503050406030204" pitchFamily="18" charset="0"/>
+                        <a:ea typeface="Cambria Math" panose="02040503050406030204" pitchFamily="18" charset="0"/>
+                      </a:rPr>
+                      <m:t>= </m:t>
+                    </m:r>
+                    <m:f>
+                      <m:fPr>
+                        <m:ctrlPr>
+                          <a:rPr lang="en-US" sz="1600" b="0" i="1" smtClean="0">
+                            <a:latin typeface="Cambria Math" panose="02040503050406030204" pitchFamily="18" charset="0"/>
+                            <a:ea typeface="Cambria Math" panose="02040503050406030204" pitchFamily="18" charset="0"/>
+                          </a:rPr>
+                        </m:ctrlPr>
+                      </m:fPr>
+                      <m:num>
+                        <m:r>
+                          <a:rPr lang="en-US" sz="1600" b="0" i="1" smtClean="0">
+                            <a:latin typeface="Cambria Math" panose="02040503050406030204" pitchFamily="18" charset="0"/>
+                            <a:ea typeface="Cambria Math" panose="02040503050406030204" pitchFamily="18" charset="0"/>
+                          </a:rPr>
+                          <m:t>1</m:t>
+                        </m:r>
+                      </m:num>
+                      <m:den>
+                        <m:r>
+                          <a:rPr lang="en-US" sz="1600" b="0" i="1" smtClean="0">
+                            <a:latin typeface="Cambria Math" panose="02040503050406030204" pitchFamily="18" charset="0"/>
+                            <a:ea typeface="Cambria Math" panose="02040503050406030204" pitchFamily="18" charset="0"/>
+                          </a:rPr>
+                          <m:t>𝑚</m:t>
+                        </m:r>
+                      </m:den>
+                    </m:f>
+                    <m:nary>
+                      <m:naryPr>
+                        <m:chr m:val="∑"/>
+                        <m:supHide m:val="on"/>
+                        <m:ctrlPr>
+                          <a:rPr lang="en-US" sz="1600" b="0" i="1" smtClean="0">
+                            <a:latin typeface="Cambria Math" panose="02040503050406030204" pitchFamily="18" charset="0"/>
+                            <a:ea typeface="Cambria Math" panose="02040503050406030204" pitchFamily="18" charset="0"/>
+                          </a:rPr>
+                        </m:ctrlPr>
+                      </m:naryPr>
+                      <m:sub>
+                        <m:r>
+                          <m:rPr>
+                            <m:brk m:alnAt="7"/>
+                          </m:rPr>
+                          <a:rPr lang="en-US" sz="1600" b="0" i="1" smtClean="0">
+                            <a:latin typeface="Cambria Math" panose="02040503050406030204" pitchFamily="18" charset="0"/>
+                            <a:ea typeface="Cambria Math" panose="02040503050406030204" pitchFamily="18" charset="0"/>
+                          </a:rPr>
+                          <m:t>𝑖</m:t>
+                        </m:r>
+                      </m:sub>
+                      <m:sup/>
+                      <m:e>
+                        <m:sSup>
+                          <m:sSupPr>
+                            <m:ctrlPr>
+                              <a:rPr lang="en-US" sz="1600" b="0" i="1" smtClean="0">
+                                <a:latin typeface="Cambria Math" panose="02040503050406030204" pitchFamily="18" charset="0"/>
+                                <a:ea typeface="Cambria Math" panose="02040503050406030204" pitchFamily="18" charset="0"/>
+                              </a:rPr>
+                            </m:ctrlPr>
+                          </m:sSupPr>
+                          <m:e>
+                            <m:r>
+                              <a:rPr lang="en-US" sz="1600" b="0" i="1" smtClean="0">
+                                <a:latin typeface="Cambria Math" panose="02040503050406030204" pitchFamily="18" charset="0"/>
+                                <a:ea typeface="Cambria Math" panose="02040503050406030204" pitchFamily="18" charset="0"/>
+                              </a:rPr>
+                              <m:t>𝑧</m:t>
+                            </m:r>
+                          </m:e>
+                          <m:sup>
+                            <m:r>
+                              <a:rPr lang="en-US" sz="1600" b="0" i="1" smtClean="0">
+                                <a:latin typeface="Cambria Math" panose="02040503050406030204" pitchFamily="18" charset="0"/>
+                                <a:ea typeface="Cambria Math" panose="02040503050406030204" pitchFamily="18" charset="0"/>
+                              </a:rPr>
+                              <m:t>(</m:t>
+                            </m:r>
+                            <m:r>
+                              <a:rPr lang="en-US" sz="1600" b="0" i="1" smtClean="0">
+                                <a:latin typeface="Cambria Math" panose="02040503050406030204" pitchFamily="18" charset="0"/>
+                                <a:ea typeface="Cambria Math" panose="02040503050406030204" pitchFamily="18" charset="0"/>
+                              </a:rPr>
+                              <m:t>𝑖</m:t>
+                            </m:r>
+                            <m:r>
+                              <a:rPr lang="en-US" sz="1600" b="0" i="1" smtClean="0">
+                                <a:latin typeface="Cambria Math" panose="02040503050406030204" pitchFamily="18" charset="0"/>
+                                <a:ea typeface="Cambria Math" panose="02040503050406030204" pitchFamily="18" charset="0"/>
+                              </a:rPr>
+                              <m:t>)</m:t>
+                            </m:r>
+                          </m:sup>
+                        </m:sSup>
+                      </m:e>
+                    </m:nary>
+                  </m:oMath>
+                </a14:m>
+                <a:endParaRPr lang="en-US" sz="1600" dirty="0"/>
+              </a:p>
+              <a:p>
+                <a:pPr marL="1199978" lvl="2" indent="-285750">
+                  <a:buFont typeface="Wingdings" panose="05000000000000000000" pitchFamily="2" charset="2"/>
+                  <a:buChar char="§"/>
+                </a:pPr>
+                <a14:m>
+                  <m:oMath xmlns:m="http://schemas.openxmlformats.org/officeDocument/2006/math">
+                    <m:sSup>
+                      <m:sSupPr>
+                        <m:ctrlPr>
+                          <a:rPr lang="en-US" sz="1600" i="1" smtClean="0">
+                            <a:latin typeface="Cambria Math" panose="02040503050406030204" pitchFamily="18" charset="0"/>
+                          </a:rPr>
+                        </m:ctrlPr>
+                      </m:sSupPr>
+                      <m:e>
+                        <m:r>
+                          <a:rPr lang="en-US" sz="1600" i="1" smtClean="0">
+                            <a:latin typeface="Cambria Math" panose="02040503050406030204" pitchFamily="18" charset="0"/>
+                            <a:ea typeface="Cambria Math" panose="02040503050406030204" pitchFamily="18" charset="0"/>
+                          </a:rPr>
+                          <m:t>𝜎</m:t>
+                        </m:r>
+                      </m:e>
+                      <m:sup>
+                        <m:r>
+                          <a:rPr lang="en-US" sz="1600" b="0" i="1" smtClean="0">
+                            <a:latin typeface="Cambria Math" panose="02040503050406030204" pitchFamily="18" charset="0"/>
+                          </a:rPr>
+                          <m:t>2</m:t>
+                        </m:r>
+                      </m:sup>
+                    </m:sSup>
+                    <m:r>
+                      <a:rPr lang="en-US" sz="1600" b="0" i="1" smtClean="0">
+                        <a:latin typeface="Cambria Math" panose="02040503050406030204" pitchFamily="18" charset="0"/>
+                      </a:rPr>
+                      <m:t>= </m:t>
+                    </m:r>
+                    <m:f>
+                      <m:fPr>
+                        <m:ctrlPr>
+                          <a:rPr lang="en-US" sz="1600" i="1">
+                            <a:latin typeface="Cambria Math" panose="02040503050406030204" pitchFamily="18" charset="0"/>
+                            <a:ea typeface="Cambria Math" panose="02040503050406030204" pitchFamily="18" charset="0"/>
+                          </a:rPr>
+                        </m:ctrlPr>
+                      </m:fPr>
+                      <m:num>
+                        <m:r>
+                          <a:rPr lang="en-US" sz="1600" i="1">
+                            <a:latin typeface="Cambria Math" panose="02040503050406030204" pitchFamily="18" charset="0"/>
+                            <a:ea typeface="Cambria Math" panose="02040503050406030204" pitchFamily="18" charset="0"/>
+                          </a:rPr>
+                          <m:t>1</m:t>
+                        </m:r>
+                      </m:num>
+                      <m:den>
+                        <m:r>
+                          <a:rPr lang="en-US" sz="1600" i="1">
+                            <a:latin typeface="Cambria Math" panose="02040503050406030204" pitchFamily="18" charset="0"/>
+                            <a:ea typeface="Cambria Math" panose="02040503050406030204" pitchFamily="18" charset="0"/>
+                          </a:rPr>
+                          <m:t>𝑚</m:t>
+                        </m:r>
+                      </m:den>
+                    </m:f>
+                    <m:sSup>
+                      <m:sSupPr>
+                        <m:ctrlPr>
+                          <a:rPr lang="en-US" sz="1600" i="1" smtClean="0">
+                            <a:latin typeface="Cambria Math" panose="02040503050406030204" pitchFamily="18" charset="0"/>
+                            <a:ea typeface="Cambria Math" panose="02040503050406030204" pitchFamily="18" charset="0"/>
+                          </a:rPr>
+                        </m:ctrlPr>
+                      </m:sSupPr>
+                      <m:e>
+                        <m:nary>
+                          <m:naryPr>
+                            <m:chr m:val="∑"/>
+                            <m:supHide m:val="on"/>
+                            <m:ctrlPr>
+                              <a:rPr lang="en-US" sz="1600" i="1">
+                                <a:latin typeface="Cambria Math" panose="02040503050406030204" pitchFamily="18" charset="0"/>
+                                <a:ea typeface="Cambria Math" panose="02040503050406030204" pitchFamily="18" charset="0"/>
+                              </a:rPr>
+                            </m:ctrlPr>
+                          </m:naryPr>
+                          <m:sub>
+                            <m:r>
+                              <m:rPr>
+                                <m:brk m:alnAt="7"/>
+                              </m:rPr>
+                              <a:rPr lang="en-US" sz="1600" i="1">
+                                <a:latin typeface="Cambria Math" panose="02040503050406030204" pitchFamily="18" charset="0"/>
+                                <a:ea typeface="Cambria Math" panose="02040503050406030204" pitchFamily="18" charset="0"/>
+                              </a:rPr>
+                              <m:t>𝑖</m:t>
+                            </m:r>
+                          </m:sub>
+                          <m:sup/>
+                          <m:e>
+                            <m:sSup>
+                              <m:sSupPr>
+                                <m:ctrlPr>
+                                  <a:rPr lang="en-US" sz="1600" i="1">
+                                    <a:latin typeface="Cambria Math" panose="02040503050406030204" pitchFamily="18" charset="0"/>
+                                    <a:ea typeface="Cambria Math" panose="02040503050406030204" pitchFamily="18" charset="0"/>
+                                  </a:rPr>
+                                </m:ctrlPr>
+                              </m:sSupPr>
+                              <m:e>
+                                <m:r>
+                                  <a:rPr lang="en-US" sz="1600" i="1">
+                                    <a:latin typeface="Cambria Math" panose="02040503050406030204" pitchFamily="18" charset="0"/>
+                                    <a:ea typeface="Cambria Math" panose="02040503050406030204" pitchFamily="18" charset="0"/>
+                                  </a:rPr>
+                                  <m:t>(</m:t>
+                                </m:r>
+                                <m:r>
+                                  <a:rPr lang="en-US" sz="1600" i="1">
+                                    <a:latin typeface="Cambria Math" panose="02040503050406030204" pitchFamily="18" charset="0"/>
+                                    <a:ea typeface="Cambria Math" panose="02040503050406030204" pitchFamily="18" charset="0"/>
+                                  </a:rPr>
+                                  <m:t>𝑧</m:t>
+                                </m:r>
+                              </m:e>
+                              <m:sup>
+                                <m:r>
+                                  <a:rPr lang="en-US" sz="1600" i="1">
+                                    <a:latin typeface="Cambria Math" panose="02040503050406030204" pitchFamily="18" charset="0"/>
+                                    <a:ea typeface="Cambria Math" panose="02040503050406030204" pitchFamily="18" charset="0"/>
+                                  </a:rPr>
+                                  <m:t>(</m:t>
+                                </m:r>
+                                <m:r>
+                                  <a:rPr lang="en-US" sz="1600" i="1">
+                                    <a:latin typeface="Cambria Math" panose="02040503050406030204" pitchFamily="18" charset="0"/>
+                                    <a:ea typeface="Cambria Math" panose="02040503050406030204" pitchFamily="18" charset="0"/>
+                                  </a:rPr>
+                                  <m:t>𝑖</m:t>
+                                </m:r>
+                                <m:r>
+                                  <a:rPr lang="en-US" sz="1600" i="1">
+                                    <a:latin typeface="Cambria Math" panose="02040503050406030204" pitchFamily="18" charset="0"/>
+                                    <a:ea typeface="Cambria Math" panose="02040503050406030204" pitchFamily="18" charset="0"/>
+                                  </a:rPr>
+                                  <m:t>)</m:t>
+                                </m:r>
+                              </m:sup>
+                            </m:sSup>
+                            <m:r>
+                              <a:rPr lang="en-US" sz="1600" i="1">
+                                <a:latin typeface="Cambria Math" panose="02040503050406030204" pitchFamily="18" charset="0"/>
+                                <a:ea typeface="Cambria Math" panose="02040503050406030204" pitchFamily="18" charset="0"/>
+                              </a:rPr>
+                              <m:t> −</m:t>
+                            </m:r>
+                            <m:r>
+                              <a:rPr lang="en-US" sz="1600" i="1">
+                                <a:latin typeface="Cambria Math" panose="02040503050406030204" pitchFamily="18" charset="0"/>
+                                <a:ea typeface="Cambria Math" panose="02040503050406030204" pitchFamily="18" charset="0"/>
+                              </a:rPr>
+                              <m:t>𝜇</m:t>
+                            </m:r>
+                            <m:r>
+                              <a:rPr lang="en-US" sz="1600" i="1">
+                                <a:latin typeface="Cambria Math" panose="02040503050406030204" pitchFamily="18" charset="0"/>
+                                <a:ea typeface="Cambria Math" panose="02040503050406030204" pitchFamily="18" charset="0"/>
+                              </a:rPr>
+                              <m:t>)</m:t>
+                            </m:r>
+                          </m:e>
+                        </m:nary>
+                      </m:e>
+                      <m:sup>
+                        <m:r>
+                          <a:rPr lang="en-US" sz="1600" b="0" i="1" smtClean="0">
+                            <a:latin typeface="Cambria Math" panose="02040503050406030204" pitchFamily="18" charset="0"/>
+                            <a:ea typeface="Cambria Math" panose="02040503050406030204" pitchFamily="18" charset="0"/>
+                          </a:rPr>
+                          <m:t>2</m:t>
+                        </m:r>
+                      </m:sup>
+                    </m:sSup>
+                  </m:oMath>
+                </a14:m>
+                <a:endParaRPr lang="en-US" sz="1600" dirty="0">
+                  <a:ea typeface="Cambria Math" panose="02040503050406030204" pitchFamily="18" charset="0"/>
+                </a:endParaRPr>
+              </a:p>
+              <a:p>
+                <a:pPr marL="1199978" lvl="2" indent="-285750">
+                  <a:buFont typeface="Wingdings" panose="05000000000000000000" pitchFamily="2" charset="2"/>
+                  <a:buChar char="§"/>
+                </a:pPr>
+                <a14:m>
+                  <m:oMath xmlns:m="http://schemas.openxmlformats.org/officeDocument/2006/math">
+                    <m:sSubSup>
+                      <m:sSubSupPr>
+                        <m:ctrlPr>
+                          <a:rPr lang="en-US" sz="1600" i="1" smtClean="0">
+                            <a:latin typeface="Cambria Math" panose="02040503050406030204" pitchFamily="18" charset="0"/>
+                          </a:rPr>
+                        </m:ctrlPr>
+                      </m:sSubSupPr>
+                      <m:e>
+                        <m:r>
+                          <a:rPr lang="en-US" sz="1600" b="0" i="1" smtClean="0">
+                            <a:latin typeface="Cambria Math" panose="02040503050406030204" pitchFamily="18" charset="0"/>
+                          </a:rPr>
+                          <m:t>𝑧</m:t>
+                        </m:r>
+                      </m:e>
+                      <m:sub>
+                        <m:r>
+                          <a:rPr lang="en-US" sz="1600" b="0" i="1" smtClean="0">
+                            <a:latin typeface="Cambria Math" panose="02040503050406030204" pitchFamily="18" charset="0"/>
+                          </a:rPr>
+                          <m:t>𝑛𝑜𝑟𝑚</m:t>
+                        </m:r>
+                      </m:sub>
+                      <m:sup>
+                        <m:r>
+                          <a:rPr lang="en-US" sz="1600" b="0" i="1" smtClean="0">
+                            <a:latin typeface="Cambria Math" panose="02040503050406030204" pitchFamily="18" charset="0"/>
+                          </a:rPr>
+                          <m:t>(</m:t>
+                        </m:r>
+                        <m:r>
+                          <a:rPr lang="en-US" sz="1600" b="0" i="1" smtClean="0">
+                            <a:latin typeface="Cambria Math" panose="02040503050406030204" pitchFamily="18" charset="0"/>
+                          </a:rPr>
+                          <m:t>𝑖</m:t>
+                        </m:r>
+                        <m:r>
+                          <a:rPr lang="en-US" sz="1600" b="0" i="1" smtClean="0">
+                            <a:latin typeface="Cambria Math" panose="02040503050406030204" pitchFamily="18" charset="0"/>
+                          </a:rPr>
+                          <m:t>)</m:t>
+                        </m:r>
+                      </m:sup>
+                    </m:sSubSup>
+                  </m:oMath>
+                </a14:m>
+                <a:r>
+                  <a:rPr lang="en-US" sz="1600" dirty="0"/>
+                  <a:t>= </a:t>
+                </a:r>
+                <a14:m>
+                  <m:oMath xmlns:m="http://schemas.openxmlformats.org/officeDocument/2006/math">
+                    <m:f>
+                      <m:fPr>
+                        <m:ctrlPr>
+                          <a:rPr lang="en-US" sz="1600" i="1" smtClean="0">
+                            <a:latin typeface="Cambria Math" panose="02040503050406030204" pitchFamily="18" charset="0"/>
+                          </a:rPr>
+                        </m:ctrlPr>
+                      </m:fPr>
+                      <m:num>
+                        <m:sSup>
+                          <m:sSupPr>
+                            <m:ctrlPr>
+                              <a:rPr lang="en-US" sz="1600" i="1" smtClean="0">
+                                <a:latin typeface="Cambria Math" panose="02040503050406030204" pitchFamily="18" charset="0"/>
+                              </a:rPr>
+                            </m:ctrlPr>
+                          </m:sSupPr>
+                          <m:e>
+                            <m:r>
+                              <a:rPr lang="en-US" sz="1600" b="0" i="1" smtClean="0">
+                                <a:latin typeface="Cambria Math" panose="02040503050406030204" pitchFamily="18" charset="0"/>
+                              </a:rPr>
+                              <m:t>𝑧</m:t>
+                            </m:r>
+                          </m:e>
+                          <m:sup>
+                            <m:r>
+                              <a:rPr lang="en-US" sz="1600" b="0" i="1" smtClean="0">
+                                <a:latin typeface="Cambria Math" panose="02040503050406030204" pitchFamily="18" charset="0"/>
+                              </a:rPr>
+                              <m:t>(</m:t>
+                            </m:r>
+                            <m:r>
+                              <a:rPr lang="en-US" sz="1600" b="0" i="1" smtClean="0">
+                                <a:latin typeface="Cambria Math" panose="02040503050406030204" pitchFamily="18" charset="0"/>
+                              </a:rPr>
+                              <m:t>𝑖</m:t>
+                            </m:r>
+                            <m:r>
+                              <a:rPr lang="en-US" sz="1600" b="0" i="1" smtClean="0">
+                                <a:latin typeface="Cambria Math" panose="02040503050406030204" pitchFamily="18" charset="0"/>
+                              </a:rPr>
+                              <m:t>)</m:t>
+                            </m:r>
+                          </m:sup>
+                        </m:sSup>
+                        <m:r>
+                          <a:rPr lang="en-US" sz="1600" b="0" i="1" smtClean="0">
+                            <a:latin typeface="Cambria Math" panose="02040503050406030204" pitchFamily="18" charset="0"/>
+                          </a:rPr>
+                          <m:t> −</m:t>
+                        </m:r>
+                        <m:r>
+                          <a:rPr lang="en-US" sz="1600" i="1">
+                            <a:latin typeface="Cambria Math" panose="02040503050406030204" pitchFamily="18" charset="0"/>
+                            <a:ea typeface="Cambria Math" panose="02040503050406030204" pitchFamily="18" charset="0"/>
+                          </a:rPr>
+                          <m:t>𝜇</m:t>
+                        </m:r>
+                      </m:num>
+                      <m:den>
+                        <m:rad>
+                          <m:radPr>
+                            <m:degHide m:val="on"/>
+                            <m:ctrlPr>
+                              <a:rPr lang="en-US" sz="1600" i="1" smtClean="0">
+                                <a:latin typeface="Cambria Math" panose="02040503050406030204" pitchFamily="18" charset="0"/>
+                              </a:rPr>
+                            </m:ctrlPr>
+                          </m:radPr>
+                          <m:deg/>
+                          <m:e>
+                            <m:sSup>
+                              <m:sSupPr>
+                                <m:ctrlPr>
+                                  <a:rPr lang="en-US" sz="1600" i="1">
+                                    <a:latin typeface="Cambria Math" panose="02040503050406030204" pitchFamily="18" charset="0"/>
+                                  </a:rPr>
+                                </m:ctrlPr>
+                              </m:sSupPr>
+                              <m:e>
+                                <m:r>
+                                  <a:rPr lang="en-US" sz="1600" i="1">
+                                    <a:latin typeface="Cambria Math" panose="02040503050406030204" pitchFamily="18" charset="0"/>
+                                    <a:ea typeface="Cambria Math" panose="02040503050406030204" pitchFamily="18" charset="0"/>
+                                  </a:rPr>
+                                  <m:t>𝜎</m:t>
+                                </m:r>
+                              </m:e>
+                              <m:sup>
+                                <m:r>
+                                  <a:rPr lang="en-US" sz="1600" i="1">
+                                    <a:latin typeface="Cambria Math" panose="02040503050406030204" pitchFamily="18" charset="0"/>
+                                  </a:rPr>
+                                  <m:t>2</m:t>
+                                </m:r>
+                              </m:sup>
+                            </m:sSup>
+                            <m:r>
+                              <a:rPr lang="en-US" sz="1600" b="0" i="1" smtClean="0">
+                                <a:latin typeface="Cambria Math" panose="02040503050406030204" pitchFamily="18" charset="0"/>
+                              </a:rPr>
+                              <m:t>+ </m:t>
+                            </m:r>
+                            <m:r>
+                              <a:rPr lang="en-US" sz="1600" i="1">
+                                <a:latin typeface="Cambria Math" panose="02040503050406030204" pitchFamily="18" charset="0"/>
+                                <a:ea typeface="Cambria Math" panose="02040503050406030204" pitchFamily="18" charset="0"/>
+                              </a:rPr>
+                              <m:t>𝜀</m:t>
+                            </m:r>
+                          </m:e>
+                        </m:rad>
+                      </m:den>
+                    </m:f>
+                  </m:oMath>
+                </a14:m>
+                <a:endParaRPr lang="en-US" sz="1600" dirty="0"/>
+              </a:p>
+              <a:p>
+                <a:pPr marL="1199978" lvl="2" indent="-285750">
+                  <a:buFont typeface="Wingdings" panose="05000000000000000000" pitchFamily="2" charset="2"/>
+                  <a:buChar char="§"/>
+                </a:pPr>
+                <a14:m>
+                  <m:oMath xmlns:m="http://schemas.openxmlformats.org/officeDocument/2006/math">
+                    <m:sPre>
+                      <m:sPrePr>
+                        <m:ctrlPr>
+                          <a:rPr lang="en-US" sz="1600" i="1" smtClean="0">
+                            <a:latin typeface="Cambria Math" panose="02040503050406030204" pitchFamily="18" charset="0"/>
+                          </a:rPr>
+                        </m:ctrlPr>
+                      </m:sPrePr>
+                      <m:sub>
+                        <m:r>
+                          <a:rPr lang="en-US" sz="1600" b="0" i="1" smtClean="0">
+                            <a:latin typeface="Cambria Math" panose="02040503050406030204" pitchFamily="18" charset="0"/>
+                          </a:rPr>
+                          <m:t>𝑍</m:t>
+                        </m:r>
+                      </m:sub>
+                      <m:sup>
+                        <m:r>
+                          <a:rPr lang="en-US" b="0" i="1" smtClean="0">
+                            <a:latin typeface="Cambria Math" panose="02040503050406030204" pitchFamily="18" charset="0"/>
+                          </a:rPr>
+                          <m:t>~</m:t>
+                        </m:r>
+                      </m:sup>
+                      <m:e>
+                        <m:d>
+                          <m:dPr>
+                            <m:ctrlPr>
+                              <a:rPr lang="en-US" b="0" i="1" smtClean="0">
+                                <a:latin typeface="Cambria Math" panose="02040503050406030204" pitchFamily="18" charset="0"/>
+                              </a:rPr>
+                            </m:ctrlPr>
+                          </m:dPr>
+                          <m:e>
+                            <m:r>
+                              <a:rPr lang="en-US" b="0" i="1" smtClean="0">
+                                <a:latin typeface="Cambria Math" panose="02040503050406030204" pitchFamily="18" charset="0"/>
+                              </a:rPr>
+                              <m:t>𝑖</m:t>
+                            </m:r>
+                          </m:e>
+                        </m:d>
+                        <m:r>
+                          <a:rPr lang="en-US" b="0" i="1" smtClean="0">
+                            <a:latin typeface="Cambria Math" panose="02040503050406030204" pitchFamily="18" charset="0"/>
+                          </a:rPr>
+                          <m:t>= </m:t>
+                        </m:r>
+                        <m:r>
+                          <a:rPr lang="en-US" b="0" i="1" smtClean="0">
+                            <a:latin typeface="Cambria Math" panose="02040503050406030204" pitchFamily="18" charset="0"/>
+                            <a:ea typeface="Cambria Math" panose="02040503050406030204" pitchFamily="18" charset="0"/>
+                          </a:rPr>
+                          <m:t>𝛾</m:t>
+                        </m:r>
+                        <m:r>
+                          <a:rPr lang="en-US" b="0" i="1" smtClean="0">
+                            <a:latin typeface="Cambria Math" panose="02040503050406030204" pitchFamily="18" charset="0"/>
+                            <a:ea typeface="Cambria Math" panose="02040503050406030204" pitchFamily="18" charset="0"/>
+                          </a:rPr>
+                          <m:t>∗</m:t>
+                        </m:r>
+                      </m:e>
+                    </m:sPre>
+                  </m:oMath>
+                </a14:m>
+                <a:r>
+                  <a:rPr lang="en-US" sz="1600" dirty="0"/>
+                  <a:t> </a:t>
+                </a:r>
+                <a14:m>
+                  <m:oMath xmlns:m="http://schemas.openxmlformats.org/officeDocument/2006/math">
+                    <m:sSubSup>
+                      <m:sSubSupPr>
+                        <m:ctrlPr>
+                          <a:rPr lang="en-US" sz="1600" i="1">
+                            <a:latin typeface="Cambria Math" panose="02040503050406030204" pitchFamily="18" charset="0"/>
+                          </a:rPr>
+                        </m:ctrlPr>
+                      </m:sSubSupPr>
+                      <m:e>
+                        <m:r>
+                          <a:rPr lang="en-US" sz="1600" i="1">
+                            <a:latin typeface="Cambria Math" panose="02040503050406030204" pitchFamily="18" charset="0"/>
+                          </a:rPr>
+                          <m:t>𝑧</m:t>
+                        </m:r>
+                      </m:e>
+                      <m:sub>
+                        <m:r>
+                          <a:rPr lang="en-US" sz="1600" i="1">
+                            <a:latin typeface="Cambria Math" panose="02040503050406030204" pitchFamily="18" charset="0"/>
+                          </a:rPr>
+                          <m:t>𝑛𝑜𝑟𝑚</m:t>
+                        </m:r>
+                      </m:sub>
+                      <m:sup>
+                        <m:r>
+                          <a:rPr lang="en-US" sz="1600" i="1">
+                            <a:latin typeface="Cambria Math" panose="02040503050406030204" pitchFamily="18" charset="0"/>
+                          </a:rPr>
+                          <m:t>(</m:t>
+                        </m:r>
+                        <m:r>
+                          <a:rPr lang="en-US" sz="1600" i="1">
+                            <a:latin typeface="Cambria Math" panose="02040503050406030204" pitchFamily="18" charset="0"/>
+                          </a:rPr>
+                          <m:t>𝑖</m:t>
+                        </m:r>
+                        <m:r>
+                          <a:rPr lang="en-US" sz="1600" i="1">
+                            <a:latin typeface="Cambria Math" panose="02040503050406030204" pitchFamily="18" charset="0"/>
+                          </a:rPr>
+                          <m:t>)</m:t>
+                        </m:r>
+                      </m:sup>
+                    </m:sSubSup>
+                  </m:oMath>
+                </a14:m>
+                <a:r>
+                  <a:rPr lang="en-US" sz="1600" dirty="0"/>
+                  <a:t> + </a:t>
+                </a:r>
+                <a14:m>
+                  <m:oMath xmlns:m="http://schemas.openxmlformats.org/officeDocument/2006/math">
+                    <m:r>
+                      <a:rPr lang="en-US" sz="1600" i="1" smtClean="0">
+                        <a:latin typeface="Cambria Math" panose="02040503050406030204" pitchFamily="18" charset="0"/>
+                        <a:ea typeface="Cambria Math" panose="02040503050406030204" pitchFamily="18" charset="0"/>
+                      </a:rPr>
+                      <m:t>𝛽</m:t>
+                    </m:r>
+                  </m:oMath>
+                </a14:m>
+                <a:endParaRPr lang="en-US" sz="1600" dirty="0"/>
+              </a:p>
+              <a:p>
+                <a:pPr marL="1199978" lvl="2" indent="-285750">
+                  <a:buFont typeface="Wingdings" panose="05000000000000000000" pitchFamily="2" charset="2"/>
+                  <a:buChar char="§"/>
+                </a:pPr>
+                <a14:m>
+                  <m:oMath xmlns:m="http://schemas.openxmlformats.org/officeDocument/2006/math">
+                    <m:r>
+                      <a:rPr lang="en-US" sz="1600" i="1">
+                        <a:latin typeface="Cambria Math" panose="02040503050406030204" pitchFamily="18" charset="0"/>
+                        <a:ea typeface="Cambria Math" panose="02040503050406030204" pitchFamily="18" charset="0"/>
+                      </a:rPr>
+                      <m:t>𝛾</m:t>
+                    </m:r>
+                  </m:oMath>
+                </a14:m>
+                <a:r>
+                  <a:rPr lang="en-US" sz="1600" dirty="0"/>
+                  <a:t> = </a:t>
+                </a:r>
+                <a14:m>
+                  <m:oMath xmlns:m="http://schemas.openxmlformats.org/officeDocument/2006/math">
+                    <m:rad>
+                      <m:radPr>
+                        <m:degHide m:val="on"/>
+                        <m:ctrlPr>
+                          <a:rPr lang="en-US" sz="1600" i="1">
+                            <a:latin typeface="Cambria Math" panose="02040503050406030204" pitchFamily="18" charset="0"/>
+                          </a:rPr>
+                        </m:ctrlPr>
+                      </m:radPr>
+                      <m:deg/>
+                      <m:e>
+                        <m:sSup>
+                          <m:sSupPr>
+                            <m:ctrlPr>
+                              <a:rPr lang="en-US" sz="1600" i="1">
+                                <a:latin typeface="Cambria Math" panose="02040503050406030204" pitchFamily="18" charset="0"/>
+                              </a:rPr>
+                            </m:ctrlPr>
+                          </m:sSupPr>
+                          <m:e>
+                            <m:r>
+                              <a:rPr lang="en-US" sz="1600" i="1">
+                                <a:latin typeface="Cambria Math" panose="02040503050406030204" pitchFamily="18" charset="0"/>
+                                <a:ea typeface="Cambria Math" panose="02040503050406030204" pitchFamily="18" charset="0"/>
+                              </a:rPr>
+                              <m:t>𝜎</m:t>
+                            </m:r>
+                          </m:e>
+                          <m:sup>
+                            <m:r>
+                              <a:rPr lang="en-US" sz="1600" i="1">
+                                <a:latin typeface="Cambria Math" panose="02040503050406030204" pitchFamily="18" charset="0"/>
+                              </a:rPr>
+                              <m:t>2</m:t>
+                            </m:r>
+                          </m:sup>
+                        </m:sSup>
+                        <m:r>
+                          <a:rPr lang="en-US" sz="1600" i="1">
+                            <a:latin typeface="Cambria Math" panose="02040503050406030204" pitchFamily="18" charset="0"/>
+                          </a:rPr>
+                          <m:t>+ </m:t>
+                        </m:r>
+                        <m:r>
+                          <a:rPr lang="en-US" sz="1600" i="1">
+                            <a:latin typeface="Cambria Math" panose="02040503050406030204" pitchFamily="18" charset="0"/>
+                            <a:ea typeface="Cambria Math" panose="02040503050406030204" pitchFamily="18" charset="0"/>
+                          </a:rPr>
+                          <m:t>𝜀</m:t>
+                        </m:r>
+                      </m:e>
+                    </m:rad>
+                  </m:oMath>
+                </a14:m>
+                <a:endParaRPr lang="en-US" sz="1600" dirty="0"/>
+              </a:p>
+              <a:p>
+                <a:pPr marL="1199978" lvl="2" indent="-285750">
+                  <a:buFont typeface="Wingdings" panose="05000000000000000000" pitchFamily="2" charset="2"/>
+                  <a:buChar char="§"/>
+                </a:pPr>
+                <a:endParaRPr lang="en-US" sz="1600" dirty="0"/>
+              </a:p>
+            </p:txBody>
+          </p:sp>
+        </mc:Choice>
+        <mc:Fallback>
+          <p:sp>
+            <p:nvSpPr>
+              <p:cNvPr id="3" name="Rectangle 2">
+                <a:extLst>
+                  <a:ext uri="{FF2B5EF4-FFF2-40B4-BE49-F238E27FC236}">
+                    <a16:creationId xmlns:a16="http://schemas.microsoft.com/office/drawing/2014/main" id="{233E6793-F241-4A5E-B149-AEABB9B6A859}"/>
+                  </a:ext>
+                </a:extLst>
+              </p:cNvPr>
+              <p:cNvSpPr>
+                <a:spLocks noRot="1" noChangeAspect="1" noMove="1" noResize="1" noEditPoints="1" noAdjustHandles="1" noChangeArrowheads="1" noChangeShapeType="1" noTextEdit="1"/>
+              </p:cNvSpPr>
+              <p:nvPr/>
+            </p:nvSpPr>
+            <p:spPr>
+              <a:xfrm>
+                <a:off x="320041" y="1016000"/>
+                <a:ext cx="11191239" cy="2774029"/>
+              </a:xfrm>
+              <a:prstGeom prst="rect">
+                <a:avLst/>
+              </a:prstGeom>
+              <a:blipFill>
+                <a:blip r:embed="rId3"/>
+                <a:stretch>
+                  <a:fillRect t="-879"/>
+                </a:stretch>
+              </a:blipFill>
+            </p:spPr>
+            <p:txBody>
+              <a:bodyPr/>
+              <a:lstStyle/>
+              <a:p>
+                <a:r>
+                  <a:rPr lang="en-US">
+                    <a:noFill/>
+                  </a:rPr>
+                  <a:t> </a:t>
+                </a:r>
+              </a:p>
+            </p:txBody>
+          </p:sp>
+        </mc:Fallback>
+      </mc:AlternateContent>
+    </p:spTree>
+    <p:extLst>
+      <p:ext uri="{BB962C8B-B14F-4D97-AF65-F5344CB8AC3E}">
+        <p14:creationId xmlns:p14="http://schemas.microsoft.com/office/powerpoint/2010/main" val="1131418231"/>
+      </p:ext>
+    </p:extLst>
+  </p:cSld>
+  <p:clrMapOvr>
+    <a:masterClrMapping/>
+  </p:clrMapOvr>
+</p:sld>
+</file>
+
+<file path=ppt/slides/slide28.xml><?xml version="1.0" encoding="utf-8"?>
+<p:sld xmlns:a="http://schemas.openxmlformats.org/drawingml/2006/main" xmlns:r="http://schemas.openxmlformats.org/officeDocument/2006/relationships" xmlns:p="http://schemas.openxmlformats.org/presentationml/2006/main">
+  <p:cSld>
+    <p:spTree>
+      <p:nvGrpSpPr>
+        <p:cNvPr id="1" name=""/>
+        <p:cNvGrpSpPr/>
+        <p:nvPr/>
+      </p:nvGrpSpPr>
+      <p:grpSpPr>
+        <a:xfrm>
+          <a:off x="0" y="0"/>
+          <a:ext cx="0" cy="0"/>
+          <a:chOff x="0" y="0"/>
+          <a:chExt cx="0" cy="0"/>
+        </a:xfrm>
+      </p:grpSpPr>
+      <p:sp>
+        <p:nvSpPr>
+          <p:cNvPr id="5" name="Title 4">
+            <a:extLst>
+              <a:ext uri="{FF2B5EF4-FFF2-40B4-BE49-F238E27FC236}">
+                <a16:creationId xmlns:a16="http://schemas.microsoft.com/office/drawing/2014/main" id="{44E0868E-BCFF-4470-AA32-2E6DA01A7745}"/>
+              </a:ext>
+            </a:extLst>
+          </p:cNvPr>
+          <p:cNvSpPr>
+            <a:spLocks noGrp="1"/>
+          </p:cNvSpPr>
+          <p:nvPr>
+            <p:ph type="title"/>
+          </p:nvPr>
+        </p:nvSpPr>
+        <p:spPr>
+          <a:xfrm>
+            <a:off x="-15240" y="13063"/>
+            <a:ext cx="11429999" cy="749165"/>
+          </a:xfrm>
+        </p:spPr>
+        <p:txBody>
+          <a:bodyPr/>
+          <a:lstStyle/>
+          <a:p>
+            <a:r>
+              <a:rPr lang="en-US" dirty="0"/>
+              <a:t>3.3 Batch Normalization: Fitting batch normalization into a NN</a:t>
+            </a:r>
+          </a:p>
+        </p:txBody>
+      </p:sp>
+      <mc:AlternateContent xmlns:mc="http://schemas.openxmlformats.org/markup-compatibility/2006">
+        <mc:Choice xmlns:a14="http://schemas.microsoft.com/office/drawing/2010/main" Requires="a14">
+          <p:sp>
+            <p:nvSpPr>
+              <p:cNvPr id="3" name="Rectangle 2">
+                <a:extLst>
+                  <a:ext uri="{FF2B5EF4-FFF2-40B4-BE49-F238E27FC236}">
+                    <a16:creationId xmlns:a16="http://schemas.microsoft.com/office/drawing/2014/main" id="{233E6793-F241-4A5E-B149-AEABB9B6A859}"/>
+                  </a:ext>
+                </a:extLst>
+              </p:cNvPr>
+              <p:cNvSpPr/>
+              <p:nvPr/>
+            </p:nvSpPr>
+            <p:spPr>
+              <a:xfrm>
+                <a:off x="320041" y="1016000"/>
+                <a:ext cx="11191239" cy="2774029"/>
+              </a:xfrm>
+              <a:prstGeom prst="rect">
+                <a:avLst/>
+              </a:prstGeom>
+            </p:spPr>
+            <p:txBody>
+              <a:bodyPr wrap="square">
+                <a:spAutoFit/>
+              </a:bodyPr>
+              <a:lstStyle/>
+              <a:p>
+                <a:pPr marL="742864" lvl="1" indent="-285750">
+                  <a:buFont typeface="Wingdings" panose="05000000000000000000" pitchFamily="2" charset="2"/>
+                  <a:buChar char="v"/>
+                </a:pPr>
+                <a:r>
+                  <a:rPr lang="en-US" sz="1600" dirty="0"/>
+                  <a:t>Normalizing inputs to speed up learning.</a:t>
+                </a:r>
+              </a:p>
+              <a:p>
+                <a:pPr marL="742864" lvl="1" indent="-285750">
+                  <a:buFont typeface="Wingdings" panose="05000000000000000000" pitchFamily="2" charset="2"/>
+                  <a:buChar char="v"/>
+                </a:pPr>
+                <a:r>
+                  <a:rPr lang="en-US" sz="1600" dirty="0"/>
+                  <a:t>Implementing Batch Norm:</a:t>
+                </a:r>
+              </a:p>
+              <a:p>
+                <a:pPr marL="1199978" lvl="2" indent="-285750">
+                  <a:buFont typeface="Wingdings" panose="05000000000000000000" pitchFamily="2" charset="2"/>
+                  <a:buChar char="§"/>
+                </a:pPr>
+                <a:r>
+                  <a:rPr lang="en-US" sz="1600" dirty="0"/>
+                  <a:t>Given some intermediate values: Z</a:t>
+                </a:r>
+                <a:r>
+                  <a:rPr lang="en-US" sz="1600" baseline="30000" dirty="0"/>
+                  <a:t>[l]</a:t>
+                </a:r>
+                <a:r>
+                  <a:rPr lang="en-US" sz="1600" dirty="0"/>
+                  <a:t> = [z</a:t>
+                </a:r>
+                <a:r>
+                  <a:rPr lang="en-US" sz="1600" baseline="30000" dirty="0"/>
+                  <a:t>(1)</a:t>
+                </a:r>
+                <a:r>
+                  <a:rPr lang="en-US" sz="1600" dirty="0"/>
+                  <a:t>, …, z</a:t>
+                </a:r>
+                <a:r>
+                  <a:rPr lang="en-US" sz="1600" baseline="30000" dirty="0"/>
+                  <a:t>(m)</a:t>
+                </a:r>
+                <a:r>
+                  <a:rPr lang="en-US" sz="1600" dirty="0"/>
+                  <a:t>], </a:t>
+                </a:r>
+                <a:r>
+                  <a:rPr lang="en-US" sz="1600" dirty="0" err="1"/>
+                  <a:t>i</a:t>
+                </a:r>
+                <a:r>
+                  <a:rPr lang="en-US" sz="1600" dirty="0"/>
+                  <a:t> = [1, m].</a:t>
+                </a:r>
+              </a:p>
+              <a:p>
+                <a:pPr marL="1199978" lvl="2" indent="-285750">
+                  <a:buFont typeface="Wingdings" panose="05000000000000000000" pitchFamily="2" charset="2"/>
+                  <a:buChar char="§"/>
+                </a:pPr>
+                <a14:m>
+                  <m:oMath xmlns:m="http://schemas.openxmlformats.org/officeDocument/2006/math">
+                    <m:r>
+                      <a:rPr lang="en-US" sz="1600" i="1" smtClean="0">
+                        <a:latin typeface="Cambria Math" panose="02040503050406030204" pitchFamily="18" charset="0"/>
+                        <a:ea typeface="Cambria Math" panose="02040503050406030204" pitchFamily="18" charset="0"/>
+                      </a:rPr>
+                      <m:t>𝜇</m:t>
+                    </m:r>
+                    <m:r>
+                      <a:rPr lang="en-US" sz="1600" b="0" i="1" smtClean="0">
+                        <a:latin typeface="Cambria Math" panose="02040503050406030204" pitchFamily="18" charset="0"/>
+                        <a:ea typeface="Cambria Math" panose="02040503050406030204" pitchFamily="18" charset="0"/>
+                      </a:rPr>
+                      <m:t>= </m:t>
+                    </m:r>
+                    <m:f>
+                      <m:fPr>
+                        <m:ctrlPr>
+                          <a:rPr lang="en-US" sz="1600" b="0" i="1" smtClean="0">
+                            <a:latin typeface="Cambria Math" panose="02040503050406030204" pitchFamily="18" charset="0"/>
+                            <a:ea typeface="Cambria Math" panose="02040503050406030204" pitchFamily="18" charset="0"/>
+                          </a:rPr>
+                        </m:ctrlPr>
+                      </m:fPr>
+                      <m:num>
+                        <m:r>
+                          <a:rPr lang="en-US" sz="1600" b="0" i="1" smtClean="0">
+                            <a:latin typeface="Cambria Math" panose="02040503050406030204" pitchFamily="18" charset="0"/>
+                            <a:ea typeface="Cambria Math" panose="02040503050406030204" pitchFamily="18" charset="0"/>
+                          </a:rPr>
+                          <m:t>1</m:t>
+                        </m:r>
+                      </m:num>
+                      <m:den>
+                        <m:r>
+                          <a:rPr lang="en-US" sz="1600" b="0" i="1" smtClean="0">
+                            <a:latin typeface="Cambria Math" panose="02040503050406030204" pitchFamily="18" charset="0"/>
+                            <a:ea typeface="Cambria Math" panose="02040503050406030204" pitchFamily="18" charset="0"/>
+                          </a:rPr>
+                          <m:t>𝑚</m:t>
+                        </m:r>
+                      </m:den>
+                    </m:f>
+                    <m:nary>
+                      <m:naryPr>
+                        <m:chr m:val="∑"/>
+                        <m:supHide m:val="on"/>
+                        <m:ctrlPr>
+                          <a:rPr lang="en-US" sz="1600" b="0" i="1" smtClean="0">
+                            <a:latin typeface="Cambria Math" panose="02040503050406030204" pitchFamily="18" charset="0"/>
+                            <a:ea typeface="Cambria Math" panose="02040503050406030204" pitchFamily="18" charset="0"/>
+                          </a:rPr>
+                        </m:ctrlPr>
+                      </m:naryPr>
+                      <m:sub>
+                        <m:r>
+                          <m:rPr>
+                            <m:brk m:alnAt="7"/>
+                          </m:rPr>
+                          <a:rPr lang="en-US" sz="1600" b="0" i="1" smtClean="0">
+                            <a:latin typeface="Cambria Math" panose="02040503050406030204" pitchFamily="18" charset="0"/>
+                            <a:ea typeface="Cambria Math" panose="02040503050406030204" pitchFamily="18" charset="0"/>
+                          </a:rPr>
+                          <m:t>𝑖</m:t>
+                        </m:r>
+                      </m:sub>
+                      <m:sup/>
+                      <m:e>
+                        <m:sSup>
+                          <m:sSupPr>
+                            <m:ctrlPr>
+                              <a:rPr lang="en-US" sz="1600" b="0" i="1" smtClean="0">
+                                <a:latin typeface="Cambria Math" panose="02040503050406030204" pitchFamily="18" charset="0"/>
+                                <a:ea typeface="Cambria Math" panose="02040503050406030204" pitchFamily="18" charset="0"/>
+                              </a:rPr>
+                            </m:ctrlPr>
+                          </m:sSupPr>
+                          <m:e>
+                            <m:r>
+                              <a:rPr lang="en-US" sz="1600" b="0" i="1" smtClean="0">
+                                <a:latin typeface="Cambria Math" panose="02040503050406030204" pitchFamily="18" charset="0"/>
+                                <a:ea typeface="Cambria Math" panose="02040503050406030204" pitchFamily="18" charset="0"/>
+                              </a:rPr>
+                              <m:t>𝑧</m:t>
+                            </m:r>
+                          </m:e>
+                          <m:sup>
+                            <m:r>
+                              <a:rPr lang="en-US" sz="1600" b="0" i="1" smtClean="0">
+                                <a:latin typeface="Cambria Math" panose="02040503050406030204" pitchFamily="18" charset="0"/>
+                                <a:ea typeface="Cambria Math" panose="02040503050406030204" pitchFamily="18" charset="0"/>
+                              </a:rPr>
+                              <m:t>(</m:t>
+                            </m:r>
+                            <m:r>
+                              <a:rPr lang="en-US" sz="1600" b="0" i="1" smtClean="0">
+                                <a:latin typeface="Cambria Math" panose="02040503050406030204" pitchFamily="18" charset="0"/>
+                                <a:ea typeface="Cambria Math" panose="02040503050406030204" pitchFamily="18" charset="0"/>
+                              </a:rPr>
+                              <m:t>𝑖</m:t>
+                            </m:r>
+                            <m:r>
+                              <a:rPr lang="en-US" sz="1600" b="0" i="1" smtClean="0">
+                                <a:latin typeface="Cambria Math" panose="02040503050406030204" pitchFamily="18" charset="0"/>
+                                <a:ea typeface="Cambria Math" panose="02040503050406030204" pitchFamily="18" charset="0"/>
+                              </a:rPr>
+                              <m:t>)</m:t>
+                            </m:r>
+                          </m:sup>
+                        </m:sSup>
+                      </m:e>
+                    </m:nary>
+                  </m:oMath>
+                </a14:m>
+                <a:endParaRPr lang="en-US" sz="1600" dirty="0"/>
+              </a:p>
+              <a:p>
+                <a:pPr marL="1199978" lvl="2" indent="-285750">
+                  <a:buFont typeface="Wingdings" panose="05000000000000000000" pitchFamily="2" charset="2"/>
+                  <a:buChar char="§"/>
+                </a:pPr>
+                <a14:m>
+                  <m:oMath xmlns:m="http://schemas.openxmlformats.org/officeDocument/2006/math">
+                    <m:sSup>
+                      <m:sSupPr>
+                        <m:ctrlPr>
+                          <a:rPr lang="en-US" sz="1600" i="1" smtClean="0">
+                            <a:latin typeface="Cambria Math" panose="02040503050406030204" pitchFamily="18" charset="0"/>
+                          </a:rPr>
+                        </m:ctrlPr>
+                      </m:sSupPr>
+                      <m:e>
+                        <m:r>
+                          <a:rPr lang="en-US" sz="1600" i="1" smtClean="0">
+                            <a:latin typeface="Cambria Math" panose="02040503050406030204" pitchFamily="18" charset="0"/>
+                            <a:ea typeface="Cambria Math" panose="02040503050406030204" pitchFamily="18" charset="0"/>
+                          </a:rPr>
+                          <m:t>𝜎</m:t>
+                        </m:r>
+                      </m:e>
+                      <m:sup>
+                        <m:r>
+                          <a:rPr lang="en-US" sz="1600" b="0" i="1" smtClean="0">
+                            <a:latin typeface="Cambria Math" panose="02040503050406030204" pitchFamily="18" charset="0"/>
+                          </a:rPr>
+                          <m:t>2</m:t>
+                        </m:r>
+                      </m:sup>
+                    </m:sSup>
+                    <m:r>
+                      <a:rPr lang="en-US" sz="1600" b="0" i="1" smtClean="0">
+                        <a:latin typeface="Cambria Math" panose="02040503050406030204" pitchFamily="18" charset="0"/>
+                      </a:rPr>
+                      <m:t>= </m:t>
+                    </m:r>
+                    <m:f>
+                      <m:fPr>
+                        <m:ctrlPr>
+                          <a:rPr lang="en-US" sz="1600" i="1">
+                            <a:latin typeface="Cambria Math" panose="02040503050406030204" pitchFamily="18" charset="0"/>
+                            <a:ea typeface="Cambria Math" panose="02040503050406030204" pitchFamily="18" charset="0"/>
+                          </a:rPr>
+                        </m:ctrlPr>
+                      </m:fPr>
+                      <m:num>
+                        <m:r>
+                          <a:rPr lang="en-US" sz="1600" i="1">
+                            <a:latin typeface="Cambria Math" panose="02040503050406030204" pitchFamily="18" charset="0"/>
+                            <a:ea typeface="Cambria Math" panose="02040503050406030204" pitchFamily="18" charset="0"/>
+                          </a:rPr>
+                          <m:t>1</m:t>
+                        </m:r>
+                      </m:num>
+                      <m:den>
+                        <m:r>
+                          <a:rPr lang="en-US" sz="1600" i="1">
+                            <a:latin typeface="Cambria Math" panose="02040503050406030204" pitchFamily="18" charset="0"/>
+                            <a:ea typeface="Cambria Math" panose="02040503050406030204" pitchFamily="18" charset="0"/>
+                          </a:rPr>
+                          <m:t>𝑚</m:t>
+                        </m:r>
+                      </m:den>
+                    </m:f>
+                    <m:sSup>
+                      <m:sSupPr>
+                        <m:ctrlPr>
+                          <a:rPr lang="en-US" sz="1600" i="1" smtClean="0">
+                            <a:latin typeface="Cambria Math" panose="02040503050406030204" pitchFamily="18" charset="0"/>
+                            <a:ea typeface="Cambria Math" panose="02040503050406030204" pitchFamily="18" charset="0"/>
+                          </a:rPr>
+                        </m:ctrlPr>
+                      </m:sSupPr>
+                      <m:e>
+                        <m:nary>
+                          <m:naryPr>
+                            <m:chr m:val="∑"/>
+                            <m:supHide m:val="on"/>
+                            <m:ctrlPr>
+                              <a:rPr lang="en-US" sz="1600" i="1">
+                                <a:latin typeface="Cambria Math" panose="02040503050406030204" pitchFamily="18" charset="0"/>
+                                <a:ea typeface="Cambria Math" panose="02040503050406030204" pitchFamily="18" charset="0"/>
+                              </a:rPr>
+                            </m:ctrlPr>
+                          </m:naryPr>
+                          <m:sub>
+                            <m:r>
+                              <m:rPr>
+                                <m:brk m:alnAt="7"/>
+                              </m:rPr>
+                              <a:rPr lang="en-US" sz="1600" i="1">
+                                <a:latin typeface="Cambria Math" panose="02040503050406030204" pitchFamily="18" charset="0"/>
+                                <a:ea typeface="Cambria Math" panose="02040503050406030204" pitchFamily="18" charset="0"/>
+                              </a:rPr>
+                              <m:t>𝑖</m:t>
+                            </m:r>
+                          </m:sub>
+                          <m:sup/>
+                          <m:e>
+                            <m:sSup>
+                              <m:sSupPr>
+                                <m:ctrlPr>
+                                  <a:rPr lang="en-US" sz="1600" i="1">
+                                    <a:latin typeface="Cambria Math" panose="02040503050406030204" pitchFamily="18" charset="0"/>
+                                    <a:ea typeface="Cambria Math" panose="02040503050406030204" pitchFamily="18" charset="0"/>
+                                  </a:rPr>
+                                </m:ctrlPr>
+                              </m:sSupPr>
+                              <m:e>
+                                <m:r>
+                                  <a:rPr lang="en-US" sz="1600" i="1">
+                                    <a:latin typeface="Cambria Math" panose="02040503050406030204" pitchFamily="18" charset="0"/>
+                                    <a:ea typeface="Cambria Math" panose="02040503050406030204" pitchFamily="18" charset="0"/>
+                                  </a:rPr>
+                                  <m:t>(</m:t>
+                                </m:r>
+                                <m:r>
+                                  <a:rPr lang="en-US" sz="1600" i="1">
+                                    <a:latin typeface="Cambria Math" panose="02040503050406030204" pitchFamily="18" charset="0"/>
+                                    <a:ea typeface="Cambria Math" panose="02040503050406030204" pitchFamily="18" charset="0"/>
+                                  </a:rPr>
+                                  <m:t>𝑧</m:t>
+                                </m:r>
+                              </m:e>
+                              <m:sup>
+                                <m:r>
+                                  <a:rPr lang="en-US" sz="1600" i="1">
+                                    <a:latin typeface="Cambria Math" panose="02040503050406030204" pitchFamily="18" charset="0"/>
+                                    <a:ea typeface="Cambria Math" panose="02040503050406030204" pitchFamily="18" charset="0"/>
+                                  </a:rPr>
+                                  <m:t>(</m:t>
+                                </m:r>
+                                <m:r>
+                                  <a:rPr lang="en-US" sz="1600" i="1">
+                                    <a:latin typeface="Cambria Math" panose="02040503050406030204" pitchFamily="18" charset="0"/>
+                                    <a:ea typeface="Cambria Math" panose="02040503050406030204" pitchFamily="18" charset="0"/>
+                                  </a:rPr>
+                                  <m:t>𝑖</m:t>
+                                </m:r>
+                                <m:r>
+                                  <a:rPr lang="en-US" sz="1600" i="1">
+                                    <a:latin typeface="Cambria Math" panose="02040503050406030204" pitchFamily="18" charset="0"/>
+                                    <a:ea typeface="Cambria Math" panose="02040503050406030204" pitchFamily="18" charset="0"/>
+                                  </a:rPr>
+                                  <m:t>)</m:t>
+                                </m:r>
+                              </m:sup>
+                            </m:sSup>
+                            <m:r>
+                              <a:rPr lang="en-US" sz="1600" i="1">
+                                <a:latin typeface="Cambria Math" panose="02040503050406030204" pitchFamily="18" charset="0"/>
+                                <a:ea typeface="Cambria Math" panose="02040503050406030204" pitchFamily="18" charset="0"/>
+                              </a:rPr>
+                              <m:t> −</m:t>
+                            </m:r>
+                            <m:r>
+                              <a:rPr lang="en-US" sz="1600" i="1">
+                                <a:latin typeface="Cambria Math" panose="02040503050406030204" pitchFamily="18" charset="0"/>
+                                <a:ea typeface="Cambria Math" panose="02040503050406030204" pitchFamily="18" charset="0"/>
+                              </a:rPr>
+                              <m:t>𝜇</m:t>
+                            </m:r>
+                            <m:r>
+                              <a:rPr lang="en-US" sz="1600" i="1">
+                                <a:latin typeface="Cambria Math" panose="02040503050406030204" pitchFamily="18" charset="0"/>
+                                <a:ea typeface="Cambria Math" panose="02040503050406030204" pitchFamily="18" charset="0"/>
+                              </a:rPr>
+                              <m:t>)</m:t>
+                            </m:r>
+                          </m:e>
+                        </m:nary>
+                      </m:e>
+                      <m:sup>
+                        <m:r>
+                          <a:rPr lang="en-US" sz="1600" b="0" i="1" smtClean="0">
+                            <a:latin typeface="Cambria Math" panose="02040503050406030204" pitchFamily="18" charset="0"/>
+                            <a:ea typeface="Cambria Math" panose="02040503050406030204" pitchFamily="18" charset="0"/>
+                          </a:rPr>
+                          <m:t>2</m:t>
+                        </m:r>
+                      </m:sup>
+                    </m:sSup>
+                  </m:oMath>
+                </a14:m>
+                <a:endParaRPr lang="en-US" sz="1600" dirty="0">
+                  <a:ea typeface="Cambria Math" panose="02040503050406030204" pitchFamily="18" charset="0"/>
+                </a:endParaRPr>
+              </a:p>
+              <a:p>
+                <a:pPr marL="1199978" lvl="2" indent="-285750">
+                  <a:buFont typeface="Wingdings" panose="05000000000000000000" pitchFamily="2" charset="2"/>
+                  <a:buChar char="§"/>
+                </a:pPr>
+                <a14:m>
+                  <m:oMath xmlns:m="http://schemas.openxmlformats.org/officeDocument/2006/math">
+                    <m:sSubSup>
+                      <m:sSubSupPr>
+                        <m:ctrlPr>
+                          <a:rPr lang="en-US" sz="1600" i="1" smtClean="0">
+                            <a:latin typeface="Cambria Math" panose="02040503050406030204" pitchFamily="18" charset="0"/>
+                          </a:rPr>
+                        </m:ctrlPr>
+                      </m:sSubSupPr>
+                      <m:e>
+                        <m:r>
+                          <a:rPr lang="en-US" sz="1600" b="0" i="1" smtClean="0">
+                            <a:latin typeface="Cambria Math" panose="02040503050406030204" pitchFamily="18" charset="0"/>
+                          </a:rPr>
+                          <m:t>𝑧</m:t>
+                        </m:r>
+                      </m:e>
+                      <m:sub>
+                        <m:r>
+                          <a:rPr lang="en-US" sz="1600" b="0" i="1" smtClean="0">
+                            <a:latin typeface="Cambria Math" panose="02040503050406030204" pitchFamily="18" charset="0"/>
+                          </a:rPr>
+                          <m:t>𝑛𝑜𝑟𝑚</m:t>
+                        </m:r>
+                      </m:sub>
+                      <m:sup>
+                        <m:r>
+                          <a:rPr lang="en-US" sz="1600" b="0" i="1" smtClean="0">
+                            <a:latin typeface="Cambria Math" panose="02040503050406030204" pitchFamily="18" charset="0"/>
+                          </a:rPr>
+                          <m:t>(</m:t>
+                        </m:r>
+                        <m:r>
+                          <a:rPr lang="en-US" sz="1600" b="0" i="1" smtClean="0">
+                            <a:latin typeface="Cambria Math" panose="02040503050406030204" pitchFamily="18" charset="0"/>
+                          </a:rPr>
+                          <m:t>𝑖</m:t>
+                        </m:r>
+                        <m:r>
+                          <a:rPr lang="en-US" sz="1600" b="0" i="1" smtClean="0">
+                            <a:latin typeface="Cambria Math" panose="02040503050406030204" pitchFamily="18" charset="0"/>
+                          </a:rPr>
+                          <m:t>)</m:t>
+                        </m:r>
+                      </m:sup>
+                    </m:sSubSup>
+                  </m:oMath>
+                </a14:m>
+                <a:r>
+                  <a:rPr lang="en-US" sz="1600" dirty="0"/>
+                  <a:t>= </a:t>
+                </a:r>
+                <a14:m>
+                  <m:oMath xmlns:m="http://schemas.openxmlformats.org/officeDocument/2006/math">
+                    <m:f>
+                      <m:fPr>
+                        <m:ctrlPr>
+                          <a:rPr lang="en-US" sz="1600" i="1" smtClean="0">
+                            <a:latin typeface="Cambria Math" panose="02040503050406030204" pitchFamily="18" charset="0"/>
+                          </a:rPr>
+                        </m:ctrlPr>
+                      </m:fPr>
+                      <m:num>
+                        <m:sSup>
+                          <m:sSupPr>
+                            <m:ctrlPr>
+                              <a:rPr lang="en-US" sz="1600" i="1" smtClean="0">
+                                <a:latin typeface="Cambria Math" panose="02040503050406030204" pitchFamily="18" charset="0"/>
+                              </a:rPr>
+                            </m:ctrlPr>
+                          </m:sSupPr>
+                          <m:e>
+                            <m:r>
+                              <a:rPr lang="en-US" sz="1600" b="0" i="1" smtClean="0">
+                                <a:latin typeface="Cambria Math" panose="02040503050406030204" pitchFamily="18" charset="0"/>
+                              </a:rPr>
+                              <m:t>𝑧</m:t>
+                            </m:r>
+                          </m:e>
+                          <m:sup>
+                            <m:r>
+                              <a:rPr lang="en-US" sz="1600" b="0" i="1" smtClean="0">
+                                <a:latin typeface="Cambria Math" panose="02040503050406030204" pitchFamily="18" charset="0"/>
+                              </a:rPr>
+                              <m:t>(</m:t>
+                            </m:r>
+                            <m:r>
+                              <a:rPr lang="en-US" sz="1600" b="0" i="1" smtClean="0">
+                                <a:latin typeface="Cambria Math" panose="02040503050406030204" pitchFamily="18" charset="0"/>
+                              </a:rPr>
+                              <m:t>𝑖</m:t>
+                            </m:r>
+                            <m:r>
+                              <a:rPr lang="en-US" sz="1600" b="0" i="1" smtClean="0">
+                                <a:latin typeface="Cambria Math" panose="02040503050406030204" pitchFamily="18" charset="0"/>
+                              </a:rPr>
+                              <m:t>)</m:t>
+                            </m:r>
+                          </m:sup>
+                        </m:sSup>
+                        <m:r>
+                          <a:rPr lang="en-US" sz="1600" b="0" i="1" smtClean="0">
+                            <a:latin typeface="Cambria Math" panose="02040503050406030204" pitchFamily="18" charset="0"/>
+                          </a:rPr>
+                          <m:t> −</m:t>
+                        </m:r>
+                        <m:r>
+                          <a:rPr lang="en-US" sz="1600" i="1">
+                            <a:latin typeface="Cambria Math" panose="02040503050406030204" pitchFamily="18" charset="0"/>
+                            <a:ea typeface="Cambria Math" panose="02040503050406030204" pitchFamily="18" charset="0"/>
+                          </a:rPr>
+                          <m:t>𝜇</m:t>
+                        </m:r>
+                      </m:num>
+                      <m:den>
+                        <m:rad>
+                          <m:radPr>
+                            <m:degHide m:val="on"/>
+                            <m:ctrlPr>
+                              <a:rPr lang="en-US" sz="1600" i="1" smtClean="0">
+                                <a:latin typeface="Cambria Math" panose="02040503050406030204" pitchFamily="18" charset="0"/>
+                              </a:rPr>
+                            </m:ctrlPr>
+                          </m:radPr>
+                          <m:deg/>
+                          <m:e>
+                            <m:sSup>
+                              <m:sSupPr>
+                                <m:ctrlPr>
+                                  <a:rPr lang="en-US" sz="1600" i="1">
+                                    <a:latin typeface="Cambria Math" panose="02040503050406030204" pitchFamily="18" charset="0"/>
+                                  </a:rPr>
+                                </m:ctrlPr>
+                              </m:sSupPr>
+                              <m:e>
+                                <m:r>
+                                  <a:rPr lang="en-US" sz="1600" i="1">
+                                    <a:latin typeface="Cambria Math" panose="02040503050406030204" pitchFamily="18" charset="0"/>
+                                    <a:ea typeface="Cambria Math" panose="02040503050406030204" pitchFamily="18" charset="0"/>
+                                  </a:rPr>
+                                  <m:t>𝜎</m:t>
+                                </m:r>
+                              </m:e>
+                              <m:sup>
+                                <m:r>
+                                  <a:rPr lang="en-US" sz="1600" i="1">
+                                    <a:latin typeface="Cambria Math" panose="02040503050406030204" pitchFamily="18" charset="0"/>
+                                  </a:rPr>
+                                  <m:t>2</m:t>
+                                </m:r>
+                              </m:sup>
+                            </m:sSup>
+                            <m:r>
+                              <a:rPr lang="en-US" sz="1600" b="0" i="1" smtClean="0">
+                                <a:latin typeface="Cambria Math" panose="02040503050406030204" pitchFamily="18" charset="0"/>
+                              </a:rPr>
+                              <m:t>+ </m:t>
+                            </m:r>
+                            <m:r>
+                              <a:rPr lang="en-US" sz="1600" i="1">
+                                <a:latin typeface="Cambria Math" panose="02040503050406030204" pitchFamily="18" charset="0"/>
+                                <a:ea typeface="Cambria Math" panose="02040503050406030204" pitchFamily="18" charset="0"/>
+                              </a:rPr>
+                              <m:t>𝜀</m:t>
+                            </m:r>
+                          </m:e>
+                        </m:rad>
+                      </m:den>
+                    </m:f>
+                  </m:oMath>
+                </a14:m>
+                <a:endParaRPr lang="en-US" sz="1600" dirty="0"/>
+              </a:p>
+              <a:p>
+                <a:pPr marL="1199978" lvl="2" indent="-285750">
+                  <a:buFont typeface="Wingdings" panose="05000000000000000000" pitchFamily="2" charset="2"/>
+                  <a:buChar char="§"/>
+                </a:pPr>
+                <a14:m>
+                  <m:oMath xmlns:m="http://schemas.openxmlformats.org/officeDocument/2006/math">
+                    <m:sPre>
+                      <m:sPrePr>
+                        <m:ctrlPr>
+                          <a:rPr lang="en-US" sz="1600" i="1" smtClean="0">
+                            <a:latin typeface="Cambria Math" panose="02040503050406030204" pitchFamily="18" charset="0"/>
+                          </a:rPr>
+                        </m:ctrlPr>
+                      </m:sPrePr>
+                      <m:sub>
+                        <m:r>
+                          <a:rPr lang="en-US" sz="1600" b="0" i="1" smtClean="0">
+                            <a:latin typeface="Cambria Math" panose="02040503050406030204" pitchFamily="18" charset="0"/>
+                          </a:rPr>
+                          <m:t>𝑍</m:t>
+                        </m:r>
+                      </m:sub>
+                      <m:sup>
+                        <m:r>
+                          <a:rPr lang="en-US" b="0" i="1" smtClean="0">
+                            <a:latin typeface="Cambria Math" panose="02040503050406030204" pitchFamily="18" charset="0"/>
+                          </a:rPr>
+                          <m:t>~</m:t>
+                        </m:r>
+                      </m:sup>
+                      <m:e>
+                        <m:d>
+                          <m:dPr>
+                            <m:ctrlPr>
+                              <a:rPr lang="en-US" b="0" i="1" smtClean="0">
+                                <a:latin typeface="Cambria Math" panose="02040503050406030204" pitchFamily="18" charset="0"/>
+                              </a:rPr>
+                            </m:ctrlPr>
+                          </m:dPr>
+                          <m:e>
+                            <m:r>
+                              <a:rPr lang="en-US" b="0" i="1" smtClean="0">
+                                <a:latin typeface="Cambria Math" panose="02040503050406030204" pitchFamily="18" charset="0"/>
+                              </a:rPr>
+                              <m:t>𝑖</m:t>
+                            </m:r>
+                          </m:e>
+                        </m:d>
+                        <m:r>
+                          <a:rPr lang="en-US" b="0" i="1" smtClean="0">
+                            <a:latin typeface="Cambria Math" panose="02040503050406030204" pitchFamily="18" charset="0"/>
+                          </a:rPr>
+                          <m:t>= </m:t>
+                        </m:r>
+                        <m:r>
+                          <a:rPr lang="en-US" b="0" i="1" smtClean="0">
+                            <a:latin typeface="Cambria Math" panose="02040503050406030204" pitchFamily="18" charset="0"/>
+                            <a:ea typeface="Cambria Math" panose="02040503050406030204" pitchFamily="18" charset="0"/>
+                          </a:rPr>
+                          <m:t>𝛾</m:t>
+                        </m:r>
+                        <m:r>
+                          <a:rPr lang="en-US" b="0" i="1" smtClean="0">
+                            <a:latin typeface="Cambria Math" panose="02040503050406030204" pitchFamily="18" charset="0"/>
+                            <a:ea typeface="Cambria Math" panose="02040503050406030204" pitchFamily="18" charset="0"/>
+                          </a:rPr>
+                          <m:t>∗</m:t>
+                        </m:r>
+                      </m:e>
+                    </m:sPre>
+                  </m:oMath>
+                </a14:m>
+                <a:r>
+                  <a:rPr lang="en-US" sz="1600" dirty="0"/>
+                  <a:t> </a:t>
+                </a:r>
+                <a14:m>
+                  <m:oMath xmlns:m="http://schemas.openxmlformats.org/officeDocument/2006/math">
+                    <m:sSubSup>
+                      <m:sSubSupPr>
+                        <m:ctrlPr>
+                          <a:rPr lang="en-US" sz="1600" i="1">
+                            <a:latin typeface="Cambria Math" panose="02040503050406030204" pitchFamily="18" charset="0"/>
+                          </a:rPr>
+                        </m:ctrlPr>
+                      </m:sSubSupPr>
+                      <m:e>
+                        <m:r>
+                          <a:rPr lang="en-US" sz="1600" i="1">
+                            <a:latin typeface="Cambria Math" panose="02040503050406030204" pitchFamily="18" charset="0"/>
+                          </a:rPr>
+                          <m:t>𝑧</m:t>
+                        </m:r>
+                      </m:e>
+                      <m:sub>
+                        <m:r>
+                          <a:rPr lang="en-US" sz="1600" i="1">
+                            <a:latin typeface="Cambria Math" panose="02040503050406030204" pitchFamily="18" charset="0"/>
+                          </a:rPr>
+                          <m:t>𝑛𝑜𝑟𝑚</m:t>
+                        </m:r>
+                      </m:sub>
+                      <m:sup>
+                        <m:r>
+                          <a:rPr lang="en-US" sz="1600" i="1">
+                            <a:latin typeface="Cambria Math" panose="02040503050406030204" pitchFamily="18" charset="0"/>
+                          </a:rPr>
+                          <m:t>(</m:t>
+                        </m:r>
+                        <m:r>
+                          <a:rPr lang="en-US" sz="1600" i="1">
+                            <a:latin typeface="Cambria Math" panose="02040503050406030204" pitchFamily="18" charset="0"/>
+                          </a:rPr>
+                          <m:t>𝑖</m:t>
+                        </m:r>
+                        <m:r>
+                          <a:rPr lang="en-US" sz="1600" i="1">
+                            <a:latin typeface="Cambria Math" panose="02040503050406030204" pitchFamily="18" charset="0"/>
+                          </a:rPr>
+                          <m:t>)</m:t>
+                        </m:r>
+                      </m:sup>
+                    </m:sSubSup>
+                  </m:oMath>
+                </a14:m>
+                <a:r>
+                  <a:rPr lang="en-US" sz="1600" dirty="0"/>
+                  <a:t> + </a:t>
+                </a:r>
+                <a14:m>
+                  <m:oMath xmlns:m="http://schemas.openxmlformats.org/officeDocument/2006/math">
+                    <m:r>
+                      <a:rPr lang="en-US" sz="1600" i="1" smtClean="0">
+                        <a:latin typeface="Cambria Math" panose="02040503050406030204" pitchFamily="18" charset="0"/>
+                        <a:ea typeface="Cambria Math" panose="02040503050406030204" pitchFamily="18" charset="0"/>
+                      </a:rPr>
+                      <m:t>𝛽</m:t>
+                    </m:r>
+                  </m:oMath>
+                </a14:m>
+                <a:endParaRPr lang="en-US" sz="1600" dirty="0"/>
+              </a:p>
+              <a:p>
+                <a:pPr marL="1199978" lvl="2" indent="-285750">
+                  <a:buFont typeface="Wingdings" panose="05000000000000000000" pitchFamily="2" charset="2"/>
+                  <a:buChar char="§"/>
+                </a:pPr>
+                <a14:m>
+                  <m:oMath xmlns:m="http://schemas.openxmlformats.org/officeDocument/2006/math">
+                    <m:r>
+                      <a:rPr lang="en-US" sz="1600" i="1">
+                        <a:latin typeface="Cambria Math" panose="02040503050406030204" pitchFamily="18" charset="0"/>
+                        <a:ea typeface="Cambria Math" panose="02040503050406030204" pitchFamily="18" charset="0"/>
+                      </a:rPr>
+                      <m:t>𝛾</m:t>
+                    </m:r>
+                  </m:oMath>
+                </a14:m>
+                <a:r>
+                  <a:rPr lang="en-US" sz="1600" dirty="0"/>
+                  <a:t> = </a:t>
+                </a:r>
+                <a14:m>
+                  <m:oMath xmlns:m="http://schemas.openxmlformats.org/officeDocument/2006/math">
+                    <m:rad>
+                      <m:radPr>
+                        <m:degHide m:val="on"/>
+                        <m:ctrlPr>
+                          <a:rPr lang="en-US" sz="1600" i="1">
+                            <a:latin typeface="Cambria Math" panose="02040503050406030204" pitchFamily="18" charset="0"/>
+                          </a:rPr>
+                        </m:ctrlPr>
+                      </m:radPr>
+                      <m:deg/>
+                      <m:e>
+                        <m:sSup>
+                          <m:sSupPr>
+                            <m:ctrlPr>
+                              <a:rPr lang="en-US" sz="1600" i="1">
+                                <a:latin typeface="Cambria Math" panose="02040503050406030204" pitchFamily="18" charset="0"/>
+                              </a:rPr>
+                            </m:ctrlPr>
+                          </m:sSupPr>
+                          <m:e>
+                            <m:r>
+                              <a:rPr lang="en-US" sz="1600" i="1">
+                                <a:latin typeface="Cambria Math" panose="02040503050406030204" pitchFamily="18" charset="0"/>
+                                <a:ea typeface="Cambria Math" panose="02040503050406030204" pitchFamily="18" charset="0"/>
+                              </a:rPr>
+                              <m:t>𝜎</m:t>
+                            </m:r>
+                          </m:e>
+                          <m:sup>
+                            <m:r>
+                              <a:rPr lang="en-US" sz="1600" i="1">
+                                <a:latin typeface="Cambria Math" panose="02040503050406030204" pitchFamily="18" charset="0"/>
+                              </a:rPr>
+                              <m:t>2</m:t>
+                            </m:r>
+                          </m:sup>
+                        </m:sSup>
+                        <m:r>
+                          <a:rPr lang="en-US" sz="1600" i="1">
+                            <a:latin typeface="Cambria Math" panose="02040503050406030204" pitchFamily="18" charset="0"/>
+                          </a:rPr>
+                          <m:t>+ </m:t>
+                        </m:r>
+                        <m:r>
+                          <a:rPr lang="en-US" sz="1600" i="1">
+                            <a:latin typeface="Cambria Math" panose="02040503050406030204" pitchFamily="18" charset="0"/>
+                            <a:ea typeface="Cambria Math" panose="02040503050406030204" pitchFamily="18" charset="0"/>
+                          </a:rPr>
+                          <m:t>𝜀</m:t>
+                        </m:r>
+                      </m:e>
+                    </m:rad>
+                  </m:oMath>
+                </a14:m>
+                <a:endParaRPr lang="en-US" sz="1600" dirty="0"/>
+              </a:p>
+              <a:p>
+                <a:pPr marL="1199978" lvl="2" indent="-285750">
+                  <a:buFont typeface="Wingdings" panose="05000000000000000000" pitchFamily="2" charset="2"/>
+                  <a:buChar char="§"/>
+                </a:pPr>
+                <a:endParaRPr lang="en-US" sz="1600" dirty="0"/>
+              </a:p>
+            </p:txBody>
+          </p:sp>
+        </mc:Choice>
+        <mc:Fallback>
+          <p:sp>
+            <p:nvSpPr>
+              <p:cNvPr id="3" name="Rectangle 2">
+                <a:extLst>
+                  <a:ext uri="{FF2B5EF4-FFF2-40B4-BE49-F238E27FC236}">
+                    <a16:creationId xmlns:a16="http://schemas.microsoft.com/office/drawing/2014/main" id="{233E6793-F241-4A5E-B149-AEABB9B6A859}"/>
+                  </a:ext>
+                </a:extLst>
+              </p:cNvPr>
+              <p:cNvSpPr>
+                <a:spLocks noRot="1" noChangeAspect="1" noMove="1" noResize="1" noEditPoints="1" noAdjustHandles="1" noChangeArrowheads="1" noChangeShapeType="1" noTextEdit="1"/>
+              </p:cNvSpPr>
+              <p:nvPr/>
+            </p:nvSpPr>
+            <p:spPr>
+              <a:xfrm>
+                <a:off x="320041" y="1016000"/>
+                <a:ext cx="11191239" cy="2774029"/>
+              </a:xfrm>
+              <a:prstGeom prst="rect">
+                <a:avLst/>
+              </a:prstGeom>
+              <a:blipFill>
+                <a:blip r:embed="rId3"/>
+                <a:stretch>
+                  <a:fillRect t="-879"/>
+                </a:stretch>
+              </a:blipFill>
+            </p:spPr>
+            <p:txBody>
+              <a:bodyPr/>
+              <a:lstStyle/>
+              <a:p>
+                <a:r>
+                  <a:rPr lang="en-US">
+                    <a:noFill/>
+                  </a:rPr>
+                  <a:t> </a:t>
+                </a:r>
+              </a:p>
+            </p:txBody>
+          </p:sp>
+        </mc:Fallback>
+      </mc:AlternateContent>
+    </p:spTree>
+    <p:extLst>
+      <p:ext uri="{BB962C8B-B14F-4D97-AF65-F5344CB8AC3E}">
+        <p14:creationId xmlns:p14="http://schemas.microsoft.com/office/powerpoint/2010/main" val="100742771"/>
+      </p:ext>
+    </p:extLst>
+  </p:cSld>
+  <p:clrMapOvr>
+    <a:masterClrMapping/>
+  </p:clrMapOvr>
+</p:sld>
+</file>
+
+<file path=ppt/slides/slide29.xml><?xml version="1.0" encoding="utf-8"?>
+<p:sld xmlns:a="http://schemas.openxmlformats.org/drawingml/2006/main" xmlns:r="http://schemas.openxmlformats.org/officeDocument/2006/relationships" xmlns:p="http://schemas.openxmlformats.org/presentationml/2006/main">
+  <p:cSld>
+    <p:spTree>
+      <p:nvGrpSpPr>
+        <p:cNvPr id="1" name=""/>
+        <p:cNvGrpSpPr/>
+        <p:nvPr/>
+      </p:nvGrpSpPr>
+      <p:grpSpPr>
+        <a:xfrm>
+          <a:off x="0" y="0"/>
+          <a:ext cx="0" cy="0"/>
+          <a:chOff x="0" y="0"/>
+          <a:chExt cx="0" cy="0"/>
+        </a:xfrm>
+      </p:grpSpPr>
+      <p:sp>
+        <p:nvSpPr>
+          <p:cNvPr id="5" name="Title 4">
+            <a:extLst>
+              <a:ext uri="{FF2B5EF4-FFF2-40B4-BE49-F238E27FC236}">
+                <a16:creationId xmlns:a16="http://schemas.microsoft.com/office/drawing/2014/main" id="{44E0868E-BCFF-4470-AA32-2E6DA01A7745}"/>
+              </a:ext>
+            </a:extLst>
+          </p:cNvPr>
+          <p:cNvSpPr>
+            <a:spLocks noGrp="1"/>
+          </p:cNvSpPr>
+          <p:nvPr>
+            <p:ph type="title"/>
+          </p:nvPr>
+        </p:nvSpPr>
+        <p:spPr>
+          <a:xfrm>
+            <a:off x="-15240" y="13063"/>
+            <a:ext cx="11429999" cy="749165"/>
+          </a:xfrm>
+        </p:spPr>
+        <p:txBody>
+          <a:bodyPr/>
+          <a:lstStyle/>
+          <a:p>
+            <a:r>
+              <a:rPr lang="en-US" dirty="0"/>
+              <a:t>3.3 Batch Normalization: Why does batch normalization work ?</a:t>
+            </a:r>
+          </a:p>
+        </p:txBody>
+      </p:sp>
+      <p:sp>
+        <p:nvSpPr>
+          <p:cNvPr id="3" name="Rectangle 2">
+            <a:extLst>
+              <a:ext uri="{FF2B5EF4-FFF2-40B4-BE49-F238E27FC236}">
+                <a16:creationId xmlns:a16="http://schemas.microsoft.com/office/drawing/2014/main" id="{233E6793-F241-4A5E-B149-AEABB9B6A859}"/>
+              </a:ext>
+            </a:extLst>
+          </p:cNvPr>
+          <p:cNvSpPr/>
+          <p:nvPr/>
+        </p:nvSpPr>
+        <p:spPr>
+          <a:xfrm>
+            <a:off x="320041" y="1016000"/>
+            <a:ext cx="6426199" cy="3785652"/>
+          </a:xfrm>
+          <a:prstGeom prst="rect">
+            <a:avLst/>
+          </a:prstGeom>
+        </p:spPr>
+        <p:txBody>
+          <a:bodyPr wrap="square">
+            <a:spAutoFit/>
+          </a:bodyPr>
+          <a:lstStyle/>
+          <a:p>
+            <a:pPr marL="742864" lvl="1" indent="-285750">
+              <a:buFont typeface="Wingdings" panose="05000000000000000000" pitchFamily="2" charset="2"/>
+              <a:buChar char="v"/>
+            </a:pPr>
+            <a:r>
+              <a:rPr lang="en-US" sz="1600" dirty="0"/>
+              <a:t>Fitting batch normalization into a neural network</a:t>
+            </a:r>
+          </a:p>
+          <a:p>
+            <a:pPr marL="742864" lvl="1" indent="-285750">
+              <a:buFont typeface="Wingdings" panose="05000000000000000000" pitchFamily="2" charset="2"/>
+              <a:buChar char="§"/>
+            </a:pPr>
+            <a:r>
+              <a:rPr lang="en-US" sz="1600" dirty="0"/>
+              <a:t>Consider 3 hidden layers NN.</a:t>
+            </a:r>
+          </a:p>
+          <a:p>
+            <a:pPr marL="742864" lvl="1" indent="-285750">
+              <a:buFont typeface="Wingdings" panose="05000000000000000000" pitchFamily="2" charset="2"/>
+              <a:buChar char="§"/>
+            </a:pPr>
+            <a:r>
+              <a:rPr lang="en-US" sz="1600" dirty="0"/>
+              <a:t>NN parameters: W</a:t>
+            </a:r>
+            <a:r>
+              <a:rPr lang="en-US" sz="1600" baseline="30000" dirty="0"/>
+              <a:t>[1]</a:t>
+            </a:r>
+            <a:r>
+              <a:rPr lang="en-US" sz="1600" dirty="0"/>
+              <a:t>, b</a:t>
+            </a:r>
+            <a:r>
+              <a:rPr lang="en-US" sz="1600" baseline="30000" dirty="0"/>
+              <a:t>[1]</a:t>
+            </a:r>
+            <a:r>
+              <a:rPr lang="en-US" sz="1600" dirty="0"/>
+              <a:t>, W</a:t>
+            </a:r>
+            <a:r>
+              <a:rPr lang="en-US" sz="1600" baseline="30000" dirty="0"/>
+              <a:t>[2]</a:t>
+            </a:r>
+            <a:r>
+              <a:rPr lang="en-US" sz="1600" dirty="0"/>
+              <a:t>, b</a:t>
+            </a:r>
+            <a:r>
+              <a:rPr lang="en-US" sz="1600" baseline="30000" dirty="0"/>
+              <a:t>[2]</a:t>
+            </a:r>
+            <a:r>
+              <a:rPr lang="en-US" sz="1600" dirty="0"/>
+              <a:t>, beta</a:t>
+            </a:r>
+            <a:r>
+              <a:rPr lang="en-US" sz="1600" baseline="30000" dirty="0"/>
+              <a:t>[1]</a:t>
+            </a:r>
+            <a:r>
+              <a:rPr lang="en-US" sz="1600" dirty="0"/>
+              <a:t>, alpha</a:t>
+            </a:r>
+            <a:r>
+              <a:rPr lang="en-US" sz="1600" baseline="30000" dirty="0"/>
+              <a:t>[1]</a:t>
+            </a:r>
+            <a:r>
+              <a:rPr lang="en-US" sz="1600" dirty="0"/>
+              <a:t>,</a:t>
+            </a:r>
+            <a:br>
+              <a:rPr lang="en-US" sz="1600" dirty="0"/>
+            </a:br>
+            <a:r>
+              <a:rPr lang="en-US" sz="1600" dirty="0"/>
+              <a:t>beta</a:t>
+            </a:r>
+            <a:r>
+              <a:rPr lang="en-US" sz="1600" baseline="30000" dirty="0"/>
+              <a:t>[2]</a:t>
+            </a:r>
+            <a:r>
+              <a:rPr lang="en-US" sz="1600" dirty="0"/>
+              <a:t>, alpha</a:t>
+            </a:r>
+            <a:r>
+              <a:rPr lang="en-US" sz="1600" baseline="30000" dirty="0"/>
+              <a:t>[2]</a:t>
+            </a:r>
+          </a:p>
+          <a:p>
+            <a:pPr marL="742864" lvl="1" indent="-285750">
+              <a:buFont typeface="Wingdings" panose="05000000000000000000" pitchFamily="2" charset="2"/>
+              <a:buChar char="§"/>
+            </a:pPr>
+            <a:r>
+              <a:rPr lang="en-US" sz="1600" dirty="0"/>
+              <a:t>Shapes: </a:t>
+            </a:r>
+          </a:p>
+          <a:p>
+            <a:pPr marL="1199978" lvl="2" indent="-285750">
+              <a:buFont typeface="Wingdings" panose="05000000000000000000" pitchFamily="2" charset="2"/>
+              <a:buChar char="§"/>
+            </a:pPr>
+            <a:r>
+              <a:rPr lang="en-US" sz="1600" dirty="0"/>
+              <a:t>beta</a:t>
+            </a:r>
+            <a:r>
+              <a:rPr lang="en-US" sz="1600" baseline="30000" dirty="0"/>
+              <a:t>[l]</a:t>
+            </a:r>
+            <a:r>
+              <a:rPr lang="en-US" sz="1600" dirty="0"/>
+              <a:t>, z</a:t>
+            </a:r>
+            <a:r>
+              <a:rPr lang="en-US" sz="1600" baseline="30000" dirty="0"/>
+              <a:t>[l]</a:t>
+            </a:r>
+            <a:r>
+              <a:rPr lang="en-US" sz="1600" dirty="0"/>
+              <a:t>, gamma</a:t>
+            </a:r>
+            <a:r>
+              <a:rPr lang="en-US" sz="1600" baseline="30000" dirty="0"/>
+              <a:t>[l]</a:t>
+            </a:r>
+            <a:r>
+              <a:rPr lang="en-US" sz="1600" dirty="0"/>
+              <a:t> – (n</a:t>
+            </a:r>
+            <a:r>
+              <a:rPr lang="en-US" sz="1600" baseline="30000" dirty="0"/>
+              <a:t>[l]</a:t>
+            </a:r>
+            <a:r>
+              <a:rPr lang="en-US" sz="1600" dirty="0"/>
+              <a:t>, m)</a:t>
+            </a:r>
+          </a:p>
+          <a:p>
+            <a:pPr marL="1199978" lvl="2" indent="-285750">
+              <a:buFont typeface="Wingdings" panose="05000000000000000000" pitchFamily="2" charset="2"/>
+              <a:buChar char="§"/>
+            </a:pPr>
+            <a:endParaRPr lang="en-US" sz="1600" dirty="0"/>
+          </a:p>
+          <a:p>
+            <a:pPr marL="1199978" lvl="2" indent="-285750">
+              <a:buFont typeface="Wingdings" panose="05000000000000000000" pitchFamily="2" charset="2"/>
+              <a:buChar char="§"/>
+            </a:pPr>
+            <a:endParaRPr lang="en-US" sz="1600" dirty="0"/>
+          </a:p>
+          <a:p>
+            <a:pPr marL="1199978" lvl="2" indent="-285750">
+              <a:buFont typeface="Wingdings" panose="05000000000000000000" pitchFamily="2" charset="2"/>
+              <a:buChar char="§"/>
+            </a:pPr>
+            <a:endParaRPr lang="en-US" sz="1600" dirty="0"/>
+          </a:p>
+          <a:p>
+            <a:pPr lvl="2"/>
+            <a:endParaRPr lang="en-US" sz="1600" dirty="0"/>
+          </a:p>
+          <a:p>
+            <a:pPr marL="1199978" lvl="2" indent="-285750">
+              <a:buFont typeface="Wingdings" panose="05000000000000000000" pitchFamily="2" charset="2"/>
+              <a:buChar char="§"/>
+            </a:pPr>
+            <a:endParaRPr lang="en-US" sz="1600" dirty="0"/>
+          </a:p>
+          <a:p>
+            <a:pPr marL="742864" lvl="1" indent="-285750">
+              <a:buFont typeface="Wingdings" panose="05000000000000000000" pitchFamily="2" charset="2"/>
+              <a:buChar char="v"/>
+            </a:pPr>
+            <a:r>
+              <a:rPr lang="en-US" sz="1600" dirty="0"/>
+              <a:t>Why dose batch normalization work </a:t>
+            </a:r>
+            <a:r>
+              <a:rPr lang="en-US" sz="1600"/>
+              <a:t>? </a:t>
+            </a:r>
+            <a:endParaRPr lang="en-US" sz="1600" dirty="0"/>
+          </a:p>
+          <a:p>
+            <a:pPr marL="1199978" lvl="2" indent="-285750">
+              <a:buFont typeface="Wingdings" panose="05000000000000000000" pitchFamily="2" charset="2"/>
+              <a:buChar char="§"/>
+            </a:pPr>
+            <a:r>
+              <a:rPr lang="en-US" sz="1600" dirty="0"/>
+              <a:t>Normalize X</a:t>
+            </a:r>
+          </a:p>
+          <a:p>
+            <a:pPr marL="1199978" lvl="2" indent="-285750">
+              <a:buFont typeface="Wingdings" panose="05000000000000000000" pitchFamily="2" charset="2"/>
+              <a:buChar char="§"/>
+            </a:pPr>
+            <a:r>
+              <a:rPr lang="en-US" sz="1600" dirty="0"/>
+              <a:t>Batch normalization reduces the problem of input values changing.</a:t>
+            </a:r>
+          </a:p>
+        </p:txBody>
+      </p:sp>
+      <p:pic>
+        <p:nvPicPr>
+          <p:cNvPr id="4" name="Picture 3">
+            <a:extLst>
+              <a:ext uri="{FF2B5EF4-FFF2-40B4-BE49-F238E27FC236}">
+                <a16:creationId xmlns:a16="http://schemas.microsoft.com/office/drawing/2014/main" id="{E8882D9A-2196-4555-A963-44D7779EBF92}"/>
+              </a:ext>
+            </a:extLst>
+          </p:cNvPr>
+          <p:cNvPicPr>
+            <a:picLocks noChangeAspect="1"/>
+          </p:cNvPicPr>
+          <p:nvPr/>
+        </p:nvPicPr>
+        <p:blipFill>
+          <a:blip r:embed="rId3"/>
+          <a:stretch>
+            <a:fillRect/>
+          </a:stretch>
+        </p:blipFill>
+        <p:spPr>
+          <a:xfrm>
+            <a:off x="6894608" y="846340"/>
+            <a:ext cx="5128704" cy="1265030"/>
+          </a:xfrm>
+          <a:prstGeom prst="rect">
+            <a:avLst/>
+          </a:prstGeom>
+        </p:spPr>
+      </p:pic>
+      <p:pic>
+        <p:nvPicPr>
+          <p:cNvPr id="7" name="Picture 6">
+            <a:extLst>
+              <a:ext uri="{FF2B5EF4-FFF2-40B4-BE49-F238E27FC236}">
+                <a16:creationId xmlns:a16="http://schemas.microsoft.com/office/drawing/2014/main" id="{7365175B-827D-4F18-9E8D-4C2C7082FDCB}"/>
+              </a:ext>
+            </a:extLst>
+          </p:cNvPr>
+          <p:cNvPicPr>
+            <a:picLocks noChangeAspect="1"/>
+          </p:cNvPicPr>
+          <p:nvPr/>
+        </p:nvPicPr>
+        <p:blipFill>
+          <a:blip r:embed="rId4"/>
+          <a:stretch>
+            <a:fillRect/>
+          </a:stretch>
+        </p:blipFill>
+        <p:spPr>
+          <a:xfrm>
+            <a:off x="2441926" y="2754155"/>
+            <a:ext cx="6515665" cy="662997"/>
+          </a:xfrm>
+          <a:prstGeom prst="rect">
+            <a:avLst/>
+          </a:prstGeom>
+        </p:spPr>
+      </p:pic>
+    </p:spTree>
+    <p:extLst>
+      <p:ext uri="{BB962C8B-B14F-4D97-AF65-F5344CB8AC3E}">
+        <p14:creationId xmlns:p14="http://schemas.microsoft.com/office/powerpoint/2010/main" val="3040374435"/>
       </p:ext>
     </p:extLst>
   </p:cSld>
@@ -13077,6 +20045,61 @@
     <p:extLst>
       <p:ext uri="{BB962C8B-B14F-4D97-AF65-F5344CB8AC3E}">
         <p14:creationId xmlns:p14="http://schemas.microsoft.com/office/powerpoint/2010/main" val="1848707428"/>
+      </p:ext>
+    </p:extLst>
+  </p:cSld>
+  <p:clrMapOvr>
+    <a:masterClrMapping/>
+  </p:clrMapOvr>
+</p:sld>
+</file>
+
+<file path=ppt/slides/slide30.xml><?xml version="1.0" encoding="utf-8"?>
+<p:sld xmlns:a="http://schemas.openxmlformats.org/drawingml/2006/main" xmlns:r="http://schemas.openxmlformats.org/officeDocument/2006/relationships" xmlns:p="http://schemas.openxmlformats.org/presentationml/2006/main">
+  <p:cSld>
+    <p:spTree>
+      <p:nvGrpSpPr>
+        <p:cNvPr id="1" name=""/>
+        <p:cNvGrpSpPr/>
+        <p:nvPr/>
+      </p:nvGrpSpPr>
+      <p:grpSpPr>
+        <a:xfrm>
+          <a:off x="0" y="0"/>
+          <a:ext cx="0" cy="0"/>
+          <a:chOff x="0" y="0"/>
+          <a:chExt cx="0" cy="0"/>
+        </a:xfrm>
+      </p:grpSpPr>
+      <p:sp>
+        <p:nvSpPr>
+          <p:cNvPr id="5" name="タイトル 4"/>
+          <p:cNvSpPr>
+            <a:spLocks noGrp="1"/>
+          </p:cNvSpPr>
+          <p:nvPr>
+            <p:ph type="title"/>
+          </p:nvPr>
+        </p:nvSpPr>
+        <p:spPr/>
+        <p:txBody>
+          <a:bodyPr/>
+          <a:lstStyle/>
+          <a:p>
+            <a:r>
+              <a:rPr lang="en-US" altLang="ja-JP" dirty="0">
+                <a:ea typeface="Toshiba Sans" panose="020B0503030403020204" pitchFamily="34" charset="0"/>
+              </a:rPr>
+              <a:t>Thank you</a:t>
+            </a:r>
+            <a:endParaRPr lang="ja-JP" altLang="en-US"/>
+          </a:p>
+        </p:txBody>
+      </p:sp>
+    </p:spTree>
+    <p:extLst>
+      <p:ext uri="{BB962C8B-B14F-4D97-AF65-F5344CB8AC3E}">
+        <p14:creationId xmlns:p14="http://schemas.microsoft.com/office/powerpoint/2010/main" val="2324302721"/>
       </p:ext>
     </p:extLst>
   </p:cSld>
